--- a/php-fw9/SMS.pptx
+++ b/php-fw9/SMS.pptx
@@ -5,17 +5,22 @@
     <p:sldMasterId id="2147484302" r:id="rId1"/>
   </p:sldMasterIdLst>
   <p:notesMasterIdLst>
-    <p:notesMasterId r:id="rId7"/>
+    <p:notesMasterId r:id="rId12"/>
   </p:notesMasterIdLst>
   <p:handoutMasterIdLst>
-    <p:handoutMasterId r:id="rId8"/>
+    <p:handoutMasterId r:id="rId13"/>
   </p:handoutMasterIdLst>
   <p:sldIdLst>
     <p:sldId id="256" r:id="rId2"/>
     <p:sldId id="404" r:id="rId3"/>
     <p:sldId id="405" r:id="rId4"/>
     <p:sldId id="406" r:id="rId5"/>
-    <p:sldId id="398" r:id="rId6"/>
+    <p:sldId id="408" r:id="rId6"/>
+    <p:sldId id="409" r:id="rId7"/>
+    <p:sldId id="410" r:id="rId8"/>
+    <p:sldId id="411" r:id="rId9"/>
+    <p:sldId id="407" r:id="rId10"/>
+    <p:sldId id="398" r:id="rId11"/>
   </p:sldIdLst>
   <p:sldSz cx="9144000" cy="6858000" type="screen4x3"/>
   <p:notesSz cx="6858000" cy="9144000"/>
@@ -146,7 +151,7 @@
   </p:defaultTextStyle>
   <p:extLst>
     <p:ext uri="{EFAFB233-063F-42B5-8137-9DF3F51BA10A}">
-      <p15:sldGuideLst xmlns:p15="http://schemas.microsoft.com/office/powerpoint/2012/main" xmlns="">
+      <p15:sldGuideLst xmlns:p15="http://schemas.microsoft.com/office/powerpoint/2012/main">
         <p15:guide id="1" orient="horz" pos="2160">
           <p15:clr>
             <a:srgbClr val="A4A3A4"/>
@@ -160,7 +165,7 @@
       </p15:sldGuideLst>
     </p:ext>
     <p:ext uri="{2D200454-40CA-4A62-9FC3-DE9A4176ACB9}">
-      <p15:notesGuideLst xmlns:p15="http://schemas.microsoft.com/office/powerpoint/2012/main" xmlns="">
+      <p15:notesGuideLst xmlns:p15="http://schemas.microsoft.com/office/powerpoint/2012/main">
         <p15:guide id="1" orient="horz" pos="2880">
           <p15:clr>
             <a:srgbClr val="A4A3A4"/>
@@ -569,7 +574,7 @@
               </a14:hiddenFill>
             </a:ext>
             <a:ext uri="{FAA26D3D-D897-4be2-8F04-BA451C77F1D7}">
-              <ma14:placeholderFlag xmlns:ma14="http://schemas.microsoft.com/office/mac/drawingml/2011/main" xmlns="" val="1"/>
+              <ma14:placeholderFlag xmlns:ma14="http://schemas.microsoft.com/office/mac/drawingml/2011/main" val="1"/>
             </a:ext>
           </a:extLst>
         </p:spPr>
@@ -1111,7 +1116,7 @@
               </a14:hiddenLine>
             </a:ext>
             <a:ext uri="{FAA26D3D-D897-4be2-8F04-BA451C77F1D7}">
-              <ma14:placeholderFlag xmlns:ma14="http://schemas.microsoft.com/office/mac/drawingml/2011/main" xmlns="" val="1"/>
+              <ma14:placeholderFlag xmlns:ma14="http://schemas.microsoft.com/office/mac/drawingml/2011/main" val="1"/>
             </a:ext>
           </a:extLst>
         </p:spPr>
@@ -1309,7 +1314,7 @@
                   <a:spcPct val="0"/>
                 </a:spcBef>
               </a:pPr>
-              <a:t>5</a:t>
+              <a:t>10</a:t>
             </a:fld>
             <a:endParaRPr kumimoji="0" lang="en-US" altLang="zh-TW"/>
           </a:p>
@@ -1361,7 +1366,7 @@
               </a14:hiddenLine>
             </a:ext>
             <a:ext uri="{FAA26D3D-D897-4be2-8F04-BA451C77F1D7}">
-              <ma14:placeholderFlag xmlns:ma14="http://schemas.microsoft.com/office/mac/drawingml/2011/main" xmlns="" val="1"/>
+              <ma14:placeholderFlag xmlns:ma14="http://schemas.microsoft.com/office/mac/drawingml/2011/main" val="1"/>
             </a:ext>
           </a:extLst>
         </p:spPr>
@@ -7439,7 +7444,7 @@
               </a14:hiddenLine>
             </a:ext>
             <a:ext uri="{FAA26D3D-D897-4be2-8F04-BA451C77F1D7}">
-              <ma14:placeholderFlag xmlns:ma14="http://schemas.microsoft.com/office/mac/drawingml/2011/main" xmlns="" val="1"/>
+              <ma14:placeholderFlag xmlns:ma14="http://schemas.microsoft.com/office/mac/drawingml/2011/main" val="1"/>
             </a:ext>
           </a:extLst>
         </p:spPr>
@@ -7500,7 +7505,7 @@
               </a14:hiddenLine>
             </a:ext>
             <a:ext uri="{FAA26D3D-D897-4be2-8F04-BA451C77F1D7}">
-              <ma14:placeholderFlag xmlns:ma14="http://schemas.microsoft.com/office/mac/drawingml/2011/main" xmlns="" val="1"/>
+              <ma14:placeholderFlag xmlns:ma14="http://schemas.microsoft.com/office/mac/drawingml/2011/main" val="1"/>
             </a:ext>
           </a:extLst>
         </p:spPr>
@@ -8400,6 +8405,86 @@
 </p:sld>
 </file>
 
+<file path=ppt/slides/slide10.xml><?xml version="1.0" encoding="utf-8"?>
+<p:sld xmlns:a="http://schemas.openxmlformats.org/drawingml/2006/main" xmlns:r="http://schemas.openxmlformats.org/officeDocument/2006/relationships" xmlns:p="http://schemas.openxmlformats.org/presentationml/2006/main">
+  <p:cSld>
+    <p:spTree>
+      <p:nvGrpSpPr>
+        <p:cNvPr id="1" name=""/>
+        <p:cNvGrpSpPr/>
+        <p:nvPr/>
+      </p:nvGrpSpPr>
+      <p:grpSpPr>
+        <a:xfrm>
+          <a:off x="0" y="0"/>
+          <a:ext cx="0" cy="0"/>
+          <a:chOff x="0" y="0"/>
+          <a:chExt cx="0" cy="0"/>
+        </a:xfrm>
+      </p:grpSpPr>
+      <p:sp>
+        <p:nvSpPr>
+          <p:cNvPr id="24578" name="Rectangle 2"/>
+          <p:cNvSpPr>
+            <a:spLocks noGrp="1" noChangeArrowheads="1"/>
+          </p:cNvSpPr>
+          <p:nvPr>
+            <p:ph type="ctrTitle"/>
+          </p:nvPr>
+        </p:nvSpPr>
+        <p:spPr>
+          <a:xfrm>
+            <a:off x="1739900" y="914400"/>
+            <a:ext cx="6946900" cy="3487738"/>
+          </a:xfrm>
+        </p:spPr>
+        <p:txBody>
+          <a:bodyPr/>
+          <a:lstStyle/>
+          <a:p>
+            <a:r>
+              <a:rPr lang="en-US" altLang="zh-TW">
+                <a:ln>
+                  <a:noFill/>
+                </a:ln>
+              </a:rPr>
+              <a:t>QUESTIONS</a:t>
+            </a:r>
+          </a:p>
+        </p:txBody>
+      </p:sp>
+      <p:sp>
+        <p:nvSpPr>
+          <p:cNvPr id="24579" name="Subtitle 2"/>
+          <p:cNvSpPr>
+            <a:spLocks noGrp="1"/>
+          </p:cNvSpPr>
+          <p:nvPr>
+            <p:ph type="subTitle" idx="1"/>
+          </p:nvPr>
+        </p:nvSpPr>
+        <p:spPr>
+          <a:xfrm>
+            <a:off x="2924175" y="4402138"/>
+            <a:ext cx="5762625" cy="1365250"/>
+          </a:xfrm>
+        </p:spPr>
+        <p:txBody>
+          <a:bodyPr/>
+          <a:lstStyle/>
+          <a:p>
+            <a:endParaRPr lang="zh-HK" altLang="en-US"/>
+          </a:p>
+        </p:txBody>
+      </p:sp>
+    </p:spTree>
+  </p:cSld>
+  <p:clrMapOvr>
+    <a:masterClrMapping/>
+  </p:clrMapOvr>
+</p:sld>
+</file>
+
 <file path=ppt/slides/slide2.xml><?xml version="1.0" encoding="utf-8"?>
 <p:sld xmlns:a="http://schemas.openxmlformats.org/drawingml/2006/main" xmlns:r="http://schemas.openxmlformats.org/officeDocument/2006/relationships" xmlns:p="http://schemas.openxmlformats.org/presentationml/2006/main">
   <p:cSld>
@@ -8741,60 +8826,677 @@
       </p:grpSpPr>
       <p:sp>
         <p:nvSpPr>
-          <p:cNvPr id="24578" name="Rectangle 2"/>
-          <p:cNvSpPr>
-            <a:spLocks noGrp="1" noChangeArrowheads="1"/>
-          </p:cNvSpPr>
-          <p:nvPr>
-            <p:ph type="ctrTitle"/>
-          </p:nvPr>
-        </p:nvSpPr>
-        <p:spPr>
-          <a:xfrm>
-            <a:off x="1739900" y="914400"/>
-            <a:ext cx="6946900" cy="3487738"/>
-          </a:xfrm>
-        </p:spPr>
+          <p:cNvPr id="5" name="Title 4"/>
+          <p:cNvSpPr>
+            <a:spLocks noGrp="1"/>
+          </p:cNvSpPr>
+          <p:nvPr>
+            <p:ph type="title"/>
+          </p:nvPr>
+        </p:nvSpPr>
+        <p:spPr/>
         <p:txBody>
           <a:bodyPr/>
           <a:lstStyle/>
           <a:p>
             <a:r>
-              <a:rPr lang="en-US" altLang="zh-TW">
-                <a:ln>
-                  <a:noFill/>
-                </a:ln>
-              </a:rPr>
-              <a:t>QUESTIONS</a:t>
-            </a:r>
-          </a:p>
-        </p:txBody>
-      </p:sp>
-      <p:sp>
-        <p:nvSpPr>
-          <p:cNvPr id="24579" name="Subtitle 2"/>
-          <p:cNvSpPr>
-            <a:spLocks noGrp="1"/>
-          </p:cNvSpPr>
-          <p:nvPr>
-            <p:ph type="subTitle" idx="1"/>
-          </p:nvPr>
-        </p:nvSpPr>
-        <p:spPr>
-          <a:xfrm>
-            <a:off x="2924175" y="4402138"/>
-            <a:ext cx="5762625" cy="1365250"/>
-          </a:xfrm>
-        </p:spPr>
+              <a:rPr lang="en-US" dirty="0" smtClean="0"/>
+              <a:t>CRUD</a:t>
+            </a:r>
+            <a:endParaRPr lang="en-US" dirty="0"/>
+          </a:p>
+        </p:txBody>
+      </p:sp>
+      <p:sp>
+        <p:nvSpPr>
+          <p:cNvPr id="6" name="Content Placeholder 5"/>
+          <p:cNvSpPr>
+            <a:spLocks noGrp="1"/>
+          </p:cNvSpPr>
+          <p:nvPr>
+            <p:ph idx="1"/>
+          </p:nvPr>
+        </p:nvSpPr>
+        <p:spPr/>
         <p:txBody>
           <a:bodyPr/>
           <a:lstStyle/>
           <a:p>
-            <a:endParaRPr lang="zh-HK" altLang="en-US"/>
+            <a:r>
+              <a:rPr lang="en-US" dirty="0"/>
+              <a:t>create, read, update and </a:t>
+            </a:r>
+            <a:r>
+              <a:rPr lang="en-US" dirty="0" smtClean="0"/>
+              <a:t>delete</a:t>
+            </a:r>
+          </a:p>
+          <a:p>
+            <a:r>
+              <a:rPr lang="en-US" dirty="0" smtClean="0"/>
+              <a:t>Facebook, </a:t>
+            </a:r>
+            <a:r>
+              <a:rPr lang="en-US" dirty="0" err="1" smtClean="0"/>
+              <a:t>Whatsapp</a:t>
+            </a:r>
+            <a:endParaRPr lang="en-US" dirty="0" smtClean="0"/>
+          </a:p>
+          <a:p>
+            <a:endParaRPr lang="en-US" dirty="0"/>
           </a:p>
         </p:txBody>
       </p:sp>
     </p:spTree>
+    <p:extLst>
+      <p:ext uri="{BB962C8B-B14F-4D97-AF65-F5344CB8AC3E}">
+        <p14:creationId xmlns:p14="http://schemas.microsoft.com/office/powerpoint/2010/main" val="725409640"/>
+      </p:ext>
+    </p:extLst>
+  </p:cSld>
+  <p:clrMapOvr>
+    <a:masterClrMapping/>
+  </p:clrMapOvr>
+</p:sld>
+</file>
+
+<file path=ppt/slides/slide6.xml><?xml version="1.0" encoding="utf-8"?>
+<p:sld xmlns:a="http://schemas.openxmlformats.org/drawingml/2006/main" xmlns:r="http://schemas.openxmlformats.org/officeDocument/2006/relationships" xmlns:p="http://schemas.openxmlformats.org/presentationml/2006/main">
+  <p:cSld>
+    <p:spTree>
+      <p:nvGrpSpPr>
+        <p:cNvPr id="1" name=""/>
+        <p:cNvGrpSpPr/>
+        <p:nvPr/>
+      </p:nvGrpSpPr>
+      <p:grpSpPr>
+        <a:xfrm>
+          <a:off x="0" y="0"/>
+          <a:ext cx="0" cy="0"/>
+          <a:chOff x="0" y="0"/>
+          <a:chExt cx="0" cy="0"/>
+        </a:xfrm>
+      </p:grpSpPr>
+      <p:sp>
+        <p:nvSpPr>
+          <p:cNvPr id="5" name="Title 4"/>
+          <p:cNvSpPr>
+            <a:spLocks noGrp="1"/>
+          </p:cNvSpPr>
+          <p:nvPr>
+            <p:ph type="title"/>
+          </p:nvPr>
+        </p:nvSpPr>
+        <p:spPr/>
+        <p:txBody>
+          <a:bodyPr/>
+          <a:lstStyle/>
+          <a:p>
+            <a:r>
+              <a:rPr lang="en-US" dirty="0" smtClean="0"/>
+              <a:t>CRUD</a:t>
+            </a:r>
+            <a:endParaRPr lang="en-US" dirty="0"/>
+          </a:p>
+        </p:txBody>
+      </p:sp>
+      <p:graphicFrame>
+        <p:nvGraphicFramePr>
+          <p:cNvPr id="2" name="Content Placeholder 1"/>
+          <p:cNvGraphicFramePr>
+            <a:graphicFrameLocks noGrp="1"/>
+          </p:cNvGraphicFramePr>
+          <p:nvPr>
+            <p:ph idx="1"/>
+            <p:extLst>
+              <p:ext uri="{D42A27DB-BD31-4B8C-83A1-F6EECF244321}">
+                <p14:modId xmlns:p14="http://schemas.microsoft.com/office/powerpoint/2010/main" val="783115426"/>
+              </p:ext>
+            </p:extLst>
+          </p:nvPr>
+        </p:nvGraphicFramePr>
+        <p:xfrm>
+          <a:off x="982663" y="2667000"/>
+          <a:ext cx="7704138" cy="1854200"/>
+        </p:xfrm>
+        <a:graphic>
+          <a:graphicData uri="http://schemas.openxmlformats.org/drawingml/2006/table">
+            <a:tbl>
+              <a:tblPr firstRow="1" bandRow="1">
+                <a:tableStyleId>{5C22544A-7EE6-4342-B048-85BDC9FD1C3A}</a:tableStyleId>
+              </a:tblPr>
+              <a:tblGrid>
+                <a:gridCol w="2568046"/>
+                <a:gridCol w="2568046"/>
+                <a:gridCol w="2568046"/>
+              </a:tblGrid>
+              <a:tr h="370840">
+                <a:tc>
+                  <a:txBody>
+                    <a:bodyPr/>
+                    <a:lstStyle/>
+                    <a:p>
+                      <a:r>
+                        <a:rPr lang="en-US" dirty="0" smtClean="0"/>
+                        <a:t>Operation</a:t>
+                      </a:r>
+                      <a:endParaRPr lang="en-US" dirty="0"/>
+                    </a:p>
+                  </a:txBody>
+                  <a:tcPr/>
+                </a:tc>
+                <a:tc>
+                  <a:txBody>
+                    <a:bodyPr/>
+                    <a:lstStyle/>
+                    <a:p>
+                      <a:r>
+                        <a:rPr lang="en-US" dirty="0" smtClean="0"/>
+                        <a:t>SQL</a:t>
+                      </a:r>
+                      <a:endParaRPr lang="en-US" dirty="0"/>
+                    </a:p>
+                  </a:txBody>
+                  <a:tcPr/>
+                </a:tc>
+                <a:tc>
+                  <a:txBody>
+                    <a:bodyPr/>
+                    <a:lstStyle/>
+                    <a:p>
+                      <a:r>
+                        <a:rPr lang="en-US" dirty="0" smtClean="0"/>
+                        <a:t>User Interface</a:t>
+                      </a:r>
+                      <a:endParaRPr lang="en-US" dirty="0"/>
+                    </a:p>
+                  </a:txBody>
+                  <a:tcPr/>
+                </a:tc>
+              </a:tr>
+              <a:tr h="370840">
+                <a:tc>
+                  <a:txBody>
+                    <a:bodyPr/>
+                    <a:lstStyle/>
+                    <a:p>
+                      <a:r>
+                        <a:rPr lang="en-US" dirty="0" smtClean="0"/>
+                        <a:t>Create</a:t>
+                      </a:r>
+                      <a:endParaRPr lang="en-US" dirty="0"/>
+                    </a:p>
+                  </a:txBody>
+                  <a:tcPr/>
+                </a:tc>
+                <a:tc>
+                  <a:txBody>
+                    <a:bodyPr/>
+                    <a:lstStyle/>
+                    <a:p>
+                      <a:r>
+                        <a:rPr lang="en-US" dirty="0" smtClean="0"/>
+                        <a:t>INSERT</a:t>
+                      </a:r>
+                      <a:endParaRPr lang="en-US" dirty="0"/>
+                    </a:p>
+                  </a:txBody>
+                  <a:tcPr/>
+                </a:tc>
+                <a:tc>
+                  <a:txBody>
+                    <a:bodyPr/>
+                    <a:lstStyle/>
+                    <a:p>
+                      <a:r>
+                        <a:rPr lang="en-US" dirty="0" smtClean="0"/>
+                        <a:t>New</a:t>
+                      </a:r>
+                      <a:endParaRPr lang="en-US" dirty="0"/>
+                    </a:p>
+                  </a:txBody>
+                  <a:tcPr/>
+                </a:tc>
+              </a:tr>
+              <a:tr h="370840">
+                <a:tc>
+                  <a:txBody>
+                    <a:bodyPr/>
+                    <a:lstStyle/>
+                    <a:p>
+                      <a:r>
+                        <a:rPr lang="en-US" dirty="0" smtClean="0"/>
+                        <a:t>Read</a:t>
+                      </a:r>
+                      <a:endParaRPr lang="en-US" dirty="0"/>
+                    </a:p>
+                  </a:txBody>
+                  <a:tcPr/>
+                </a:tc>
+                <a:tc>
+                  <a:txBody>
+                    <a:bodyPr/>
+                    <a:lstStyle/>
+                    <a:p>
+                      <a:r>
+                        <a:rPr lang="en-US" dirty="0" smtClean="0"/>
+                        <a:t>SELECT</a:t>
+                      </a:r>
+                      <a:endParaRPr lang="en-US" dirty="0"/>
+                    </a:p>
+                  </a:txBody>
+                  <a:tcPr/>
+                </a:tc>
+                <a:tc>
+                  <a:txBody>
+                    <a:bodyPr/>
+                    <a:lstStyle/>
+                    <a:p>
+                      <a:r>
+                        <a:rPr lang="en-US" dirty="0" smtClean="0"/>
+                        <a:t>Browse</a:t>
+                      </a:r>
+                      <a:endParaRPr lang="en-US" dirty="0"/>
+                    </a:p>
+                  </a:txBody>
+                  <a:tcPr/>
+                </a:tc>
+              </a:tr>
+              <a:tr h="370840">
+                <a:tc>
+                  <a:txBody>
+                    <a:bodyPr/>
+                    <a:lstStyle/>
+                    <a:p>
+                      <a:r>
+                        <a:rPr lang="en-US" dirty="0" smtClean="0"/>
+                        <a:t>Update</a:t>
+                      </a:r>
+                      <a:endParaRPr lang="en-US" dirty="0"/>
+                    </a:p>
+                  </a:txBody>
+                  <a:tcPr/>
+                </a:tc>
+                <a:tc>
+                  <a:txBody>
+                    <a:bodyPr/>
+                    <a:lstStyle/>
+                    <a:p>
+                      <a:r>
+                        <a:rPr lang="en-US" dirty="0" smtClean="0"/>
+                        <a:t>UPDATE</a:t>
+                      </a:r>
+                      <a:endParaRPr lang="en-US" dirty="0"/>
+                    </a:p>
+                  </a:txBody>
+                  <a:tcPr/>
+                </a:tc>
+                <a:tc>
+                  <a:txBody>
+                    <a:bodyPr/>
+                    <a:lstStyle/>
+                    <a:p>
+                      <a:r>
+                        <a:rPr lang="en-US" dirty="0" smtClean="0"/>
+                        <a:t>Edit</a:t>
+                      </a:r>
+                      <a:endParaRPr lang="en-US" dirty="0"/>
+                    </a:p>
+                  </a:txBody>
+                  <a:tcPr/>
+                </a:tc>
+              </a:tr>
+              <a:tr h="370840">
+                <a:tc>
+                  <a:txBody>
+                    <a:bodyPr/>
+                    <a:lstStyle/>
+                    <a:p>
+                      <a:r>
+                        <a:rPr lang="en-US" dirty="0" smtClean="0"/>
+                        <a:t>Delete</a:t>
+                      </a:r>
+                      <a:endParaRPr lang="en-US" dirty="0"/>
+                    </a:p>
+                  </a:txBody>
+                  <a:tcPr/>
+                </a:tc>
+                <a:tc>
+                  <a:txBody>
+                    <a:bodyPr/>
+                    <a:lstStyle/>
+                    <a:p>
+                      <a:r>
+                        <a:rPr lang="en-US" dirty="0" smtClean="0"/>
+                        <a:t>DELETE</a:t>
+                      </a:r>
+                      <a:endParaRPr lang="en-US" dirty="0"/>
+                    </a:p>
+                  </a:txBody>
+                  <a:tcPr/>
+                </a:tc>
+                <a:tc>
+                  <a:txBody>
+                    <a:bodyPr/>
+                    <a:lstStyle/>
+                    <a:p>
+                      <a:r>
+                        <a:rPr lang="en-US" dirty="0" smtClean="0"/>
+                        <a:t>Remove</a:t>
+                      </a:r>
+                      <a:endParaRPr lang="en-US" dirty="0"/>
+                    </a:p>
+                  </a:txBody>
+                  <a:tcPr/>
+                </a:tc>
+              </a:tr>
+            </a:tbl>
+          </a:graphicData>
+        </a:graphic>
+      </p:graphicFrame>
+    </p:spTree>
+    <p:extLst>
+      <p:ext uri="{BB962C8B-B14F-4D97-AF65-F5344CB8AC3E}">
+        <p14:creationId xmlns:p14="http://schemas.microsoft.com/office/powerpoint/2010/main" val="392706920"/>
+      </p:ext>
+    </p:extLst>
+  </p:cSld>
+  <p:clrMapOvr>
+    <a:masterClrMapping/>
+  </p:clrMapOvr>
+</p:sld>
+</file>
+
+<file path=ppt/slides/slide7.xml><?xml version="1.0" encoding="utf-8"?>
+<p:sld xmlns:a="http://schemas.openxmlformats.org/drawingml/2006/main" xmlns:r="http://schemas.openxmlformats.org/officeDocument/2006/relationships" xmlns:p="http://schemas.openxmlformats.org/presentationml/2006/main">
+  <p:cSld>
+    <p:spTree>
+      <p:nvGrpSpPr>
+        <p:cNvPr id="1" name=""/>
+        <p:cNvGrpSpPr/>
+        <p:nvPr/>
+      </p:nvGrpSpPr>
+      <p:grpSpPr>
+        <a:xfrm>
+          <a:off x="0" y="0"/>
+          <a:ext cx="0" cy="0"/>
+          <a:chOff x="0" y="0"/>
+          <a:chExt cx="0" cy="0"/>
+        </a:xfrm>
+      </p:grpSpPr>
+      <p:sp>
+        <p:nvSpPr>
+          <p:cNvPr id="5" name="Title 4"/>
+          <p:cNvSpPr>
+            <a:spLocks noGrp="1"/>
+          </p:cNvSpPr>
+          <p:nvPr>
+            <p:ph type="title"/>
+          </p:nvPr>
+        </p:nvSpPr>
+        <p:spPr/>
+        <p:txBody>
+          <a:bodyPr/>
+          <a:lstStyle/>
+          <a:p>
+            <a:r>
+              <a:rPr lang="en-US" dirty="0" smtClean="0"/>
+              <a:t>Files</a:t>
+            </a:r>
+            <a:endParaRPr lang="en-US" dirty="0"/>
+          </a:p>
+        </p:txBody>
+      </p:sp>
+      <p:sp>
+        <p:nvSpPr>
+          <p:cNvPr id="6" name="Content Placeholder 5"/>
+          <p:cNvSpPr>
+            <a:spLocks noGrp="1"/>
+          </p:cNvSpPr>
+          <p:nvPr>
+            <p:ph idx="1"/>
+          </p:nvPr>
+        </p:nvSpPr>
+        <p:spPr/>
+        <p:txBody>
+          <a:bodyPr numCol="2"/>
+          <a:lstStyle/>
+          <a:p>
+            <a:r>
+              <a:rPr lang="en-US" dirty="0" err="1" smtClean="0"/>
+              <a:t>db.inc.php</a:t>
+            </a:r>
+            <a:endParaRPr lang="en-US" dirty="0" smtClean="0"/>
+          </a:p>
+          <a:p>
+            <a:r>
+              <a:rPr lang="en-US" dirty="0" err="1" smtClean="0"/>
+              <a:t>sms_readall.php</a:t>
+            </a:r>
+            <a:endParaRPr lang="en-US" dirty="0" smtClean="0"/>
+          </a:p>
+          <a:p>
+            <a:r>
+              <a:rPr lang="en-US" dirty="0" err="1" smtClean="0"/>
+              <a:t>sms_read.php</a:t>
+            </a:r>
+            <a:endParaRPr lang="en-US" dirty="0"/>
+          </a:p>
+          <a:p>
+            <a:r>
+              <a:rPr lang="en-US" dirty="0" err="1" smtClean="0"/>
+              <a:t>sms_create.php</a:t>
+            </a:r>
+            <a:endParaRPr lang="en-US" dirty="0" smtClean="0"/>
+          </a:p>
+          <a:p>
+            <a:r>
+              <a:rPr lang="en-US" dirty="0" smtClean="0"/>
+              <a:t>sms_create2.php</a:t>
+            </a:r>
+          </a:p>
+          <a:p>
+            <a:r>
+              <a:rPr lang="en-US" dirty="0" err="1"/>
+              <a:t>sms_delete.php</a:t>
+            </a:r>
+            <a:endParaRPr lang="en-US" dirty="0"/>
+          </a:p>
+          <a:p>
+            <a:r>
+              <a:rPr lang="en-US" dirty="0"/>
+              <a:t>sms_delete2.php</a:t>
+            </a:r>
+          </a:p>
+          <a:p>
+            <a:r>
+              <a:rPr lang="en-US" dirty="0" err="1"/>
+              <a:t>sms_update.php</a:t>
+            </a:r>
+            <a:endParaRPr lang="en-US" dirty="0"/>
+          </a:p>
+          <a:p>
+            <a:r>
+              <a:rPr lang="en-US" dirty="0" smtClean="0"/>
+              <a:t>sms_update2.php</a:t>
+            </a:r>
+            <a:endParaRPr lang="en-US" dirty="0"/>
+          </a:p>
+        </p:txBody>
+      </p:sp>
+    </p:spTree>
+    <p:extLst>
+      <p:ext uri="{BB962C8B-B14F-4D97-AF65-F5344CB8AC3E}">
+        <p14:creationId xmlns:p14="http://schemas.microsoft.com/office/powerpoint/2010/main" val="2041175966"/>
+      </p:ext>
+    </p:extLst>
+  </p:cSld>
+  <p:clrMapOvr>
+    <a:masterClrMapping/>
+  </p:clrMapOvr>
+</p:sld>
+</file>
+
+<file path=ppt/slides/slide8.xml><?xml version="1.0" encoding="utf-8"?>
+<p:sld xmlns:a="http://schemas.openxmlformats.org/drawingml/2006/main" xmlns:r="http://schemas.openxmlformats.org/officeDocument/2006/relationships" xmlns:p="http://schemas.openxmlformats.org/presentationml/2006/main">
+  <p:cSld>
+    <p:spTree>
+      <p:nvGrpSpPr>
+        <p:cNvPr id="1" name=""/>
+        <p:cNvGrpSpPr/>
+        <p:nvPr/>
+      </p:nvGrpSpPr>
+      <p:grpSpPr>
+        <a:xfrm>
+          <a:off x="0" y="0"/>
+          <a:ext cx="0" cy="0"/>
+          <a:chOff x="0" y="0"/>
+          <a:chExt cx="0" cy="0"/>
+        </a:xfrm>
+      </p:grpSpPr>
+      <p:sp>
+        <p:nvSpPr>
+          <p:cNvPr id="5" name="Title 4"/>
+          <p:cNvSpPr>
+            <a:spLocks noGrp="1"/>
+          </p:cNvSpPr>
+          <p:nvPr>
+            <p:ph type="title"/>
+          </p:nvPr>
+        </p:nvSpPr>
+        <p:spPr/>
+        <p:txBody>
+          <a:bodyPr/>
+          <a:lstStyle/>
+          <a:p>
+            <a:r>
+              <a:rPr lang="en-US" dirty="0" smtClean="0"/>
+              <a:t>SQL</a:t>
+            </a:r>
+            <a:endParaRPr lang="en-US" dirty="0"/>
+          </a:p>
+        </p:txBody>
+      </p:sp>
+      <p:sp>
+        <p:nvSpPr>
+          <p:cNvPr id="6" name="Content Placeholder 5"/>
+          <p:cNvSpPr>
+            <a:spLocks noGrp="1"/>
+          </p:cNvSpPr>
+          <p:nvPr>
+            <p:ph idx="1"/>
+          </p:nvPr>
+        </p:nvSpPr>
+        <p:spPr/>
+        <p:txBody>
+          <a:bodyPr/>
+          <a:lstStyle/>
+          <a:p>
+            <a:r>
+              <a:rPr lang="en-US" dirty="0" smtClean="0"/>
+              <a:t>You can copy SQL </a:t>
+            </a:r>
+            <a:r>
+              <a:rPr lang="en-US" smtClean="0"/>
+              <a:t>from phpmyadmin</a:t>
+            </a:r>
+            <a:endParaRPr lang="en-US" dirty="0" smtClean="0"/>
+          </a:p>
+          <a:p>
+            <a:endParaRPr lang="en-US" dirty="0"/>
+          </a:p>
+        </p:txBody>
+      </p:sp>
+    </p:spTree>
+    <p:extLst>
+      <p:ext uri="{BB962C8B-B14F-4D97-AF65-F5344CB8AC3E}">
+        <p14:creationId xmlns:p14="http://schemas.microsoft.com/office/powerpoint/2010/main" val="578212422"/>
+      </p:ext>
+    </p:extLst>
+  </p:cSld>
+  <p:clrMapOvr>
+    <a:masterClrMapping/>
+  </p:clrMapOvr>
+</p:sld>
+</file>
+
+<file path=ppt/slides/slide9.xml><?xml version="1.0" encoding="utf-8"?>
+<p:sld xmlns:a="http://schemas.openxmlformats.org/drawingml/2006/main" xmlns:r="http://schemas.openxmlformats.org/officeDocument/2006/relationships" xmlns:p="http://schemas.openxmlformats.org/presentationml/2006/main">
+  <p:cSld>
+    <p:spTree>
+      <p:nvGrpSpPr>
+        <p:cNvPr id="1" name=""/>
+        <p:cNvGrpSpPr/>
+        <p:nvPr/>
+      </p:nvGrpSpPr>
+      <p:grpSpPr>
+        <a:xfrm>
+          <a:off x="0" y="0"/>
+          <a:ext cx="0" cy="0"/>
+          <a:chOff x="0" y="0"/>
+          <a:chExt cx="0" cy="0"/>
+        </a:xfrm>
+      </p:grpSpPr>
+      <p:sp>
+        <p:nvSpPr>
+          <p:cNvPr id="5" name="Title 4"/>
+          <p:cNvSpPr>
+            <a:spLocks noGrp="1"/>
+          </p:cNvSpPr>
+          <p:nvPr>
+            <p:ph type="title"/>
+          </p:nvPr>
+        </p:nvSpPr>
+        <p:spPr/>
+        <p:txBody>
+          <a:bodyPr/>
+          <a:lstStyle/>
+          <a:p>
+            <a:r>
+              <a:rPr lang="en-US" dirty="0" smtClean="0"/>
+              <a:t>Next lesson</a:t>
+            </a:r>
+            <a:endParaRPr lang="en-US" dirty="0"/>
+          </a:p>
+        </p:txBody>
+      </p:sp>
+      <p:sp>
+        <p:nvSpPr>
+          <p:cNvPr id="6" name="Content Placeholder 5"/>
+          <p:cNvSpPr>
+            <a:spLocks noGrp="1"/>
+          </p:cNvSpPr>
+          <p:nvPr>
+            <p:ph idx="1"/>
+          </p:nvPr>
+        </p:nvSpPr>
+        <p:spPr/>
+        <p:txBody>
+          <a:bodyPr/>
+          <a:lstStyle/>
+          <a:p>
+            <a:r>
+              <a:rPr lang="en-US" dirty="0" smtClean="0"/>
+              <a:t>Bring </a:t>
+            </a:r>
+            <a:r>
+              <a:rPr lang="en-US" dirty="0" err="1" smtClean="0"/>
+              <a:t>Fevaworks</a:t>
+            </a:r>
+            <a:r>
+              <a:rPr lang="en-US" dirty="0" smtClean="0"/>
+              <a:t> notes lesson 24 and 26.</a:t>
+            </a:r>
+            <a:endParaRPr lang="en-US" dirty="0"/>
+          </a:p>
+        </p:txBody>
+      </p:sp>
+    </p:spTree>
+    <p:extLst>
+      <p:ext uri="{BB962C8B-B14F-4D97-AF65-F5344CB8AC3E}">
+        <p14:creationId xmlns:p14="http://schemas.microsoft.com/office/powerpoint/2010/main" val="221133230"/>
+      </p:ext>
+    </p:extLst>
   </p:cSld>
   <p:clrMapOvr>
     <a:masterClrMapping/>
@@ -9052,7 +9754,7 @@
   <a:extraClrSchemeLst/>
   <a:extLst>
     <a:ext uri="{05A4C25C-085E-4340-85A3-A5531E510DB2}">
-      <thm15:themeFamily xmlns:thm15="http://schemas.microsoft.com/office/thememl/2012/main" xmlns="" name="Parallax" id="{3388167B-A2EB-4685-9635-1831D9AEF8C4}" vid="{4F7A876A-7598-49CA-AFC8-8EDA2551E4A7}"/>
+      <thm15:themeFamily xmlns:thm15="http://schemas.microsoft.com/office/thememl/2012/main" name="Parallax" id="{3388167B-A2EB-4685-9635-1831D9AEF8C4}" vid="{4F7A876A-7598-49CA-AFC8-8EDA2551E4A7}"/>
     </a:ext>
   </a:extLst>
 </a:theme>

--- a/php-fw9/SMS.pptx
+++ b/php-fw9/SMS.pptx
@@ -5,10 +5,10 @@
     <p:sldMasterId id="2147484302" r:id="rId1"/>
   </p:sldMasterIdLst>
   <p:notesMasterIdLst>
-    <p:notesMasterId r:id="rId12"/>
+    <p:notesMasterId r:id="rId15"/>
   </p:notesMasterIdLst>
   <p:handoutMasterIdLst>
-    <p:handoutMasterId r:id="rId13"/>
+    <p:handoutMasterId r:id="rId16"/>
   </p:handoutMasterIdLst>
   <p:sldIdLst>
     <p:sldId id="256" r:id="rId2"/>
@@ -17,10 +17,13 @@
     <p:sldId id="406" r:id="rId5"/>
     <p:sldId id="408" r:id="rId6"/>
     <p:sldId id="409" r:id="rId7"/>
-    <p:sldId id="410" r:id="rId8"/>
-    <p:sldId id="411" r:id="rId9"/>
-    <p:sldId id="407" r:id="rId10"/>
-    <p:sldId id="398" r:id="rId11"/>
+    <p:sldId id="412" r:id="rId8"/>
+    <p:sldId id="413" r:id="rId9"/>
+    <p:sldId id="414" r:id="rId10"/>
+    <p:sldId id="410" r:id="rId11"/>
+    <p:sldId id="411" r:id="rId12"/>
+    <p:sldId id="407" r:id="rId13"/>
+    <p:sldId id="398" r:id="rId14"/>
   </p:sldIdLst>
   <p:sldSz cx="9144000" cy="6858000" type="screen4x3"/>
   <p:notesSz cx="6858000" cy="9144000"/>
@@ -1314,7 +1317,7 @@
                   <a:spcPct val="0"/>
                 </a:spcBef>
               </a:pPr>
-              <a:t>10</a:t>
+              <a:t>13</a:t>
             </a:fld>
             <a:endParaRPr kumimoji="0" lang="en-US" altLang="zh-TW"/>
           </a:p>
@@ -8424,6 +8427,303 @@
       </p:grpSpPr>
       <p:sp>
         <p:nvSpPr>
+          <p:cNvPr id="5" name="Title 4"/>
+          <p:cNvSpPr>
+            <a:spLocks noGrp="1"/>
+          </p:cNvSpPr>
+          <p:nvPr>
+            <p:ph type="title"/>
+          </p:nvPr>
+        </p:nvSpPr>
+        <p:spPr/>
+        <p:txBody>
+          <a:bodyPr/>
+          <a:lstStyle/>
+          <a:p>
+            <a:r>
+              <a:rPr lang="en-US" dirty="0" smtClean="0"/>
+              <a:t>Files</a:t>
+            </a:r>
+            <a:endParaRPr lang="en-US" dirty="0"/>
+          </a:p>
+        </p:txBody>
+      </p:sp>
+      <p:sp>
+        <p:nvSpPr>
+          <p:cNvPr id="6" name="Content Placeholder 5"/>
+          <p:cNvSpPr>
+            <a:spLocks noGrp="1"/>
+          </p:cNvSpPr>
+          <p:nvPr>
+            <p:ph idx="1"/>
+          </p:nvPr>
+        </p:nvSpPr>
+        <p:spPr/>
+        <p:txBody>
+          <a:bodyPr numCol="2"/>
+          <a:lstStyle/>
+          <a:p>
+            <a:r>
+              <a:rPr lang="en-US" dirty="0" err="1" smtClean="0"/>
+              <a:t>db.inc.php</a:t>
+            </a:r>
+            <a:endParaRPr lang="en-US" dirty="0" smtClean="0"/>
+          </a:p>
+          <a:p>
+            <a:r>
+              <a:rPr lang="en-US" dirty="0" err="1" smtClean="0"/>
+              <a:t>sms_readall.php</a:t>
+            </a:r>
+            <a:endParaRPr lang="en-US" dirty="0" smtClean="0"/>
+          </a:p>
+          <a:p>
+            <a:r>
+              <a:rPr lang="en-US" dirty="0" err="1" smtClean="0"/>
+              <a:t>sms_read.php</a:t>
+            </a:r>
+            <a:endParaRPr lang="en-US" dirty="0"/>
+          </a:p>
+          <a:p>
+            <a:r>
+              <a:rPr lang="en-US" dirty="0" err="1" smtClean="0"/>
+              <a:t>sms_create.php</a:t>
+            </a:r>
+            <a:endParaRPr lang="en-US" dirty="0" smtClean="0"/>
+          </a:p>
+          <a:p>
+            <a:r>
+              <a:rPr lang="en-US" dirty="0" smtClean="0"/>
+              <a:t>sms_create2.php</a:t>
+            </a:r>
+          </a:p>
+          <a:p>
+            <a:r>
+              <a:rPr lang="en-US" dirty="0" err="1"/>
+              <a:t>sms_delete.php</a:t>
+            </a:r>
+            <a:endParaRPr lang="en-US" dirty="0"/>
+          </a:p>
+          <a:p>
+            <a:r>
+              <a:rPr lang="en-US" dirty="0"/>
+              <a:t>sms_delete2.php</a:t>
+            </a:r>
+          </a:p>
+          <a:p>
+            <a:r>
+              <a:rPr lang="en-US" dirty="0" err="1"/>
+              <a:t>sms_update.php</a:t>
+            </a:r>
+            <a:endParaRPr lang="en-US" dirty="0"/>
+          </a:p>
+          <a:p>
+            <a:r>
+              <a:rPr lang="en-US" dirty="0" smtClean="0"/>
+              <a:t>sms_update2.php</a:t>
+            </a:r>
+            <a:endParaRPr lang="en-US" dirty="0"/>
+          </a:p>
+        </p:txBody>
+      </p:sp>
+    </p:spTree>
+    <p:extLst>
+      <p:ext uri="{BB962C8B-B14F-4D97-AF65-F5344CB8AC3E}">
+        <p14:creationId xmlns:p14="http://schemas.microsoft.com/office/powerpoint/2010/main" val="2041175966"/>
+      </p:ext>
+    </p:extLst>
+  </p:cSld>
+  <p:clrMapOvr>
+    <a:masterClrMapping/>
+  </p:clrMapOvr>
+</p:sld>
+</file>
+
+<file path=ppt/slides/slide11.xml><?xml version="1.0" encoding="utf-8"?>
+<p:sld xmlns:a="http://schemas.openxmlformats.org/drawingml/2006/main" xmlns:r="http://schemas.openxmlformats.org/officeDocument/2006/relationships" xmlns:p="http://schemas.openxmlformats.org/presentationml/2006/main">
+  <p:cSld>
+    <p:spTree>
+      <p:nvGrpSpPr>
+        <p:cNvPr id="1" name=""/>
+        <p:cNvGrpSpPr/>
+        <p:nvPr/>
+      </p:nvGrpSpPr>
+      <p:grpSpPr>
+        <a:xfrm>
+          <a:off x="0" y="0"/>
+          <a:ext cx="0" cy="0"/>
+          <a:chOff x="0" y="0"/>
+          <a:chExt cx="0" cy="0"/>
+        </a:xfrm>
+      </p:grpSpPr>
+      <p:sp>
+        <p:nvSpPr>
+          <p:cNvPr id="5" name="Title 4"/>
+          <p:cNvSpPr>
+            <a:spLocks noGrp="1"/>
+          </p:cNvSpPr>
+          <p:nvPr>
+            <p:ph type="title"/>
+          </p:nvPr>
+        </p:nvSpPr>
+        <p:spPr/>
+        <p:txBody>
+          <a:bodyPr/>
+          <a:lstStyle/>
+          <a:p>
+            <a:r>
+              <a:rPr lang="en-US" dirty="0" smtClean="0"/>
+              <a:t>SQL</a:t>
+            </a:r>
+            <a:endParaRPr lang="en-US" dirty="0"/>
+          </a:p>
+        </p:txBody>
+      </p:sp>
+      <p:sp>
+        <p:nvSpPr>
+          <p:cNvPr id="6" name="Content Placeholder 5"/>
+          <p:cNvSpPr>
+            <a:spLocks noGrp="1"/>
+          </p:cNvSpPr>
+          <p:nvPr>
+            <p:ph idx="1"/>
+          </p:nvPr>
+        </p:nvSpPr>
+        <p:spPr/>
+        <p:txBody>
+          <a:bodyPr/>
+          <a:lstStyle/>
+          <a:p>
+            <a:r>
+              <a:rPr lang="en-US" dirty="0" smtClean="0"/>
+              <a:t>You can copy SQL </a:t>
+            </a:r>
+            <a:r>
+              <a:rPr lang="en-US" smtClean="0"/>
+              <a:t>from phpmyadmin</a:t>
+            </a:r>
+            <a:endParaRPr lang="en-US" dirty="0" smtClean="0"/>
+          </a:p>
+          <a:p>
+            <a:endParaRPr lang="en-US" dirty="0"/>
+          </a:p>
+        </p:txBody>
+      </p:sp>
+    </p:spTree>
+    <p:extLst>
+      <p:ext uri="{BB962C8B-B14F-4D97-AF65-F5344CB8AC3E}">
+        <p14:creationId xmlns:p14="http://schemas.microsoft.com/office/powerpoint/2010/main" val="578212422"/>
+      </p:ext>
+    </p:extLst>
+  </p:cSld>
+  <p:clrMapOvr>
+    <a:masterClrMapping/>
+  </p:clrMapOvr>
+</p:sld>
+</file>
+
+<file path=ppt/slides/slide12.xml><?xml version="1.0" encoding="utf-8"?>
+<p:sld xmlns:a="http://schemas.openxmlformats.org/drawingml/2006/main" xmlns:r="http://schemas.openxmlformats.org/officeDocument/2006/relationships" xmlns:p="http://schemas.openxmlformats.org/presentationml/2006/main">
+  <p:cSld>
+    <p:spTree>
+      <p:nvGrpSpPr>
+        <p:cNvPr id="1" name=""/>
+        <p:cNvGrpSpPr/>
+        <p:nvPr/>
+      </p:nvGrpSpPr>
+      <p:grpSpPr>
+        <a:xfrm>
+          <a:off x="0" y="0"/>
+          <a:ext cx="0" cy="0"/>
+          <a:chOff x="0" y="0"/>
+          <a:chExt cx="0" cy="0"/>
+        </a:xfrm>
+      </p:grpSpPr>
+      <p:sp>
+        <p:nvSpPr>
+          <p:cNvPr id="5" name="Title 4"/>
+          <p:cNvSpPr>
+            <a:spLocks noGrp="1"/>
+          </p:cNvSpPr>
+          <p:nvPr>
+            <p:ph type="title"/>
+          </p:nvPr>
+        </p:nvSpPr>
+        <p:spPr/>
+        <p:txBody>
+          <a:bodyPr/>
+          <a:lstStyle/>
+          <a:p>
+            <a:r>
+              <a:rPr lang="en-US" dirty="0" smtClean="0"/>
+              <a:t>Next lesson</a:t>
+            </a:r>
+            <a:endParaRPr lang="en-US" dirty="0"/>
+          </a:p>
+        </p:txBody>
+      </p:sp>
+      <p:sp>
+        <p:nvSpPr>
+          <p:cNvPr id="6" name="Content Placeholder 5"/>
+          <p:cNvSpPr>
+            <a:spLocks noGrp="1"/>
+          </p:cNvSpPr>
+          <p:nvPr>
+            <p:ph idx="1"/>
+          </p:nvPr>
+        </p:nvSpPr>
+        <p:spPr/>
+        <p:txBody>
+          <a:bodyPr/>
+          <a:lstStyle/>
+          <a:p>
+            <a:r>
+              <a:rPr lang="en-US" dirty="0" smtClean="0"/>
+              <a:t>Bring </a:t>
+            </a:r>
+            <a:r>
+              <a:rPr lang="en-US" dirty="0" err="1" smtClean="0"/>
+              <a:t>Fevaworks</a:t>
+            </a:r>
+            <a:r>
+              <a:rPr lang="en-US" dirty="0" smtClean="0"/>
+              <a:t> notes lesson 24 and 26.</a:t>
+            </a:r>
+            <a:endParaRPr lang="en-US" dirty="0"/>
+          </a:p>
+        </p:txBody>
+      </p:sp>
+    </p:spTree>
+    <p:extLst>
+      <p:ext uri="{BB962C8B-B14F-4D97-AF65-F5344CB8AC3E}">
+        <p14:creationId xmlns:p14="http://schemas.microsoft.com/office/powerpoint/2010/main" val="221133230"/>
+      </p:ext>
+    </p:extLst>
+  </p:cSld>
+  <p:clrMapOvr>
+    <a:masterClrMapping/>
+  </p:clrMapOvr>
+</p:sld>
+</file>
+
+<file path=ppt/slides/slide13.xml><?xml version="1.0" encoding="utf-8"?>
+<p:sld xmlns:a="http://schemas.openxmlformats.org/drawingml/2006/main" xmlns:r="http://schemas.openxmlformats.org/officeDocument/2006/relationships" xmlns:p="http://schemas.openxmlformats.org/presentationml/2006/main">
+  <p:cSld>
+    <p:spTree>
+      <p:nvGrpSpPr>
+        <p:cNvPr id="1" name=""/>
+        <p:cNvGrpSpPr/>
+        <p:nvPr/>
+      </p:nvGrpSpPr>
+      <p:grpSpPr>
+        <a:xfrm>
+          <a:off x="0" y="0"/>
+          <a:ext cx="0" cy="0"/>
+          <a:chOff x="0" y="0"/>
+          <a:chExt cx="0" cy="0"/>
+        </a:xfrm>
+      </p:grpSpPr>
+      <p:sp>
+        <p:nvSpPr>
           <p:cNvPr id="24578" name="Rectangle 2"/>
           <p:cNvSpPr>
             <a:spLocks noGrp="1" noChangeArrowheads="1"/>
@@ -9226,7 +9526,7 @@
       </p:grpSpPr>
       <p:sp>
         <p:nvSpPr>
-          <p:cNvPr id="5" name="Title 4"/>
+          <p:cNvPr id="2" name="Title 1"/>
           <p:cNvSpPr>
             <a:spLocks noGrp="1"/>
           </p:cNvSpPr>
@@ -9240,8 +9540,8 @@
           <a:lstStyle/>
           <a:p>
             <a:r>
-              <a:rPr lang="en-US" dirty="0" smtClean="0"/>
-              <a:t>Files</a:t>
+              <a:rPr lang="en-US" dirty="0" err="1" smtClean="0"/>
+              <a:t>db.php</a:t>
             </a:r>
             <a:endParaRPr lang="en-US" dirty="0"/>
           </a:p>
@@ -9249,7 +9549,7 @@
       </p:sp>
       <p:sp>
         <p:nvSpPr>
-          <p:cNvPr id="6" name="Content Placeholder 5"/>
+          <p:cNvPr id="5" name="Content Placeholder 4"/>
           <p:cNvSpPr>
             <a:spLocks noGrp="1"/>
           </p:cNvSpPr>
@@ -9259,67 +9559,9 @@
         </p:nvSpPr>
         <p:spPr/>
         <p:txBody>
-          <a:bodyPr numCol="2"/>
+          <a:bodyPr/>
           <a:lstStyle/>
           <a:p>
-            <a:r>
-              <a:rPr lang="en-US" dirty="0" err="1" smtClean="0"/>
-              <a:t>db.inc.php</a:t>
-            </a:r>
-            <a:endParaRPr lang="en-US" dirty="0" smtClean="0"/>
-          </a:p>
-          <a:p>
-            <a:r>
-              <a:rPr lang="en-US" dirty="0" err="1" smtClean="0"/>
-              <a:t>sms_readall.php</a:t>
-            </a:r>
-            <a:endParaRPr lang="en-US" dirty="0" smtClean="0"/>
-          </a:p>
-          <a:p>
-            <a:r>
-              <a:rPr lang="en-US" dirty="0" err="1" smtClean="0"/>
-              <a:t>sms_read.php</a:t>
-            </a:r>
-            <a:endParaRPr lang="en-US" dirty="0"/>
-          </a:p>
-          <a:p>
-            <a:r>
-              <a:rPr lang="en-US" dirty="0" err="1" smtClean="0"/>
-              <a:t>sms_create.php</a:t>
-            </a:r>
-            <a:endParaRPr lang="en-US" dirty="0" smtClean="0"/>
-          </a:p>
-          <a:p>
-            <a:r>
-              <a:rPr lang="en-US" dirty="0" smtClean="0"/>
-              <a:t>sms_create2.php</a:t>
-            </a:r>
-          </a:p>
-          <a:p>
-            <a:r>
-              <a:rPr lang="en-US" dirty="0" err="1"/>
-              <a:t>sms_delete.php</a:t>
-            </a:r>
-            <a:endParaRPr lang="en-US" dirty="0"/>
-          </a:p>
-          <a:p>
-            <a:r>
-              <a:rPr lang="en-US" dirty="0"/>
-              <a:t>sms_delete2.php</a:t>
-            </a:r>
-          </a:p>
-          <a:p>
-            <a:r>
-              <a:rPr lang="en-US" dirty="0" err="1"/>
-              <a:t>sms_update.php</a:t>
-            </a:r>
-            <a:endParaRPr lang="en-US" dirty="0"/>
-          </a:p>
-          <a:p>
-            <a:r>
-              <a:rPr lang="en-US" dirty="0" smtClean="0"/>
-              <a:t>sms_update2.php</a:t>
-            </a:r>
             <a:endParaRPr lang="en-US" dirty="0"/>
           </a:p>
         </p:txBody>
@@ -9327,7 +9569,7 @@
     </p:spTree>
     <p:extLst>
       <p:ext uri="{BB962C8B-B14F-4D97-AF65-F5344CB8AC3E}">
-        <p14:creationId xmlns:p14="http://schemas.microsoft.com/office/powerpoint/2010/main" val="2041175966"/>
+        <p14:creationId xmlns:p14="http://schemas.microsoft.com/office/powerpoint/2010/main" val="1495940223"/>
       </p:ext>
     </p:extLst>
   </p:cSld>
@@ -9356,7 +9598,7 @@
       </p:grpSpPr>
       <p:sp>
         <p:nvSpPr>
-          <p:cNvPr id="5" name="Title 4"/>
+          <p:cNvPr id="2" name="Title 1"/>
           <p:cNvSpPr>
             <a:spLocks noGrp="1"/>
           </p:cNvSpPr>
@@ -9370,8 +9612,8 @@
           <a:lstStyle/>
           <a:p>
             <a:r>
-              <a:rPr lang="en-US" dirty="0" smtClean="0"/>
-              <a:t>SQL</a:t>
+              <a:rPr lang="en-US" dirty="0" err="1" smtClean="0"/>
+              <a:t>db.inc.php</a:t>
             </a:r>
             <a:endParaRPr lang="en-US" dirty="0"/>
           </a:p>
@@ -9379,7 +9621,7 @@
       </p:sp>
       <p:sp>
         <p:nvSpPr>
-          <p:cNvPr id="6" name="Content Placeholder 5"/>
+          <p:cNvPr id="3" name="Content Placeholder 2"/>
           <p:cNvSpPr>
             <a:spLocks noGrp="1"/>
           </p:cNvSpPr>
@@ -9391,17 +9633,6 @@
         <p:txBody>
           <a:bodyPr/>
           <a:lstStyle/>
-          <a:p>
-            <a:r>
-              <a:rPr lang="en-US" dirty="0" smtClean="0"/>
-              <a:t>You can copy SQL </a:t>
-            </a:r>
-            <a:r>
-              <a:rPr lang="en-US" smtClean="0"/>
-              <a:t>from phpmyadmin</a:t>
-            </a:r>
-            <a:endParaRPr lang="en-US" dirty="0" smtClean="0"/>
-          </a:p>
           <a:p>
             <a:endParaRPr lang="en-US" dirty="0"/>
           </a:p>
@@ -9410,7 +9641,7 @@
     </p:spTree>
     <p:extLst>
       <p:ext uri="{BB962C8B-B14F-4D97-AF65-F5344CB8AC3E}">
-        <p14:creationId xmlns:p14="http://schemas.microsoft.com/office/powerpoint/2010/main" val="578212422"/>
+        <p14:creationId xmlns:p14="http://schemas.microsoft.com/office/powerpoint/2010/main" val="990391374"/>
       </p:ext>
     </p:extLst>
   </p:cSld>
@@ -9439,7 +9670,7 @@
       </p:grpSpPr>
       <p:sp>
         <p:nvSpPr>
-          <p:cNvPr id="5" name="Title 4"/>
+          <p:cNvPr id="2" name="Title 1"/>
           <p:cNvSpPr>
             <a:spLocks noGrp="1"/>
           </p:cNvSpPr>
@@ -9454,7 +9685,7 @@
           <a:p>
             <a:r>
               <a:rPr lang="en-US" dirty="0" smtClean="0"/>
-              <a:t>Next lesson</a:t>
+              <a:t>Read all</a:t>
             </a:r>
             <a:endParaRPr lang="en-US" dirty="0"/>
           </a:p>
@@ -9462,7 +9693,7 @@
       </p:sp>
       <p:sp>
         <p:nvSpPr>
-          <p:cNvPr id="6" name="Content Placeholder 5"/>
+          <p:cNvPr id="3" name="Content Placeholder 2"/>
           <p:cNvSpPr>
             <a:spLocks noGrp="1"/>
           </p:cNvSpPr>
@@ -9476,17 +9707,12 @@
           <a:lstStyle/>
           <a:p>
             <a:r>
-              <a:rPr lang="en-US" dirty="0" smtClean="0"/>
-              <a:t>Bring </a:t>
-            </a:r>
-            <a:r>
               <a:rPr lang="en-US" dirty="0" err="1" smtClean="0"/>
-              <a:t>Fevaworks</a:t>
-            </a:r>
-            <a:r>
-              <a:rPr lang="en-US" dirty="0" smtClean="0"/>
-              <a:t> notes lesson 24 and 26.</a:t>
-            </a:r>
+              <a:t>sms_readall.php</a:t>
+            </a:r>
+            <a:endParaRPr lang="en-US" smtClean="0"/>
+          </a:p>
+          <a:p>
             <a:endParaRPr lang="en-US" dirty="0"/>
           </a:p>
         </p:txBody>
@@ -9494,7 +9720,7 @@
     </p:spTree>
     <p:extLst>
       <p:ext uri="{BB962C8B-B14F-4D97-AF65-F5344CB8AC3E}">
-        <p14:creationId xmlns:p14="http://schemas.microsoft.com/office/powerpoint/2010/main" val="221133230"/>
+        <p14:creationId xmlns:p14="http://schemas.microsoft.com/office/powerpoint/2010/main" val="1363349776"/>
       </p:ext>
     </p:extLst>
   </p:cSld>

--- a/php-fw9/SMS.pptx
+++ b/php-fw9/SMS.pptx
@@ -5,25 +5,33 @@
     <p:sldMasterId id="2147484302" r:id="rId1"/>
   </p:sldMasterIdLst>
   <p:notesMasterIdLst>
-    <p:notesMasterId r:id="rId15"/>
+    <p:notesMasterId r:id="rId23"/>
   </p:notesMasterIdLst>
   <p:handoutMasterIdLst>
-    <p:handoutMasterId r:id="rId16"/>
+    <p:handoutMasterId r:id="rId24"/>
   </p:handoutMasterIdLst>
   <p:sldIdLst>
     <p:sldId id="256" r:id="rId2"/>
-    <p:sldId id="404" r:id="rId3"/>
-    <p:sldId id="405" r:id="rId4"/>
-    <p:sldId id="406" r:id="rId5"/>
-    <p:sldId id="408" r:id="rId6"/>
-    <p:sldId id="409" r:id="rId7"/>
-    <p:sldId id="412" r:id="rId8"/>
-    <p:sldId id="413" r:id="rId9"/>
-    <p:sldId id="414" r:id="rId10"/>
-    <p:sldId id="410" r:id="rId11"/>
-    <p:sldId id="411" r:id="rId12"/>
-    <p:sldId id="407" r:id="rId13"/>
-    <p:sldId id="398" r:id="rId14"/>
+    <p:sldId id="415" r:id="rId3"/>
+    <p:sldId id="404" r:id="rId4"/>
+    <p:sldId id="405" r:id="rId5"/>
+    <p:sldId id="406" r:id="rId6"/>
+    <p:sldId id="419" r:id="rId7"/>
+    <p:sldId id="408" r:id="rId8"/>
+    <p:sldId id="409" r:id="rId9"/>
+    <p:sldId id="417" r:id="rId10"/>
+    <p:sldId id="412" r:id="rId11"/>
+    <p:sldId id="413" r:id="rId12"/>
+    <p:sldId id="414" r:id="rId13"/>
+    <p:sldId id="416" r:id="rId14"/>
+    <p:sldId id="411" r:id="rId15"/>
+    <p:sldId id="418" r:id="rId16"/>
+    <p:sldId id="420" r:id="rId17"/>
+    <p:sldId id="421" r:id="rId18"/>
+    <p:sldId id="422" r:id="rId19"/>
+    <p:sldId id="410" r:id="rId20"/>
+    <p:sldId id="407" r:id="rId21"/>
+    <p:sldId id="398" r:id="rId22"/>
   </p:sldIdLst>
   <p:sldSz cx="9144000" cy="6858000" type="screen4x3"/>
   <p:notesSz cx="6858000" cy="9144000"/>
@@ -154,7 +162,7 @@
   </p:defaultTextStyle>
   <p:extLst>
     <p:ext uri="{EFAFB233-063F-42B5-8137-9DF3F51BA10A}">
-      <p15:sldGuideLst xmlns:p15="http://schemas.microsoft.com/office/powerpoint/2012/main">
+      <p15:sldGuideLst xmlns:p15="http://schemas.microsoft.com/office/powerpoint/2012/main" xmlns="">
         <p15:guide id="1" orient="horz" pos="2160">
           <p15:clr>
             <a:srgbClr val="A4A3A4"/>
@@ -168,7 +176,7 @@
       </p15:sldGuideLst>
     </p:ext>
     <p:ext uri="{2D200454-40CA-4A62-9FC3-DE9A4176ACB9}">
-      <p15:notesGuideLst xmlns:p15="http://schemas.microsoft.com/office/powerpoint/2012/main">
+      <p15:notesGuideLst xmlns:p15="http://schemas.microsoft.com/office/powerpoint/2012/main" xmlns="">
         <p15:guide id="1" orient="horz" pos="2880">
           <p15:clr>
             <a:srgbClr val="A4A3A4"/>
@@ -577,7 +585,7 @@
               </a14:hiddenFill>
             </a:ext>
             <a:ext uri="{FAA26D3D-D897-4be2-8F04-BA451C77F1D7}">
-              <ma14:placeholderFlag xmlns:ma14="http://schemas.microsoft.com/office/mac/drawingml/2011/main" val="1"/>
+              <ma14:placeholderFlag xmlns:ma14="http://schemas.microsoft.com/office/mac/drawingml/2011/main" xmlns="" val="1"/>
             </a:ext>
           </a:extLst>
         </p:spPr>
@@ -1119,7 +1127,7 @@
               </a14:hiddenLine>
             </a:ext>
             <a:ext uri="{FAA26D3D-D897-4be2-8F04-BA451C77F1D7}">
-              <ma14:placeholderFlag xmlns:ma14="http://schemas.microsoft.com/office/mac/drawingml/2011/main" val="1"/>
+              <ma14:placeholderFlag xmlns:ma14="http://schemas.microsoft.com/office/mac/drawingml/2011/main" xmlns="" val="1"/>
             </a:ext>
           </a:extLst>
         </p:spPr>
@@ -1317,7 +1325,7 @@
                   <a:spcPct val="0"/>
                 </a:spcBef>
               </a:pPr>
-              <a:t>13</a:t>
+              <a:t>21</a:t>
             </a:fld>
             <a:endParaRPr kumimoji="0" lang="en-US" altLang="zh-TW"/>
           </a:p>
@@ -1369,7 +1377,7 @@
               </a14:hiddenLine>
             </a:ext>
             <a:ext uri="{FAA26D3D-D897-4be2-8F04-BA451C77F1D7}">
-              <ma14:placeholderFlag xmlns:ma14="http://schemas.microsoft.com/office/mac/drawingml/2011/main" val="1"/>
+              <ma14:placeholderFlag xmlns:ma14="http://schemas.microsoft.com/office/mac/drawingml/2011/main" xmlns="" val="1"/>
             </a:ext>
           </a:extLst>
         </p:spPr>
@@ -7447,7 +7455,7 @@
               </a14:hiddenLine>
             </a:ext>
             <a:ext uri="{FAA26D3D-D897-4be2-8F04-BA451C77F1D7}">
-              <ma14:placeholderFlag xmlns:ma14="http://schemas.microsoft.com/office/mac/drawingml/2011/main" val="1"/>
+              <ma14:placeholderFlag xmlns:ma14="http://schemas.microsoft.com/office/mac/drawingml/2011/main" xmlns="" val="1"/>
             </a:ext>
           </a:extLst>
         </p:spPr>
@@ -7508,7 +7516,7 @@
               </a14:hiddenLine>
             </a:ext>
             <a:ext uri="{FAA26D3D-D897-4be2-8F04-BA451C77F1D7}">
-              <ma14:placeholderFlag xmlns:ma14="http://schemas.microsoft.com/office/mac/drawingml/2011/main" val="1"/>
+              <ma14:placeholderFlag xmlns:ma14="http://schemas.microsoft.com/office/mac/drawingml/2011/main" xmlns="" val="1"/>
             </a:ext>
           </a:extLst>
         </p:spPr>
@@ -8427,7 +8435,7 @@
       </p:grpSpPr>
       <p:sp>
         <p:nvSpPr>
-          <p:cNvPr id="5" name="Title 4"/>
+          <p:cNvPr id="2" name="Title 1"/>
           <p:cNvSpPr>
             <a:spLocks noGrp="1"/>
           </p:cNvSpPr>
@@ -8441,85 +8449,157 @@
           <a:lstStyle/>
           <a:p>
             <a:r>
+              <a:rPr lang="en-US" dirty="0" err="1" smtClean="0"/>
+              <a:t>db.php</a:t>
+            </a:r>
+            <a:endParaRPr lang="en-US" dirty="0"/>
+          </a:p>
+        </p:txBody>
+      </p:sp>
+      <p:sp>
+        <p:nvSpPr>
+          <p:cNvPr id="5" name="Content Placeholder 4"/>
+          <p:cNvSpPr>
+            <a:spLocks noGrp="1"/>
+          </p:cNvSpPr>
+          <p:nvPr>
+            <p:ph idx="1"/>
+          </p:nvPr>
+        </p:nvSpPr>
+        <p:spPr/>
+        <p:txBody>
+          <a:bodyPr/>
+          <a:lstStyle/>
+          <a:p>
+            <a:r>
               <a:rPr lang="en-US" dirty="0" smtClean="0"/>
-              <a:t>Files</a:t>
-            </a:r>
-            <a:endParaRPr lang="en-US" dirty="0"/>
-          </a:p>
-        </p:txBody>
-      </p:sp>
-      <p:sp>
-        <p:nvSpPr>
-          <p:cNvPr id="6" name="Content Placeholder 5"/>
-          <p:cNvSpPr>
-            <a:spLocks noGrp="1"/>
-          </p:cNvSpPr>
-          <p:nvPr>
-            <p:ph idx="1"/>
-          </p:nvPr>
-        </p:nvSpPr>
-        <p:spPr/>
-        <p:txBody>
-          <a:bodyPr numCol="2"/>
-          <a:lstStyle/>
-          <a:p>
-            <a:r>
-              <a:rPr lang="en-US" dirty="0" err="1" smtClean="0"/>
-              <a:t>db.inc.php</a:t>
-            </a:r>
-            <a:endParaRPr lang="en-US" dirty="0" smtClean="0"/>
-          </a:p>
-          <a:p>
-            <a:r>
-              <a:rPr lang="en-US" dirty="0" err="1" smtClean="0"/>
-              <a:t>sms_readall.php</a:t>
-            </a:r>
-            <a:endParaRPr lang="en-US" dirty="0" smtClean="0"/>
-          </a:p>
-          <a:p>
-            <a:r>
-              <a:rPr lang="en-US" dirty="0" err="1" smtClean="0"/>
-              <a:t>sms_read.php</a:t>
-            </a:r>
-            <a:endParaRPr lang="en-US" dirty="0"/>
-          </a:p>
-          <a:p>
-            <a:r>
-              <a:rPr lang="en-US" dirty="0" err="1" smtClean="0"/>
-              <a:t>sms_create.php</a:t>
-            </a:r>
-            <a:endParaRPr lang="en-US" dirty="0" smtClean="0"/>
-          </a:p>
-          <a:p>
-            <a:r>
-              <a:rPr lang="en-US" dirty="0" smtClean="0"/>
-              <a:t>sms_create2.php</a:t>
-            </a:r>
-          </a:p>
-          <a:p>
+              <a:t>$</a:t>
+            </a:r>
             <a:r>
               <a:rPr lang="en-US" dirty="0" err="1"/>
-              <a:t>sms_delete.php</a:t>
-            </a:r>
-            <a:endParaRPr lang="en-US" dirty="0"/>
-          </a:p>
-          <a:p>
+              <a:t>mysqli</a:t>
+            </a:r>
             <a:r>
               <a:rPr lang="en-US" dirty="0"/>
-              <a:t>sms_delete2.php</a:t>
-            </a:r>
-          </a:p>
-          <a:p>
+              <a:t>=new </a:t>
+            </a:r>
             <a:r>
               <a:rPr lang="en-US" dirty="0" err="1"/>
-              <a:t>sms_update.php</a:t>
-            </a:r>
-            <a:endParaRPr lang="en-US" dirty="0"/>
-          </a:p>
-          <a:p>
-            <a:r>
-              <a:rPr lang="en-US" dirty="0" smtClean="0"/>
-              <a:t>sms_update2.php</a:t>
+              <a:t>MySQLi</a:t>
+            </a:r>
+            <a:r>
+              <a:rPr lang="en-US" dirty="0"/>
+              <a:t>($</a:t>
+            </a:r>
+            <a:r>
+              <a:rPr lang="en-US" dirty="0" err="1"/>
+              <a:t>db_hostname</a:t>
+            </a:r>
+            <a:r>
+              <a:rPr lang="en-US" dirty="0"/>
+              <a:t>, $</a:t>
+            </a:r>
+            <a:r>
+              <a:rPr lang="en-US" dirty="0" err="1"/>
+              <a:t>db_username</a:t>
+            </a:r>
+            <a:r>
+              <a:rPr lang="en-US" dirty="0"/>
+              <a:t>, $</a:t>
+            </a:r>
+            <a:r>
+              <a:rPr lang="en-US" dirty="0" err="1"/>
+              <a:t>db_password</a:t>
+            </a:r>
+            <a:r>
+              <a:rPr lang="en-US" dirty="0"/>
+              <a:t>, $</a:t>
+            </a:r>
+            <a:r>
+              <a:rPr lang="en-US" dirty="0" err="1"/>
+              <a:t>db_database</a:t>
+            </a:r>
+            <a:r>
+              <a:rPr lang="en-US" dirty="0"/>
+              <a:t>);</a:t>
+            </a:r>
+          </a:p>
+          <a:p>
+            <a:r>
+              <a:rPr lang="en-US" dirty="0"/>
+              <a:t>if ($</a:t>
+            </a:r>
+            <a:r>
+              <a:rPr lang="en-US" dirty="0" err="1"/>
+              <a:t>mysqli</a:t>
+            </a:r>
+            <a:r>
+              <a:rPr lang="en-US" dirty="0"/>
+              <a:t>-&gt;</a:t>
+            </a:r>
+            <a:r>
+              <a:rPr lang="en-US" dirty="0" err="1"/>
+              <a:t>connect_errno</a:t>
+            </a:r>
+            <a:r>
+              <a:rPr lang="en-US" dirty="0"/>
+              <a:t>&gt;0){</a:t>
+            </a:r>
+          </a:p>
+          <a:p>
+            <a:r>
+              <a:rPr lang="en-US" dirty="0"/>
+              <a:t>	die($</a:t>
+            </a:r>
+            <a:r>
+              <a:rPr lang="en-US" dirty="0" err="1"/>
+              <a:t>mysqli</a:t>
+            </a:r>
+            <a:r>
+              <a:rPr lang="en-US" dirty="0"/>
+              <a:t>-&gt;</a:t>
+            </a:r>
+            <a:r>
+              <a:rPr lang="en-US" dirty="0" err="1"/>
+              <a:t>connect_error</a:t>
+            </a:r>
+            <a:r>
+              <a:rPr lang="en-US" dirty="0"/>
+              <a:t>);</a:t>
+            </a:r>
+          </a:p>
+          <a:p>
+            <a:r>
+              <a:rPr lang="en-US" dirty="0"/>
+              <a:t>}</a:t>
+            </a:r>
+          </a:p>
+          <a:p>
+            <a:r>
+              <a:rPr lang="en-US" dirty="0"/>
+              <a:t>//</a:t>
+            </a:r>
+            <a:r>
+              <a:rPr lang="en-US" dirty="0" err="1"/>
+              <a:t>print_r</a:t>
+            </a:r>
+            <a:r>
+              <a:rPr lang="en-US" dirty="0"/>
+              <a:t>($</a:t>
+            </a:r>
+            <a:r>
+              <a:rPr lang="en-US" dirty="0" err="1"/>
+              <a:t>mysqli</a:t>
+            </a:r>
+            <a:r>
+              <a:rPr lang="en-US" dirty="0"/>
+              <a:t>);</a:t>
+            </a:r>
+          </a:p>
+          <a:p>
+            <a:r>
+              <a:rPr lang="en-US" dirty="0"/>
+              <a:t>?&gt;</a:t>
             </a:r>
             <a:endParaRPr lang="en-US" dirty="0"/>
           </a:p>
@@ -8528,7 +8608,7 @@
     </p:spTree>
     <p:extLst>
       <p:ext uri="{BB962C8B-B14F-4D97-AF65-F5344CB8AC3E}">
-        <p14:creationId xmlns:p14="http://schemas.microsoft.com/office/powerpoint/2010/main" val="2041175966"/>
+        <p14:creationId xmlns:p14="http://schemas.microsoft.com/office/powerpoint/2010/main" val="1495940223"/>
       </p:ext>
     </p:extLst>
   </p:cSld>
@@ -8557,7 +8637,7 @@
       </p:grpSpPr>
       <p:sp>
         <p:nvSpPr>
-          <p:cNvPr id="5" name="Title 4"/>
+          <p:cNvPr id="2" name="Title 1"/>
           <p:cNvSpPr>
             <a:spLocks noGrp="1"/>
           </p:cNvSpPr>
@@ -8571,8 +8651,8 @@
           <a:lstStyle/>
           <a:p>
             <a:r>
-              <a:rPr lang="en-US" dirty="0" smtClean="0"/>
-              <a:t>SQL</a:t>
+              <a:rPr lang="en-US" dirty="0" err="1" smtClean="0"/>
+              <a:t>db.inc.php</a:t>
             </a:r>
             <a:endParaRPr lang="en-US" dirty="0"/>
           </a:p>
@@ -8580,7 +8660,7 @@
       </p:sp>
       <p:sp>
         <p:nvSpPr>
-          <p:cNvPr id="6" name="Content Placeholder 5"/>
+          <p:cNvPr id="3" name="Content Placeholder 2"/>
           <p:cNvSpPr>
             <a:spLocks noGrp="1"/>
           </p:cNvSpPr>
@@ -8594,16 +8674,38 @@
           <a:lstStyle/>
           <a:p>
             <a:r>
-              <a:rPr lang="en-US" dirty="0" smtClean="0"/>
-              <a:t>You can copy SQL </a:t>
-            </a:r>
-            <a:r>
-              <a:rPr lang="en-US" smtClean="0"/>
-              <a:t>from phpmyadmin</a:t>
-            </a:r>
-            <a:endParaRPr lang="en-US" dirty="0" smtClean="0"/>
-          </a:p>
-          <a:p>
+              <a:rPr lang="en-US" dirty="0"/>
+              <a:t>&lt;?</a:t>
+            </a:r>
+            <a:r>
+              <a:rPr lang="en-US" dirty="0" err="1"/>
+              <a:t>php</a:t>
+            </a:r>
+            <a:endParaRPr lang="en-US" dirty="0"/>
+          </a:p>
+          <a:p>
+            <a:r>
+              <a:rPr lang="en-US" dirty="0" err="1" smtClean="0"/>
+              <a:t>require_once</a:t>
+            </a:r>
+            <a:r>
+              <a:rPr lang="en-US" dirty="0"/>
+              <a:t>('</a:t>
+            </a:r>
+            <a:r>
+              <a:rPr lang="en-US" dirty="0" err="1"/>
+              <a:t>db.inc.php</a:t>
+            </a:r>
+            <a:r>
+              <a:rPr lang="en-US" dirty="0"/>
+              <a:t>');</a:t>
+            </a:r>
+          </a:p>
+          <a:p>
+            <a:r>
+              <a:rPr lang="en-US" dirty="0"/>
+              <a:t>?&gt;</a:t>
+            </a:r>
             <a:endParaRPr lang="en-US" dirty="0"/>
           </a:p>
         </p:txBody>
@@ -8611,7 +8713,7 @@
     </p:spTree>
     <p:extLst>
       <p:ext uri="{BB962C8B-B14F-4D97-AF65-F5344CB8AC3E}">
-        <p14:creationId xmlns:p14="http://schemas.microsoft.com/office/powerpoint/2010/main" val="578212422"/>
+        <p14:creationId xmlns:p14="http://schemas.microsoft.com/office/powerpoint/2010/main" val="990391374"/>
       </p:ext>
     </p:extLst>
   </p:cSld>
@@ -8640,7 +8742,7 @@
       </p:grpSpPr>
       <p:sp>
         <p:nvSpPr>
-          <p:cNvPr id="5" name="Title 4"/>
+          <p:cNvPr id="2" name="Title 1"/>
           <p:cNvSpPr>
             <a:spLocks noGrp="1"/>
           </p:cNvSpPr>
@@ -8655,7 +8757,7 @@
           <a:p>
             <a:r>
               <a:rPr lang="en-US" dirty="0" smtClean="0"/>
-              <a:t>Next lesson</a:t>
+              <a:t>Read all</a:t>
             </a:r>
             <a:endParaRPr lang="en-US" dirty="0"/>
           </a:p>
@@ -8663,7 +8765,7 @@
       </p:sp>
       <p:sp>
         <p:nvSpPr>
-          <p:cNvPr id="6" name="Content Placeholder 5"/>
+          <p:cNvPr id="3" name="Content Placeholder 2"/>
           <p:cNvSpPr>
             <a:spLocks noGrp="1"/>
           </p:cNvSpPr>
@@ -8677,17 +8779,12 @@
           <a:lstStyle/>
           <a:p>
             <a:r>
-              <a:rPr lang="en-US" dirty="0" smtClean="0"/>
-              <a:t>Bring </a:t>
-            </a:r>
-            <a:r>
               <a:rPr lang="en-US" dirty="0" err="1" smtClean="0"/>
-              <a:t>Fevaworks</a:t>
-            </a:r>
-            <a:r>
-              <a:rPr lang="en-US" dirty="0" smtClean="0"/>
-              <a:t> notes lesson 24 and 26.</a:t>
-            </a:r>
+              <a:t>sms_readall.php</a:t>
+            </a:r>
+            <a:endParaRPr lang="en-US" smtClean="0"/>
+          </a:p>
+          <a:p>
             <a:endParaRPr lang="en-US" dirty="0"/>
           </a:p>
         </p:txBody>
@@ -8695,7 +8792,7 @@
     </p:spTree>
     <p:extLst>
       <p:ext uri="{BB962C8B-B14F-4D97-AF65-F5344CB8AC3E}">
-        <p14:creationId xmlns:p14="http://schemas.microsoft.com/office/powerpoint/2010/main" val="221133230"/>
+        <p14:creationId xmlns:p14="http://schemas.microsoft.com/office/powerpoint/2010/main" val="1363349776"/>
       </p:ext>
     </p:extLst>
   </p:cSld>
@@ -8724,60 +8821,681 @@
       </p:grpSpPr>
       <p:sp>
         <p:nvSpPr>
-          <p:cNvPr id="24578" name="Rectangle 2"/>
-          <p:cNvSpPr>
-            <a:spLocks noGrp="1" noChangeArrowheads="1"/>
-          </p:cNvSpPr>
-          <p:nvPr>
-            <p:ph type="ctrTitle"/>
-          </p:nvPr>
-        </p:nvSpPr>
-        <p:spPr>
-          <a:xfrm>
-            <a:off x="1739900" y="914400"/>
-            <a:ext cx="6946900" cy="3487738"/>
-          </a:xfrm>
-        </p:spPr>
+          <p:cNvPr id="2" name="Title 1"/>
+          <p:cNvSpPr>
+            <a:spLocks noGrp="1"/>
+          </p:cNvSpPr>
+          <p:nvPr>
+            <p:ph type="title"/>
+          </p:nvPr>
+        </p:nvSpPr>
+        <p:spPr/>
         <p:txBody>
           <a:bodyPr/>
           <a:lstStyle/>
           <a:p>
-            <a:r>
-              <a:rPr lang="en-US" altLang="zh-TW">
-                <a:ln>
-                  <a:noFill/>
-                </a:ln>
-              </a:rPr>
-              <a:t>QUESTIONS</a:t>
-            </a:r>
-          </a:p>
-        </p:txBody>
-      </p:sp>
-      <p:sp>
-        <p:nvSpPr>
-          <p:cNvPr id="24579" name="Subtitle 2"/>
-          <p:cNvSpPr>
-            <a:spLocks noGrp="1"/>
-          </p:cNvSpPr>
-          <p:nvPr>
-            <p:ph type="subTitle" idx="1"/>
-          </p:nvPr>
-        </p:nvSpPr>
-        <p:spPr>
-          <a:xfrm>
-            <a:off x="2924175" y="4402138"/>
-            <a:ext cx="5762625" cy="1365250"/>
-          </a:xfrm>
-        </p:spPr>
+            <a:endParaRPr lang="zh-HK" altLang="en-US"/>
+          </a:p>
+        </p:txBody>
+      </p:sp>
+      <p:sp>
+        <p:nvSpPr>
+          <p:cNvPr id="3" name="Content Placeholder 2"/>
+          <p:cNvSpPr>
+            <a:spLocks noGrp="1"/>
+          </p:cNvSpPr>
+          <p:nvPr>
+            <p:ph idx="1"/>
+          </p:nvPr>
+        </p:nvSpPr>
+        <p:spPr/>
         <p:txBody>
           <a:bodyPr/>
           <a:lstStyle/>
           <a:p>
-            <a:endParaRPr lang="zh-HK" altLang="en-US"/>
-          </a:p>
-        </p:txBody>
-      </p:sp>
+            <a:endParaRPr lang="zh-HK" altLang="en-US" dirty="0"/>
+          </a:p>
+        </p:txBody>
+      </p:sp>
+      <p:pic>
+        <p:nvPicPr>
+          <p:cNvPr id="1027" name="Picture 3"/>
+          <p:cNvPicPr>
+            <a:picLocks noChangeAspect="1" noChangeArrowheads="1"/>
+          </p:cNvPicPr>
+          <p:nvPr/>
+        </p:nvPicPr>
+        <p:blipFill>
+          <a:blip r:embed="rId2">
+            <a:extLst>
+              <a:ext uri="{28A0092B-C50C-407E-A947-70E740481C1C}">
+                <a14:useLocalDpi xmlns:a14="http://schemas.microsoft.com/office/drawing/2010/main" val="0"/>
+              </a:ext>
+            </a:extLst>
+          </a:blip>
+          <a:srcRect/>
+          <a:stretch>
+            <a:fillRect/>
+          </a:stretch>
+        </p:blipFill>
+        <p:spPr bwMode="auto">
+          <a:xfrm>
+            <a:off x="2619375" y="1423988"/>
+            <a:ext cx="3905250" cy="4010025"/>
+          </a:xfrm>
+          <a:prstGeom prst="rect">
+            <a:avLst/>
+          </a:prstGeom>
+          <a:noFill/>
+          <a:ln>
+            <a:noFill/>
+          </a:ln>
+          <a:effectLst/>
+          <a:extLst>
+            <a:ext uri="{909E8E84-426E-40DD-AFC4-6F175D3DCCD1}">
+              <a14:hiddenFill xmlns:a14="http://schemas.microsoft.com/office/drawing/2010/main">
+                <a:solidFill>
+                  <a:schemeClr val="accent1"/>
+                </a:solidFill>
+              </a14:hiddenFill>
+            </a:ext>
+            <a:ext uri="{91240B29-F687-4F45-9708-019B960494DF}">
+              <a14:hiddenLine xmlns:a14="http://schemas.microsoft.com/office/drawing/2010/main" w="9525">
+                <a:solidFill>
+                  <a:schemeClr val="tx1"/>
+                </a:solidFill>
+                <a:miter lim="800000"/>
+                <a:headEnd/>
+                <a:tailEnd/>
+              </a14:hiddenLine>
+            </a:ext>
+            <a:ext uri="{AF507438-7753-43E0-B8FC-AC1667EBCBE1}">
+              <a14:hiddenEffects xmlns:a14="http://schemas.microsoft.com/office/drawing/2010/main">
+                <a:effectLst>
+                  <a:outerShdw dist="35921" dir="2700000" algn="ctr" rotWithShape="0">
+                    <a:schemeClr val="bg2"/>
+                  </a:outerShdw>
+                </a:effectLst>
+              </a14:hiddenEffects>
+            </a:ext>
+          </a:extLst>
+        </p:spPr>
+      </p:pic>
     </p:spTree>
+    <p:extLst>
+      <p:ext uri="{BB962C8B-B14F-4D97-AF65-F5344CB8AC3E}">
+        <p14:creationId xmlns:p14="http://schemas.microsoft.com/office/powerpoint/2010/main" val="3682450685"/>
+      </p:ext>
+    </p:extLst>
+  </p:cSld>
+  <p:clrMapOvr>
+    <a:masterClrMapping/>
+  </p:clrMapOvr>
+</p:sld>
+</file>
+
+<file path=ppt/slides/slide14.xml><?xml version="1.0" encoding="utf-8"?>
+<p:sld xmlns:a="http://schemas.openxmlformats.org/drawingml/2006/main" xmlns:r="http://schemas.openxmlformats.org/officeDocument/2006/relationships" xmlns:p="http://schemas.openxmlformats.org/presentationml/2006/main">
+  <p:cSld>
+    <p:spTree>
+      <p:nvGrpSpPr>
+        <p:cNvPr id="1" name=""/>
+        <p:cNvGrpSpPr/>
+        <p:nvPr/>
+      </p:nvGrpSpPr>
+      <p:grpSpPr>
+        <a:xfrm>
+          <a:off x="0" y="0"/>
+          <a:ext cx="0" cy="0"/>
+          <a:chOff x="0" y="0"/>
+          <a:chExt cx="0" cy="0"/>
+        </a:xfrm>
+      </p:grpSpPr>
+      <p:sp>
+        <p:nvSpPr>
+          <p:cNvPr id="5" name="Title 4"/>
+          <p:cNvSpPr>
+            <a:spLocks noGrp="1"/>
+          </p:cNvSpPr>
+          <p:nvPr>
+            <p:ph type="title"/>
+          </p:nvPr>
+        </p:nvSpPr>
+        <p:spPr/>
+        <p:txBody>
+          <a:bodyPr/>
+          <a:lstStyle/>
+          <a:p>
+            <a:r>
+              <a:rPr lang="en-US" dirty="0" smtClean="0"/>
+              <a:t>SQL</a:t>
+            </a:r>
+            <a:endParaRPr lang="en-US" dirty="0"/>
+          </a:p>
+        </p:txBody>
+      </p:sp>
+      <p:sp>
+        <p:nvSpPr>
+          <p:cNvPr id="6" name="Content Placeholder 5"/>
+          <p:cNvSpPr>
+            <a:spLocks noGrp="1"/>
+          </p:cNvSpPr>
+          <p:nvPr>
+            <p:ph idx="1"/>
+          </p:nvPr>
+        </p:nvSpPr>
+        <p:spPr/>
+        <p:txBody>
+          <a:bodyPr/>
+          <a:lstStyle/>
+          <a:p>
+            <a:r>
+              <a:rPr lang="en-US" dirty="0" smtClean="0"/>
+              <a:t>You can copy SQL from </a:t>
+            </a:r>
+            <a:r>
+              <a:rPr lang="en-US" dirty="0" err="1" smtClean="0"/>
+              <a:t>phpmyadmin</a:t>
+            </a:r>
+            <a:endParaRPr lang="en-US" dirty="0" smtClean="0"/>
+          </a:p>
+          <a:p>
+            <a:endParaRPr lang="en-US" dirty="0"/>
+          </a:p>
+        </p:txBody>
+      </p:sp>
+    </p:spTree>
+    <p:extLst>
+      <p:ext uri="{BB962C8B-B14F-4D97-AF65-F5344CB8AC3E}">
+        <p14:creationId xmlns:p14="http://schemas.microsoft.com/office/powerpoint/2010/main" val="578212422"/>
+      </p:ext>
+    </p:extLst>
+  </p:cSld>
+  <p:clrMapOvr>
+    <a:masterClrMapping/>
+  </p:clrMapOvr>
+</p:sld>
+</file>
+
+<file path=ppt/slides/slide15.xml><?xml version="1.0" encoding="utf-8"?>
+<p:sld xmlns:a="http://schemas.openxmlformats.org/drawingml/2006/main" xmlns:r="http://schemas.openxmlformats.org/officeDocument/2006/relationships" xmlns:p="http://schemas.openxmlformats.org/presentationml/2006/main">
+  <p:cSld>
+    <p:spTree>
+      <p:nvGrpSpPr>
+        <p:cNvPr id="1" name=""/>
+        <p:cNvGrpSpPr/>
+        <p:nvPr/>
+      </p:nvGrpSpPr>
+      <p:grpSpPr>
+        <a:xfrm>
+          <a:off x="0" y="0"/>
+          <a:ext cx="0" cy="0"/>
+          <a:chOff x="0" y="0"/>
+          <a:chExt cx="0" cy="0"/>
+        </a:xfrm>
+      </p:grpSpPr>
+      <p:sp>
+        <p:nvSpPr>
+          <p:cNvPr id="2" name="Title 1"/>
+          <p:cNvSpPr>
+            <a:spLocks noGrp="1"/>
+          </p:cNvSpPr>
+          <p:nvPr>
+            <p:ph type="title"/>
+          </p:nvPr>
+        </p:nvSpPr>
+        <p:spPr/>
+        <p:txBody>
+          <a:bodyPr/>
+          <a:lstStyle/>
+          <a:p>
+            <a:r>
+              <a:rPr lang="en-US" altLang="zh-HK" dirty="0" smtClean="0"/>
+              <a:t>Read one</a:t>
+            </a:r>
+            <a:endParaRPr lang="zh-HK" altLang="en-US" dirty="0"/>
+          </a:p>
+        </p:txBody>
+      </p:sp>
+      <p:sp>
+        <p:nvSpPr>
+          <p:cNvPr id="3" name="Content Placeholder 2"/>
+          <p:cNvSpPr>
+            <a:spLocks noGrp="1"/>
+          </p:cNvSpPr>
+          <p:nvPr>
+            <p:ph idx="1"/>
+          </p:nvPr>
+        </p:nvSpPr>
+        <p:spPr/>
+        <p:txBody>
+          <a:bodyPr/>
+          <a:lstStyle/>
+          <a:p>
+            <a:r>
+              <a:rPr lang="en-US" altLang="zh-HK" dirty="0" err="1" smtClean="0"/>
+              <a:t>sms_readone.php</a:t>
+            </a:r>
+            <a:endParaRPr lang="zh-HK" altLang="en-US" dirty="0"/>
+          </a:p>
+        </p:txBody>
+      </p:sp>
+    </p:spTree>
+    <p:extLst>
+      <p:ext uri="{BB962C8B-B14F-4D97-AF65-F5344CB8AC3E}">
+        <p14:creationId xmlns:p14="http://schemas.microsoft.com/office/powerpoint/2010/main" val="1014839924"/>
+      </p:ext>
+    </p:extLst>
+  </p:cSld>
+  <p:clrMapOvr>
+    <a:masterClrMapping/>
+  </p:clrMapOvr>
+</p:sld>
+</file>
+
+<file path=ppt/slides/slide16.xml><?xml version="1.0" encoding="utf-8"?>
+<p:sld xmlns:a="http://schemas.openxmlformats.org/drawingml/2006/main" xmlns:r="http://schemas.openxmlformats.org/officeDocument/2006/relationships" xmlns:p="http://schemas.openxmlformats.org/presentationml/2006/main">
+  <p:cSld>
+    <p:spTree>
+      <p:nvGrpSpPr>
+        <p:cNvPr id="1" name=""/>
+        <p:cNvGrpSpPr/>
+        <p:nvPr/>
+      </p:nvGrpSpPr>
+      <p:grpSpPr>
+        <a:xfrm>
+          <a:off x="0" y="0"/>
+          <a:ext cx="0" cy="0"/>
+          <a:chOff x="0" y="0"/>
+          <a:chExt cx="0" cy="0"/>
+        </a:xfrm>
+      </p:grpSpPr>
+      <p:sp>
+        <p:nvSpPr>
+          <p:cNvPr id="2" name="Title 1"/>
+          <p:cNvSpPr>
+            <a:spLocks noGrp="1"/>
+          </p:cNvSpPr>
+          <p:nvPr>
+            <p:ph type="title"/>
+          </p:nvPr>
+        </p:nvSpPr>
+        <p:spPr/>
+        <p:txBody>
+          <a:bodyPr/>
+          <a:lstStyle/>
+          <a:p>
+            <a:r>
+              <a:rPr lang="en-US" altLang="zh-HK" dirty="0" smtClean="0"/>
+              <a:t>Create</a:t>
+            </a:r>
+            <a:endParaRPr lang="zh-HK" altLang="en-US" dirty="0"/>
+          </a:p>
+        </p:txBody>
+      </p:sp>
+      <p:sp>
+        <p:nvSpPr>
+          <p:cNvPr id="3" name="Content Placeholder 2"/>
+          <p:cNvSpPr>
+            <a:spLocks noGrp="1"/>
+          </p:cNvSpPr>
+          <p:nvPr>
+            <p:ph idx="1"/>
+          </p:nvPr>
+        </p:nvSpPr>
+        <p:spPr/>
+        <p:txBody>
+          <a:bodyPr/>
+          <a:lstStyle/>
+          <a:p>
+            <a:r>
+              <a:rPr lang="en-US" altLang="zh-HK" dirty="0" err="1" smtClean="0"/>
+              <a:t>sms_create.php</a:t>
+            </a:r>
+            <a:endParaRPr lang="en-US" altLang="zh-HK" dirty="0" smtClean="0"/>
+          </a:p>
+          <a:p>
+            <a:r>
+              <a:rPr lang="en-US" altLang="zh-HK" dirty="0" err="1" smtClean="0"/>
+              <a:t>sms_create_sql.php</a:t>
+            </a:r>
+            <a:endParaRPr lang="zh-HK" altLang="en-US" dirty="0"/>
+          </a:p>
+          <a:p>
+            <a:endParaRPr lang="zh-HK" altLang="en-US" dirty="0"/>
+          </a:p>
+        </p:txBody>
+      </p:sp>
+    </p:spTree>
+    <p:extLst>
+      <p:ext uri="{BB962C8B-B14F-4D97-AF65-F5344CB8AC3E}">
+        <p14:creationId xmlns:p14="http://schemas.microsoft.com/office/powerpoint/2010/main" val="2530492792"/>
+      </p:ext>
+    </p:extLst>
+  </p:cSld>
+  <p:clrMapOvr>
+    <a:masterClrMapping/>
+  </p:clrMapOvr>
+</p:sld>
+</file>
+
+<file path=ppt/slides/slide17.xml><?xml version="1.0" encoding="utf-8"?>
+<p:sld xmlns:a="http://schemas.openxmlformats.org/drawingml/2006/main" xmlns:r="http://schemas.openxmlformats.org/officeDocument/2006/relationships" xmlns:p="http://schemas.openxmlformats.org/presentationml/2006/main">
+  <p:cSld>
+    <p:spTree>
+      <p:nvGrpSpPr>
+        <p:cNvPr id="1" name=""/>
+        <p:cNvGrpSpPr/>
+        <p:nvPr/>
+      </p:nvGrpSpPr>
+      <p:grpSpPr>
+        <a:xfrm>
+          <a:off x="0" y="0"/>
+          <a:ext cx="0" cy="0"/>
+          <a:chOff x="0" y="0"/>
+          <a:chExt cx="0" cy="0"/>
+        </a:xfrm>
+      </p:grpSpPr>
+      <p:sp>
+        <p:nvSpPr>
+          <p:cNvPr id="2" name="Title 1"/>
+          <p:cNvSpPr>
+            <a:spLocks noGrp="1"/>
+          </p:cNvSpPr>
+          <p:nvPr>
+            <p:ph type="title"/>
+          </p:nvPr>
+        </p:nvSpPr>
+        <p:spPr/>
+        <p:txBody>
+          <a:bodyPr/>
+          <a:lstStyle/>
+          <a:p>
+            <a:r>
+              <a:rPr lang="en-US" altLang="zh-HK" dirty="0" smtClean="0"/>
+              <a:t>Delete</a:t>
+            </a:r>
+            <a:endParaRPr lang="zh-HK" altLang="en-US" dirty="0"/>
+          </a:p>
+        </p:txBody>
+      </p:sp>
+      <p:sp>
+        <p:nvSpPr>
+          <p:cNvPr id="3" name="Content Placeholder 2"/>
+          <p:cNvSpPr>
+            <a:spLocks noGrp="1"/>
+          </p:cNvSpPr>
+          <p:nvPr>
+            <p:ph idx="1"/>
+          </p:nvPr>
+        </p:nvSpPr>
+        <p:spPr/>
+        <p:txBody>
+          <a:bodyPr/>
+          <a:lstStyle/>
+          <a:p>
+            <a:r>
+              <a:rPr lang="en-US" altLang="zh-HK" dirty="0" err="1" smtClean="0"/>
+              <a:t>sms_delete.php</a:t>
+            </a:r>
+            <a:endParaRPr lang="en-US" altLang="zh-HK" dirty="0" smtClean="0"/>
+          </a:p>
+          <a:p>
+            <a:r>
+              <a:rPr lang="en-US" altLang="zh-HK" dirty="0" err="1" smtClean="0"/>
+              <a:t>sms_</a:t>
+            </a:r>
+            <a:r>
+              <a:rPr lang="en-US" altLang="zh-HK" dirty="0" err="1"/>
+              <a:t>delete</a:t>
+            </a:r>
+            <a:r>
+              <a:rPr lang="en-US" altLang="zh-HK" dirty="0" err="1" smtClean="0"/>
+              <a:t>_sql.php</a:t>
+            </a:r>
+            <a:endParaRPr lang="zh-HK" altLang="en-US" dirty="0"/>
+          </a:p>
+          <a:p>
+            <a:endParaRPr lang="zh-HK" altLang="en-US" dirty="0"/>
+          </a:p>
+        </p:txBody>
+      </p:sp>
+    </p:spTree>
+    <p:extLst>
+      <p:ext uri="{BB962C8B-B14F-4D97-AF65-F5344CB8AC3E}">
+        <p14:creationId xmlns:p14="http://schemas.microsoft.com/office/powerpoint/2010/main" val="3080556106"/>
+      </p:ext>
+    </p:extLst>
+  </p:cSld>
+  <p:clrMapOvr>
+    <a:masterClrMapping/>
+  </p:clrMapOvr>
+</p:sld>
+</file>
+
+<file path=ppt/slides/slide18.xml><?xml version="1.0" encoding="utf-8"?>
+<p:sld xmlns:a="http://schemas.openxmlformats.org/drawingml/2006/main" xmlns:r="http://schemas.openxmlformats.org/officeDocument/2006/relationships" xmlns:p="http://schemas.openxmlformats.org/presentationml/2006/main">
+  <p:cSld>
+    <p:spTree>
+      <p:nvGrpSpPr>
+        <p:cNvPr id="1" name=""/>
+        <p:cNvGrpSpPr/>
+        <p:nvPr/>
+      </p:nvGrpSpPr>
+      <p:grpSpPr>
+        <a:xfrm>
+          <a:off x="0" y="0"/>
+          <a:ext cx="0" cy="0"/>
+          <a:chOff x="0" y="0"/>
+          <a:chExt cx="0" cy="0"/>
+        </a:xfrm>
+      </p:grpSpPr>
+      <p:sp>
+        <p:nvSpPr>
+          <p:cNvPr id="2" name="Title 1"/>
+          <p:cNvSpPr>
+            <a:spLocks noGrp="1"/>
+          </p:cNvSpPr>
+          <p:nvPr>
+            <p:ph type="title"/>
+          </p:nvPr>
+        </p:nvSpPr>
+        <p:spPr/>
+        <p:txBody>
+          <a:bodyPr/>
+          <a:lstStyle/>
+          <a:p>
+            <a:r>
+              <a:rPr lang="en-US" altLang="zh-HK" dirty="0" smtClean="0"/>
+              <a:t>Update</a:t>
+            </a:r>
+            <a:endParaRPr lang="zh-HK" altLang="en-US" dirty="0"/>
+          </a:p>
+        </p:txBody>
+      </p:sp>
+      <p:sp>
+        <p:nvSpPr>
+          <p:cNvPr id="3" name="Content Placeholder 2"/>
+          <p:cNvSpPr>
+            <a:spLocks noGrp="1"/>
+          </p:cNvSpPr>
+          <p:nvPr>
+            <p:ph idx="1"/>
+          </p:nvPr>
+        </p:nvSpPr>
+        <p:spPr/>
+        <p:txBody>
+          <a:bodyPr/>
+          <a:lstStyle/>
+          <a:p>
+            <a:r>
+              <a:rPr lang="en-US" altLang="zh-HK" dirty="0" err="1" smtClean="0"/>
+              <a:t>sms_update.php</a:t>
+            </a:r>
+            <a:endParaRPr lang="en-US" altLang="zh-HK" dirty="0" smtClean="0"/>
+          </a:p>
+          <a:p>
+            <a:r>
+              <a:rPr lang="en-US" altLang="zh-HK" dirty="0" err="1" smtClean="0"/>
+              <a:t>sms_</a:t>
+            </a:r>
+            <a:r>
+              <a:rPr lang="en-US" altLang="zh-HK" dirty="0" err="1"/>
+              <a:t>update</a:t>
+            </a:r>
+            <a:r>
+              <a:rPr lang="en-US" altLang="zh-HK" dirty="0" err="1" smtClean="0"/>
+              <a:t>_sql.php</a:t>
+            </a:r>
+            <a:endParaRPr lang="zh-HK" altLang="en-US" dirty="0"/>
+          </a:p>
+          <a:p>
+            <a:endParaRPr lang="zh-HK" altLang="en-US" dirty="0"/>
+          </a:p>
+        </p:txBody>
+      </p:sp>
+    </p:spTree>
+    <p:extLst>
+      <p:ext uri="{BB962C8B-B14F-4D97-AF65-F5344CB8AC3E}">
+        <p14:creationId xmlns:p14="http://schemas.microsoft.com/office/powerpoint/2010/main" val="3080556106"/>
+      </p:ext>
+    </p:extLst>
+  </p:cSld>
+  <p:clrMapOvr>
+    <a:masterClrMapping/>
+  </p:clrMapOvr>
+</p:sld>
+</file>
+
+<file path=ppt/slides/slide19.xml><?xml version="1.0" encoding="utf-8"?>
+<p:sld xmlns:a="http://schemas.openxmlformats.org/drawingml/2006/main" xmlns:r="http://schemas.openxmlformats.org/officeDocument/2006/relationships" xmlns:p="http://schemas.openxmlformats.org/presentationml/2006/main">
+  <p:cSld>
+    <p:spTree>
+      <p:nvGrpSpPr>
+        <p:cNvPr id="1" name=""/>
+        <p:cNvGrpSpPr/>
+        <p:nvPr/>
+      </p:nvGrpSpPr>
+      <p:grpSpPr>
+        <a:xfrm>
+          <a:off x="0" y="0"/>
+          <a:ext cx="0" cy="0"/>
+          <a:chOff x="0" y="0"/>
+          <a:chExt cx="0" cy="0"/>
+        </a:xfrm>
+      </p:grpSpPr>
+      <p:sp>
+        <p:nvSpPr>
+          <p:cNvPr id="5" name="Title 4"/>
+          <p:cNvSpPr>
+            <a:spLocks noGrp="1"/>
+          </p:cNvSpPr>
+          <p:nvPr>
+            <p:ph type="title"/>
+          </p:nvPr>
+        </p:nvSpPr>
+        <p:spPr/>
+        <p:txBody>
+          <a:bodyPr/>
+          <a:lstStyle/>
+          <a:p>
+            <a:r>
+              <a:rPr lang="en-US" dirty="0" smtClean="0"/>
+              <a:t>Files</a:t>
+            </a:r>
+            <a:endParaRPr lang="en-US" dirty="0"/>
+          </a:p>
+        </p:txBody>
+      </p:sp>
+      <p:sp>
+        <p:nvSpPr>
+          <p:cNvPr id="6" name="Content Placeholder 5"/>
+          <p:cNvSpPr>
+            <a:spLocks noGrp="1"/>
+          </p:cNvSpPr>
+          <p:nvPr>
+            <p:ph idx="1"/>
+          </p:nvPr>
+        </p:nvSpPr>
+        <p:spPr/>
+        <p:txBody>
+          <a:bodyPr numCol="2"/>
+          <a:lstStyle/>
+          <a:p>
+            <a:r>
+              <a:rPr lang="en-US" dirty="0" err="1" smtClean="0"/>
+              <a:t>db.inc.php</a:t>
+            </a:r>
+            <a:endParaRPr lang="en-US" dirty="0" smtClean="0"/>
+          </a:p>
+          <a:p>
+            <a:r>
+              <a:rPr lang="en-US" dirty="0" err="1" smtClean="0"/>
+              <a:t>sms_readall.php</a:t>
+            </a:r>
+            <a:endParaRPr lang="en-US" dirty="0" smtClean="0"/>
+          </a:p>
+          <a:p>
+            <a:r>
+              <a:rPr lang="en-US" dirty="0" err="1" smtClean="0"/>
+              <a:t>sms_readone.php</a:t>
+            </a:r>
+            <a:endParaRPr lang="en-US" dirty="0"/>
+          </a:p>
+          <a:p>
+            <a:r>
+              <a:rPr lang="en-US" dirty="0" err="1" smtClean="0"/>
+              <a:t>sms_create.php</a:t>
+            </a:r>
+            <a:endParaRPr lang="en-US" dirty="0" smtClean="0"/>
+          </a:p>
+          <a:p>
+            <a:r>
+              <a:rPr lang="en-US" dirty="0" smtClean="0"/>
+              <a:t>sms_create2.php</a:t>
+            </a:r>
+          </a:p>
+          <a:p>
+            <a:r>
+              <a:rPr lang="en-US" dirty="0" err="1"/>
+              <a:t>sms_delete.php</a:t>
+            </a:r>
+            <a:endParaRPr lang="en-US" dirty="0"/>
+          </a:p>
+          <a:p>
+            <a:r>
+              <a:rPr lang="en-US" dirty="0"/>
+              <a:t>sms_delete2.php</a:t>
+            </a:r>
+          </a:p>
+          <a:p>
+            <a:r>
+              <a:rPr lang="en-US" dirty="0" err="1"/>
+              <a:t>sms_update.php</a:t>
+            </a:r>
+            <a:endParaRPr lang="en-US" dirty="0"/>
+          </a:p>
+          <a:p>
+            <a:r>
+              <a:rPr lang="en-US" dirty="0" smtClean="0"/>
+              <a:t>sms_update2.php</a:t>
+            </a:r>
+          </a:p>
+          <a:p>
+            <a:r>
+              <a:rPr lang="en-US" dirty="0" err="1" smtClean="0"/>
+              <a:t>sms.sql</a:t>
+            </a:r>
+            <a:endParaRPr lang="en-US" dirty="0"/>
+          </a:p>
+        </p:txBody>
+      </p:sp>
+    </p:spTree>
+    <p:extLst>
+      <p:ext uri="{BB962C8B-B14F-4D97-AF65-F5344CB8AC3E}">
+        <p14:creationId xmlns:p14="http://schemas.microsoft.com/office/powerpoint/2010/main" val="2041175966"/>
+      </p:ext>
+    </p:extLst>
   </p:cSld>
   <p:clrMapOvr>
     <a:masterClrMapping/>
@@ -8818,47 +9536,21 @@
           <a:lstStyle/>
           <a:p>
             <a:r>
-              <a:rPr lang="en-US" dirty="0" smtClean="0"/>
-              <a:t>Database</a:t>
-            </a:r>
-            <a:endParaRPr lang="en-US" dirty="0"/>
-          </a:p>
-        </p:txBody>
-      </p:sp>
-      <p:pic>
-        <p:nvPicPr>
-          <p:cNvPr id="4" name="Content Placeholder 3"/>
-          <p:cNvPicPr>
-            <a:picLocks noGrp="1" noChangeAspect="1"/>
-          </p:cNvPicPr>
-          <p:nvPr>
-            <p:ph sz="half" idx="1"/>
-          </p:nvPr>
-        </p:nvPicPr>
-        <p:blipFill>
-          <a:blip r:embed="rId2"/>
-          <a:stretch>
-            <a:fillRect/>
-          </a:stretch>
-        </p:blipFill>
-        <p:spPr>
-          <a:xfrm>
-            <a:off x="810816" y="2124869"/>
-            <a:ext cx="4337248" cy="3752850"/>
-          </a:xfrm>
-          <a:prstGeom prst="rect">
-            <a:avLst/>
-          </a:prstGeom>
-        </p:spPr>
-      </p:pic>
-      <p:sp>
-        <p:nvSpPr>
-          <p:cNvPr id="5" name="Content Placeholder 4"/>
-          <p:cNvSpPr>
-            <a:spLocks noGrp="1"/>
-          </p:cNvSpPr>
-          <p:nvPr>
-            <p:ph sz="half" idx="2"/>
+              <a:rPr lang="en-US" altLang="zh-HK" dirty="0" err="1" smtClean="0"/>
+              <a:t>PhpMyAdmin</a:t>
+            </a:r>
+            <a:endParaRPr lang="zh-HK" altLang="en-US" dirty="0"/>
+          </a:p>
+        </p:txBody>
+      </p:sp>
+      <p:sp>
+        <p:nvSpPr>
+          <p:cNvPr id="3" name="Content Placeholder 2"/>
+          <p:cNvSpPr>
+            <a:spLocks noGrp="1"/>
+          </p:cNvSpPr>
+          <p:nvPr>
+            <p:ph idx="1"/>
           </p:nvPr>
         </p:nvSpPr>
         <p:spPr/>
@@ -8867,19 +9559,234 @@
           <a:lstStyle/>
           <a:p>
             <a:r>
-              <a:rPr lang="en-US" dirty="0" smtClean="0"/>
-              <a:t>If no “test” database, then create one “test” database first.</a:t>
-            </a:r>
-            <a:endParaRPr lang="en-US" dirty="0"/>
+              <a:rPr lang="en-US" altLang="zh-HK" dirty="0" err="1" smtClean="0"/>
+              <a:t>AppServe</a:t>
+            </a:r>
+            <a:r>
+              <a:rPr lang="en-US" altLang="zh-HK" dirty="0" smtClean="0"/>
+              <a:t>: localhost:8080/</a:t>
+            </a:r>
+            <a:r>
+              <a:rPr lang="en-US" altLang="zh-HK" dirty="0" err="1" smtClean="0"/>
+              <a:t>phpmyadmin</a:t>
+            </a:r>
+            <a:endParaRPr lang="en-US" altLang="zh-HK" dirty="0" smtClean="0"/>
+          </a:p>
+          <a:p>
+            <a:r>
+              <a:rPr lang="en-US" altLang="zh-HK" dirty="0" err="1"/>
+              <a:t>AppServe</a:t>
+            </a:r>
+            <a:r>
+              <a:rPr lang="en-US" altLang="zh-HK" dirty="0"/>
+              <a:t>: </a:t>
+            </a:r>
+            <a:r>
+              <a:rPr lang="en-US" altLang="zh-HK" dirty="0" smtClean="0"/>
+              <a:t>root / password</a:t>
+            </a:r>
+          </a:p>
+          <a:p>
+            <a:endParaRPr lang="en-US" altLang="zh-HK" dirty="0"/>
+          </a:p>
+          <a:p>
+            <a:r>
+              <a:rPr lang="en-US" altLang="zh-HK" dirty="0"/>
+              <a:t>XAMPP: </a:t>
+            </a:r>
+            <a:r>
+              <a:rPr lang="en-US" altLang="zh-HK" dirty="0" err="1" smtClean="0"/>
+              <a:t>localhost</a:t>
+            </a:r>
+            <a:r>
+              <a:rPr lang="en-US" altLang="zh-HK" dirty="0" smtClean="0"/>
+              <a:t>/</a:t>
+            </a:r>
+            <a:r>
+              <a:rPr lang="en-US" altLang="zh-HK" dirty="0" err="1" smtClean="0"/>
+              <a:t>phpmyadmin</a:t>
+            </a:r>
+            <a:endParaRPr lang="en-US" altLang="zh-HK" dirty="0" smtClean="0"/>
+          </a:p>
+          <a:p>
+            <a:r>
+              <a:rPr lang="en-US" altLang="zh-HK" dirty="0" smtClean="0"/>
+              <a:t>XAMPP: root / </a:t>
+            </a:r>
+            <a:endParaRPr lang="en-US" altLang="zh-HK" dirty="0"/>
           </a:p>
         </p:txBody>
       </p:sp>
     </p:spTree>
     <p:extLst>
       <p:ext uri="{BB962C8B-B14F-4D97-AF65-F5344CB8AC3E}">
-        <p14:creationId xmlns:p14="http://schemas.microsoft.com/office/powerpoint/2010/main" val="1050654858"/>
+        <p14:creationId xmlns:p14="http://schemas.microsoft.com/office/powerpoint/2010/main" val="2455026348"/>
       </p:ext>
     </p:extLst>
+  </p:cSld>
+  <p:clrMapOvr>
+    <a:masterClrMapping/>
+  </p:clrMapOvr>
+</p:sld>
+</file>
+
+<file path=ppt/slides/slide20.xml><?xml version="1.0" encoding="utf-8"?>
+<p:sld xmlns:a="http://schemas.openxmlformats.org/drawingml/2006/main" xmlns:r="http://schemas.openxmlformats.org/officeDocument/2006/relationships" xmlns:p="http://schemas.openxmlformats.org/presentationml/2006/main">
+  <p:cSld>
+    <p:spTree>
+      <p:nvGrpSpPr>
+        <p:cNvPr id="1" name=""/>
+        <p:cNvGrpSpPr/>
+        <p:nvPr/>
+      </p:nvGrpSpPr>
+      <p:grpSpPr>
+        <a:xfrm>
+          <a:off x="0" y="0"/>
+          <a:ext cx="0" cy="0"/>
+          <a:chOff x="0" y="0"/>
+          <a:chExt cx="0" cy="0"/>
+        </a:xfrm>
+      </p:grpSpPr>
+      <p:sp>
+        <p:nvSpPr>
+          <p:cNvPr id="5" name="Title 4"/>
+          <p:cNvSpPr>
+            <a:spLocks noGrp="1"/>
+          </p:cNvSpPr>
+          <p:nvPr>
+            <p:ph type="title"/>
+          </p:nvPr>
+        </p:nvSpPr>
+        <p:spPr/>
+        <p:txBody>
+          <a:bodyPr/>
+          <a:lstStyle/>
+          <a:p>
+            <a:r>
+              <a:rPr lang="en-US" dirty="0" smtClean="0"/>
+              <a:t>Next lesson</a:t>
+            </a:r>
+            <a:endParaRPr lang="en-US" dirty="0"/>
+          </a:p>
+        </p:txBody>
+      </p:sp>
+      <p:sp>
+        <p:nvSpPr>
+          <p:cNvPr id="6" name="Content Placeholder 5"/>
+          <p:cNvSpPr>
+            <a:spLocks noGrp="1"/>
+          </p:cNvSpPr>
+          <p:nvPr>
+            <p:ph idx="1"/>
+          </p:nvPr>
+        </p:nvSpPr>
+        <p:spPr/>
+        <p:txBody>
+          <a:bodyPr/>
+          <a:lstStyle/>
+          <a:p>
+            <a:r>
+              <a:rPr lang="en-US" dirty="0" smtClean="0"/>
+              <a:t>Bring </a:t>
+            </a:r>
+            <a:r>
+              <a:rPr lang="en-US" dirty="0" err="1" smtClean="0"/>
+              <a:t>Fevaworks</a:t>
+            </a:r>
+            <a:r>
+              <a:rPr lang="en-US" dirty="0" smtClean="0"/>
+              <a:t> notes lesson 24 and 26.</a:t>
+            </a:r>
+            <a:endParaRPr lang="en-US" dirty="0"/>
+          </a:p>
+        </p:txBody>
+      </p:sp>
+    </p:spTree>
+    <p:extLst>
+      <p:ext uri="{BB962C8B-B14F-4D97-AF65-F5344CB8AC3E}">
+        <p14:creationId xmlns:p14="http://schemas.microsoft.com/office/powerpoint/2010/main" val="221133230"/>
+      </p:ext>
+    </p:extLst>
+  </p:cSld>
+  <p:clrMapOvr>
+    <a:masterClrMapping/>
+  </p:clrMapOvr>
+</p:sld>
+</file>
+
+<file path=ppt/slides/slide21.xml><?xml version="1.0" encoding="utf-8"?>
+<p:sld xmlns:a="http://schemas.openxmlformats.org/drawingml/2006/main" xmlns:r="http://schemas.openxmlformats.org/officeDocument/2006/relationships" xmlns:p="http://schemas.openxmlformats.org/presentationml/2006/main">
+  <p:cSld>
+    <p:spTree>
+      <p:nvGrpSpPr>
+        <p:cNvPr id="1" name=""/>
+        <p:cNvGrpSpPr/>
+        <p:nvPr/>
+      </p:nvGrpSpPr>
+      <p:grpSpPr>
+        <a:xfrm>
+          <a:off x="0" y="0"/>
+          <a:ext cx="0" cy="0"/>
+          <a:chOff x="0" y="0"/>
+          <a:chExt cx="0" cy="0"/>
+        </a:xfrm>
+      </p:grpSpPr>
+      <p:sp>
+        <p:nvSpPr>
+          <p:cNvPr id="24578" name="Rectangle 2"/>
+          <p:cNvSpPr>
+            <a:spLocks noGrp="1" noChangeArrowheads="1"/>
+          </p:cNvSpPr>
+          <p:nvPr>
+            <p:ph type="ctrTitle"/>
+          </p:nvPr>
+        </p:nvSpPr>
+        <p:spPr>
+          <a:xfrm>
+            <a:off x="1739900" y="914400"/>
+            <a:ext cx="6946900" cy="3487738"/>
+          </a:xfrm>
+        </p:spPr>
+        <p:txBody>
+          <a:bodyPr/>
+          <a:lstStyle/>
+          <a:p>
+            <a:r>
+              <a:rPr lang="en-US" altLang="zh-TW">
+                <a:ln>
+                  <a:noFill/>
+                </a:ln>
+              </a:rPr>
+              <a:t>QUESTIONS</a:t>
+            </a:r>
+          </a:p>
+        </p:txBody>
+      </p:sp>
+      <p:sp>
+        <p:nvSpPr>
+          <p:cNvPr id="24579" name="Subtitle 2"/>
+          <p:cNvSpPr>
+            <a:spLocks noGrp="1"/>
+          </p:cNvSpPr>
+          <p:nvPr>
+            <p:ph type="subTitle" idx="1"/>
+          </p:nvPr>
+        </p:nvSpPr>
+        <p:spPr>
+          <a:xfrm>
+            <a:off x="2924175" y="4402138"/>
+            <a:ext cx="5762625" cy="1365250"/>
+          </a:xfrm>
+        </p:spPr>
+        <p:txBody>
+          <a:bodyPr/>
+          <a:lstStyle/>
+          <a:p>
+            <a:endParaRPr lang="zh-HK" altLang="en-US"/>
+          </a:p>
+        </p:txBody>
+      </p:sp>
+    </p:spTree>
   </p:cSld>
   <p:clrMapOvr>
     <a:masterClrMapping/>
@@ -8921,7 +9828,7 @@
           <a:p>
             <a:r>
               <a:rPr lang="en-US" dirty="0" smtClean="0"/>
-              <a:t>Import</a:t>
+              <a:t>Database</a:t>
             </a:r>
             <a:endParaRPr lang="en-US" dirty="0"/>
           </a:p>
@@ -8945,8 +9852,8 @@
         </p:blipFill>
         <p:spPr>
           <a:xfrm>
-            <a:off x="817960" y="2629694"/>
-            <a:ext cx="3507581" cy="2167458"/>
+            <a:off x="810816" y="2124869"/>
+            <a:ext cx="4337248" cy="3752850"/>
           </a:xfrm>
           <a:prstGeom prst="rect">
             <a:avLst/>
@@ -8970,23 +9877,7 @@
           <a:p>
             <a:r>
               <a:rPr lang="en-US" dirty="0" smtClean="0"/>
-              <a:t>Then import the </a:t>
-            </a:r>
-            <a:r>
-              <a:rPr lang="en-US" dirty="0" err="1" smtClean="0"/>
-              <a:t>sms</a:t>
-            </a:r>
-            <a:r>
-              <a:rPr lang="en-US" dirty="0" smtClean="0"/>
-              <a:t> table by Choose File “</a:t>
-            </a:r>
-            <a:r>
-              <a:rPr lang="en-US" dirty="0" err="1" smtClean="0"/>
-              <a:t>sms.sql</a:t>
-            </a:r>
-            <a:r>
-              <a:rPr lang="en-US" dirty="0" smtClean="0"/>
-              <a:t>”</a:t>
+              <a:t>If no “test” database, then create one “test” database first.</a:t>
             </a:r>
             <a:endParaRPr lang="en-US" dirty="0"/>
           </a:p>
@@ -8995,7 +9886,7 @@
     </p:spTree>
     <p:extLst>
       <p:ext uri="{BB962C8B-B14F-4D97-AF65-F5344CB8AC3E}">
-        <p14:creationId xmlns:p14="http://schemas.microsoft.com/office/powerpoint/2010/main" val="1553331194"/>
+        <p14:creationId xmlns:p14="http://schemas.microsoft.com/office/powerpoint/2010/main" val="1050654858"/>
       </p:ext>
     </p:extLst>
   </p:cSld>
@@ -9039,7 +9930,7 @@
           <a:p>
             <a:r>
               <a:rPr lang="en-US" dirty="0" smtClean="0"/>
-              <a:t>Import successfully</a:t>
+              <a:t>Import</a:t>
             </a:r>
             <a:endParaRPr lang="en-US" dirty="0"/>
           </a:p>
@@ -9063,8 +9954,8 @@
         </p:blipFill>
         <p:spPr>
           <a:xfrm>
-            <a:off x="1259539" y="1825625"/>
-            <a:ext cx="2624423" cy="4351338"/>
+            <a:off x="817960" y="2629694"/>
+            <a:ext cx="3507581" cy="2167458"/>
           </a:xfrm>
           <a:prstGeom prst="rect">
             <a:avLst/>
@@ -9088,16 +9979,31 @@
           <a:p>
             <a:r>
               <a:rPr lang="en-US" dirty="0" smtClean="0"/>
-              <a:t>Check means import successfully.</a:t>
-            </a:r>
-            <a:endParaRPr lang="en-US" dirty="0"/>
+              <a:t>Then import the </a:t>
+            </a:r>
+            <a:r>
+              <a:rPr lang="en-US" dirty="0" err="1" smtClean="0"/>
+              <a:t>sms</a:t>
+            </a:r>
+            <a:r>
+              <a:rPr lang="en-US" dirty="0" smtClean="0"/>
+              <a:t> table by Choose File “</a:t>
+            </a:r>
+            <a:r>
+              <a:rPr lang="en-US" dirty="0" err="1" smtClean="0"/>
+              <a:t>sms.sql</a:t>
+            </a:r>
+            <a:r>
+              <a:rPr lang="en-US" dirty="0" smtClean="0"/>
+              <a:t>”</a:t>
+            </a:r>
           </a:p>
         </p:txBody>
       </p:sp>
     </p:spTree>
     <p:extLst>
       <p:ext uri="{BB962C8B-B14F-4D97-AF65-F5344CB8AC3E}">
-        <p14:creationId xmlns:p14="http://schemas.microsoft.com/office/powerpoint/2010/main" val="2866169887"/>
+        <p14:creationId xmlns:p14="http://schemas.microsoft.com/office/powerpoint/2010/main" val="1553331194"/>
       </p:ext>
     </p:extLst>
   </p:cSld>
@@ -9126,7 +10032,7 @@
       </p:grpSpPr>
       <p:sp>
         <p:nvSpPr>
-          <p:cNvPr id="5" name="Title 4"/>
+          <p:cNvPr id="2" name="Title 1"/>
           <p:cNvSpPr>
             <a:spLocks noGrp="1"/>
           </p:cNvSpPr>
@@ -9141,20 +10047,46 @@
           <a:p>
             <a:r>
               <a:rPr lang="en-US" dirty="0" smtClean="0"/>
-              <a:t>CRUD</a:t>
+              <a:t>Import successfully</a:t>
             </a:r>
             <a:endParaRPr lang="en-US" dirty="0"/>
           </a:p>
         </p:txBody>
       </p:sp>
-      <p:sp>
-        <p:nvSpPr>
-          <p:cNvPr id="6" name="Content Placeholder 5"/>
-          <p:cNvSpPr>
-            <a:spLocks noGrp="1"/>
-          </p:cNvSpPr>
-          <p:nvPr>
-            <p:ph idx="1"/>
+      <p:pic>
+        <p:nvPicPr>
+          <p:cNvPr id="4" name="Content Placeholder 3"/>
+          <p:cNvPicPr>
+            <a:picLocks noGrp="1" noChangeAspect="1"/>
+          </p:cNvPicPr>
+          <p:nvPr>
+            <p:ph sz="half" idx="1"/>
+          </p:nvPr>
+        </p:nvPicPr>
+        <p:blipFill>
+          <a:blip r:embed="rId2"/>
+          <a:stretch>
+            <a:fillRect/>
+          </a:stretch>
+        </p:blipFill>
+        <p:spPr>
+          <a:xfrm>
+            <a:off x="1259539" y="1825625"/>
+            <a:ext cx="2624423" cy="4351338"/>
+          </a:xfrm>
+          <a:prstGeom prst="rect">
+            <a:avLst/>
+          </a:prstGeom>
+        </p:spPr>
+      </p:pic>
+      <p:sp>
+        <p:nvSpPr>
+          <p:cNvPr id="5" name="Content Placeholder 4"/>
+          <p:cNvSpPr>
+            <a:spLocks noGrp="1"/>
+          </p:cNvSpPr>
+          <p:nvPr>
+            <p:ph sz="half" idx="2"/>
           </p:nvPr>
         </p:nvSpPr>
         <p:spPr/>
@@ -9163,13 +10095,202 @@
           <a:lstStyle/>
           <a:p>
             <a:r>
+              <a:rPr lang="en-US" dirty="0" smtClean="0"/>
+              <a:t>Check means import successfully.</a:t>
+            </a:r>
+            <a:endParaRPr lang="en-US" dirty="0"/>
+          </a:p>
+        </p:txBody>
+      </p:sp>
+    </p:spTree>
+    <p:extLst>
+      <p:ext uri="{BB962C8B-B14F-4D97-AF65-F5344CB8AC3E}">
+        <p14:creationId xmlns:p14="http://schemas.microsoft.com/office/powerpoint/2010/main" val="2866169887"/>
+      </p:ext>
+    </p:extLst>
+  </p:cSld>
+  <p:clrMapOvr>
+    <a:masterClrMapping/>
+  </p:clrMapOvr>
+</p:sld>
+</file>
+
+<file path=ppt/slides/slide6.xml><?xml version="1.0" encoding="utf-8"?>
+<p:sld xmlns:a="http://schemas.openxmlformats.org/drawingml/2006/main" xmlns:r="http://schemas.openxmlformats.org/officeDocument/2006/relationships" xmlns:p="http://schemas.openxmlformats.org/presentationml/2006/main">
+  <p:cSld>
+    <p:spTree>
+      <p:nvGrpSpPr>
+        <p:cNvPr id="1" name=""/>
+        <p:cNvGrpSpPr/>
+        <p:nvPr/>
+      </p:nvGrpSpPr>
+      <p:grpSpPr>
+        <a:xfrm>
+          <a:off x="0" y="0"/>
+          <a:ext cx="0" cy="0"/>
+          <a:chOff x="0" y="0"/>
+          <a:chExt cx="0" cy="0"/>
+        </a:xfrm>
+      </p:grpSpPr>
+      <p:sp>
+        <p:nvSpPr>
+          <p:cNvPr id="5" name="Title 4"/>
+          <p:cNvSpPr>
+            <a:spLocks noGrp="1"/>
+          </p:cNvSpPr>
+          <p:nvPr>
+            <p:ph type="title"/>
+          </p:nvPr>
+        </p:nvSpPr>
+        <p:spPr/>
+        <p:txBody>
+          <a:bodyPr/>
+          <a:lstStyle/>
+          <a:p>
+            <a:r>
+              <a:rPr lang="en-US" altLang="zh-TW" dirty="0" smtClean="0"/>
+              <a:t>Classwork</a:t>
+            </a:r>
+            <a:endParaRPr lang="en-US" dirty="0"/>
+          </a:p>
+        </p:txBody>
+      </p:sp>
+      <p:sp>
+        <p:nvSpPr>
+          <p:cNvPr id="6" name="Content Placeholder 5"/>
+          <p:cNvSpPr>
+            <a:spLocks noGrp="1"/>
+          </p:cNvSpPr>
+          <p:nvPr>
+            <p:ph idx="1"/>
+          </p:nvPr>
+        </p:nvSpPr>
+        <p:spPr/>
+        <p:txBody>
+          <a:bodyPr/>
+          <a:lstStyle/>
+          <a:p>
+            <a:r>
+              <a:rPr lang="en-US" altLang="zh-HK" dirty="0" smtClean="0"/>
+              <a:t>Import </a:t>
+            </a:r>
+            <a:r>
+              <a:rPr lang="en-US" altLang="zh-HK" dirty="0"/>
+              <a:t>the </a:t>
+            </a:r>
+            <a:r>
+              <a:rPr lang="en-US" altLang="zh-HK" dirty="0" smtClean="0"/>
+              <a:t>products table “</a:t>
+            </a:r>
+            <a:r>
+              <a:rPr lang="en-US" altLang="zh-HK" dirty="0" err="1"/>
+              <a:t>products.sql</a:t>
+            </a:r>
+            <a:r>
+              <a:rPr lang="en-US" altLang="zh-HK" dirty="0" smtClean="0"/>
+              <a:t>”</a:t>
+            </a:r>
+            <a:endParaRPr lang="en-US" altLang="zh-HK" dirty="0"/>
+          </a:p>
+        </p:txBody>
+      </p:sp>
+    </p:spTree>
+    <p:extLst>
+      <p:ext uri="{BB962C8B-B14F-4D97-AF65-F5344CB8AC3E}">
+        <p14:creationId xmlns:p14="http://schemas.microsoft.com/office/powerpoint/2010/main" val="279260778"/>
+      </p:ext>
+    </p:extLst>
+  </p:cSld>
+  <p:clrMapOvr>
+    <a:masterClrMapping/>
+  </p:clrMapOvr>
+</p:sld>
+</file>
+
+<file path=ppt/slides/slide7.xml><?xml version="1.0" encoding="utf-8"?>
+<p:sld xmlns:a="http://schemas.openxmlformats.org/drawingml/2006/main" xmlns:r="http://schemas.openxmlformats.org/officeDocument/2006/relationships" xmlns:p="http://schemas.openxmlformats.org/presentationml/2006/main">
+  <p:cSld>
+    <p:spTree>
+      <p:nvGrpSpPr>
+        <p:cNvPr id="1" name=""/>
+        <p:cNvGrpSpPr/>
+        <p:nvPr/>
+      </p:nvGrpSpPr>
+      <p:grpSpPr>
+        <a:xfrm>
+          <a:off x="0" y="0"/>
+          <a:ext cx="0" cy="0"/>
+          <a:chOff x="0" y="0"/>
+          <a:chExt cx="0" cy="0"/>
+        </a:xfrm>
+      </p:grpSpPr>
+      <p:sp>
+        <p:nvSpPr>
+          <p:cNvPr id="5" name="Title 4"/>
+          <p:cNvSpPr>
+            <a:spLocks noGrp="1"/>
+          </p:cNvSpPr>
+          <p:nvPr>
+            <p:ph type="title"/>
+          </p:nvPr>
+        </p:nvSpPr>
+        <p:spPr/>
+        <p:txBody>
+          <a:bodyPr/>
+          <a:lstStyle/>
+          <a:p>
+            <a:r>
+              <a:rPr lang="en-US" dirty="0" smtClean="0"/>
+              <a:t>CRUD</a:t>
+            </a:r>
+            <a:endParaRPr lang="en-US" dirty="0"/>
+          </a:p>
+        </p:txBody>
+      </p:sp>
+      <p:sp>
+        <p:nvSpPr>
+          <p:cNvPr id="6" name="Content Placeholder 5"/>
+          <p:cNvSpPr>
+            <a:spLocks noGrp="1"/>
+          </p:cNvSpPr>
+          <p:nvPr>
+            <p:ph idx="1"/>
+          </p:nvPr>
+        </p:nvSpPr>
+        <p:spPr/>
+        <p:txBody>
+          <a:bodyPr/>
+          <a:lstStyle/>
+          <a:p>
+            <a:r>
+              <a:rPr lang="en-US" dirty="0" smtClean="0"/>
+              <a:t>Create</a:t>
+            </a:r>
+            <a:r>
               <a:rPr lang="en-US" dirty="0"/>
-              <a:t>create, read, update and </a:t>
+              <a:t>, </a:t>
             </a:r>
             <a:r>
               <a:rPr lang="en-US" dirty="0" smtClean="0"/>
-              <a:t>delete</a:t>
-            </a:r>
+              <a:t>Read</a:t>
+            </a:r>
+            <a:r>
+              <a:rPr lang="en-US" dirty="0"/>
+              <a:t>, </a:t>
+            </a:r>
+            <a:r>
+              <a:rPr lang="en-US" dirty="0" smtClean="0"/>
+              <a:t>Update </a:t>
+            </a:r>
+            <a:r>
+              <a:rPr lang="en-US" dirty="0"/>
+              <a:t>and </a:t>
+            </a:r>
+            <a:r>
+              <a:rPr lang="en-US" dirty="0" smtClean="0"/>
+              <a:t>Delete</a:t>
+            </a:r>
+            <a:endParaRPr lang="en-US" dirty="0" smtClean="0"/>
           </a:p>
           <a:p>
             <a:r>
@@ -9200,7 +10321,7 @@
 </p:sld>
 </file>
 
-<file path=ppt/slides/slide6.xml><?xml version="1.0" encoding="utf-8"?>
+<file path=ppt/slides/slide8.xml><?xml version="1.0" encoding="utf-8"?>
 <p:sld xmlns:a="http://schemas.openxmlformats.org/drawingml/2006/main" xmlns:r="http://schemas.openxmlformats.org/officeDocument/2006/relationships" xmlns:p="http://schemas.openxmlformats.org/presentationml/2006/main">
   <p:cSld>
     <p:spTree>
@@ -9507,150 +10628,6 @@
 </p:sld>
 </file>
 
-<file path=ppt/slides/slide7.xml><?xml version="1.0" encoding="utf-8"?>
-<p:sld xmlns:a="http://schemas.openxmlformats.org/drawingml/2006/main" xmlns:r="http://schemas.openxmlformats.org/officeDocument/2006/relationships" xmlns:p="http://schemas.openxmlformats.org/presentationml/2006/main">
-  <p:cSld>
-    <p:spTree>
-      <p:nvGrpSpPr>
-        <p:cNvPr id="1" name=""/>
-        <p:cNvGrpSpPr/>
-        <p:nvPr/>
-      </p:nvGrpSpPr>
-      <p:grpSpPr>
-        <a:xfrm>
-          <a:off x="0" y="0"/>
-          <a:ext cx="0" cy="0"/>
-          <a:chOff x="0" y="0"/>
-          <a:chExt cx="0" cy="0"/>
-        </a:xfrm>
-      </p:grpSpPr>
-      <p:sp>
-        <p:nvSpPr>
-          <p:cNvPr id="2" name="Title 1"/>
-          <p:cNvSpPr>
-            <a:spLocks noGrp="1"/>
-          </p:cNvSpPr>
-          <p:nvPr>
-            <p:ph type="title"/>
-          </p:nvPr>
-        </p:nvSpPr>
-        <p:spPr/>
-        <p:txBody>
-          <a:bodyPr/>
-          <a:lstStyle/>
-          <a:p>
-            <a:r>
-              <a:rPr lang="en-US" dirty="0" err="1" smtClean="0"/>
-              <a:t>db.php</a:t>
-            </a:r>
-            <a:endParaRPr lang="en-US" dirty="0"/>
-          </a:p>
-        </p:txBody>
-      </p:sp>
-      <p:sp>
-        <p:nvSpPr>
-          <p:cNvPr id="5" name="Content Placeholder 4"/>
-          <p:cNvSpPr>
-            <a:spLocks noGrp="1"/>
-          </p:cNvSpPr>
-          <p:nvPr>
-            <p:ph idx="1"/>
-          </p:nvPr>
-        </p:nvSpPr>
-        <p:spPr/>
-        <p:txBody>
-          <a:bodyPr/>
-          <a:lstStyle/>
-          <a:p>
-            <a:endParaRPr lang="en-US" dirty="0"/>
-          </a:p>
-        </p:txBody>
-      </p:sp>
-    </p:spTree>
-    <p:extLst>
-      <p:ext uri="{BB962C8B-B14F-4D97-AF65-F5344CB8AC3E}">
-        <p14:creationId xmlns:p14="http://schemas.microsoft.com/office/powerpoint/2010/main" val="1495940223"/>
-      </p:ext>
-    </p:extLst>
-  </p:cSld>
-  <p:clrMapOvr>
-    <a:masterClrMapping/>
-  </p:clrMapOvr>
-</p:sld>
-</file>
-
-<file path=ppt/slides/slide8.xml><?xml version="1.0" encoding="utf-8"?>
-<p:sld xmlns:a="http://schemas.openxmlformats.org/drawingml/2006/main" xmlns:r="http://schemas.openxmlformats.org/officeDocument/2006/relationships" xmlns:p="http://schemas.openxmlformats.org/presentationml/2006/main">
-  <p:cSld>
-    <p:spTree>
-      <p:nvGrpSpPr>
-        <p:cNvPr id="1" name=""/>
-        <p:cNvGrpSpPr/>
-        <p:nvPr/>
-      </p:nvGrpSpPr>
-      <p:grpSpPr>
-        <a:xfrm>
-          <a:off x="0" y="0"/>
-          <a:ext cx="0" cy="0"/>
-          <a:chOff x="0" y="0"/>
-          <a:chExt cx="0" cy="0"/>
-        </a:xfrm>
-      </p:grpSpPr>
-      <p:sp>
-        <p:nvSpPr>
-          <p:cNvPr id="2" name="Title 1"/>
-          <p:cNvSpPr>
-            <a:spLocks noGrp="1"/>
-          </p:cNvSpPr>
-          <p:nvPr>
-            <p:ph type="title"/>
-          </p:nvPr>
-        </p:nvSpPr>
-        <p:spPr/>
-        <p:txBody>
-          <a:bodyPr/>
-          <a:lstStyle/>
-          <a:p>
-            <a:r>
-              <a:rPr lang="en-US" dirty="0" err="1" smtClean="0"/>
-              <a:t>db.inc.php</a:t>
-            </a:r>
-            <a:endParaRPr lang="en-US" dirty="0"/>
-          </a:p>
-        </p:txBody>
-      </p:sp>
-      <p:sp>
-        <p:nvSpPr>
-          <p:cNvPr id="3" name="Content Placeholder 2"/>
-          <p:cNvSpPr>
-            <a:spLocks noGrp="1"/>
-          </p:cNvSpPr>
-          <p:nvPr>
-            <p:ph idx="1"/>
-          </p:nvPr>
-        </p:nvSpPr>
-        <p:spPr/>
-        <p:txBody>
-          <a:bodyPr/>
-          <a:lstStyle/>
-          <a:p>
-            <a:endParaRPr lang="en-US" dirty="0"/>
-          </a:p>
-        </p:txBody>
-      </p:sp>
-    </p:spTree>
-    <p:extLst>
-      <p:ext uri="{BB962C8B-B14F-4D97-AF65-F5344CB8AC3E}">
-        <p14:creationId xmlns:p14="http://schemas.microsoft.com/office/powerpoint/2010/main" val="990391374"/>
-      </p:ext>
-    </p:extLst>
-  </p:cSld>
-  <p:clrMapOvr>
-    <a:masterClrMapping/>
-  </p:clrMapOvr>
-</p:sld>
-</file>
-
 <file path=ppt/slides/slide9.xml><?xml version="1.0" encoding="utf-8"?>
 <p:sld xmlns:a="http://schemas.openxmlformats.org/drawingml/2006/main" xmlns:r="http://schemas.openxmlformats.org/officeDocument/2006/relationships" xmlns:p="http://schemas.openxmlformats.org/presentationml/2006/main">
   <p:cSld>
@@ -9684,8 +10661,8 @@
           <a:lstStyle/>
           <a:p>
             <a:r>
-              <a:rPr lang="en-US" dirty="0" smtClean="0"/>
-              <a:t>Read all</a:t>
+              <a:rPr lang="en-US" dirty="0" err="1" smtClean="0"/>
+              <a:t>db.php</a:t>
             </a:r>
             <a:endParaRPr lang="en-US" dirty="0"/>
           </a:p>
@@ -9693,7 +10670,7 @@
       </p:sp>
       <p:sp>
         <p:nvSpPr>
-          <p:cNvPr id="3" name="Content Placeholder 2"/>
+          <p:cNvPr id="5" name="Content Placeholder 4"/>
           <p:cNvSpPr>
             <a:spLocks noGrp="1"/>
           </p:cNvSpPr>
@@ -9707,12 +10684,93 @@
           <a:lstStyle/>
           <a:p>
             <a:r>
-              <a:rPr lang="en-US" dirty="0" err="1" smtClean="0"/>
-              <a:t>sms_readall.php</a:t>
-            </a:r>
-            <a:endParaRPr lang="en-US" smtClean="0"/>
-          </a:p>
-          <a:p>
+              <a:rPr lang="en-US" dirty="0"/>
+              <a:t>&lt;?</a:t>
+            </a:r>
+            <a:r>
+              <a:rPr lang="en-US" dirty="0" err="1"/>
+              <a:t>php</a:t>
+            </a:r>
+            <a:endParaRPr lang="en-US" dirty="0"/>
+          </a:p>
+          <a:p>
+            <a:r>
+              <a:rPr lang="en-US" dirty="0"/>
+              <a:t>//</a:t>
+            </a:r>
+            <a:r>
+              <a:rPr lang="en-US" dirty="0" err="1"/>
+              <a:t>db.inc.php</a:t>
+            </a:r>
+            <a:endParaRPr lang="en-US" dirty="0"/>
+          </a:p>
+          <a:p>
+            <a:r>
+              <a:rPr lang="en-US" dirty="0"/>
+              <a:t>$</a:t>
+            </a:r>
+            <a:r>
+              <a:rPr lang="en-US" dirty="0" err="1"/>
+              <a:t>db_hostname</a:t>
+            </a:r>
+            <a:r>
+              <a:rPr lang="en-US" dirty="0"/>
+              <a:t>="</a:t>
+            </a:r>
+            <a:r>
+              <a:rPr lang="en-US" dirty="0" err="1"/>
+              <a:t>localhost</a:t>
+            </a:r>
+            <a:r>
+              <a:rPr lang="en-US" dirty="0"/>
+              <a:t>";</a:t>
+            </a:r>
+          </a:p>
+          <a:p>
+            <a:r>
+              <a:rPr lang="en-US" dirty="0"/>
+              <a:t>$</a:t>
+            </a:r>
+            <a:r>
+              <a:rPr lang="en-US" dirty="0" err="1"/>
+              <a:t>db_username</a:t>
+            </a:r>
+            <a:r>
+              <a:rPr lang="en-US" dirty="0"/>
+              <a:t>="root";</a:t>
+            </a:r>
+          </a:p>
+          <a:p>
+            <a:r>
+              <a:rPr lang="en-US" dirty="0"/>
+              <a:t>$</a:t>
+            </a:r>
+            <a:r>
+              <a:rPr lang="en-US" dirty="0" err="1"/>
+              <a:t>db_password</a:t>
+            </a:r>
+            <a:r>
+              <a:rPr lang="en-US" dirty="0"/>
+              <a:t>="password";</a:t>
+            </a:r>
+          </a:p>
+          <a:p>
+            <a:r>
+              <a:rPr lang="en-US" dirty="0"/>
+              <a:t>$</a:t>
+            </a:r>
+            <a:r>
+              <a:rPr lang="en-US" dirty="0" err="1"/>
+              <a:t>db_database</a:t>
+            </a:r>
+            <a:r>
+              <a:rPr lang="en-US" dirty="0"/>
+              <a:t>="test</a:t>
+            </a:r>
+            <a:r>
+              <a:rPr lang="en-US" dirty="0" smtClean="0"/>
+              <a:t>";</a:t>
+            </a:r>
             <a:endParaRPr lang="en-US" dirty="0"/>
           </a:p>
         </p:txBody>
@@ -9720,7 +10778,7 @@
     </p:spTree>
     <p:extLst>
       <p:ext uri="{BB962C8B-B14F-4D97-AF65-F5344CB8AC3E}">
-        <p14:creationId xmlns:p14="http://schemas.microsoft.com/office/powerpoint/2010/main" val="1363349776"/>
+        <p14:creationId xmlns:p14="http://schemas.microsoft.com/office/powerpoint/2010/main" val="2094227931"/>
       </p:ext>
     </p:extLst>
   </p:cSld>
@@ -9980,7 +11038,7 @@
   <a:extraClrSchemeLst/>
   <a:extLst>
     <a:ext uri="{05A4C25C-085E-4340-85A3-A5531E510DB2}">
-      <thm15:themeFamily xmlns:thm15="http://schemas.microsoft.com/office/thememl/2012/main" name="Parallax" id="{3388167B-A2EB-4685-9635-1831D9AEF8C4}" vid="{4F7A876A-7598-49CA-AFC8-8EDA2551E4A7}"/>
+      <thm15:themeFamily xmlns:thm15="http://schemas.microsoft.com/office/thememl/2012/main" xmlns="" name="Parallax" id="{3388167B-A2EB-4685-9635-1831D9AEF8C4}" vid="{4F7A876A-7598-49CA-AFC8-8EDA2551E4A7}"/>
     </a:ext>
   </a:extLst>
 </a:theme>

--- a/php-fw9/SMS.pptx
+++ b/php-fw9/SMS.pptx
@@ -12,24 +12,24 @@
   </p:handoutMasterIdLst>
   <p:sldIdLst>
     <p:sldId id="256" r:id="rId2"/>
-    <p:sldId id="415" r:id="rId3"/>
-    <p:sldId id="404" r:id="rId4"/>
-    <p:sldId id="405" r:id="rId5"/>
-    <p:sldId id="406" r:id="rId6"/>
-    <p:sldId id="419" r:id="rId7"/>
-    <p:sldId id="408" r:id="rId8"/>
-    <p:sldId id="409" r:id="rId9"/>
-    <p:sldId id="417" r:id="rId10"/>
-    <p:sldId id="412" r:id="rId11"/>
-    <p:sldId id="413" r:id="rId12"/>
-    <p:sldId id="414" r:id="rId13"/>
-    <p:sldId id="416" r:id="rId14"/>
-    <p:sldId id="411" r:id="rId15"/>
-    <p:sldId id="418" r:id="rId16"/>
-    <p:sldId id="420" r:id="rId17"/>
-    <p:sldId id="421" r:id="rId18"/>
-    <p:sldId id="422" r:id="rId19"/>
-    <p:sldId id="410" r:id="rId20"/>
+    <p:sldId id="408" r:id="rId3"/>
+    <p:sldId id="409" r:id="rId4"/>
+    <p:sldId id="410" r:id="rId5"/>
+    <p:sldId id="411" r:id="rId6"/>
+    <p:sldId id="412" r:id="rId7"/>
+    <p:sldId id="413" r:id="rId8"/>
+    <p:sldId id="414" r:id="rId9"/>
+    <p:sldId id="415" r:id="rId10"/>
+    <p:sldId id="416" r:id="rId11"/>
+    <p:sldId id="417" r:id="rId12"/>
+    <p:sldId id="418" r:id="rId13"/>
+    <p:sldId id="419" r:id="rId14"/>
+    <p:sldId id="420" r:id="rId15"/>
+    <p:sldId id="421" r:id="rId16"/>
+    <p:sldId id="422" r:id="rId17"/>
+    <p:sldId id="423" r:id="rId18"/>
+    <p:sldId id="424" r:id="rId19"/>
+    <p:sldId id="425" r:id="rId20"/>
     <p:sldId id="407" r:id="rId21"/>
     <p:sldId id="398" r:id="rId22"/>
   </p:sldIdLst>
@@ -162,7 +162,7 @@
   </p:defaultTextStyle>
   <p:extLst>
     <p:ext uri="{EFAFB233-063F-42B5-8137-9DF3F51BA10A}">
-      <p15:sldGuideLst xmlns:p15="http://schemas.microsoft.com/office/powerpoint/2012/main" xmlns="">
+      <p15:sldGuideLst xmlns:p15="http://schemas.microsoft.com/office/powerpoint/2012/main">
         <p15:guide id="1" orient="horz" pos="2160">
           <p15:clr>
             <a:srgbClr val="A4A3A4"/>
@@ -176,7 +176,7 @@
       </p15:sldGuideLst>
     </p:ext>
     <p:ext uri="{2D200454-40CA-4A62-9FC3-DE9A4176ACB9}">
-      <p15:notesGuideLst xmlns:p15="http://schemas.microsoft.com/office/powerpoint/2012/main" xmlns="">
+      <p15:notesGuideLst xmlns:p15="http://schemas.microsoft.com/office/powerpoint/2012/main">
         <p15:guide id="1" orient="horz" pos="2880">
           <p15:clr>
             <a:srgbClr val="A4A3A4"/>
@@ -585,7 +585,7 @@
               </a14:hiddenFill>
             </a:ext>
             <a:ext uri="{FAA26D3D-D897-4be2-8F04-BA451C77F1D7}">
-              <ma14:placeholderFlag xmlns:ma14="http://schemas.microsoft.com/office/mac/drawingml/2011/main" xmlns="" val="1"/>
+              <ma14:placeholderFlag xmlns:ma14="http://schemas.microsoft.com/office/mac/drawingml/2011/main" val="1"/>
             </a:ext>
           </a:extLst>
         </p:spPr>
@@ -1127,7 +1127,7 @@
               </a14:hiddenLine>
             </a:ext>
             <a:ext uri="{FAA26D3D-D897-4be2-8F04-BA451C77F1D7}">
-              <ma14:placeholderFlag xmlns:ma14="http://schemas.microsoft.com/office/mac/drawingml/2011/main" xmlns="" val="1"/>
+              <ma14:placeholderFlag xmlns:ma14="http://schemas.microsoft.com/office/mac/drawingml/2011/main" val="1"/>
             </a:ext>
           </a:extLst>
         </p:spPr>
@@ -1377,7 +1377,7 @@
               </a14:hiddenLine>
             </a:ext>
             <a:ext uri="{FAA26D3D-D897-4be2-8F04-BA451C77F1D7}">
-              <ma14:placeholderFlag xmlns:ma14="http://schemas.microsoft.com/office/mac/drawingml/2011/main" xmlns="" val="1"/>
+              <ma14:placeholderFlag xmlns:ma14="http://schemas.microsoft.com/office/mac/drawingml/2011/main" val="1"/>
             </a:ext>
           </a:extLst>
         </p:spPr>
@@ -7455,7 +7455,7 @@
               </a14:hiddenLine>
             </a:ext>
             <a:ext uri="{FAA26D3D-D897-4be2-8F04-BA451C77F1D7}">
-              <ma14:placeholderFlag xmlns:ma14="http://schemas.microsoft.com/office/mac/drawingml/2011/main" xmlns="" val="1"/>
+              <ma14:placeholderFlag xmlns:ma14="http://schemas.microsoft.com/office/mac/drawingml/2011/main" val="1"/>
             </a:ext>
           </a:extLst>
         </p:spPr>
@@ -7516,7 +7516,7 @@
               </a14:hiddenLine>
             </a:ext>
             <a:ext uri="{FAA26D3D-D897-4be2-8F04-BA451C77F1D7}">
-              <ma14:placeholderFlag xmlns:ma14="http://schemas.microsoft.com/office/mac/drawingml/2011/main" xmlns="" val="1"/>
+              <ma14:placeholderFlag xmlns:ma14="http://schemas.microsoft.com/office/mac/drawingml/2011/main" val="1"/>
             </a:ext>
           </a:extLst>
         </p:spPr>
@@ -8601,14 +8601,13 @@
               <a:rPr lang="en-US" dirty="0"/>
               <a:t>?&gt;</a:t>
             </a:r>
-            <a:endParaRPr lang="en-US" dirty="0"/>
           </a:p>
         </p:txBody>
       </p:sp>
     </p:spTree>
     <p:extLst>
       <p:ext uri="{BB962C8B-B14F-4D97-AF65-F5344CB8AC3E}">
-        <p14:creationId xmlns:p14="http://schemas.microsoft.com/office/powerpoint/2010/main" val="1495940223"/>
+        <p14:creationId xmlns:p14="http://schemas.microsoft.com/office/powerpoint/2010/main" val="1422700075"/>
       </p:ext>
     </p:extLst>
   </p:cSld>
@@ -8706,14 +8705,13 @@
               <a:rPr lang="en-US" dirty="0"/>
               <a:t>?&gt;</a:t>
             </a:r>
-            <a:endParaRPr lang="en-US" dirty="0"/>
           </a:p>
         </p:txBody>
       </p:sp>
     </p:spTree>
     <p:extLst>
       <p:ext uri="{BB962C8B-B14F-4D97-AF65-F5344CB8AC3E}">
-        <p14:creationId xmlns:p14="http://schemas.microsoft.com/office/powerpoint/2010/main" val="990391374"/>
+        <p14:creationId xmlns:p14="http://schemas.microsoft.com/office/powerpoint/2010/main" val="1237234827"/>
       </p:ext>
     </p:extLst>
   </p:cSld>
@@ -8792,7 +8790,7 @@
     </p:spTree>
     <p:extLst>
       <p:ext uri="{BB962C8B-B14F-4D97-AF65-F5344CB8AC3E}">
-        <p14:creationId xmlns:p14="http://schemas.microsoft.com/office/powerpoint/2010/main" val="1363349776"/>
+        <p14:creationId xmlns:p14="http://schemas.microsoft.com/office/powerpoint/2010/main" val="121583488"/>
       </p:ext>
     </p:extLst>
   </p:cSld>
@@ -8821,52 +8819,1036 @@
       </p:grpSpPr>
       <p:sp>
         <p:nvSpPr>
-          <p:cNvPr id="2" name="Title 1"/>
-          <p:cNvSpPr>
-            <a:spLocks noGrp="1"/>
-          </p:cNvSpPr>
-          <p:nvPr>
-            <p:ph type="title"/>
-          </p:nvPr>
-        </p:nvSpPr>
-        <p:spPr/>
-        <p:txBody>
-          <a:bodyPr/>
+          <p:cNvPr id="10" name="Rectangle 9"/>
+          <p:cNvSpPr>
+            <a:spLocks noGrp="1" noRot="1" noChangeAspect="1" noMove="1" noResize="1" noEditPoints="1" noAdjustHandles="1" noChangeArrowheads="1" noChangeShapeType="1" noTextEdit="1"/>
+          </p:cNvSpPr>
+          <p:nvPr>
+            <p:extLst>
+              <p:ext uri="{386F3935-93C4-4BCD-93E2-E3B085C9AB24}">
+                <p16:designElem xmlns:p16="http://schemas.microsoft.com/office/powerpoint/2015/main" val="1"/>
+              </p:ext>
+            </p:extLst>
+          </p:nvPr>
+        </p:nvSpPr>
+        <p:spPr bwMode="white">
+          <a:xfrm>
+            <a:off x="0" y="0"/>
+            <a:ext cx="9144000" cy="6858000"/>
+          </a:xfrm>
+          <a:prstGeom prst="rect">
+            <a:avLst/>
+          </a:prstGeom>
+          <a:blipFill rotWithShape="1">
+            <a:blip r:embed="rId2">
+              <a:duotone>
+                <a:schemeClr val="bg2">
+                  <a:shade val="76000"/>
+                  <a:satMod val="180000"/>
+                </a:schemeClr>
+                <a:schemeClr val="bg2">
+                  <a:tint val="80000"/>
+                  <a:satMod val="120000"/>
+                  <a:lumMod val="180000"/>
+                </a:schemeClr>
+              </a:duotone>
+            </a:blip>
+            <a:stretch/>
+          </a:blipFill>
+          <a:ln>
+            <a:noFill/>
+          </a:ln>
+          <a:effectLst/>
+        </p:spPr>
+      </p:sp>
+      <p:grpSp>
+        <p:nvGrpSpPr>
+          <p:cNvPr id="12" name="Group 11"/>
+          <p:cNvGrpSpPr>
+            <a:grpSpLocks noGrp="1" noUngrp="1" noRot="1" noChangeAspect="1" noMove="1" noResize="1"/>
+          </p:cNvGrpSpPr>
+          <p:nvPr>
+            <p:extLst>
+              <p:ext uri="{386F3935-93C4-4BCD-93E2-E3B085C9AB24}">
+                <p16:designElem xmlns:p16="http://schemas.microsoft.com/office/powerpoint/2015/main" val="1"/>
+              </p:ext>
+            </p:extLst>
+          </p:nvPr>
+        </p:nvGrpSpPr>
+        <p:grpSpPr>
+          <a:xfrm>
+            <a:off x="203200" y="0"/>
+            <a:ext cx="3778250" cy="6858001"/>
+            <a:chOff x="203200" y="0"/>
+            <a:chExt cx="3778250" cy="6858001"/>
+          </a:xfrm>
+        </p:grpSpPr>
+        <p:sp>
+          <p:nvSpPr>
+            <p:cNvPr id="13" name="Freeform 6"/>
+            <p:cNvSpPr/>
+            <p:nvPr>
+              <p:extLst>
+                <p:ext uri="{386F3935-93C4-4BCD-93E2-E3B085C9AB24}">
+                  <p16:designElem xmlns:p16="http://schemas.microsoft.com/office/powerpoint/2015/main" val="1"/>
+                </p:ext>
+              </p:extLst>
+            </p:nvPr>
+          </p:nvSpPr>
+          <p:spPr bwMode="auto">
+            <a:xfrm>
+              <a:off x="641350" y="0"/>
+              <a:ext cx="1365250" cy="3971925"/>
+            </a:xfrm>
+            <a:custGeom>
+              <a:avLst/>
+              <a:gdLst/>
+              <a:ahLst/>
+              <a:cxnLst/>
+              <a:rect l="0" t="0" r="r" b="b"/>
+              <a:pathLst>
+                <a:path w="860" h="2502">
+                  <a:moveTo>
+                    <a:pt x="0" y="2445"/>
+                  </a:moveTo>
+                  <a:lnTo>
+                    <a:pt x="228" y="2502"/>
+                  </a:lnTo>
+                  <a:lnTo>
+                    <a:pt x="860" y="0"/>
+                  </a:lnTo>
+                  <a:lnTo>
+                    <a:pt x="620" y="0"/>
+                  </a:lnTo>
+                  <a:lnTo>
+                    <a:pt x="0" y="2445"/>
+                  </a:lnTo>
+                  <a:close/>
+                </a:path>
+              </a:pathLst>
+            </a:custGeom>
+            <a:solidFill>
+              <a:schemeClr val="accent1"/>
+            </a:solidFill>
+            <a:ln>
+              <a:noFill/>
+            </a:ln>
+          </p:spPr>
+        </p:sp>
+        <p:sp>
+          <p:nvSpPr>
+            <p:cNvPr id="14" name="Freeform 7"/>
+            <p:cNvSpPr/>
+            <p:nvPr>
+              <p:extLst>
+                <p:ext uri="{386F3935-93C4-4BCD-93E2-E3B085C9AB24}">
+                  <p16:designElem xmlns:p16="http://schemas.microsoft.com/office/powerpoint/2015/main" val="1"/>
+                </p:ext>
+              </p:extLst>
+            </p:nvPr>
+          </p:nvSpPr>
+          <p:spPr bwMode="auto">
+            <a:xfrm>
+              <a:off x="203200" y="0"/>
+              <a:ext cx="1336675" cy="3862388"/>
+            </a:xfrm>
+            <a:custGeom>
+              <a:avLst/>
+              <a:gdLst/>
+              <a:ahLst/>
+              <a:cxnLst/>
+              <a:rect l="0" t="0" r="r" b="b"/>
+              <a:pathLst>
+                <a:path w="842" h="2433">
+                  <a:moveTo>
+                    <a:pt x="842" y="0"/>
+                  </a:moveTo>
+                  <a:lnTo>
+                    <a:pt x="602" y="0"/>
+                  </a:lnTo>
+                  <a:lnTo>
+                    <a:pt x="0" y="2376"/>
+                  </a:lnTo>
+                  <a:lnTo>
+                    <a:pt x="228" y="2433"/>
+                  </a:lnTo>
+                  <a:lnTo>
+                    <a:pt x="842" y="0"/>
+                  </a:lnTo>
+                  <a:close/>
+                </a:path>
+              </a:pathLst>
+            </a:custGeom>
+            <a:solidFill>
+              <a:schemeClr val="tx1">
+                <a:lumMod val="65000"/>
+                <a:lumOff val="35000"/>
+              </a:schemeClr>
+            </a:solidFill>
+            <a:ln>
+              <a:noFill/>
+            </a:ln>
+          </p:spPr>
+        </p:sp>
+        <p:sp>
+          <p:nvSpPr>
+            <p:cNvPr id="15" name="Freeform 8"/>
+            <p:cNvSpPr/>
+            <p:nvPr>
+              <p:extLst>
+                <p:ext uri="{386F3935-93C4-4BCD-93E2-E3B085C9AB24}">
+                  <p16:designElem xmlns:p16="http://schemas.microsoft.com/office/powerpoint/2015/main" val="1"/>
+                </p:ext>
+              </p:extLst>
+            </p:nvPr>
+          </p:nvSpPr>
+          <p:spPr bwMode="auto">
+            <a:xfrm>
+              <a:off x="207963" y="3776663"/>
+              <a:ext cx="1936750" cy="3081338"/>
+            </a:xfrm>
+            <a:custGeom>
+              <a:avLst/>
+              <a:gdLst/>
+              <a:ahLst/>
+              <a:cxnLst/>
+              <a:rect l="0" t="0" r="r" b="b"/>
+              <a:pathLst>
+                <a:path w="1220" h="1941">
+                  <a:moveTo>
+                    <a:pt x="0" y="0"/>
+                  </a:moveTo>
+                  <a:lnTo>
+                    <a:pt x="1166" y="1941"/>
+                  </a:lnTo>
+                  <a:lnTo>
+                    <a:pt x="1220" y="1941"/>
+                  </a:lnTo>
+                  <a:lnTo>
+                    <a:pt x="0" y="0"/>
+                  </a:lnTo>
+                  <a:close/>
+                </a:path>
+              </a:pathLst>
+            </a:custGeom>
+            <a:solidFill>
+              <a:schemeClr val="tx1">
+                <a:lumMod val="85000"/>
+                <a:lumOff val="15000"/>
+              </a:schemeClr>
+            </a:solidFill>
+            <a:ln>
+              <a:noFill/>
+            </a:ln>
+          </p:spPr>
+        </p:sp>
+        <p:sp>
+          <p:nvSpPr>
+            <p:cNvPr id="16" name="Freeform 9"/>
+            <p:cNvSpPr/>
+            <p:nvPr>
+              <p:extLst>
+                <p:ext uri="{386F3935-93C4-4BCD-93E2-E3B085C9AB24}">
+                  <p16:designElem xmlns:p16="http://schemas.microsoft.com/office/powerpoint/2015/main" val="1"/>
+                </p:ext>
+              </p:extLst>
+            </p:nvPr>
+          </p:nvSpPr>
+          <p:spPr bwMode="auto">
+            <a:xfrm>
+              <a:off x="646113" y="3886200"/>
+              <a:ext cx="2373313" cy="2971800"/>
+            </a:xfrm>
+            <a:custGeom>
+              <a:avLst/>
+              <a:gdLst/>
+              <a:ahLst/>
+              <a:cxnLst/>
+              <a:rect l="0" t="0" r="r" b="b"/>
+              <a:pathLst>
+                <a:path w="1495" h="1872">
+                  <a:moveTo>
+                    <a:pt x="1495" y="1872"/>
+                  </a:moveTo>
+                  <a:lnTo>
+                    <a:pt x="0" y="0"/>
+                  </a:lnTo>
+                  <a:lnTo>
+                    <a:pt x="1442" y="1872"/>
+                  </a:lnTo>
+                  <a:lnTo>
+                    <a:pt x="1495" y="1872"/>
+                  </a:lnTo>
+                  <a:close/>
+                </a:path>
+              </a:pathLst>
+            </a:custGeom>
+            <a:solidFill>
+              <a:schemeClr val="accent1">
+                <a:lumMod val="50000"/>
+              </a:schemeClr>
+            </a:solidFill>
+            <a:ln>
+              <a:noFill/>
+            </a:ln>
+          </p:spPr>
+        </p:sp>
+        <p:sp>
+          <p:nvSpPr>
+            <p:cNvPr id="17" name="Freeform 10"/>
+            <p:cNvSpPr/>
+            <p:nvPr>
+              <p:extLst>
+                <p:ext uri="{386F3935-93C4-4BCD-93E2-E3B085C9AB24}">
+                  <p16:designElem xmlns:p16="http://schemas.microsoft.com/office/powerpoint/2015/main" val="1"/>
+                </p:ext>
+              </p:extLst>
+            </p:nvPr>
+          </p:nvSpPr>
+          <p:spPr bwMode="auto">
+            <a:xfrm>
+              <a:off x="641350" y="3881438"/>
+              <a:ext cx="3340100" cy="2976563"/>
+            </a:xfrm>
+            <a:custGeom>
+              <a:avLst/>
+              <a:gdLst/>
+              <a:ahLst/>
+              <a:cxnLst/>
+              <a:rect l="0" t="0" r="r" b="b"/>
+              <a:pathLst>
+                <a:path w="2104" h="1875">
+                  <a:moveTo>
+                    <a:pt x="0" y="0"/>
+                  </a:moveTo>
+                  <a:lnTo>
+                    <a:pt x="3" y="3"/>
+                  </a:lnTo>
+                  <a:lnTo>
+                    <a:pt x="1498" y="1875"/>
+                  </a:lnTo>
+                  <a:lnTo>
+                    <a:pt x="2104" y="1875"/>
+                  </a:lnTo>
+                  <a:lnTo>
+                    <a:pt x="228" y="57"/>
+                  </a:lnTo>
+                  <a:lnTo>
+                    <a:pt x="0" y="0"/>
+                  </a:lnTo>
+                  <a:close/>
+                </a:path>
+              </a:pathLst>
+            </a:custGeom>
+            <a:solidFill>
+              <a:schemeClr val="accent1">
+                <a:lumMod val="75000"/>
+              </a:schemeClr>
+            </a:solidFill>
+            <a:ln>
+              <a:noFill/>
+            </a:ln>
+          </p:spPr>
+        </p:sp>
+        <p:sp>
+          <p:nvSpPr>
+            <p:cNvPr id="18" name="Freeform 11"/>
+            <p:cNvSpPr/>
+            <p:nvPr>
+              <p:extLst>
+                <p:ext uri="{386F3935-93C4-4BCD-93E2-E3B085C9AB24}">
+                  <p16:designElem xmlns:p16="http://schemas.microsoft.com/office/powerpoint/2015/main" val="1"/>
+                </p:ext>
+              </p:extLst>
+            </p:nvPr>
+          </p:nvSpPr>
+          <p:spPr bwMode="auto">
+            <a:xfrm>
+              <a:off x="203200" y="3771900"/>
+              <a:ext cx="2660650" cy="3086100"/>
+            </a:xfrm>
+            <a:custGeom>
+              <a:avLst/>
+              <a:gdLst/>
+              <a:ahLst/>
+              <a:cxnLst/>
+              <a:rect l="0" t="0" r="r" b="b"/>
+              <a:pathLst>
+                <a:path w="1676" h="1944">
+                  <a:moveTo>
+                    <a:pt x="1676" y="1944"/>
+                  </a:moveTo>
+                  <a:lnTo>
+                    <a:pt x="264" y="111"/>
+                  </a:lnTo>
+                  <a:lnTo>
+                    <a:pt x="225" y="60"/>
+                  </a:lnTo>
+                  <a:lnTo>
+                    <a:pt x="228" y="60"/>
+                  </a:lnTo>
+                  <a:lnTo>
+                    <a:pt x="264" y="111"/>
+                  </a:lnTo>
+                  <a:lnTo>
+                    <a:pt x="234" y="69"/>
+                  </a:lnTo>
+                  <a:lnTo>
+                    <a:pt x="228" y="57"/>
+                  </a:lnTo>
+                  <a:lnTo>
+                    <a:pt x="222" y="54"/>
+                  </a:lnTo>
+                  <a:lnTo>
+                    <a:pt x="0" y="0"/>
+                  </a:lnTo>
+                  <a:lnTo>
+                    <a:pt x="3" y="3"/>
+                  </a:lnTo>
+                  <a:lnTo>
+                    <a:pt x="1223" y="1944"/>
+                  </a:lnTo>
+                  <a:lnTo>
+                    <a:pt x="1676" y="1944"/>
+                  </a:lnTo>
+                  <a:close/>
+                </a:path>
+              </a:pathLst>
+            </a:custGeom>
+            <a:solidFill>
+              <a:schemeClr val="tx1">
+                <a:lumMod val="75000"/>
+                <a:lumOff val="25000"/>
+              </a:schemeClr>
+            </a:solidFill>
+            <a:ln>
+              <a:noFill/>
+            </a:ln>
+          </p:spPr>
+        </p:sp>
+      </p:grpSp>
+      <p:sp>
+        <p:nvSpPr>
+          <p:cNvPr id="20" name="Freeform 12"/>
+          <p:cNvSpPr>
+            <a:spLocks noGrp="1" noRot="1" noChangeAspect="1" noMove="1" noResize="1" noEditPoints="1" noAdjustHandles="1" noChangeArrowheads="1" noChangeShapeType="1" noTextEdit="1"/>
+          </p:cNvSpPr>
+          <p:nvPr>
+            <p:extLst>
+              <p:ext uri="{386F3935-93C4-4BCD-93E2-E3B085C9AB24}">
+                <p16:designElem xmlns:p16="http://schemas.microsoft.com/office/powerpoint/2015/main" val="1"/>
+              </p:ext>
+            </p:extLst>
+          </p:nvPr>
+        </p:nvSpPr>
+        <p:spPr bwMode="auto">
+          <a:xfrm>
+            <a:off x="203200" y="3771900"/>
+            <a:ext cx="361950" cy="90488"/>
+          </a:xfrm>
+          <a:custGeom>
+            <a:avLst/>
+            <a:gdLst/>
+            <a:ahLst/>
+            <a:cxnLst/>
+            <a:rect l="0" t="0" r="r" b="b"/>
+            <a:pathLst>
+              <a:path w="228" h="57">
+                <a:moveTo>
+                  <a:pt x="228" y="57"/>
+                </a:moveTo>
+                <a:lnTo>
+                  <a:pt x="0" y="0"/>
+                </a:lnTo>
+                <a:lnTo>
+                  <a:pt x="222" y="54"/>
+                </a:lnTo>
+                <a:lnTo>
+                  <a:pt x="228" y="57"/>
+                </a:lnTo>
+                <a:close/>
+              </a:path>
+            </a:pathLst>
+          </a:custGeom>
+          <a:solidFill>
+            <a:srgbClr val="29ABE2"/>
+          </a:solidFill>
+          <a:ln>
+            <a:noFill/>
+          </a:ln>
+          <a:extLst>
+            <a:ext uri="{91240B29-F687-4f45-9708-019B960494DF}">
+              <a14:hiddenLine xmlns:a14="http://schemas.microsoft.com/office/drawing/2010/main" xmlns="" w="9525">
+                <a:solidFill>
+                  <a:srgbClr val="000000"/>
+                </a:solidFill>
+                <a:round/>
+                <a:headEnd/>
+                <a:tailEnd/>
+              </a14:hiddenLine>
+            </a:ext>
+          </a:extLst>
+        </p:spPr>
+      </p:sp>
+      <p:sp>
+        <p:nvSpPr>
+          <p:cNvPr id="22" name="Freeform 13"/>
+          <p:cNvSpPr>
+            <a:spLocks noGrp="1" noRot="1" noChangeAspect="1" noMove="1" noResize="1" noEditPoints="1" noAdjustHandles="1" noChangeArrowheads="1" noChangeShapeType="1" noTextEdit="1"/>
+          </p:cNvSpPr>
+          <p:nvPr>
+            <p:extLst>
+              <p:ext uri="{386F3935-93C4-4BCD-93E2-E3B085C9AB24}">
+                <p16:designElem xmlns:p16="http://schemas.microsoft.com/office/powerpoint/2015/main" val="1"/>
+              </p:ext>
+            </p:extLst>
+          </p:nvPr>
+        </p:nvSpPr>
+        <p:spPr bwMode="auto">
+          <a:xfrm>
+            <a:off x="560388" y="3867150"/>
+            <a:ext cx="61913" cy="80963"/>
+          </a:xfrm>
+          <a:custGeom>
+            <a:avLst/>
+            <a:gdLst/>
+            <a:ahLst/>
+            <a:cxnLst/>
+            <a:rect l="0" t="0" r="r" b="b"/>
+            <a:pathLst>
+              <a:path w="39" h="51">
+                <a:moveTo>
+                  <a:pt x="0" y="0"/>
+                </a:moveTo>
+                <a:lnTo>
+                  <a:pt x="39" y="51"/>
+                </a:lnTo>
+                <a:lnTo>
+                  <a:pt x="3" y="0"/>
+                </a:lnTo>
+                <a:lnTo>
+                  <a:pt x="0" y="0"/>
+                </a:lnTo>
+                <a:close/>
+              </a:path>
+            </a:pathLst>
+          </a:custGeom>
+          <a:solidFill>
+            <a:srgbClr val="29ABE2"/>
+          </a:solidFill>
+          <a:ln>
+            <a:noFill/>
+          </a:ln>
+          <a:extLst>
+            <a:ext uri="{91240B29-F687-4f45-9708-019B960494DF}">
+              <a14:hiddenLine xmlns:a14="http://schemas.microsoft.com/office/drawing/2010/main" xmlns="" w="9525">
+                <a:solidFill>
+                  <a:srgbClr val="000000"/>
+                </a:solidFill>
+                <a:round/>
+                <a:headEnd/>
+                <a:tailEnd/>
+              </a14:hiddenLine>
+            </a:ext>
+          </a:extLst>
+        </p:spPr>
+      </p:sp>
+      <p:sp useBgFill="1">
+        <p:nvSpPr>
+          <p:cNvPr id="24" name="Rectangle 23"/>
+          <p:cNvSpPr>
+            <a:spLocks noGrp="1" noRot="1" noChangeAspect="1" noMove="1" noResize="1" noEditPoints="1" noAdjustHandles="1" noChangeArrowheads="1" noChangeShapeType="1" noTextEdit="1"/>
+          </p:cNvSpPr>
+          <p:nvPr>
+            <p:extLst>
+              <p:ext uri="{386F3935-93C4-4BCD-93E2-E3B085C9AB24}">
+                <p16:designElem xmlns:p16="http://schemas.microsoft.com/office/powerpoint/2015/main" val="1"/>
+              </p:ext>
+            </p:extLst>
+          </p:nvPr>
+        </p:nvSpPr>
+        <p:spPr>
+          <a:xfrm>
+            <a:off x="0" y="0"/>
+            <a:ext cx="9144000" cy="6858000"/>
+          </a:xfrm>
+          <a:prstGeom prst="rect">
+            <a:avLst/>
+          </a:prstGeom>
+          <a:ln>
+            <a:noFill/>
+          </a:ln>
+        </p:spPr>
+        <p:style>
+          <a:lnRef idx="2">
+            <a:schemeClr val="accent1">
+              <a:shade val="50000"/>
+            </a:schemeClr>
+          </a:lnRef>
+          <a:fillRef idx="1">
+            <a:schemeClr val="accent1"/>
+          </a:fillRef>
+          <a:effectRef idx="0">
+            <a:schemeClr val="accent1"/>
+          </a:effectRef>
+          <a:fontRef idx="minor">
+            <a:schemeClr val="lt1"/>
+          </a:fontRef>
+        </p:style>
+        <p:txBody>
+          <a:bodyPr rtlCol="0" anchor="ctr"/>
           <a:lstStyle/>
           <a:p>
-            <a:endParaRPr lang="zh-HK" altLang="en-US"/>
-          </a:p>
-        </p:txBody>
-      </p:sp>
-      <p:sp>
-        <p:nvSpPr>
-          <p:cNvPr id="3" name="Content Placeholder 2"/>
-          <p:cNvSpPr>
-            <a:spLocks noGrp="1"/>
-          </p:cNvSpPr>
-          <p:nvPr>
-            <p:ph idx="1"/>
-          </p:nvPr>
-        </p:nvSpPr>
-        <p:spPr/>
-        <p:txBody>
-          <a:bodyPr/>
+            <a:pPr algn="ctr"/>
+            <a:endParaRPr lang="en-US"/>
+          </a:p>
+        </p:txBody>
+      </p:sp>
+      <p:grpSp>
+        <p:nvGrpSpPr>
+          <p:cNvPr id="26" name="Group 25"/>
+          <p:cNvGrpSpPr>
+            <a:grpSpLocks noGrp="1" noUngrp="1" noRot="1" noChangeAspect="1" noMove="1" noResize="1"/>
+          </p:cNvGrpSpPr>
+          <p:nvPr>
+            <p:extLst>
+              <p:ext uri="{386F3935-93C4-4BCD-93E2-E3B085C9AB24}">
+                <p16:designElem xmlns:p16="http://schemas.microsoft.com/office/powerpoint/2015/main" val="1"/>
+              </p:ext>
+            </p:extLst>
+          </p:nvPr>
+        </p:nvGrpSpPr>
+        <p:grpSpPr>
+          <a:xfrm>
+            <a:off x="665036" y="-4763"/>
+            <a:ext cx="3761184" cy="6862763"/>
+            <a:chOff x="2928938" y="-4763"/>
+            <a:chExt cx="5014912" cy="6862763"/>
+          </a:xfrm>
+        </p:grpSpPr>
+        <p:sp>
+          <p:nvSpPr>
+            <p:cNvPr id="27" name="Freeform 6"/>
+            <p:cNvSpPr/>
+            <p:nvPr>
+              <p:extLst>
+                <p:ext uri="{386F3935-93C4-4BCD-93E2-E3B085C9AB24}">
+                  <p16:designElem xmlns:p16="http://schemas.microsoft.com/office/powerpoint/2015/main" val="1"/>
+                </p:ext>
+              </p:extLst>
+            </p:nvPr>
+          </p:nvSpPr>
+          <p:spPr bwMode="auto">
+            <a:xfrm>
+              <a:off x="3367088" y="-4763"/>
+              <a:ext cx="1063625" cy="2782888"/>
+            </a:xfrm>
+            <a:custGeom>
+              <a:avLst/>
+              <a:gdLst/>
+              <a:ahLst/>
+              <a:cxnLst/>
+              <a:rect l="0" t="0" r="r" b="b"/>
+              <a:pathLst>
+                <a:path w="670" h="1753">
+                  <a:moveTo>
+                    <a:pt x="0" y="1696"/>
+                  </a:moveTo>
+                  <a:lnTo>
+                    <a:pt x="225" y="1753"/>
+                  </a:lnTo>
+                  <a:lnTo>
+                    <a:pt x="670" y="0"/>
+                  </a:lnTo>
+                  <a:lnTo>
+                    <a:pt x="430" y="0"/>
+                  </a:lnTo>
+                  <a:lnTo>
+                    <a:pt x="0" y="1696"/>
+                  </a:lnTo>
+                  <a:close/>
+                </a:path>
+              </a:pathLst>
+            </a:custGeom>
+            <a:solidFill>
+              <a:schemeClr val="accent1"/>
+            </a:solidFill>
+            <a:ln>
+              <a:noFill/>
+            </a:ln>
+          </p:spPr>
+        </p:sp>
+        <p:sp>
+          <p:nvSpPr>
+            <p:cNvPr id="28" name="Freeform 7"/>
+            <p:cNvSpPr/>
+            <p:nvPr>
+              <p:extLst>
+                <p:ext uri="{386F3935-93C4-4BCD-93E2-E3B085C9AB24}">
+                  <p16:designElem xmlns:p16="http://schemas.microsoft.com/office/powerpoint/2015/main" val="1"/>
+                </p:ext>
+              </p:extLst>
+            </p:nvPr>
+          </p:nvSpPr>
+          <p:spPr bwMode="auto">
+            <a:xfrm>
+              <a:off x="2928938" y="-4763"/>
+              <a:ext cx="1035050" cy="2673350"/>
+            </a:xfrm>
+            <a:custGeom>
+              <a:avLst/>
+              <a:gdLst/>
+              <a:ahLst/>
+              <a:cxnLst/>
+              <a:rect l="0" t="0" r="r" b="b"/>
+              <a:pathLst>
+                <a:path w="652" h="1684">
+                  <a:moveTo>
+                    <a:pt x="225" y="1684"/>
+                  </a:moveTo>
+                  <a:lnTo>
+                    <a:pt x="652" y="0"/>
+                  </a:lnTo>
+                  <a:lnTo>
+                    <a:pt x="411" y="0"/>
+                  </a:lnTo>
+                  <a:lnTo>
+                    <a:pt x="0" y="1627"/>
+                  </a:lnTo>
+                  <a:lnTo>
+                    <a:pt x="219" y="1681"/>
+                  </a:lnTo>
+                  <a:lnTo>
+                    <a:pt x="225" y="1684"/>
+                  </a:lnTo>
+                  <a:close/>
+                </a:path>
+              </a:pathLst>
+            </a:custGeom>
+            <a:solidFill>
+              <a:schemeClr val="tx1">
+                <a:lumMod val="65000"/>
+                <a:lumOff val="35000"/>
+              </a:schemeClr>
+            </a:solidFill>
+            <a:ln>
+              <a:noFill/>
+            </a:ln>
+          </p:spPr>
+        </p:sp>
+        <p:sp>
+          <p:nvSpPr>
+            <p:cNvPr id="29" name="Freeform 25"/>
+            <p:cNvSpPr/>
+            <p:nvPr>
+              <p:extLst>
+                <p:ext uri="{386F3935-93C4-4BCD-93E2-E3B085C9AB24}">
+                  <p16:designElem xmlns:p16="http://schemas.microsoft.com/office/powerpoint/2015/main" val="1"/>
+                </p:ext>
+              </p:extLst>
+            </p:nvPr>
+          </p:nvSpPr>
+          <p:spPr bwMode="auto">
+            <a:xfrm>
+              <a:off x="2928938" y="2582862"/>
+              <a:ext cx="2693987" cy="4275138"/>
+            </a:xfrm>
+            <a:custGeom>
+              <a:avLst/>
+              <a:gdLst/>
+              <a:ahLst/>
+              <a:cxnLst/>
+              <a:rect l="0" t="0" r="r" b="b"/>
+              <a:pathLst>
+                <a:path w="1697" h="2693">
+                  <a:moveTo>
+                    <a:pt x="0" y="0"/>
+                  </a:moveTo>
+                  <a:lnTo>
+                    <a:pt x="1622" y="2693"/>
+                  </a:lnTo>
+                  <a:lnTo>
+                    <a:pt x="1697" y="2693"/>
+                  </a:lnTo>
+                  <a:lnTo>
+                    <a:pt x="0" y="0"/>
+                  </a:lnTo>
+                  <a:close/>
+                </a:path>
+              </a:pathLst>
+            </a:custGeom>
+            <a:solidFill>
+              <a:schemeClr val="tx1">
+                <a:lumMod val="85000"/>
+                <a:lumOff val="15000"/>
+              </a:schemeClr>
+            </a:solidFill>
+            <a:ln>
+              <a:noFill/>
+            </a:ln>
+          </p:spPr>
+        </p:sp>
+        <p:sp>
+          <p:nvSpPr>
+            <p:cNvPr id="30" name="Freeform 26"/>
+            <p:cNvSpPr/>
+            <p:nvPr>
+              <p:extLst>
+                <p:ext uri="{386F3935-93C4-4BCD-93E2-E3B085C9AB24}">
+                  <p16:designElem xmlns:p16="http://schemas.microsoft.com/office/powerpoint/2015/main" val="1"/>
+                </p:ext>
+              </p:extLst>
+            </p:nvPr>
+          </p:nvSpPr>
+          <p:spPr bwMode="auto">
+            <a:xfrm>
+              <a:off x="3371850" y="2692400"/>
+              <a:ext cx="3332162" cy="4165600"/>
+            </a:xfrm>
+            <a:custGeom>
+              <a:avLst/>
+              <a:gdLst/>
+              <a:ahLst/>
+              <a:cxnLst/>
+              <a:rect l="0" t="0" r="r" b="b"/>
+              <a:pathLst>
+                <a:path w="2099" h="2624">
+                  <a:moveTo>
+                    <a:pt x="2099" y="2624"/>
+                  </a:moveTo>
+                  <a:lnTo>
+                    <a:pt x="0" y="0"/>
+                  </a:lnTo>
+                  <a:lnTo>
+                    <a:pt x="2021" y="2624"/>
+                  </a:lnTo>
+                  <a:lnTo>
+                    <a:pt x="2099" y="2624"/>
+                  </a:lnTo>
+                  <a:close/>
+                </a:path>
+              </a:pathLst>
+            </a:custGeom>
+            <a:solidFill>
+              <a:schemeClr val="accent1">
+                <a:lumMod val="50000"/>
+              </a:schemeClr>
+            </a:solidFill>
+            <a:ln>
+              <a:noFill/>
+            </a:ln>
+          </p:spPr>
+        </p:sp>
+        <p:sp>
+          <p:nvSpPr>
+            <p:cNvPr id="31" name="Freeform 27"/>
+            <p:cNvSpPr/>
+            <p:nvPr>
+              <p:extLst>
+                <p:ext uri="{386F3935-93C4-4BCD-93E2-E3B085C9AB24}">
+                  <p16:designElem xmlns:p16="http://schemas.microsoft.com/office/powerpoint/2015/main" val="1"/>
+                </p:ext>
+              </p:extLst>
+            </p:nvPr>
+          </p:nvSpPr>
+          <p:spPr bwMode="auto">
+            <a:xfrm>
+              <a:off x="3367088" y="2687637"/>
+              <a:ext cx="4576762" cy="4170363"/>
+            </a:xfrm>
+            <a:custGeom>
+              <a:avLst/>
+              <a:gdLst/>
+              <a:ahLst/>
+              <a:cxnLst/>
+              <a:rect l="0" t="0" r="r" b="b"/>
+              <a:pathLst>
+                <a:path w="2883" h="2627">
+                  <a:moveTo>
+                    <a:pt x="0" y="0"/>
+                  </a:moveTo>
+                  <a:lnTo>
+                    <a:pt x="3" y="3"/>
+                  </a:lnTo>
+                  <a:lnTo>
+                    <a:pt x="2102" y="2627"/>
+                  </a:lnTo>
+                  <a:lnTo>
+                    <a:pt x="2883" y="2627"/>
+                  </a:lnTo>
+                  <a:lnTo>
+                    <a:pt x="225" y="57"/>
+                  </a:lnTo>
+                  <a:lnTo>
+                    <a:pt x="0" y="0"/>
+                  </a:lnTo>
+                  <a:close/>
+                </a:path>
+              </a:pathLst>
+            </a:custGeom>
+            <a:solidFill>
+              <a:schemeClr val="accent1">
+                <a:lumMod val="75000"/>
+              </a:schemeClr>
+            </a:solidFill>
+            <a:ln>
+              <a:noFill/>
+            </a:ln>
+          </p:spPr>
+        </p:sp>
+        <p:sp>
+          <p:nvSpPr>
+            <p:cNvPr id="32" name="Freeform 28"/>
+            <p:cNvSpPr/>
+            <p:nvPr>
+              <p:extLst>
+                <p:ext uri="{386F3935-93C4-4BCD-93E2-E3B085C9AB24}">
+                  <p16:designElem xmlns:p16="http://schemas.microsoft.com/office/powerpoint/2015/main" val="1"/>
+                </p:ext>
+              </p:extLst>
+            </p:nvPr>
+          </p:nvSpPr>
+          <p:spPr bwMode="auto">
+            <a:xfrm>
+              <a:off x="2928938" y="2578100"/>
+              <a:ext cx="3584575" cy="4279900"/>
+            </a:xfrm>
+            <a:custGeom>
+              <a:avLst/>
+              <a:gdLst/>
+              <a:ahLst/>
+              <a:cxnLst/>
+              <a:rect l="0" t="0" r="r" b="b"/>
+              <a:pathLst>
+                <a:path w="2258" h="2696">
+                  <a:moveTo>
+                    <a:pt x="2258" y="2696"/>
+                  </a:moveTo>
+                  <a:lnTo>
+                    <a:pt x="264" y="111"/>
+                  </a:lnTo>
+                  <a:lnTo>
+                    <a:pt x="228" y="60"/>
+                  </a:lnTo>
+                  <a:lnTo>
+                    <a:pt x="225" y="57"/>
+                  </a:lnTo>
+                  <a:lnTo>
+                    <a:pt x="0" y="0"/>
+                  </a:lnTo>
+                  <a:lnTo>
+                    <a:pt x="0" y="3"/>
+                  </a:lnTo>
+                  <a:lnTo>
+                    <a:pt x="1697" y="2696"/>
+                  </a:lnTo>
+                  <a:lnTo>
+                    <a:pt x="2258" y="2696"/>
+                  </a:lnTo>
+                  <a:close/>
+                </a:path>
+              </a:pathLst>
+            </a:custGeom>
+            <a:solidFill>
+              <a:schemeClr val="tx1">
+                <a:lumMod val="75000"/>
+                <a:lumOff val="25000"/>
+              </a:schemeClr>
+            </a:solidFill>
+            <a:ln>
+              <a:noFill/>
+            </a:ln>
+          </p:spPr>
+        </p:sp>
+      </p:grpSp>
+      <p:sp>
+        <p:nvSpPr>
+          <p:cNvPr id="34" name="Rounded Rectangle 16"/>
+          <p:cNvSpPr>
+            <a:spLocks noGrp="1" noRot="1" noChangeAspect="1" noMove="1" noResize="1" noEditPoints="1" noAdjustHandles="1" noChangeArrowheads="1" noChangeShapeType="1" noTextEdit="1"/>
+          </p:cNvSpPr>
+          <p:nvPr>
+            <p:extLst>
+              <p:ext uri="{386F3935-93C4-4BCD-93E2-E3B085C9AB24}">
+                <p16:designElem xmlns:p16="http://schemas.microsoft.com/office/powerpoint/2015/main" val="1"/>
+              </p:ext>
+            </p:extLst>
+          </p:nvPr>
+        </p:nvSpPr>
+        <p:spPr>
+          <a:xfrm>
+            <a:off x="492520" y="648931"/>
+            <a:ext cx="5140825" cy="5231964"/>
+          </a:xfrm>
+          <a:prstGeom prst="roundRect">
+            <a:avLst>
+              <a:gd name="adj" fmla="val 4834"/>
+            </a:avLst>
+          </a:prstGeom>
+          <a:solidFill>
+            <a:schemeClr val="bg1"/>
+          </a:solidFill>
+          <a:ln w="38100">
+            <a:gradFill flip="none" rotWithShape="1">
+              <a:gsLst>
+                <a:gs pos="0">
+                  <a:schemeClr val="bg2"/>
+                </a:gs>
+                <a:gs pos="100000">
+                  <a:schemeClr val="bg2">
+                    <a:lumMod val="75000"/>
+                  </a:schemeClr>
+                </a:gs>
+              </a:gsLst>
+              <a:lin ang="5400000" scaled="0"/>
+              <a:tileRect/>
+            </a:gradFill>
+          </a:ln>
+          <a:effectLst>
+            <a:innerShdw blurRad="57150" dist="38100" dir="14460000">
+              <a:srgbClr val="000000">
+                <a:alpha val="70000"/>
+              </a:srgbClr>
+            </a:innerShdw>
+          </a:effectLst>
+        </p:spPr>
+        <p:style>
+          <a:lnRef idx="2">
+            <a:schemeClr val="accent1">
+              <a:shade val="50000"/>
+            </a:schemeClr>
+          </a:lnRef>
+          <a:fillRef idx="1">
+            <a:schemeClr val="accent1"/>
+          </a:fillRef>
+          <a:effectRef idx="0">
+            <a:schemeClr val="accent1"/>
+          </a:effectRef>
+          <a:fontRef idx="minor">
+            <a:schemeClr val="lt1"/>
+          </a:fontRef>
+        </p:style>
+        <p:txBody>
+          <a:bodyPr rtlCol="0" anchor="ctr"/>
           <a:lstStyle/>
           <a:p>
-            <a:endParaRPr lang="zh-HK" altLang="en-US" dirty="0"/>
+            <a:pPr algn="ctr"/>
+            <a:endParaRPr lang="en-US"/>
           </a:p>
         </p:txBody>
       </p:sp>
       <p:pic>
         <p:nvPicPr>
-          <p:cNvPr id="1027" name="Picture 3"/>
+          <p:cNvPr id="5" name="Picture 3"/>
           <p:cNvPicPr>
-            <a:picLocks noChangeAspect="1" noChangeArrowheads="1"/>
+            <a:picLocks noGrp="1" noChangeAspect="1" noChangeArrowheads="1"/>
           </p:cNvPicPr>
-          <p:nvPr/>
+          <p:nvPr>
+            <p:ph idx="1"/>
+          </p:nvPr>
         </p:nvPicPr>
-        <p:blipFill>
-          <a:blip r:embed="rId2">
+        <p:blipFill rotWithShape="1">
+          <a:blip r:embed="rId3">
             <a:extLst>
               <a:ext uri="{28A0092B-C50C-407E-A947-70E740481C1C}">
                 <a14:useLocalDpi xmlns:a14="http://schemas.microsoft.com/office/drawing/2010/main" val="0"/>
@@ -8874,23 +9856,17 @@
             </a:extLst>
           </a:blip>
           <a:srcRect/>
-          <a:stretch>
-            <a:fillRect/>
-          </a:stretch>
+          <a:stretch/>
         </p:blipFill>
         <p:spPr bwMode="auto">
           <a:xfrm>
-            <a:off x="2619375" y="1423988"/>
-            <a:ext cx="3905250" cy="4010025"/>
+            <a:off x="840472" y="982826"/>
+            <a:ext cx="4444920" cy="4564174"/>
           </a:xfrm>
           <a:prstGeom prst="rect">
             <a:avLst/>
           </a:prstGeom>
           <a:noFill/>
-          <a:ln>
-            <a:noFill/>
-          </a:ln>
-          <a:effectLst/>
           <a:extLst>
             <a:ext uri="{909E8E84-426E-40DD-AFC4-6F175D3DCCD1}">
               <a14:hiddenFill xmlns:a14="http://schemas.microsoft.com/office/drawing/2010/main">
@@ -8921,10 +9897,63 @@
           </a:extLst>
         </p:spPr>
       </p:pic>
+      <p:sp>
+        <p:nvSpPr>
+          <p:cNvPr id="2" name="Title 1"/>
+          <p:cNvSpPr>
+            <a:spLocks noGrp="1"/>
+          </p:cNvSpPr>
+          <p:nvPr>
+            <p:ph type="title"/>
+          </p:nvPr>
+        </p:nvSpPr>
+        <p:spPr>
+          <a:xfrm>
+            <a:off x="6031307" y="648931"/>
+            <a:ext cx="2595961" cy="3347337"/>
+          </a:xfrm>
+        </p:spPr>
+        <p:txBody>
+          <a:bodyPr vert="horz" lIns="91440" tIns="45720" rIns="91440" bIns="45720" rtlCol="0" anchor="b">
+            <a:normAutofit/>
+          </a:bodyPr>
+          <a:lstStyle/>
+          <a:p>
+            <a:pPr algn="l"/>
+            <a:r>
+              <a:rPr lang="en-US" altLang="zh-HK" sz="4800" kern="1200" cap="none" dirty="0" smtClean="0">
+                <a:ln w="3175" cmpd="sng">
+                  <a:noFill/>
+                </a:ln>
+                <a:solidFill>
+                  <a:schemeClr val="tx1"/>
+                </a:solidFill>
+                <a:effectLst/>
+                <a:latin typeface="+mj-lt"/>
+                <a:ea typeface="+mj-ea"/>
+                <a:cs typeface="+mj-cs"/>
+              </a:rPr>
+              <a:t>Add table</a:t>
+            </a:r>
+            <a:endParaRPr lang="en-US" altLang="zh-HK" sz="4800" kern="1200" cap="none" dirty="0">
+              <a:ln w="3175" cmpd="sng">
+                <a:noFill/>
+              </a:ln>
+              <a:solidFill>
+                <a:schemeClr val="tx1"/>
+              </a:solidFill>
+              <a:effectLst/>
+              <a:latin typeface="+mj-lt"/>
+              <a:ea typeface="+mj-ea"/>
+              <a:cs typeface="+mj-cs"/>
+            </a:endParaRPr>
+          </a:p>
+        </p:txBody>
+      </p:sp>
     </p:spTree>
     <p:extLst>
       <p:ext uri="{BB962C8B-B14F-4D97-AF65-F5344CB8AC3E}">
-        <p14:creationId xmlns:p14="http://schemas.microsoft.com/office/powerpoint/2010/main" val="3682450685"/>
+        <p14:creationId xmlns:p14="http://schemas.microsoft.com/office/powerpoint/2010/main" val="1196734519"/>
       </p:ext>
     </p:extLst>
   </p:cSld>
@@ -9007,7 +10036,7 @@
     </p:spTree>
     <p:extLst>
       <p:ext uri="{BB962C8B-B14F-4D97-AF65-F5344CB8AC3E}">
-        <p14:creationId xmlns:p14="http://schemas.microsoft.com/office/powerpoint/2010/main" val="578212422"/>
+        <p14:creationId xmlns:p14="http://schemas.microsoft.com/office/powerpoint/2010/main" val="185223031"/>
       </p:ext>
     </p:extLst>
   </p:cSld>
@@ -9083,7 +10112,7 @@
     </p:spTree>
     <p:extLst>
       <p:ext uri="{BB962C8B-B14F-4D97-AF65-F5344CB8AC3E}">
-        <p14:creationId xmlns:p14="http://schemas.microsoft.com/office/powerpoint/2010/main" val="1014839924"/>
+        <p14:creationId xmlns:p14="http://schemas.microsoft.com/office/powerpoint/2010/main" val="1339677514"/>
       </p:ext>
     </p:extLst>
   </p:cSld>
@@ -9169,7 +10198,7 @@
     </p:spTree>
     <p:extLst>
       <p:ext uri="{BB962C8B-B14F-4D97-AF65-F5344CB8AC3E}">
-        <p14:creationId xmlns:p14="http://schemas.microsoft.com/office/powerpoint/2010/main" val="2530492792"/>
+        <p14:creationId xmlns:p14="http://schemas.microsoft.com/office/powerpoint/2010/main" val="1741422650"/>
       </p:ext>
     </p:extLst>
   </p:cSld>
@@ -9263,7 +10292,7 @@
     </p:spTree>
     <p:extLst>
       <p:ext uri="{BB962C8B-B14F-4D97-AF65-F5344CB8AC3E}">
-        <p14:creationId xmlns:p14="http://schemas.microsoft.com/office/powerpoint/2010/main" val="3080556106"/>
+        <p14:creationId xmlns:p14="http://schemas.microsoft.com/office/powerpoint/2010/main" val="35853587"/>
       </p:ext>
     </p:extLst>
   </p:cSld>
@@ -9357,7 +10386,7 @@
     </p:spTree>
     <p:extLst>
       <p:ext uri="{BB962C8B-B14F-4D97-AF65-F5344CB8AC3E}">
-        <p14:creationId xmlns:p14="http://schemas.microsoft.com/office/powerpoint/2010/main" val="3080556106"/>
+        <p14:creationId xmlns:p14="http://schemas.microsoft.com/office/powerpoint/2010/main" val="1295815549"/>
       </p:ext>
     </p:extLst>
   </p:cSld>
@@ -9493,7 +10522,7 @@
     </p:spTree>
     <p:extLst>
       <p:ext uri="{BB962C8B-B14F-4D97-AF65-F5344CB8AC3E}">
-        <p14:creationId xmlns:p14="http://schemas.microsoft.com/office/powerpoint/2010/main" val="2041175966"/>
+        <p14:creationId xmlns:p14="http://schemas.microsoft.com/office/powerpoint/2010/main" val="1140267816"/>
       </p:ext>
     </p:extLst>
   </p:cSld>
@@ -9613,6 +10642,10 @@
               <a:rPr lang="en-US" altLang="zh-HK" dirty="0" smtClean="0"/>
               <a:t>XAMPP: root / </a:t>
             </a:r>
+            <a:r>
+              <a:rPr lang="en-US" altLang="zh-HK" dirty="0" smtClean="0"/>
+              <a:t>(no password)</a:t>
+            </a:r>
             <a:endParaRPr lang="en-US" altLang="zh-HK" dirty="0"/>
           </a:p>
         </p:txBody>
@@ -9620,7 +10653,7 @@
     </p:spTree>
     <p:extLst>
       <p:ext uri="{BB962C8B-B14F-4D97-AF65-F5344CB8AC3E}">
-        <p14:creationId xmlns:p14="http://schemas.microsoft.com/office/powerpoint/2010/main" val="2455026348"/>
+        <p14:creationId xmlns:p14="http://schemas.microsoft.com/office/powerpoint/2010/main" val="150290877"/>
       </p:ext>
     </p:extLst>
   </p:cSld>
@@ -9886,7 +10919,7 @@
     </p:spTree>
     <p:extLst>
       <p:ext uri="{BB962C8B-B14F-4D97-AF65-F5344CB8AC3E}">
-        <p14:creationId xmlns:p14="http://schemas.microsoft.com/office/powerpoint/2010/main" val="1050654858"/>
+        <p14:creationId xmlns:p14="http://schemas.microsoft.com/office/powerpoint/2010/main" val="498000867"/>
       </p:ext>
     </p:extLst>
   </p:cSld>
@@ -10003,7 +11036,7 @@
     </p:spTree>
     <p:extLst>
       <p:ext uri="{BB962C8B-B14F-4D97-AF65-F5344CB8AC3E}">
-        <p14:creationId xmlns:p14="http://schemas.microsoft.com/office/powerpoint/2010/main" val="1553331194"/>
+        <p14:creationId xmlns:p14="http://schemas.microsoft.com/office/powerpoint/2010/main" val="1156799310"/>
       </p:ext>
     </p:extLst>
   </p:cSld>
@@ -10105,7 +11138,7 @@
     </p:spTree>
     <p:extLst>
       <p:ext uri="{BB962C8B-B14F-4D97-AF65-F5344CB8AC3E}">
-        <p14:creationId xmlns:p14="http://schemas.microsoft.com/office/powerpoint/2010/main" val="2866169887"/>
+        <p14:creationId xmlns:p14="http://schemas.microsoft.com/office/powerpoint/2010/main" val="1156546879"/>
       </p:ext>
     </p:extLst>
   </p:cSld>
@@ -10197,7 +11230,7 @@
     </p:spTree>
     <p:extLst>
       <p:ext uri="{BB962C8B-B14F-4D97-AF65-F5344CB8AC3E}">
-        <p14:creationId xmlns:p14="http://schemas.microsoft.com/office/powerpoint/2010/main" val="279260778"/>
+        <p14:creationId xmlns:p14="http://schemas.microsoft.com/office/powerpoint/2010/main" val="1208906356"/>
       </p:ext>
     </p:extLst>
   </p:cSld>
@@ -10290,7 +11323,6 @@
               <a:rPr lang="en-US" dirty="0" smtClean="0"/>
               <a:t>Delete</a:t>
             </a:r>
-            <a:endParaRPr lang="en-US" dirty="0" smtClean="0"/>
           </a:p>
           <a:p>
             <a:r>
@@ -10311,7 +11343,7 @@
     </p:spTree>
     <p:extLst>
       <p:ext uri="{BB962C8B-B14F-4D97-AF65-F5344CB8AC3E}">
-        <p14:creationId xmlns:p14="http://schemas.microsoft.com/office/powerpoint/2010/main" val="725409640"/>
+        <p14:creationId xmlns:p14="http://schemas.microsoft.com/office/powerpoint/2010/main" val="746341025"/>
       </p:ext>
     </p:extLst>
   </p:cSld>
@@ -10369,11 +11401,7 @@
           </p:cNvGraphicFramePr>
           <p:nvPr>
             <p:ph idx="1"/>
-            <p:extLst>
-              <p:ext uri="{D42A27DB-BD31-4B8C-83A1-F6EECF244321}">
-                <p14:modId xmlns:p14="http://schemas.microsoft.com/office/powerpoint/2010/main" val="783115426"/>
-              </p:ext>
-            </p:extLst>
+            <p:extLst/>
           </p:nvPr>
         </p:nvGraphicFramePr>
         <p:xfrm>
@@ -10618,7 +11646,7 @@
     </p:spTree>
     <p:extLst>
       <p:ext uri="{BB962C8B-B14F-4D97-AF65-F5344CB8AC3E}">
-        <p14:creationId xmlns:p14="http://schemas.microsoft.com/office/powerpoint/2010/main" val="392706920"/>
+        <p14:creationId xmlns:p14="http://schemas.microsoft.com/office/powerpoint/2010/main" val="301625048"/>
       </p:ext>
     </p:extLst>
   </p:cSld>
@@ -10778,7 +11806,7 @@
     </p:spTree>
     <p:extLst>
       <p:ext uri="{BB962C8B-B14F-4D97-AF65-F5344CB8AC3E}">
-        <p14:creationId xmlns:p14="http://schemas.microsoft.com/office/powerpoint/2010/main" val="2094227931"/>
+        <p14:creationId xmlns:p14="http://schemas.microsoft.com/office/powerpoint/2010/main" val="1350774816"/>
       </p:ext>
     </p:extLst>
   </p:cSld>
@@ -11038,7 +12066,7 @@
   <a:extraClrSchemeLst/>
   <a:extLst>
     <a:ext uri="{05A4C25C-085E-4340-85A3-A5531E510DB2}">
-      <thm15:themeFamily xmlns:thm15="http://schemas.microsoft.com/office/thememl/2012/main" xmlns="" name="Parallax" id="{3388167B-A2EB-4685-9635-1831D9AEF8C4}" vid="{4F7A876A-7598-49CA-AFC8-8EDA2551E4A7}"/>
+      <thm15:themeFamily xmlns:thm15="http://schemas.microsoft.com/office/thememl/2012/main" name="Parallax" id="{3388167B-A2EB-4685-9635-1831D9AEF8C4}" vid="{4F7A876A-7598-49CA-AFC8-8EDA2551E4A7}"/>
     </a:ext>
   </a:extLst>
 </a:theme>

--- a/php-fw9/SMS.pptx
+++ b/php-fw9/SMS.pptx
@@ -5,33 +5,43 @@
     <p:sldMasterId id="2147484302" r:id="rId1"/>
   </p:sldMasterIdLst>
   <p:notesMasterIdLst>
-    <p:notesMasterId r:id="rId23"/>
+    <p:notesMasterId r:id="rId33"/>
   </p:notesMasterIdLst>
   <p:handoutMasterIdLst>
-    <p:handoutMasterId r:id="rId24"/>
+    <p:handoutMasterId r:id="rId34"/>
   </p:handoutMasterIdLst>
   <p:sldIdLst>
     <p:sldId id="256" r:id="rId2"/>
-    <p:sldId id="408" r:id="rId3"/>
-    <p:sldId id="409" r:id="rId4"/>
-    <p:sldId id="410" r:id="rId5"/>
-    <p:sldId id="411" r:id="rId6"/>
-    <p:sldId id="412" r:id="rId7"/>
-    <p:sldId id="413" r:id="rId8"/>
-    <p:sldId id="414" r:id="rId9"/>
-    <p:sldId id="415" r:id="rId10"/>
-    <p:sldId id="416" r:id="rId11"/>
-    <p:sldId id="417" r:id="rId12"/>
-    <p:sldId id="418" r:id="rId13"/>
+    <p:sldId id="423" r:id="rId3"/>
+    <p:sldId id="425" r:id="rId4"/>
+    <p:sldId id="426" r:id="rId5"/>
+    <p:sldId id="424" r:id="rId6"/>
+    <p:sldId id="415" r:id="rId7"/>
+    <p:sldId id="427" r:id="rId8"/>
+    <p:sldId id="428" r:id="rId9"/>
+    <p:sldId id="404" r:id="rId10"/>
+    <p:sldId id="405" r:id="rId11"/>
+    <p:sldId id="406" r:id="rId12"/>
+    <p:sldId id="431" r:id="rId13"/>
     <p:sldId id="419" r:id="rId14"/>
-    <p:sldId id="420" r:id="rId15"/>
-    <p:sldId id="421" r:id="rId16"/>
-    <p:sldId id="422" r:id="rId17"/>
-    <p:sldId id="423" r:id="rId18"/>
-    <p:sldId id="424" r:id="rId19"/>
-    <p:sldId id="425" r:id="rId20"/>
-    <p:sldId id="407" r:id="rId21"/>
-    <p:sldId id="398" r:id="rId22"/>
+    <p:sldId id="408" r:id="rId15"/>
+    <p:sldId id="409" r:id="rId16"/>
+    <p:sldId id="429" r:id="rId17"/>
+    <p:sldId id="417" r:id="rId18"/>
+    <p:sldId id="412" r:id="rId19"/>
+    <p:sldId id="413" r:id="rId20"/>
+    <p:sldId id="430" r:id="rId21"/>
+    <p:sldId id="414" r:id="rId22"/>
+    <p:sldId id="416" r:id="rId23"/>
+    <p:sldId id="411" r:id="rId24"/>
+    <p:sldId id="418" r:id="rId25"/>
+    <p:sldId id="420" r:id="rId26"/>
+    <p:sldId id="421" r:id="rId27"/>
+    <p:sldId id="422" r:id="rId28"/>
+    <p:sldId id="410" r:id="rId29"/>
+    <p:sldId id="407" r:id="rId30"/>
+    <p:sldId id="432" r:id="rId31"/>
+    <p:sldId id="398" r:id="rId32"/>
   </p:sldIdLst>
   <p:sldSz cx="9144000" cy="6858000" type="screen4x3"/>
   <p:notesSz cx="6858000" cy="9144000"/>
@@ -161,6 +171,57 @@
     </a:lvl9pPr>
   </p:defaultTextStyle>
   <p:extLst>
+    <p:ext uri="{521415D9-36F7-43E2-AB2F-B90AF26B5E84}">
+      <p14:sectionLst xmlns:p14="http://schemas.microsoft.com/office/powerpoint/2010/main">
+        <p14:section name="Default Section" id="{574C92C5-6839-4830-B680-A350B8D057ED}">
+          <p14:sldIdLst>
+            <p14:sldId id="256"/>
+            <p14:sldId id="423"/>
+            <p14:sldId id="425"/>
+            <p14:sldId id="426"/>
+            <p14:sldId id="424"/>
+            <p14:sldId id="415"/>
+            <p14:sldId id="427"/>
+            <p14:sldId id="428"/>
+            <p14:sldId id="404"/>
+            <p14:sldId id="405"/>
+            <p14:sldId id="406"/>
+            <p14:sldId id="431"/>
+            <p14:sldId id="419"/>
+          </p14:sldIdLst>
+        </p14:section>
+        <p14:section name="CRUD" id="{B1D9E86C-3ACB-4F24-B345-B27A036FE5E5}">
+          <p14:sldIdLst>
+            <p14:sldId id="408"/>
+            <p14:sldId id="409"/>
+          </p14:sldIdLst>
+        </p14:section>
+        <p14:section name="db connection" id="{09227942-A1E2-4A18-8392-41BE94547A0D}">
+          <p14:sldIdLst>
+            <p14:sldId id="429"/>
+            <p14:sldId id="417"/>
+            <p14:sldId id="412"/>
+            <p14:sldId id="413"/>
+          </p14:sldIdLst>
+        </p14:section>
+        <p14:section name="Read all" id="{36DAF08F-6958-4E78-8B85-E1D4EBB3D8FE}">
+          <p14:sldIdLst>
+            <p14:sldId id="430"/>
+            <p14:sldId id="414"/>
+            <p14:sldId id="416"/>
+            <p14:sldId id="411"/>
+            <p14:sldId id="418"/>
+            <p14:sldId id="420"/>
+            <p14:sldId id="421"/>
+            <p14:sldId id="422"/>
+            <p14:sldId id="410"/>
+            <p14:sldId id="407"/>
+            <p14:sldId id="432"/>
+            <p14:sldId id="398"/>
+          </p14:sldIdLst>
+        </p14:section>
+      </p14:sectionLst>
+    </p:ext>
     <p:ext uri="{EFAFB233-063F-42B5-8137-9DF3F51BA10A}">
       <p15:sldGuideLst xmlns:p15="http://schemas.microsoft.com/office/powerpoint/2012/main">
         <p15:guide id="1" orient="horz" pos="2160">
@@ -585,7 +646,7 @@
               </a14:hiddenFill>
             </a:ext>
             <a:ext uri="{FAA26D3D-D897-4be2-8F04-BA451C77F1D7}">
-              <ma14:placeholderFlag xmlns:ma14="http://schemas.microsoft.com/office/mac/drawingml/2011/main" val="1"/>
+              <ma14:placeholderFlag xmlns="" xmlns:ma14="http://schemas.microsoft.com/office/mac/drawingml/2011/main" val="1"/>
             </a:ext>
           </a:extLst>
         </p:spPr>
@@ -1127,7 +1188,7 @@
               </a14:hiddenLine>
             </a:ext>
             <a:ext uri="{FAA26D3D-D897-4be2-8F04-BA451C77F1D7}">
-              <ma14:placeholderFlag xmlns:ma14="http://schemas.microsoft.com/office/mac/drawingml/2011/main" val="1"/>
+              <ma14:placeholderFlag xmlns="" xmlns:ma14="http://schemas.microsoft.com/office/mac/drawingml/2011/main" val="1"/>
             </a:ext>
           </a:extLst>
         </p:spPr>
@@ -1140,6 +1201,11 @@
         </p:txBody>
       </p:sp>
     </p:spTree>
+    <p:extLst>
+      <p:ext uri="{BB962C8B-B14F-4D97-AF65-F5344CB8AC3E}">
+        <p14:creationId xmlns:p14="http://schemas.microsoft.com/office/powerpoint/2010/main" val="1748271395"/>
+      </p:ext>
+    </p:extLst>
   </p:cSld>
   <p:clrMapOvr>
     <a:masterClrMapping/>
@@ -1325,7 +1391,7 @@
                   <a:spcPct val="0"/>
                 </a:spcBef>
               </a:pPr>
-              <a:t>21</a:t>
+              <a:t>31</a:t>
             </a:fld>
             <a:endParaRPr kumimoji="0" lang="en-US" altLang="zh-TW"/>
           </a:p>
@@ -1377,7 +1443,7 @@
               </a14:hiddenLine>
             </a:ext>
             <a:ext uri="{FAA26D3D-D897-4be2-8F04-BA451C77F1D7}">
-              <ma14:placeholderFlag xmlns:ma14="http://schemas.microsoft.com/office/mac/drawingml/2011/main" val="1"/>
+              <ma14:placeholderFlag xmlns="" xmlns:ma14="http://schemas.microsoft.com/office/mac/drawingml/2011/main" val="1"/>
             </a:ext>
           </a:extLst>
         </p:spPr>
@@ -1390,6 +1456,11 @@
         </p:txBody>
       </p:sp>
     </p:spTree>
+    <p:extLst>
+      <p:ext uri="{BB962C8B-B14F-4D97-AF65-F5344CB8AC3E}">
+        <p14:creationId xmlns:p14="http://schemas.microsoft.com/office/powerpoint/2010/main" val="655331634"/>
+      </p:ext>
+    </p:extLst>
   </p:cSld>
   <p:clrMapOvr>
     <a:masterClrMapping/>
@@ -7455,7 +7526,7 @@
               </a14:hiddenLine>
             </a:ext>
             <a:ext uri="{FAA26D3D-D897-4be2-8F04-BA451C77F1D7}">
-              <ma14:placeholderFlag xmlns:ma14="http://schemas.microsoft.com/office/mac/drawingml/2011/main" val="1"/>
+              <ma14:placeholderFlag xmlns="" xmlns:ma14="http://schemas.microsoft.com/office/mac/drawingml/2011/main" val="1"/>
             </a:ext>
           </a:extLst>
         </p:spPr>
@@ -7516,7 +7587,7 @@
               </a14:hiddenLine>
             </a:ext>
             <a:ext uri="{FAA26D3D-D897-4be2-8F04-BA451C77F1D7}">
-              <ma14:placeholderFlag xmlns:ma14="http://schemas.microsoft.com/office/mac/drawingml/2011/main" val="1"/>
+              <ma14:placeholderFlag xmlns="" xmlns:ma14="http://schemas.microsoft.com/office/mac/drawingml/2011/main" val="1"/>
             </a:ext>
           </a:extLst>
         </p:spPr>
@@ -8449,13 +8520,39 @@
           <a:lstStyle/>
           <a:p>
             <a:r>
-              <a:rPr lang="en-US" dirty="0" err="1" smtClean="0"/>
-              <a:t>db.php</a:t>
+              <a:rPr lang="en-US" dirty="0" smtClean="0"/>
+              <a:t>Import</a:t>
             </a:r>
             <a:endParaRPr lang="en-US" dirty="0"/>
           </a:p>
         </p:txBody>
       </p:sp>
+      <p:pic>
+        <p:nvPicPr>
+          <p:cNvPr id="4" name="Content Placeholder 3"/>
+          <p:cNvPicPr>
+            <a:picLocks noGrp="1" noChangeAspect="1"/>
+          </p:cNvPicPr>
+          <p:nvPr>
+            <p:ph sz="half" idx="1"/>
+          </p:nvPr>
+        </p:nvPicPr>
+        <p:blipFill>
+          <a:blip r:embed="rId2"/>
+          <a:stretch>
+            <a:fillRect/>
+          </a:stretch>
+        </p:blipFill>
+        <p:spPr>
+          <a:xfrm>
+            <a:off x="817960" y="2629694"/>
+            <a:ext cx="3507581" cy="2167458"/>
+          </a:xfrm>
+          <a:prstGeom prst="rect">
+            <a:avLst/>
+          </a:prstGeom>
+        </p:spPr>
+      </p:pic>
       <p:sp>
         <p:nvSpPr>
           <p:cNvPr id="5" name="Content Placeholder 4"/>
@@ -8463,7 +8560,7 @@
             <a:spLocks noGrp="1"/>
           </p:cNvSpPr>
           <p:nvPr>
-            <p:ph idx="1"/>
+            <p:ph sz="half" idx="2"/>
           </p:nvPr>
         </p:nvSpPr>
         <p:spPr/>
@@ -8473,133 +8570,23 @@
           <a:p>
             <a:r>
               <a:rPr lang="en-US" dirty="0" smtClean="0"/>
-              <a:t>$</a:t>
-            </a:r>
-            <a:r>
-              <a:rPr lang="en-US" dirty="0" err="1"/>
-              <a:t>mysqli</a:t>
-            </a:r>
-            <a:r>
-              <a:rPr lang="en-US" dirty="0"/>
-              <a:t>=new </a:t>
-            </a:r>
-            <a:r>
-              <a:rPr lang="en-US" dirty="0" err="1"/>
-              <a:t>MySQLi</a:t>
-            </a:r>
-            <a:r>
-              <a:rPr lang="en-US" dirty="0"/>
-              <a:t>($</a:t>
-            </a:r>
-            <a:r>
-              <a:rPr lang="en-US" dirty="0" err="1"/>
-              <a:t>db_hostname</a:t>
-            </a:r>
-            <a:r>
-              <a:rPr lang="en-US" dirty="0"/>
-              <a:t>, $</a:t>
-            </a:r>
-            <a:r>
-              <a:rPr lang="en-US" dirty="0" err="1"/>
-              <a:t>db_username</a:t>
-            </a:r>
-            <a:r>
-              <a:rPr lang="en-US" dirty="0"/>
-              <a:t>, $</a:t>
-            </a:r>
-            <a:r>
-              <a:rPr lang="en-US" dirty="0" err="1"/>
-              <a:t>db_password</a:t>
-            </a:r>
-            <a:r>
-              <a:rPr lang="en-US" dirty="0"/>
-              <a:t>, $</a:t>
-            </a:r>
-            <a:r>
-              <a:rPr lang="en-US" dirty="0" err="1"/>
-              <a:t>db_database</a:t>
-            </a:r>
-            <a:r>
-              <a:rPr lang="en-US" dirty="0"/>
-              <a:t>);</a:t>
-            </a:r>
-          </a:p>
-          <a:p>
-            <a:r>
-              <a:rPr lang="en-US" dirty="0"/>
-              <a:t>if ($</a:t>
-            </a:r>
-            <a:r>
-              <a:rPr lang="en-US" dirty="0" err="1"/>
-              <a:t>mysqli</a:t>
-            </a:r>
-            <a:r>
-              <a:rPr lang="en-US" dirty="0"/>
-              <a:t>-&gt;</a:t>
-            </a:r>
-            <a:r>
-              <a:rPr lang="en-US" dirty="0" err="1"/>
-              <a:t>connect_errno</a:t>
-            </a:r>
-            <a:r>
-              <a:rPr lang="en-US" dirty="0"/>
-              <a:t>&gt;0){</a:t>
-            </a:r>
-          </a:p>
-          <a:p>
-            <a:r>
-              <a:rPr lang="en-US" dirty="0"/>
-              <a:t>	die($</a:t>
-            </a:r>
-            <a:r>
-              <a:rPr lang="en-US" dirty="0" err="1"/>
-              <a:t>mysqli</a:t>
-            </a:r>
-            <a:r>
-              <a:rPr lang="en-US" dirty="0"/>
-              <a:t>-&gt;</a:t>
-            </a:r>
-            <a:r>
-              <a:rPr lang="en-US" dirty="0" err="1"/>
-              <a:t>connect_error</a:t>
-            </a:r>
-            <a:r>
-              <a:rPr lang="en-US" dirty="0"/>
-              <a:t>);</a:t>
-            </a:r>
-          </a:p>
-          <a:p>
-            <a:r>
-              <a:rPr lang="en-US" dirty="0"/>
-              <a:t>}</a:t>
-            </a:r>
-          </a:p>
-          <a:p>
-            <a:r>
-              <a:rPr lang="en-US" dirty="0"/>
-              <a:t>//</a:t>
-            </a:r>
-            <a:r>
-              <a:rPr lang="en-US" dirty="0" err="1"/>
-              <a:t>print_r</a:t>
-            </a:r>
-            <a:r>
-              <a:rPr lang="en-US" dirty="0"/>
-              <a:t>($</a:t>
-            </a:r>
-            <a:r>
-              <a:rPr lang="en-US" dirty="0" err="1"/>
-              <a:t>mysqli</a:t>
-            </a:r>
-            <a:r>
-              <a:rPr lang="en-US" dirty="0"/>
-              <a:t>);</a:t>
-            </a:r>
-          </a:p>
-          <a:p>
-            <a:r>
-              <a:rPr lang="en-US" dirty="0"/>
-              <a:t>?&gt;</a:t>
+              <a:t>Then import the </a:t>
+            </a:r>
+            <a:r>
+              <a:rPr lang="en-US" dirty="0" err="1" smtClean="0"/>
+              <a:t>sms</a:t>
+            </a:r>
+            <a:r>
+              <a:rPr lang="en-US" dirty="0" smtClean="0"/>
+              <a:t> table by Choose File “</a:t>
+            </a:r>
+            <a:r>
+              <a:rPr lang="en-US" dirty="0" err="1" smtClean="0"/>
+              <a:t>sms.sql</a:t>
+            </a:r>
+            <a:r>
+              <a:rPr lang="en-US" dirty="0" smtClean="0"/>
+              <a:t>”</a:t>
             </a:r>
           </a:p>
         </p:txBody>
@@ -8607,7 +8594,7 @@
     </p:spTree>
     <p:extLst>
       <p:ext uri="{BB962C8B-B14F-4D97-AF65-F5344CB8AC3E}">
-        <p14:creationId xmlns:p14="http://schemas.microsoft.com/office/powerpoint/2010/main" val="1422700075"/>
+        <p14:creationId xmlns:p14="http://schemas.microsoft.com/office/powerpoint/2010/main" val="1553331194"/>
       </p:ext>
     </p:extLst>
   </p:cSld>
@@ -8650,21 +8637,47 @@
           <a:lstStyle/>
           <a:p>
             <a:r>
-              <a:rPr lang="en-US" dirty="0" err="1" smtClean="0"/>
-              <a:t>db.inc.php</a:t>
+              <a:rPr lang="en-US" dirty="0" smtClean="0"/>
+              <a:t>Import successfully</a:t>
             </a:r>
             <a:endParaRPr lang="en-US" dirty="0"/>
           </a:p>
         </p:txBody>
       </p:sp>
-      <p:sp>
-        <p:nvSpPr>
-          <p:cNvPr id="3" name="Content Placeholder 2"/>
-          <p:cNvSpPr>
-            <a:spLocks noGrp="1"/>
-          </p:cNvSpPr>
-          <p:nvPr>
-            <p:ph idx="1"/>
+      <p:pic>
+        <p:nvPicPr>
+          <p:cNvPr id="4" name="Content Placeholder 3"/>
+          <p:cNvPicPr>
+            <a:picLocks noGrp="1" noChangeAspect="1"/>
+          </p:cNvPicPr>
+          <p:nvPr>
+            <p:ph sz="half" idx="1"/>
+          </p:nvPr>
+        </p:nvPicPr>
+        <p:blipFill>
+          <a:blip r:embed="rId2"/>
+          <a:stretch>
+            <a:fillRect/>
+          </a:stretch>
+        </p:blipFill>
+        <p:spPr>
+          <a:xfrm>
+            <a:off x="1259539" y="1825625"/>
+            <a:ext cx="2624423" cy="4351338"/>
+          </a:xfrm>
+          <a:prstGeom prst="rect">
+            <a:avLst/>
+          </a:prstGeom>
+        </p:spPr>
+      </p:pic>
+      <p:sp>
+        <p:nvSpPr>
+          <p:cNvPr id="5" name="Content Placeholder 4"/>
+          <p:cNvSpPr>
+            <a:spLocks noGrp="1"/>
+          </p:cNvSpPr>
+          <p:nvPr>
+            <p:ph sz="half" idx="2"/>
           </p:nvPr>
         </p:nvSpPr>
         <p:spPr/>
@@ -8673,45 +8686,17 @@
           <a:lstStyle/>
           <a:p>
             <a:r>
-              <a:rPr lang="en-US" dirty="0"/>
-              <a:t>&lt;?</a:t>
-            </a:r>
-            <a:r>
-              <a:rPr lang="en-US" dirty="0" err="1"/>
-              <a:t>php</a:t>
+              <a:rPr lang="en-US" dirty="0" smtClean="0"/>
+              <a:t>Check means import successfully.</a:t>
             </a:r>
             <a:endParaRPr lang="en-US" dirty="0"/>
-          </a:p>
-          <a:p>
-            <a:r>
-              <a:rPr lang="en-US" dirty="0" err="1" smtClean="0"/>
-              <a:t>require_once</a:t>
-            </a:r>
-            <a:r>
-              <a:rPr lang="en-US" dirty="0"/>
-              <a:t>('</a:t>
-            </a:r>
-            <a:r>
-              <a:rPr lang="en-US" dirty="0" err="1"/>
-              <a:t>db.inc.php</a:t>
-            </a:r>
-            <a:r>
-              <a:rPr lang="en-US" dirty="0"/>
-              <a:t>');</a:t>
-            </a:r>
-          </a:p>
-          <a:p>
-            <a:r>
-              <a:rPr lang="en-US" dirty="0"/>
-              <a:t>?&gt;</a:t>
-            </a:r>
           </a:p>
         </p:txBody>
       </p:sp>
     </p:spTree>
     <p:extLst>
       <p:ext uri="{BB962C8B-B14F-4D97-AF65-F5344CB8AC3E}">
-        <p14:creationId xmlns:p14="http://schemas.microsoft.com/office/powerpoint/2010/main" val="1237234827"/>
+        <p14:creationId xmlns:p14="http://schemas.microsoft.com/office/powerpoint/2010/main" val="2866169887"/>
       </p:ext>
     </p:extLst>
   </p:cSld>
@@ -8754,21 +8739,25 @@
           <a:lstStyle/>
           <a:p>
             <a:r>
-              <a:rPr lang="en-US" dirty="0" smtClean="0"/>
-              <a:t>Read all</a:t>
-            </a:r>
-            <a:endParaRPr lang="en-US" dirty="0"/>
-          </a:p>
-        </p:txBody>
-      </p:sp>
-      <p:sp>
-        <p:nvSpPr>
-          <p:cNvPr id="3" name="Content Placeholder 2"/>
-          <p:cNvSpPr>
-            <a:spLocks noGrp="1"/>
-          </p:cNvSpPr>
-          <p:nvPr>
-            <p:ph idx="1"/>
+              <a:rPr lang="en-US" altLang="zh-HK" dirty="0" err="1" smtClean="0"/>
+              <a:t>sms</a:t>
+            </a:r>
+            <a:r>
+              <a:rPr lang="en-US" altLang="zh-HK" dirty="0" smtClean="0"/>
+              <a:t> table</a:t>
+            </a:r>
+            <a:endParaRPr lang="zh-HK" altLang="en-US" dirty="0"/>
+          </a:p>
+        </p:txBody>
+      </p:sp>
+      <p:sp>
+        <p:nvSpPr>
+          <p:cNvPr id="4" name="Content Placeholder 3"/>
+          <p:cNvSpPr>
+            <a:spLocks noGrp="1"/>
+          </p:cNvSpPr>
+          <p:nvPr>
+            <p:ph sz="half" idx="2"/>
           </p:nvPr>
         </p:nvSpPr>
         <p:spPr/>
@@ -8777,20 +8766,67 @@
           <a:lstStyle/>
           <a:p>
             <a:r>
-              <a:rPr lang="en-US" dirty="0" err="1" smtClean="0"/>
-              <a:t>sms_readall.php</a:t>
-            </a:r>
-            <a:endParaRPr lang="en-US" smtClean="0"/>
-          </a:p>
-          <a:p>
-            <a:endParaRPr lang="en-US" dirty="0"/>
-          </a:p>
-        </p:txBody>
-      </p:sp>
+              <a:rPr lang="en-US" altLang="zh-HK" dirty="0" smtClean="0"/>
+              <a:t>Then you find the </a:t>
+            </a:r>
+            <a:r>
+              <a:rPr lang="en-US" altLang="zh-HK" b="1" dirty="0" err="1" smtClean="0"/>
+              <a:t>sms</a:t>
+            </a:r>
+            <a:r>
+              <a:rPr lang="en-US" altLang="zh-HK" dirty="0" smtClean="0"/>
+              <a:t> table under </a:t>
+            </a:r>
+            <a:r>
+              <a:rPr lang="en-US" altLang="zh-HK" b="1" dirty="0" smtClean="0"/>
+              <a:t>test</a:t>
+            </a:r>
+            <a:r>
+              <a:rPr lang="en-US" altLang="zh-HK" dirty="0" smtClean="0"/>
+              <a:t> database on the left </a:t>
+            </a:r>
+            <a:r>
+              <a:rPr lang="en-US" altLang="zh-HK" dirty="0" err="1" smtClean="0"/>
+              <a:t>nav</a:t>
+            </a:r>
+            <a:r>
+              <a:rPr lang="en-US" altLang="zh-HK" dirty="0" smtClean="0"/>
+              <a:t> bottom</a:t>
+            </a:r>
+            <a:endParaRPr lang="zh-HK" altLang="en-US" dirty="0"/>
+          </a:p>
+        </p:txBody>
+      </p:sp>
+      <p:pic>
+        <p:nvPicPr>
+          <p:cNvPr id="7" name="Content Placeholder 6"/>
+          <p:cNvPicPr>
+            <a:picLocks noGrp="1" noChangeAspect="1"/>
+          </p:cNvPicPr>
+          <p:nvPr>
+            <p:ph sz="half" idx="1"/>
+          </p:nvPr>
+        </p:nvPicPr>
+        <p:blipFill>
+          <a:blip r:embed="rId2"/>
+          <a:stretch>
+            <a:fillRect/>
+          </a:stretch>
+        </p:blipFill>
+        <p:spPr>
+          <a:xfrm>
+            <a:off x="1522998" y="2667000"/>
+            <a:ext cx="2659480" cy="3368675"/>
+          </a:xfrm>
+          <a:prstGeom prst="rect">
+            <a:avLst/>
+          </a:prstGeom>
+        </p:spPr>
+      </p:pic>
     </p:spTree>
     <p:extLst>
       <p:ext uri="{BB962C8B-B14F-4D97-AF65-F5344CB8AC3E}">
-        <p14:creationId xmlns:p14="http://schemas.microsoft.com/office/powerpoint/2010/main" val="121583488"/>
+        <p14:creationId xmlns:p14="http://schemas.microsoft.com/office/powerpoint/2010/main" val="2058977625"/>
       </p:ext>
     </p:extLst>
   </p:cSld>
@@ -8819,1141 +8855,70 @@
       </p:grpSpPr>
       <p:sp>
         <p:nvSpPr>
-          <p:cNvPr id="10" name="Rectangle 9"/>
-          <p:cNvSpPr>
-            <a:spLocks noGrp="1" noRot="1" noChangeAspect="1" noMove="1" noResize="1" noEditPoints="1" noAdjustHandles="1" noChangeArrowheads="1" noChangeShapeType="1" noTextEdit="1"/>
-          </p:cNvSpPr>
-          <p:nvPr>
-            <p:extLst>
-              <p:ext uri="{386F3935-93C4-4BCD-93E2-E3B085C9AB24}">
-                <p16:designElem xmlns:p16="http://schemas.microsoft.com/office/powerpoint/2015/main" val="1"/>
-              </p:ext>
-            </p:extLst>
-          </p:nvPr>
-        </p:nvSpPr>
-        <p:spPr bwMode="white">
-          <a:xfrm>
-            <a:off x="0" y="0"/>
-            <a:ext cx="9144000" cy="6858000"/>
-          </a:xfrm>
-          <a:prstGeom prst="rect">
-            <a:avLst/>
-          </a:prstGeom>
-          <a:blipFill rotWithShape="1">
-            <a:blip r:embed="rId2">
-              <a:duotone>
-                <a:schemeClr val="bg2">
-                  <a:shade val="76000"/>
-                  <a:satMod val="180000"/>
-                </a:schemeClr>
-                <a:schemeClr val="bg2">
-                  <a:tint val="80000"/>
-                  <a:satMod val="120000"/>
-                  <a:lumMod val="180000"/>
-                </a:schemeClr>
-              </a:duotone>
-            </a:blip>
-            <a:stretch/>
-          </a:blipFill>
-          <a:ln>
-            <a:noFill/>
-          </a:ln>
-          <a:effectLst/>
-        </p:spPr>
-      </p:sp>
-      <p:grpSp>
-        <p:nvGrpSpPr>
-          <p:cNvPr id="12" name="Group 11"/>
-          <p:cNvGrpSpPr>
-            <a:grpSpLocks noGrp="1" noUngrp="1" noRot="1" noChangeAspect="1" noMove="1" noResize="1"/>
-          </p:cNvGrpSpPr>
-          <p:nvPr>
-            <p:extLst>
-              <p:ext uri="{386F3935-93C4-4BCD-93E2-E3B085C9AB24}">
-                <p16:designElem xmlns:p16="http://schemas.microsoft.com/office/powerpoint/2015/main" val="1"/>
-              </p:ext>
-            </p:extLst>
-          </p:nvPr>
-        </p:nvGrpSpPr>
-        <p:grpSpPr>
-          <a:xfrm>
-            <a:off x="203200" y="0"/>
-            <a:ext cx="3778250" cy="6858001"/>
-            <a:chOff x="203200" y="0"/>
-            <a:chExt cx="3778250" cy="6858001"/>
-          </a:xfrm>
-        </p:grpSpPr>
-        <p:sp>
-          <p:nvSpPr>
-            <p:cNvPr id="13" name="Freeform 6"/>
-            <p:cNvSpPr/>
-            <p:nvPr>
-              <p:extLst>
-                <p:ext uri="{386F3935-93C4-4BCD-93E2-E3B085C9AB24}">
-                  <p16:designElem xmlns:p16="http://schemas.microsoft.com/office/powerpoint/2015/main" val="1"/>
-                </p:ext>
-              </p:extLst>
-            </p:nvPr>
-          </p:nvSpPr>
-          <p:spPr bwMode="auto">
-            <a:xfrm>
-              <a:off x="641350" y="0"/>
-              <a:ext cx="1365250" cy="3971925"/>
-            </a:xfrm>
-            <a:custGeom>
-              <a:avLst/>
-              <a:gdLst/>
-              <a:ahLst/>
-              <a:cxnLst/>
-              <a:rect l="0" t="0" r="r" b="b"/>
-              <a:pathLst>
-                <a:path w="860" h="2502">
-                  <a:moveTo>
-                    <a:pt x="0" y="2445"/>
-                  </a:moveTo>
-                  <a:lnTo>
-                    <a:pt x="228" y="2502"/>
-                  </a:lnTo>
-                  <a:lnTo>
-                    <a:pt x="860" y="0"/>
-                  </a:lnTo>
-                  <a:lnTo>
-                    <a:pt x="620" y="0"/>
-                  </a:lnTo>
-                  <a:lnTo>
-                    <a:pt x="0" y="2445"/>
-                  </a:lnTo>
-                  <a:close/>
-                </a:path>
-              </a:pathLst>
-            </a:custGeom>
-            <a:solidFill>
-              <a:schemeClr val="accent1"/>
-            </a:solidFill>
-            <a:ln>
-              <a:noFill/>
-            </a:ln>
-          </p:spPr>
-        </p:sp>
-        <p:sp>
-          <p:nvSpPr>
-            <p:cNvPr id="14" name="Freeform 7"/>
-            <p:cNvSpPr/>
-            <p:nvPr>
-              <p:extLst>
-                <p:ext uri="{386F3935-93C4-4BCD-93E2-E3B085C9AB24}">
-                  <p16:designElem xmlns:p16="http://schemas.microsoft.com/office/powerpoint/2015/main" val="1"/>
-                </p:ext>
-              </p:extLst>
-            </p:nvPr>
-          </p:nvSpPr>
-          <p:spPr bwMode="auto">
-            <a:xfrm>
-              <a:off x="203200" y="0"/>
-              <a:ext cx="1336675" cy="3862388"/>
-            </a:xfrm>
-            <a:custGeom>
-              <a:avLst/>
-              <a:gdLst/>
-              <a:ahLst/>
-              <a:cxnLst/>
-              <a:rect l="0" t="0" r="r" b="b"/>
-              <a:pathLst>
-                <a:path w="842" h="2433">
-                  <a:moveTo>
-                    <a:pt x="842" y="0"/>
-                  </a:moveTo>
-                  <a:lnTo>
-                    <a:pt x="602" y="0"/>
-                  </a:lnTo>
-                  <a:lnTo>
-                    <a:pt x="0" y="2376"/>
-                  </a:lnTo>
-                  <a:lnTo>
-                    <a:pt x="228" y="2433"/>
-                  </a:lnTo>
-                  <a:lnTo>
-                    <a:pt x="842" y="0"/>
-                  </a:lnTo>
-                  <a:close/>
-                </a:path>
-              </a:pathLst>
-            </a:custGeom>
-            <a:solidFill>
-              <a:schemeClr val="tx1">
-                <a:lumMod val="65000"/>
-                <a:lumOff val="35000"/>
-              </a:schemeClr>
-            </a:solidFill>
-            <a:ln>
-              <a:noFill/>
-            </a:ln>
-          </p:spPr>
-        </p:sp>
-        <p:sp>
-          <p:nvSpPr>
-            <p:cNvPr id="15" name="Freeform 8"/>
-            <p:cNvSpPr/>
-            <p:nvPr>
-              <p:extLst>
-                <p:ext uri="{386F3935-93C4-4BCD-93E2-E3B085C9AB24}">
-                  <p16:designElem xmlns:p16="http://schemas.microsoft.com/office/powerpoint/2015/main" val="1"/>
-                </p:ext>
-              </p:extLst>
-            </p:nvPr>
-          </p:nvSpPr>
-          <p:spPr bwMode="auto">
-            <a:xfrm>
-              <a:off x="207963" y="3776663"/>
-              <a:ext cx="1936750" cy="3081338"/>
-            </a:xfrm>
-            <a:custGeom>
-              <a:avLst/>
-              <a:gdLst/>
-              <a:ahLst/>
-              <a:cxnLst/>
-              <a:rect l="0" t="0" r="r" b="b"/>
-              <a:pathLst>
-                <a:path w="1220" h="1941">
-                  <a:moveTo>
-                    <a:pt x="0" y="0"/>
-                  </a:moveTo>
-                  <a:lnTo>
-                    <a:pt x="1166" y="1941"/>
-                  </a:lnTo>
-                  <a:lnTo>
-                    <a:pt x="1220" y="1941"/>
-                  </a:lnTo>
-                  <a:lnTo>
-                    <a:pt x="0" y="0"/>
-                  </a:lnTo>
-                  <a:close/>
-                </a:path>
-              </a:pathLst>
-            </a:custGeom>
-            <a:solidFill>
-              <a:schemeClr val="tx1">
-                <a:lumMod val="85000"/>
-                <a:lumOff val="15000"/>
-              </a:schemeClr>
-            </a:solidFill>
-            <a:ln>
-              <a:noFill/>
-            </a:ln>
-          </p:spPr>
-        </p:sp>
-        <p:sp>
-          <p:nvSpPr>
-            <p:cNvPr id="16" name="Freeform 9"/>
-            <p:cNvSpPr/>
-            <p:nvPr>
-              <p:extLst>
-                <p:ext uri="{386F3935-93C4-4BCD-93E2-E3B085C9AB24}">
-                  <p16:designElem xmlns:p16="http://schemas.microsoft.com/office/powerpoint/2015/main" val="1"/>
-                </p:ext>
-              </p:extLst>
-            </p:nvPr>
-          </p:nvSpPr>
-          <p:spPr bwMode="auto">
-            <a:xfrm>
-              <a:off x="646113" y="3886200"/>
-              <a:ext cx="2373313" cy="2971800"/>
-            </a:xfrm>
-            <a:custGeom>
-              <a:avLst/>
-              <a:gdLst/>
-              <a:ahLst/>
-              <a:cxnLst/>
-              <a:rect l="0" t="0" r="r" b="b"/>
-              <a:pathLst>
-                <a:path w="1495" h="1872">
-                  <a:moveTo>
-                    <a:pt x="1495" y="1872"/>
-                  </a:moveTo>
-                  <a:lnTo>
-                    <a:pt x="0" y="0"/>
-                  </a:lnTo>
-                  <a:lnTo>
-                    <a:pt x="1442" y="1872"/>
-                  </a:lnTo>
-                  <a:lnTo>
-                    <a:pt x="1495" y="1872"/>
-                  </a:lnTo>
-                  <a:close/>
-                </a:path>
-              </a:pathLst>
-            </a:custGeom>
-            <a:solidFill>
-              <a:schemeClr val="accent1">
-                <a:lumMod val="50000"/>
-              </a:schemeClr>
-            </a:solidFill>
-            <a:ln>
-              <a:noFill/>
-            </a:ln>
-          </p:spPr>
-        </p:sp>
-        <p:sp>
-          <p:nvSpPr>
-            <p:cNvPr id="17" name="Freeform 10"/>
-            <p:cNvSpPr/>
-            <p:nvPr>
-              <p:extLst>
-                <p:ext uri="{386F3935-93C4-4BCD-93E2-E3B085C9AB24}">
-                  <p16:designElem xmlns:p16="http://schemas.microsoft.com/office/powerpoint/2015/main" val="1"/>
-                </p:ext>
-              </p:extLst>
-            </p:nvPr>
-          </p:nvSpPr>
-          <p:spPr bwMode="auto">
-            <a:xfrm>
-              <a:off x="641350" y="3881438"/>
-              <a:ext cx="3340100" cy="2976563"/>
-            </a:xfrm>
-            <a:custGeom>
-              <a:avLst/>
-              <a:gdLst/>
-              <a:ahLst/>
-              <a:cxnLst/>
-              <a:rect l="0" t="0" r="r" b="b"/>
-              <a:pathLst>
-                <a:path w="2104" h="1875">
-                  <a:moveTo>
-                    <a:pt x="0" y="0"/>
-                  </a:moveTo>
-                  <a:lnTo>
-                    <a:pt x="3" y="3"/>
-                  </a:lnTo>
-                  <a:lnTo>
-                    <a:pt x="1498" y="1875"/>
-                  </a:lnTo>
-                  <a:lnTo>
-                    <a:pt x="2104" y="1875"/>
-                  </a:lnTo>
-                  <a:lnTo>
-                    <a:pt x="228" y="57"/>
-                  </a:lnTo>
-                  <a:lnTo>
-                    <a:pt x="0" y="0"/>
-                  </a:lnTo>
-                  <a:close/>
-                </a:path>
-              </a:pathLst>
-            </a:custGeom>
-            <a:solidFill>
-              <a:schemeClr val="accent1">
-                <a:lumMod val="75000"/>
-              </a:schemeClr>
-            </a:solidFill>
-            <a:ln>
-              <a:noFill/>
-            </a:ln>
-          </p:spPr>
-        </p:sp>
-        <p:sp>
-          <p:nvSpPr>
-            <p:cNvPr id="18" name="Freeform 11"/>
-            <p:cNvSpPr/>
-            <p:nvPr>
-              <p:extLst>
-                <p:ext uri="{386F3935-93C4-4BCD-93E2-E3B085C9AB24}">
-                  <p16:designElem xmlns:p16="http://schemas.microsoft.com/office/powerpoint/2015/main" val="1"/>
-                </p:ext>
-              </p:extLst>
-            </p:nvPr>
-          </p:nvSpPr>
-          <p:spPr bwMode="auto">
-            <a:xfrm>
-              <a:off x="203200" y="3771900"/>
-              <a:ext cx="2660650" cy="3086100"/>
-            </a:xfrm>
-            <a:custGeom>
-              <a:avLst/>
-              <a:gdLst/>
-              <a:ahLst/>
-              <a:cxnLst/>
-              <a:rect l="0" t="0" r="r" b="b"/>
-              <a:pathLst>
-                <a:path w="1676" h="1944">
-                  <a:moveTo>
-                    <a:pt x="1676" y="1944"/>
-                  </a:moveTo>
-                  <a:lnTo>
-                    <a:pt x="264" y="111"/>
-                  </a:lnTo>
-                  <a:lnTo>
-                    <a:pt x="225" y="60"/>
-                  </a:lnTo>
-                  <a:lnTo>
-                    <a:pt x="228" y="60"/>
-                  </a:lnTo>
-                  <a:lnTo>
-                    <a:pt x="264" y="111"/>
-                  </a:lnTo>
-                  <a:lnTo>
-                    <a:pt x="234" y="69"/>
-                  </a:lnTo>
-                  <a:lnTo>
-                    <a:pt x="228" y="57"/>
-                  </a:lnTo>
-                  <a:lnTo>
-                    <a:pt x="222" y="54"/>
-                  </a:lnTo>
-                  <a:lnTo>
-                    <a:pt x="0" y="0"/>
-                  </a:lnTo>
-                  <a:lnTo>
-                    <a:pt x="3" y="3"/>
-                  </a:lnTo>
-                  <a:lnTo>
-                    <a:pt x="1223" y="1944"/>
-                  </a:lnTo>
-                  <a:lnTo>
-                    <a:pt x="1676" y="1944"/>
-                  </a:lnTo>
-                  <a:close/>
-                </a:path>
-              </a:pathLst>
-            </a:custGeom>
-            <a:solidFill>
-              <a:schemeClr val="tx1">
-                <a:lumMod val="75000"/>
-                <a:lumOff val="25000"/>
-              </a:schemeClr>
-            </a:solidFill>
-            <a:ln>
-              <a:noFill/>
-            </a:ln>
-          </p:spPr>
-        </p:sp>
-      </p:grpSp>
-      <p:sp>
-        <p:nvSpPr>
-          <p:cNvPr id="20" name="Freeform 12"/>
-          <p:cNvSpPr>
-            <a:spLocks noGrp="1" noRot="1" noChangeAspect="1" noMove="1" noResize="1" noEditPoints="1" noAdjustHandles="1" noChangeArrowheads="1" noChangeShapeType="1" noTextEdit="1"/>
-          </p:cNvSpPr>
-          <p:nvPr>
-            <p:extLst>
-              <p:ext uri="{386F3935-93C4-4BCD-93E2-E3B085C9AB24}">
-                <p16:designElem xmlns:p16="http://schemas.microsoft.com/office/powerpoint/2015/main" val="1"/>
-              </p:ext>
-            </p:extLst>
-          </p:nvPr>
-        </p:nvSpPr>
-        <p:spPr bwMode="auto">
-          <a:xfrm>
-            <a:off x="203200" y="3771900"/>
-            <a:ext cx="361950" cy="90488"/>
-          </a:xfrm>
-          <a:custGeom>
-            <a:avLst/>
-            <a:gdLst/>
-            <a:ahLst/>
-            <a:cxnLst/>
-            <a:rect l="0" t="0" r="r" b="b"/>
-            <a:pathLst>
-              <a:path w="228" h="57">
-                <a:moveTo>
-                  <a:pt x="228" y="57"/>
-                </a:moveTo>
-                <a:lnTo>
-                  <a:pt x="0" y="0"/>
-                </a:lnTo>
-                <a:lnTo>
-                  <a:pt x="222" y="54"/>
-                </a:lnTo>
-                <a:lnTo>
-                  <a:pt x="228" y="57"/>
-                </a:lnTo>
-                <a:close/>
-              </a:path>
-            </a:pathLst>
-          </a:custGeom>
-          <a:solidFill>
-            <a:srgbClr val="29ABE2"/>
-          </a:solidFill>
-          <a:ln>
-            <a:noFill/>
-          </a:ln>
-          <a:extLst>
-            <a:ext uri="{91240B29-F687-4f45-9708-019B960494DF}">
-              <a14:hiddenLine xmlns:a14="http://schemas.microsoft.com/office/drawing/2010/main" xmlns="" w="9525">
-                <a:solidFill>
-                  <a:srgbClr val="000000"/>
-                </a:solidFill>
-                <a:round/>
-                <a:headEnd/>
-                <a:tailEnd/>
-              </a14:hiddenLine>
-            </a:ext>
-          </a:extLst>
-        </p:spPr>
-      </p:sp>
-      <p:sp>
-        <p:nvSpPr>
-          <p:cNvPr id="22" name="Freeform 13"/>
-          <p:cNvSpPr>
-            <a:spLocks noGrp="1" noRot="1" noChangeAspect="1" noMove="1" noResize="1" noEditPoints="1" noAdjustHandles="1" noChangeArrowheads="1" noChangeShapeType="1" noTextEdit="1"/>
-          </p:cNvSpPr>
-          <p:nvPr>
-            <p:extLst>
-              <p:ext uri="{386F3935-93C4-4BCD-93E2-E3B085C9AB24}">
-                <p16:designElem xmlns:p16="http://schemas.microsoft.com/office/powerpoint/2015/main" val="1"/>
-              </p:ext>
-            </p:extLst>
-          </p:nvPr>
-        </p:nvSpPr>
-        <p:spPr bwMode="auto">
-          <a:xfrm>
-            <a:off x="560388" y="3867150"/>
-            <a:ext cx="61913" cy="80963"/>
-          </a:xfrm>
-          <a:custGeom>
-            <a:avLst/>
-            <a:gdLst/>
-            <a:ahLst/>
-            <a:cxnLst/>
-            <a:rect l="0" t="0" r="r" b="b"/>
-            <a:pathLst>
-              <a:path w="39" h="51">
-                <a:moveTo>
-                  <a:pt x="0" y="0"/>
-                </a:moveTo>
-                <a:lnTo>
-                  <a:pt x="39" y="51"/>
-                </a:lnTo>
-                <a:lnTo>
-                  <a:pt x="3" y="0"/>
-                </a:lnTo>
-                <a:lnTo>
-                  <a:pt x="0" y="0"/>
-                </a:lnTo>
-                <a:close/>
-              </a:path>
-            </a:pathLst>
-          </a:custGeom>
-          <a:solidFill>
-            <a:srgbClr val="29ABE2"/>
-          </a:solidFill>
-          <a:ln>
-            <a:noFill/>
-          </a:ln>
-          <a:extLst>
-            <a:ext uri="{91240B29-F687-4f45-9708-019B960494DF}">
-              <a14:hiddenLine xmlns:a14="http://schemas.microsoft.com/office/drawing/2010/main" xmlns="" w="9525">
-                <a:solidFill>
-                  <a:srgbClr val="000000"/>
-                </a:solidFill>
-                <a:round/>
-                <a:headEnd/>
-                <a:tailEnd/>
-              </a14:hiddenLine>
-            </a:ext>
-          </a:extLst>
-        </p:spPr>
-      </p:sp>
-      <p:sp useBgFill="1">
-        <p:nvSpPr>
-          <p:cNvPr id="24" name="Rectangle 23"/>
-          <p:cNvSpPr>
-            <a:spLocks noGrp="1" noRot="1" noChangeAspect="1" noMove="1" noResize="1" noEditPoints="1" noAdjustHandles="1" noChangeArrowheads="1" noChangeShapeType="1" noTextEdit="1"/>
-          </p:cNvSpPr>
-          <p:nvPr>
-            <p:extLst>
-              <p:ext uri="{386F3935-93C4-4BCD-93E2-E3B085C9AB24}">
-                <p16:designElem xmlns:p16="http://schemas.microsoft.com/office/powerpoint/2015/main" val="1"/>
-              </p:ext>
-            </p:extLst>
-          </p:nvPr>
-        </p:nvSpPr>
-        <p:spPr>
-          <a:xfrm>
-            <a:off x="0" y="0"/>
-            <a:ext cx="9144000" cy="6858000"/>
-          </a:xfrm>
-          <a:prstGeom prst="rect">
-            <a:avLst/>
-          </a:prstGeom>
-          <a:ln>
-            <a:noFill/>
-          </a:ln>
-        </p:spPr>
-        <p:style>
-          <a:lnRef idx="2">
-            <a:schemeClr val="accent1">
-              <a:shade val="50000"/>
-            </a:schemeClr>
-          </a:lnRef>
-          <a:fillRef idx="1">
-            <a:schemeClr val="accent1"/>
-          </a:fillRef>
-          <a:effectRef idx="0">
-            <a:schemeClr val="accent1"/>
-          </a:effectRef>
-          <a:fontRef idx="minor">
-            <a:schemeClr val="lt1"/>
-          </a:fontRef>
-        </p:style>
-        <p:txBody>
-          <a:bodyPr rtlCol="0" anchor="ctr"/>
+          <p:cNvPr id="5" name="Title 4"/>
+          <p:cNvSpPr>
+            <a:spLocks noGrp="1"/>
+          </p:cNvSpPr>
+          <p:nvPr>
+            <p:ph type="title"/>
+          </p:nvPr>
+        </p:nvSpPr>
+        <p:spPr/>
+        <p:txBody>
+          <a:bodyPr/>
           <a:lstStyle/>
           <a:p>
-            <a:pPr algn="ctr"/>
-            <a:endParaRPr lang="en-US"/>
-          </a:p>
-        </p:txBody>
-      </p:sp>
-      <p:grpSp>
-        <p:nvGrpSpPr>
-          <p:cNvPr id="26" name="Group 25"/>
-          <p:cNvGrpSpPr>
-            <a:grpSpLocks noGrp="1" noUngrp="1" noRot="1" noChangeAspect="1" noMove="1" noResize="1"/>
-          </p:cNvGrpSpPr>
-          <p:nvPr>
-            <p:extLst>
-              <p:ext uri="{386F3935-93C4-4BCD-93E2-E3B085C9AB24}">
-                <p16:designElem xmlns:p16="http://schemas.microsoft.com/office/powerpoint/2015/main" val="1"/>
-              </p:ext>
-            </p:extLst>
-          </p:nvPr>
-        </p:nvGrpSpPr>
-        <p:grpSpPr>
-          <a:xfrm>
-            <a:off x="665036" y="-4763"/>
-            <a:ext cx="3761184" cy="6862763"/>
-            <a:chOff x="2928938" y="-4763"/>
-            <a:chExt cx="5014912" cy="6862763"/>
-          </a:xfrm>
-        </p:grpSpPr>
-        <p:sp>
-          <p:nvSpPr>
-            <p:cNvPr id="27" name="Freeform 6"/>
-            <p:cNvSpPr/>
-            <p:nvPr>
-              <p:extLst>
-                <p:ext uri="{386F3935-93C4-4BCD-93E2-E3B085C9AB24}">
-                  <p16:designElem xmlns:p16="http://schemas.microsoft.com/office/powerpoint/2015/main" val="1"/>
-                </p:ext>
-              </p:extLst>
-            </p:nvPr>
-          </p:nvSpPr>
-          <p:spPr bwMode="auto">
-            <a:xfrm>
-              <a:off x="3367088" y="-4763"/>
-              <a:ext cx="1063625" cy="2782888"/>
-            </a:xfrm>
-            <a:custGeom>
-              <a:avLst/>
-              <a:gdLst/>
-              <a:ahLst/>
-              <a:cxnLst/>
-              <a:rect l="0" t="0" r="r" b="b"/>
-              <a:pathLst>
-                <a:path w="670" h="1753">
-                  <a:moveTo>
-                    <a:pt x="0" y="1696"/>
-                  </a:moveTo>
-                  <a:lnTo>
-                    <a:pt x="225" y="1753"/>
-                  </a:lnTo>
-                  <a:lnTo>
-                    <a:pt x="670" y="0"/>
-                  </a:lnTo>
-                  <a:lnTo>
-                    <a:pt x="430" y="0"/>
-                  </a:lnTo>
-                  <a:lnTo>
-                    <a:pt x="0" y="1696"/>
-                  </a:lnTo>
-                  <a:close/>
-                </a:path>
-              </a:pathLst>
-            </a:custGeom>
-            <a:solidFill>
-              <a:schemeClr val="accent1"/>
-            </a:solidFill>
-            <a:ln>
-              <a:noFill/>
-            </a:ln>
-          </p:spPr>
-        </p:sp>
-        <p:sp>
-          <p:nvSpPr>
-            <p:cNvPr id="28" name="Freeform 7"/>
-            <p:cNvSpPr/>
-            <p:nvPr>
-              <p:extLst>
-                <p:ext uri="{386F3935-93C4-4BCD-93E2-E3B085C9AB24}">
-                  <p16:designElem xmlns:p16="http://schemas.microsoft.com/office/powerpoint/2015/main" val="1"/>
-                </p:ext>
-              </p:extLst>
-            </p:nvPr>
-          </p:nvSpPr>
-          <p:spPr bwMode="auto">
-            <a:xfrm>
-              <a:off x="2928938" y="-4763"/>
-              <a:ext cx="1035050" cy="2673350"/>
-            </a:xfrm>
-            <a:custGeom>
-              <a:avLst/>
-              <a:gdLst/>
-              <a:ahLst/>
-              <a:cxnLst/>
-              <a:rect l="0" t="0" r="r" b="b"/>
-              <a:pathLst>
-                <a:path w="652" h="1684">
-                  <a:moveTo>
-                    <a:pt x="225" y="1684"/>
-                  </a:moveTo>
-                  <a:lnTo>
-                    <a:pt x="652" y="0"/>
-                  </a:lnTo>
-                  <a:lnTo>
-                    <a:pt x="411" y="0"/>
-                  </a:lnTo>
-                  <a:lnTo>
-                    <a:pt x="0" y="1627"/>
-                  </a:lnTo>
-                  <a:lnTo>
-                    <a:pt x="219" y="1681"/>
-                  </a:lnTo>
-                  <a:lnTo>
-                    <a:pt x="225" y="1684"/>
-                  </a:lnTo>
-                  <a:close/>
-                </a:path>
-              </a:pathLst>
-            </a:custGeom>
-            <a:solidFill>
-              <a:schemeClr val="tx1">
-                <a:lumMod val="65000"/>
-                <a:lumOff val="35000"/>
-              </a:schemeClr>
-            </a:solidFill>
-            <a:ln>
-              <a:noFill/>
-            </a:ln>
-          </p:spPr>
-        </p:sp>
-        <p:sp>
-          <p:nvSpPr>
-            <p:cNvPr id="29" name="Freeform 25"/>
-            <p:cNvSpPr/>
-            <p:nvPr>
-              <p:extLst>
-                <p:ext uri="{386F3935-93C4-4BCD-93E2-E3B085C9AB24}">
-                  <p16:designElem xmlns:p16="http://schemas.microsoft.com/office/powerpoint/2015/main" val="1"/>
-                </p:ext>
-              </p:extLst>
-            </p:nvPr>
-          </p:nvSpPr>
-          <p:spPr bwMode="auto">
-            <a:xfrm>
-              <a:off x="2928938" y="2582862"/>
-              <a:ext cx="2693987" cy="4275138"/>
-            </a:xfrm>
-            <a:custGeom>
-              <a:avLst/>
-              <a:gdLst/>
-              <a:ahLst/>
-              <a:cxnLst/>
-              <a:rect l="0" t="0" r="r" b="b"/>
-              <a:pathLst>
-                <a:path w="1697" h="2693">
-                  <a:moveTo>
-                    <a:pt x="0" y="0"/>
-                  </a:moveTo>
-                  <a:lnTo>
-                    <a:pt x="1622" y="2693"/>
-                  </a:lnTo>
-                  <a:lnTo>
-                    <a:pt x="1697" y="2693"/>
-                  </a:lnTo>
-                  <a:lnTo>
-                    <a:pt x="0" y="0"/>
-                  </a:lnTo>
-                  <a:close/>
-                </a:path>
-              </a:pathLst>
-            </a:custGeom>
-            <a:solidFill>
-              <a:schemeClr val="tx1">
-                <a:lumMod val="85000"/>
-                <a:lumOff val="15000"/>
-              </a:schemeClr>
-            </a:solidFill>
-            <a:ln>
-              <a:noFill/>
-            </a:ln>
-          </p:spPr>
-        </p:sp>
-        <p:sp>
-          <p:nvSpPr>
-            <p:cNvPr id="30" name="Freeform 26"/>
-            <p:cNvSpPr/>
-            <p:nvPr>
-              <p:extLst>
-                <p:ext uri="{386F3935-93C4-4BCD-93E2-E3B085C9AB24}">
-                  <p16:designElem xmlns:p16="http://schemas.microsoft.com/office/powerpoint/2015/main" val="1"/>
-                </p:ext>
-              </p:extLst>
-            </p:nvPr>
-          </p:nvSpPr>
-          <p:spPr bwMode="auto">
-            <a:xfrm>
-              <a:off x="3371850" y="2692400"/>
-              <a:ext cx="3332162" cy="4165600"/>
-            </a:xfrm>
-            <a:custGeom>
-              <a:avLst/>
-              <a:gdLst/>
-              <a:ahLst/>
-              <a:cxnLst/>
-              <a:rect l="0" t="0" r="r" b="b"/>
-              <a:pathLst>
-                <a:path w="2099" h="2624">
-                  <a:moveTo>
-                    <a:pt x="2099" y="2624"/>
-                  </a:moveTo>
-                  <a:lnTo>
-                    <a:pt x="0" y="0"/>
-                  </a:lnTo>
-                  <a:lnTo>
-                    <a:pt x="2021" y="2624"/>
-                  </a:lnTo>
-                  <a:lnTo>
-                    <a:pt x="2099" y="2624"/>
-                  </a:lnTo>
-                  <a:close/>
-                </a:path>
-              </a:pathLst>
-            </a:custGeom>
-            <a:solidFill>
-              <a:schemeClr val="accent1">
-                <a:lumMod val="50000"/>
-              </a:schemeClr>
-            </a:solidFill>
-            <a:ln>
-              <a:noFill/>
-            </a:ln>
-          </p:spPr>
-        </p:sp>
-        <p:sp>
-          <p:nvSpPr>
-            <p:cNvPr id="31" name="Freeform 27"/>
-            <p:cNvSpPr/>
-            <p:nvPr>
-              <p:extLst>
-                <p:ext uri="{386F3935-93C4-4BCD-93E2-E3B085C9AB24}">
-                  <p16:designElem xmlns:p16="http://schemas.microsoft.com/office/powerpoint/2015/main" val="1"/>
-                </p:ext>
-              </p:extLst>
-            </p:nvPr>
-          </p:nvSpPr>
-          <p:spPr bwMode="auto">
-            <a:xfrm>
-              <a:off x="3367088" y="2687637"/>
-              <a:ext cx="4576762" cy="4170363"/>
-            </a:xfrm>
-            <a:custGeom>
-              <a:avLst/>
-              <a:gdLst/>
-              <a:ahLst/>
-              <a:cxnLst/>
-              <a:rect l="0" t="0" r="r" b="b"/>
-              <a:pathLst>
-                <a:path w="2883" h="2627">
-                  <a:moveTo>
-                    <a:pt x="0" y="0"/>
-                  </a:moveTo>
-                  <a:lnTo>
-                    <a:pt x="3" y="3"/>
-                  </a:lnTo>
-                  <a:lnTo>
-                    <a:pt x="2102" y="2627"/>
-                  </a:lnTo>
-                  <a:lnTo>
-                    <a:pt x="2883" y="2627"/>
-                  </a:lnTo>
-                  <a:lnTo>
-                    <a:pt x="225" y="57"/>
-                  </a:lnTo>
-                  <a:lnTo>
-                    <a:pt x="0" y="0"/>
-                  </a:lnTo>
-                  <a:close/>
-                </a:path>
-              </a:pathLst>
-            </a:custGeom>
-            <a:solidFill>
-              <a:schemeClr val="accent1">
-                <a:lumMod val="75000"/>
-              </a:schemeClr>
-            </a:solidFill>
-            <a:ln>
-              <a:noFill/>
-            </a:ln>
-          </p:spPr>
-        </p:sp>
-        <p:sp>
-          <p:nvSpPr>
-            <p:cNvPr id="32" name="Freeform 28"/>
-            <p:cNvSpPr/>
-            <p:nvPr>
-              <p:extLst>
-                <p:ext uri="{386F3935-93C4-4BCD-93E2-E3B085C9AB24}">
-                  <p16:designElem xmlns:p16="http://schemas.microsoft.com/office/powerpoint/2015/main" val="1"/>
-                </p:ext>
-              </p:extLst>
-            </p:nvPr>
-          </p:nvSpPr>
-          <p:spPr bwMode="auto">
-            <a:xfrm>
-              <a:off x="2928938" y="2578100"/>
-              <a:ext cx="3584575" cy="4279900"/>
-            </a:xfrm>
-            <a:custGeom>
-              <a:avLst/>
-              <a:gdLst/>
-              <a:ahLst/>
-              <a:cxnLst/>
-              <a:rect l="0" t="0" r="r" b="b"/>
-              <a:pathLst>
-                <a:path w="2258" h="2696">
-                  <a:moveTo>
-                    <a:pt x="2258" y="2696"/>
-                  </a:moveTo>
-                  <a:lnTo>
-                    <a:pt x="264" y="111"/>
-                  </a:lnTo>
-                  <a:lnTo>
-                    <a:pt x="228" y="60"/>
-                  </a:lnTo>
-                  <a:lnTo>
-                    <a:pt x="225" y="57"/>
-                  </a:lnTo>
-                  <a:lnTo>
-                    <a:pt x="0" y="0"/>
-                  </a:lnTo>
-                  <a:lnTo>
-                    <a:pt x="0" y="3"/>
-                  </a:lnTo>
-                  <a:lnTo>
-                    <a:pt x="1697" y="2696"/>
-                  </a:lnTo>
-                  <a:lnTo>
-                    <a:pt x="2258" y="2696"/>
-                  </a:lnTo>
-                  <a:close/>
-                </a:path>
-              </a:pathLst>
-            </a:custGeom>
-            <a:solidFill>
-              <a:schemeClr val="tx1">
-                <a:lumMod val="75000"/>
-                <a:lumOff val="25000"/>
-              </a:schemeClr>
-            </a:solidFill>
-            <a:ln>
-              <a:noFill/>
-            </a:ln>
-          </p:spPr>
-        </p:sp>
-      </p:grpSp>
-      <p:sp>
-        <p:nvSpPr>
-          <p:cNvPr id="34" name="Rounded Rectangle 16"/>
-          <p:cNvSpPr>
-            <a:spLocks noGrp="1" noRot="1" noChangeAspect="1" noMove="1" noResize="1" noEditPoints="1" noAdjustHandles="1" noChangeArrowheads="1" noChangeShapeType="1" noTextEdit="1"/>
-          </p:cNvSpPr>
-          <p:nvPr>
-            <p:extLst>
-              <p:ext uri="{386F3935-93C4-4BCD-93E2-E3B085C9AB24}">
-                <p16:designElem xmlns:p16="http://schemas.microsoft.com/office/powerpoint/2015/main" val="1"/>
-              </p:ext>
-            </p:extLst>
-          </p:nvPr>
-        </p:nvSpPr>
-        <p:spPr>
-          <a:xfrm>
-            <a:off x="492520" y="648931"/>
-            <a:ext cx="5140825" cy="5231964"/>
-          </a:xfrm>
-          <a:prstGeom prst="roundRect">
-            <a:avLst>
-              <a:gd name="adj" fmla="val 4834"/>
-            </a:avLst>
-          </a:prstGeom>
-          <a:solidFill>
-            <a:schemeClr val="bg1"/>
-          </a:solidFill>
-          <a:ln w="38100">
-            <a:gradFill flip="none" rotWithShape="1">
-              <a:gsLst>
-                <a:gs pos="0">
-                  <a:schemeClr val="bg2"/>
-                </a:gs>
-                <a:gs pos="100000">
-                  <a:schemeClr val="bg2">
-                    <a:lumMod val="75000"/>
-                  </a:schemeClr>
-                </a:gs>
-              </a:gsLst>
-              <a:lin ang="5400000" scaled="0"/>
-              <a:tileRect/>
-            </a:gradFill>
-          </a:ln>
-          <a:effectLst>
-            <a:innerShdw blurRad="57150" dist="38100" dir="14460000">
-              <a:srgbClr val="000000">
-                <a:alpha val="70000"/>
-              </a:srgbClr>
-            </a:innerShdw>
-          </a:effectLst>
-        </p:spPr>
-        <p:style>
-          <a:lnRef idx="2">
-            <a:schemeClr val="accent1">
-              <a:shade val="50000"/>
-            </a:schemeClr>
-          </a:lnRef>
-          <a:fillRef idx="1">
-            <a:schemeClr val="accent1"/>
-          </a:fillRef>
-          <a:effectRef idx="0">
-            <a:schemeClr val="accent1"/>
-          </a:effectRef>
-          <a:fontRef idx="minor">
-            <a:schemeClr val="lt1"/>
-          </a:fontRef>
-        </p:style>
-        <p:txBody>
-          <a:bodyPr rtlCol="0" anchor="ctr"/>
+            <a:r>
+              <a:rPr lang="en-US" altLang="zh-TW" dirty="0" smtClean="0"/>
+              <a:t>Classwork</a:t>
+            </a:r>
+            <a:endParaRPr lang="en-US" dirty="0"/>
+          </a:p>
+        </p:txBody>
+      </p:sp>
+      <p:sp>
+        <p:nvSpPr>
+          <p:cNvPr id="6" name="Content Placeholder 5"/>
+          <p:cNvSpPr>
+            <a:spLocks noGrp="1"/>
+          </p:cNvSpPr>
+          <p:nvPr>
+            <p:ph idx="1"/>
+          </p:nvPr>
+        </p:nvSpPr>
+        <p:spPr/>
+        <p:txBody>
+          <a:bodyPr/>
           <a:lstStyle/>
           <a:p>
-            <a:pPr algn="ctr"/>
-            <a:endParaRPr lang="en-US"/>
-          </a:p>
-        </p:txBody>
-      </p:sp>
-      <p:pic>
-        <p:nvPicPr>
-          <p:cNvPr id="5" name="Picture 3"/>
-          <p:cNvPicPr>
-            <a:picLocks noGrp="1" noChangeAspect="1" noChangeArrowheads="1"/>
-          </p:cNvPicPr>
-          <p:nvPr>
-            <p:ph idx="1"/>
-          </p:nvPr>
-        </p:nvPicPr>
-        <p:blipFill rotWithShape="1">
-          <a:blip r:embed="rId3">
-            <a:extLst>
-              <a:ext uri="{28A0092B-C50C-407E-A947-70E740481C1C}">
-                <a14:useLocalDpi xmlns:a14="http://schemas.microsoft.com/office/drawing/2010/main" val="0"/>
-              </a:ext>
-            </a:extLst>
-          </a:blip>
-          <a:srcRect/>
-          <a:stretch/>
-        </p:blipFill>
-        <p:spPr bwMode="auto">
-          <a:xfrm>
-            <a:off x="840472" y="982826"/>
-            <a:ext cx="4444920" cy="4564174"/>
-          </a:xfrm>
-          <a:prstGeom prst="rect">
-            <a:avLst/>
-          </a:prstGeom>
-          <a:noFill/>
-          <a:extLst>
-            <a:ext uri="{909E8E84-426E-40DD-AFC4-6F175D3DCCD1}">
-              <a14:hiddenFill xmlns:a14="http://schemas.microsoft.com/office/drawing/2010/main">
-                <a:solidFill>
-                  <a:schemeClr val="accent1"/>
-                </a:solidFill>
-              </a14:hiddenFill>
-            </a:ext>
-            <a:ext uri="{91240B29-F687-4F45-9708-019B960494DF}">
-              <a14:hiddenLine xmlns:a14="http://schemas.microsoft.com/office/drawing/2010/main" w="9525">
-                <a:solidFill>
-                  <a:schemeClr val="tx1"/>
-                </a:solidFill>
-                <a:miter lim="800000"/>
-                <a:headEnd/>
-                <a:tailEnd/>
-              </a14:hiddenLine>
-            </a:ext>
-            <a:ext uri="{AF507438-7753-43E0-B8FC-AC1667EBCBE1}">
-              <a14:hiddenEffects xmlns:a14="http://schemas.microsoft.com/office/drawing/2010/main">
-                <a:effectLst>
-                  <a:outerShdw dist="35921" dir="2700000" algn="ctr" rotWithShape="0">
-                    <a:schemeClr val="bg2"/>
-                  </a:outerShdw>
-                </a:effectLst>
-              </a14:hiddenEffects>
-            </a:ext>
-          </a:extLst>
-        </p:spPr>
-      </p:pic>
-      <p:sp>
-        <p:nvSpPr>
-          <p:cNvPr id="2" name="Title 1"/>
-          <p:cNvSpPr>
-            <a:spLocks noGrp="1"/>
-          </p:cNvSpPr>
-          <p:nvPr>
-            <p:ph type="title"/>
-          </p:nvPr>
-        </p:nvSpPr>
-        <p:spPr>
-          <a:xfrm>
-            <a:off x="6031307" y="648931"/>
-            <a:ext cx="2595961" cy="3347337"/>
-          </a:xfrm>
-        </p:spPr>
-        <p:txBody>
-          <a:bodyPr vert="horz" lIns="91440" tIns="45720" rIns="91440" bIns="45720" rtlCol="0" anchor="b">
-            <a:normAutofit/>
-          </a:bodyPr>
-          <a:lstStyle/>
-          <a:p>
-            <a:pPr algn="l"/>
-            <a:r>
-              <a:rPr lang="en-US" altLang="zh-HK" sz="4800" kern="1200" cap="none" dirty="0" smtClean="0">
-                <a:ln w="3175" cmpd="sng">
-                  <a:noFill/>
-                </a:ln>
-                <a:solidFill>
-                  <a:schemeClr val="tx1"/>
-                </a:solidFill>
-                <a:effectLst/>
-                <a:latin typeface="+mj-lt"/>
-                <a:ea typeface="+mj-ea"/>
-                <a:cs typeface="+mj-cs"/>
-              </a:rPr>
-              <a:t>Add table</a:t>
-            </a:r>
-            <a:endParaRPr lang="en-US" altLang="zh-HK" sz="4800" kern="1200" cap="none" dirty="0">
-              <a:ln w="3175" cmpd="sng">
-                <a:noFill/>
-              </a:ln>
-              <a:solidFill>
-                <a:schemeClr val="tx1"/>
-              </a:solidFill>
-              <a:effectLst/>
-              <a:latin typeface="+mj-lt"/>
-              <a:ea typeface="+mj-ea"/>
-              <a:cs typeface="+mj-cs"/>
-            </a:endParaRPr>
+            <a:r>
+              <a:rPr lang="en-US" altLang="zh-HK" dirty="0" smtClean="0"/>
+              <a:t>Import </a:t>
+            </a:r>
+            <a:r>
+              <a:rPr lang="en-US" altLang="zh-HK" dirty="0"/>
+              <a:t>the </a:t>
+            </a:r>
+            <a:r>
+              <a:rPr lang="en-US" altLang="zh-HK" dirty="0" smtClean="0"/>
+              <a:t>products table “</a:t>
+            </a:r>
+            <a:r>
+              <a:rPr lang="en-US" altLang="zh-HK" dirty="0" err="1"/>
+              <a:t>products.sql</a:t>
+            </a:r>
+            <a:r>
+              <a:rPr lang="en-US" altLang="zh-HK" dirty="0" smtClean="0"/>
+              <a:t>”</a:t>
+            </a:r>
+            <a:endParaRPr lang="en-US" altLang="zh-HK" dirty="0"/>
           </a:p>
         </p:txBody>
       </p:sp>
     </p:spTree>
     <p:extLst>
       <p:ext uri="{BB962C8B-B14F-4D97-AF65-F5344CB8AC3E}">
-        <p14:creationId xmlns:p14="http://schemas.microsoft.com/office/powerpoint/2010/main" val="1196734519"/>
+        <p14:creationId xmlns:p14="http://schemas.microsoft.com/office/powerpoint/2010/main" val="279260778"/>
       </p:ext>
     </p:extLst>
   </p:cSld>
@@ -9997,7 +8962,7 @@
           <a:p>
             <a:r>
               <a:rPr lang="en-US" dirty="0" smtClean="0"/>
-              <a:t>SQL</a:t>
+              <a:t>CRUD</a:t>
             </a:r>
             <a:endParaRPr lang="en-US" dirty="0"/>
           </a:p>
@@ -10020,11 +8985,41 @@
           <a:p>
             <a:r>
               <a:rPr lang="en-US" dirty="0" smtClean="0"/>
-              <a:t>You can copy SQL from </a:t>
+              <a:t>Create</a:t>
+            </a:r>
+            <a:r>
+              <a:rPr lang="en-US" dirty="0"/>
+              <a:t>, </a:t>
+            </a:r>
+            <a:r>
+              <a:rPr lang="en-US" dirty="0" smtClean="0"/>
+              <a:t>Read</a:t>
+            </a:r>
+            <a:r>
+              <a:rPr lang="en-US" dirty="0"/>
+              <a:t>, </a:t>
+            </a:r>
+            <a:r>
+              <a:rPr lang="en-US" dirty="0" smtClean="0"/>
+              <a:t>Update </a:t>
+            </a:r>
+            <a:r>
+              <a:rPr lang="en-US" dirty="0"/>
+              <a:t>and </a:t>
+            </a:r>
+            <a:r>
+              <a:rPr lang="en-US" dirty="0" smtClean="0"/>
+              <a:t>Delete</a:t>
+            </a:r>
+          </a:p>
+          <a:p>
+            <a:r>
+              <a:rPr lang="en-US" dirty="0" smtClean="0"/>
+              <a:t>Facebook, </a:t>
             </a:r>
             <a:r>
               <a:rPr lang="en-US" dirty="0" err="1" smtClean="0"/>
-              <a:t>phpmyadmin</a:t>
+              <a:t>Whatsapp</a:t>
             </a:r>
             <a:endParaRPr lang="en-US" dirty="0" smtClean="0"/>
           </a:p>
@@ -10036,7 +9031,7 @@
     </p:spTree>
     <p:extLst>
       <p:ext uri="{BB962C8B-B14F-4D97-AF65-F5344CB8AC3E}">
-        <p14:creationId xmlns:p14="http://schemas.microsoft.com/office/powerpoint/2010/main" val="185223031"/>
+        <p14:creationId xmlns:p14="http://schemas.microsoft.com/office/powerpoint/2010/main" val="725409640"/>
       </p:ext>
     </p:extLst>
   </p:cSld>
@@ -10065,1313 +9060,6 @@
       </p:grpSpPr>
       <p:sp>
         <p:nvSpPr>
-          <p:cNvPr id="2" name="Title 1"/>
-          <p:cNvSpPr>
-            <a:spLocks noGrp="1"/>
-          </p:cNvSpPr>
-          <p:nvPr>
-            <p:ph type="title"/>
-          </p:nvPr>
-        </p:nvSpPr>
-        <p:spPr/>
-        <p:txBody>
-          <a:bodyPr/>
-          <a:lstStyle/>
-          <a:p>
-            <a:r>
-              <a:rPr lang="en-US" altLang="zh-HK" dirty="0" smtClean="0"/>
-              <a:t>Read one</a:t>
-            </a:r>
-            <a:endParaRPr lang="zh-HK" altLang="en-US" dirty="0"/>
-          </a:p>
-        </p:txBody>
-      </p:sp>
-      <p:sp>
-        <p:nvSpPr>
-          <p:cNvPr id="3" name="Content Placeholder 2"/>
-          <p:cNvSpPr>
-            <a:spLocks noGrp="1"/>
-          </p:cNvSpPr>
-          <p:nvPr>
-            <p:ph idx="1"/>
-          </p:nvPr>
-        </p:nvSpPr>
-        <p:spPr/>
-        <p:txBody>
-          <a:bodyPr/>
-          <a:lstStyle/>
-          <a:p>
-            <a:r>
-              <a:rPr lang="en-US" altLang="zh-HK" dirty="0" err="1" smtClean="0"/>
-              <a:t>sms_readone.php</a:t>
-            </a:r>
-            <a:endParaRPr lang="zh-HK" altLang="en-US" dirty="0"/>
-          </a:p>
-        </p:txBody>
-      </p:sp>
-    </p:spTree>
-    <p:extLst>
-      <p:ext uri="{BB962C8B-B14F-4D97-AF65-F5344CB8AC3E}">
-        <p14:creationId xmlns:p14="http://schemas.microsoft.com/office/powerpoint/2010/main" val="1339677514"/>
-      </p:ext>
-    </p:extLst>
-  </p:cSld>
-  <p:clrMapOvr>
-    <a:masterClrMapping/>
-  </p:clrMapOvr>
-</p:sld>
-</file>
-
-<file path=ppt/slides/slide16.xml><?xml version="1.0" encoding="utf-8"?>
-<p:sld xmlns:a="http://schemas.openxmlformats.org/drawingml/2006/main" xmlns:r="http://schemas.openxmlformats.org/officeDocument/2006/relationships" xmlns:p="http://schemas.openxmlformats.org/presentationml/2006/main">
-  <p:cSld>
-    <p:spTree>
-      <p:nvGrpSpPr>
-        <p:cNvPr id="1" name=""/>
-        <p:cNvGrpSpPr/>
-        <p:nvPr/>
-      </p:nvGrpSpPr>
-      <p:grpSpPr>
-        <a:xfrm>
-          <a:off x="0" y="0"/>
-          <a:ext cx="0" cy="0"/>
-          <a:chOff x="0" y="0"/>
-          <a:chExt cx="0" cy="0"/>
-        </a:xfrm>
-      </p:grpSpPr>
-      <p:sp>
-        <p:nvSpPr>
-          <p:cNvPr id="2" name="Title 1"/>
-          <p:cNvSpPr>
-            <a:spLocks noGrp="1"/>
-          </p:cNvSpPr>
-          <p:nvPr>
-            <p:ph type="title"/>
-          </p:nvPr>
-        </p:nvSpPr>
-        <p:spPr/>
-        <p:txBody>
-          <a:bodyPr/>
-          <a:lstStyle/>
-          <a:p>
-            <a:r>
-              <a:rPr lang="en-US" altLang="zh-HK" dirty="0" smtClean="0"/>
-              <a:t>Create</a:t>
-            </a:r>
-            <a:endParaRPr lang="zh-HK" altLang="en-US" dirty="0"/>
-          </a:p>
-        </p:txBody>
-      </p:sp>
-      <p:sp>
-        <p:nvSpPr>
-          <p:cNvPr id="3" name="Content Placeholder 2"/>
-          <p:cNvSpPr>
-            <a:spLocks noGrp="1"/>
-          </p:cNvSpPr>
-          <p:nvPr>
-            <p:ph idx="1"/>
-          </p:nvPr>
-        </p:nvSpPr>
-        <p:spPr/>
-        <p:txBody>
-          <a:bodyPr/>
-          <a:lstStyle/>
-          <a:p>
-            <a:r>
-              <a:rPr lang="en-US" altLang="zh-HK" dirty="0" err="1" smtClean="0"/>
-              <a:t>sms_create.php</a:t>
-            </a:r>
-            <a:endParaRPr lang="en-US" altLang="zh-HK" dirty="0" smtClean="0"/>
-          </a:p>
-          <a:p>
-            <a:r>
-              <a:rPr lang="en-US" altLang="zh-HK" dirty="0" err="1" smtClean="0"/>
-              <a:t>sms_create_sql.php</a:t>
-            </a:r>
-            <a:endParaRPr lang="zh-HK" altLang="en-US" dirty="0"/>
-          </a:p>
-          <a:p>
-            <a:endParaRPr lang="zh-HK" altLang="en-US" dirty="0"/>
-          </a:p>
-        </p:txBody>
-      </p:sp>
-    </p:spTree>
-    <p:extLst>
-      <p:ext uri="{BB962C8B-B14F-4D97-AF65-F5344CB8AC3E}">
-        <p14:creationId xmlns:p14="http://schemas.microsoft.com/office/powerpoint/2010/main" val="1741422650"/>
-      </p:ext>
-    </p:extLst>
-  </p:cSld>
-  <p:clrMapOvr>
-    <a:masterClrMapping/>
-  </p:clrMapOvr>
-</p:sld>
-</file>
-
-<file path=ppt/slides/slide17.xml><?xml version="1.0" encoding="utf-8"?>
-<p:sld xmlns:a="http://schemas.openxmlformats.org/drawingml/2006/main" xmlns:r="http://schemas.openxmlformats.org/officeDocument/2006/relationships" xmlns:p="http://schemas.openxmlformats.org/presentationml/2006/main">
-  <p:cSld>
-    <p:spTree>
-      <p:nvGrpSpPr>
-        <p:cNvPr id="1" name=""/>
-        <p:cNvGrpSpPr/>
-        <p:nvPr/>
-      </p:nvGrpSpPr>
-      <p:grpSpPr>
-        <a:xfrm>
-          <a:off x="0" y="0"/>
-          <a:ext cx="0" cy="0"/>
-          <a:chOff x="0" y="0"/>
-          <a:chExt cx="0" cy="0"/>
-        </a:xfrm>
-      </p:grpSpPr>
-      <p:sp>
-        <p:nvSpPr>
-          <p:cNvPr id="2" name="Title 1"/>
-          <p:cNvSpPr>
-            <a:spLocks noGrp="1"/>
-          </p:cNvSpPr>
-          <p:nvPr>
-            <p:ph type="title"/>
-          </p:nvPr>
-        </p:nvSpPr>
-        <p:spPr/>
-        <p:txBody>
-          <a:bodyPr/>
-          <a:lstStyle/>
-          <a:p>
-            <a:r>
-              <a:rPr lang="en-US" altLang="zh-HK" dirty="0" smtClean="0"/>
-              <a:t>Delete</a:t>
-            </a:r>
-            <a:endParaRPr lang="zh-HK" altLang="en-US" dirty="0"/>
-          </a:p>
-        </p:txBody>
-      </p:sp>
-      <p:sp>
-        <p:nvSpPr>
-          <p:cNvPr id="3" name="Content Placeholder 2"/>
-          <p:cNvSpPr>
-            <a:spLocks noGrp="1"/>
-          </p:cNvSpPr>
-          <p:nvPr>
-            <p:ph idx="1"/>
-          </p:nvPr>
-        </p:nvSpPr>
-        <p:spPr/>
-        <p:txBody>
-          <a:bodyPr/>
-          <a:lstStyle/>
-          <a:p>
-            <a:r>
-              <a:rPr lang="en-US" altLang="zh-HK" dirty="0" err="1" smtClean="0"/>
-              <a:t>sms_delete.php</a:t>
-            </a:r>
-            <a:endParaRPr lang="en-US" altLang="zh-HK" dirty="0" smtClean="0"/>
-          </a:p>
-          <a:p>
-            <a:r>
-              <a:rPr lang="en-US" altLang="zh-HK" dirty="0" err="1" smtClean="0"/>
-              <a:t>sms_</a:t>
-            </a:r>
-            <a:r>
-              <a:rPr lang="en-US" altLang="zh-HK" dirty="0" err="1"/>
-              <a:t>delete</a:t>
-            </a:r>
-            <a:r>
-              <a:rPr lang="en-US" altLang="zh-HK" dirty="0" err="1" smtClean="0"/>
-              <a:t>_sql.php</a:t>
-            </a:r>
-            <a:endParaRPr lang="zh-HK" altLang="en-US" dirty="0"/>
-          </a:p>
-          <a:p>
-            <a:endParaRPr lang="zh-HK" altLang="en-US" dirty="0"/>
-          </a:p>
-        </p:txBody>
-      </p:sp>
-    </p:spTree>
-    <p:extLst>
-      <p:ext uri="{BB962C8B-B14F-4D97-AF65-F5344CB8AC3E}">
-        <p14:creationId xmlns:p14="http://schemas.microsoft.com/office/powerpoint/2010/main" val="35853587"/>
-      </p:ext>
-    </p:extLst>
-  </p:cSld>
-  <p:clrMapOvr>
-    <a:masterClrMapping/>
-  </p:clrMapOvr>
-</p:sld>
-</file>
-
-<file path=ppt/slides/slide18.xml><?xml version="1.0" encoding="utf-8"?>
-<p:sld xmlns:a="http://schemas.openxmlformats.org/drawingml/2006/main" xmlns:r="http://schemas.openxmlformats.org/officeDocument/2006/relationships" xmlns:p="http://schemas.openxmlformats.org/presentationml/2006/main">
-  <p:cSld>
-    <p:spTree>
-      <p:nvGrpSpPr>
-        <p:cNvPr id="1" name=""/>
-        <p:cNvGrpSpPr/>
-        <p:nvPr/>
-      </p:nvGrpSpPr>
-      <p:grpSpPr>
-        <a:xfrm>
-          <a:off x="0" y="0"/>
-          <a:ext cx="0" cy="0"/>
-          <a:chOff x="0" y="0"/>
-          <a:chExt cx="0" cy="0"/>
-        </a:xfrm>
-      </p:grpSpPr>
-      <p:sp>
-        <p:nvSpPr>
-          <p:cNvPr id="2" name="Title 1"/>
-          <p:cNvSpPr>
-            <a:spLocks noGrp="1"/>
-          </p:cNvSpPr>
-          <p:nvPr>
-            <p:ph type="title"/>
-          </p:nvPr>
-        </p:nvSpPr>
-        <p:spPr/>
-        <p:txBody>
-          <a:bodyPr/>
-          <a:lstStyle/>
-          <a:p>
-            <a:r>
-              <a:rPr lang="en-US" altLang="zh-HK" dirty="0" smtClean="0"/>
-              <a:t>Update</a:t>
-            </a:r>
-            <a:endParaRPr lang="zh-HK" altLang="en-US" dirty="0"/>
-          </a:p>
-        </p:txBody>
-      </p:sp>
-      <p:sp>
-        <p:nvSpPr>
-          <p:cNvPr id="3" name="Content Placeholder 2"/>
-          <p:cNvSpPr>
-            <a:spLocks noGrp="1"/>
-          </p:cNvSpPr>
-          <p:nvPr>
-            <p:ph idx="1"/>
-          </p:nvPr>
-        </p:nvSpPr>
-        <p:spPr/>
-        <p:txBody>
-          <a:bodyPr/>
-          <a:lstStyle/>
-          <a:p>
-            <a:r>
-              <a:rPr lang="en-US" altLang="zh-HK" dirty="0" err="1" smtClean="0"/>
-              <a:t>sms_update.php</a:t>
-            </a:r>
-            <a:endParaRPr lang="en-US" altLang="zh-HK" dirty="0" smtClean="0"/>
-          </a:p>
-          <a:p>
-            <a:r>
-              <a:rPr lang="en-US" altLang="zh-HK" dirty="0" err="1" smtClean="0"/>
-              <a:t>sms_</a:t>
-            </a:r>
-            <a:r>
-              <a:rPr lang="en-US" altLang="zh-HK" dirty="0" err="1"/>
-              <a:t>update</a:t>
-            </a:r>
-            <a:r>
-              <a:rPr lang="en-US" altLang="zh-HK" dirty="0" err="1" smtClean="0"/>
-              <a:t>_sql.php</a:t>
-            </a:r>
-            <a:endParaRPr lang="zh-HK" altLang="en-US" dirty="0"/>
-          </a:p>
-          <a:p>
-            <a:endParaRPr lang="zh-HK" altLang="en-US" dirty="0"/>
-          </a:p>
-        </p:txBody>
-      </p:sp>
-    </p:spTree>
-    <p:extLst>
-      <p:ext uri="{BB962C8B-B14F-4D97-AF65-F5344CB8AC3E}">
-        <p14:creationId xmlns:p14="http://schemas.microsoft.com/office/powerpoint/2010/main" val="1295815549"/>
-      </p:ext>
-    </p:extLst>
-  </p:cSld>
-  <p:clrMapOvr>
-    <a:masterClrMapping/>
-  </p:clrMapOvr>
-</p:sld>
-</file>
-
-<file path=ppt/slides/slide19.xml><?xml version="1.0" encoding="utf-8"?>
-<p:sld xmlns:a="http://schemas.openxmlformats.org/drawingml/2006/main" xmlns:r="http://schemas.openxmlformats.org/officeDocument/2006/relationships" xmlns:p="http://schemas.openxmlformats.org/presentationml/2006/main">
-  <p:cSld>
-    <p:spTree>
-      <p:nvGrpSpPr>
-        <p:cNvPr id="1" name=""/>
-        <p:cNvGrpSpPr/>
-        <p:nvPr/>
-      </p:nvGrpSpPr>
-      <p:grpSpPr>
-        <a:xfrm>
-          <a:off x="0" y="0"/>
-          <a:ext cx="0" cy="0"/>
-          <a:chOff x="0" y="0"/>
-          <a:chExt cx="0" cy="0"/>
-        </a:xfrm>
-      </p:grpSpPr>
-      <p:sp>
-        <p:nvSpPr>
-          <p:cNvPr id="5" name="Title 4"/>
-          <p:cNvSpPr>
-            <a:spLocks noGrp="1"/>
-          </p:cNvSpPr>
-          <p:nvPr>
-            <p:ph type="title"/>
-          </p:nvPr>
-        </p:nvSpPr>
-        <p:spPr/>
-        <p:txBody>
-          <a:bodyPr/>
-          <a:lstStyle/>
-          <a:p>
-            <a:r>
-              <a:rPr lang="en-US" dirty="0" smtClean="0"/>
-              <a:t>Files</a:t>
-            </a:r>
-            <a:endParaRPr lang="en-US" dirty="0"/>
-          </a:p>
-        </p:txBody>
-      </p:sp>
-      <p:sp>
-        <p:nvSpPr>
-          <p:cNvPr id="6" name="Content Placeholder 5"/>
-          <p:cNvSpPr>
-            <a:spLocks noGrp="1"/>
-          </p:cNvSpPr>
-          <p:nvPr>
-            <p:ph idx="1"/>
-          </p:nvPr>
-        </p:nvSpPr>
-        <p:spPr/>
-        <p:txBody>
-          <a:bodyPr numCol="2"/>
-          <a:lstStyle/>
-          <a:p>
-            <a:r>
-              <a:rPr lang="en-US" dirty="0" err="1" smtClean="0"/>
-              <a:t>db.inc.php</a:t>
-            </a:r>
-            <a:endParaRPr lang="en-US" dirty="0" smtClean="0"/>
-          </a:p>
-          <a:p>
-            <a:r>
-              <a:rPr lang="en-US" dirty="0" err="1" smtClean="0"/>
-              <a:t>sms_readall.php</a:t>
-            </a:r>
-            <a:endParaRPr lang="en-US" dirty="0" smtClean="0"/>
-          </a:p>
-          <a:p>
-            <a:r>
-              <a:rPr lang="en-US" dirty="0" err="1" smtClean="0"/>
-              <a:t>sms_readone.php</a:t>
-            </a:r>
-            <a:endParaRPr lang="en-US" dirty="0"/>
-          </a:p>
-          <a:p>
-            <a:r>
-              <a:rPr lang="en-US" dirty="0" err="1" smtClean="0"/>
-              <a:t>sms_create.php</a:t>
-            </a:r>
-            <a:endParaRPr lang="en-US" dirty="0" smtClean="0"/>
-          </a:p>
-          <a:p>
-            <a:r>
-              <a:rPr lang="en-US" dirty="0" smtClean="0"/>
-              <a:t>sms_create2.php</a:t>
-            </a:r>
-          </a:p>
-          <a:p>
-            <a:r>
-              <a:rPr lang="en-US" dirty="0" err="1"/>
-              <a:t>sms_delete.php</a:t>
-            </a:r>
-            <a:endParaRPr lang="en-US" dirty="0"/>
-          </a:p>
-          <a:p>
-            <a:r>
-              <a:rPr lang="en-US" dirty="0"/>
-              <a:t>sms_delete2.php</a:t>
-            </a:r>
-          </a:p>
-          <a:p>
-            <a:r>
-              <a:rPr lang="en-US" dirty="0" err="1"/>
-              <a:t>sms_update.php</a:t>
-            </a:r>
-            <a:endParaRPr lang="en-US" dirty="0"/>
-          </a:p>
-          <a:p>
-            <a:r>
-              <a:rPr lang="en-US" dirty="0" smtClean="0"/>
-              <a:t>sms_update2.php</a:t>
-            </a:r>
-          </a:p>
-          <a:p>
-            <a:r>
-              <a:rPr lang="en-US" dirty="0" err="1" smtClean="0"/>
-              <a:t>sms.sql</a:t>
-            </a:r>
-            <a:endParaRPr lang="en-US" dirty="0"/>
-          </a:p>
-        </p:txBody>
-      </p:sp>
-    </p:spTree>
-    <p:extLst>
-      <p:ext uri="{BB962C8B-B14F-4D97-AF65-F5344CB8AC3E}">
-        <p14:creationId xmlns:p14="http://schemas.microsoft.com/office/powerpoint/2010/main" val="1140267816"/>
-      </p:ext>
-    </p:extLst>
-  </p:cSld>
-  <p:clrMapOvr>
-    <a:masterClrMapping/>
-  </p:clrMapOvr>
-</p:sld>
-</file>
-
-<file path=ppt/slides/slide2.xml><?xml version="1.0" encoding="utf-8"?>
-<p:sld xmlns:a="http://schemas.openxmlformats.org/drawingml/2006/main" xmlns:r="http://schemas.openxmlformats.org/officeDocument/2006/relationships" xmlns:p="http://schemas.openxmlformats.org/presentationml/2006/main">
-  <p:cSld>
-    <p:spTree>
-      <p:nvGrpSpPr>
-        <p:cNvPr id="1" name=""/>
-        <p:cNvGrpSpPr/>
-        <p:nvPr/>
-      </p:nvGrpSpPr>
-      <p:grpSpPr>
-        <a:xfrm>
-          <a:off x="0" y="0"/>
-          <a:ext cx="0" cy="0"/>
-          <a:chOff x="0" y="0"/>
-          <a:chExt cx="0" cy="0"/>
-        </a:xfrm>
-      </p:grpSpPr>
-      <p:sp>
-        <p:nvSpPr>
-          <p:cNvPr id="2" name="Title 1"/>
-          <p:cNvSpPr>
-            <a:spLocks noGrp="1"/>
-          </p:cNvSpPr>
-          <p:nvPr>
-            <p:ph type="title"/>
-          </p:nvPr>
-        </p:nvSpPr>
-        <p:spPr/>
-        <p:txBody>
-          <a:bodyPr/>
-          <a:lstStyle/>
-          <a:p>
-            <a:r>
-              <a:rPr lang="en-US" altLang="zh-HK" dirty="0" err="1" smtClean="0"/>
-              <a:t>PhpMyAdmin</a:t>
-            </a:r>
-            <a:endParaRPr lang="zh-HK" altLang="en-US" dirty="0"/>
-          </a:p>
-        </p:txBody>
-      </p:sp>
-      <p:sp>
-        <p:nvSpPr>
-          <p:cNvPr id="3" name="Content Placeholder 2"/>
-          <p:cNvSpPr>
-            <a:spLocks noGrp="1"/>
-          </p:cNvSpPr>
-          <p:nvPr>
-            <p:ph idx="1"/>
-          </p:nvPr>
-        </p:nvSpPr>
-        <p:spPr/>
-        <p:txBody>
-          <a:bodyPr/>
-          <a:lstStyle/>
-          <a:p>
-            <a:r>
-              <a:rPr lang="en-US" altLang="zh-HK" dirty="0" err="1" smtClean="0"/>
-              <a:t>AppServe</a:t>
-            </a:r>
-            <a:r>
-              <a:rPr lang="en-US" altLang="zh-HK" dirty="0" smtClean="0"/>
-              <a:t>: localhost:8080/</a:t>
-            </a:r>
-            <a:r>
-              <a:rPr lang="en-US" altLang="zh-HK" dirty="0" err="1" smtClean="0"/>
-              <a:t>phpmyadmin</a:t>
-            </a:r>
-            <a:endParaRPr lang="en-US" altLang="zh-HK" dirty="0" smtClean="0"/>
-          </a:p>
-          <a:p>
-            <a:r>
-              <a:rPr lang="en-US" altLang="zh-HK" dirty="0" err="1"/>
-              <a:t>AppServe</a:t>
-            </a:r>
-            <a:r>
-              <a:rPr lang="en-US" altLang="zh-HK" dirty="0"/>
-              <a:t>: </a:t>
-            </a:r>
-            <a:r>
-              <a:rPr lang="en-US" altLang="zh-HK" dirty="0" smtClean="0"/>
-              <a:t>root / password</a:t>
-            </a:r>
-          </a:p>
-          <a:p>
-            <a:endParaRPr lang="en-US" altLang="zh-HK" dirty="0"/>
-          </a:p>
-          <a:p>
-            <a:r>
-              <a:rPr lang="en-US" altLang="zh-HK" dirty="0"/>
-              <a:t>XAMPP: </a:t>
-            </a:r>
-            <a:r>
-              <a:rPr lang="en-US" altLang="zh-HK" dirty="0" err="1" smtClean="0"/>
-              <a:t>localhost</a:t>
-            </a:r>
-            <a:r>
-              <a:rPr lang="en-US" altLang="zh-HK" dirty="0" smtClean="0"/>
-              <a:t>/</a:t>
-            </a:r>
-            <a:r>
-              <a:rPr lang="en-US" altLang="zh-HK" dirty="0" err="1" smtClean="0"/>
-              <a:t>phpmyadmin</a:t>
-            </a:r>
-            <a:endParaRPr lang="en-US" altLang="zh-HK" dirty="0" smtClean="0"/>
-          </a:p>
-          <a:p>
-            <a:r>
-              <a:rPr lang="en-US" altLang="zh-HK" dirty="0" smtClean="0"/>
-              <a:t>XAMPP: root / </a:t>
-            </a:r>
-            <a:r>
-              <a:rPr lang="en-US" altLang="zh-HK" dirty="0" smtClean="0"/>
-              <a:t>(no password)</a:t>
-            </a:r>
-            <a:endParaRPr lang="en-US" altLang="zh-HK" dirty="0"/>
-          </a:p>
-        </p:txBody>
-      </p:sp>
-    </p:spTree>
-    <p:extLst>
-      <p:ext uri="{BB962C8B-B14F-4D97-AF65-F5344CB8AC3E}">
-        <p14:creationId xmlns:p14="http://schemas.microsoft.com/office/powerpoint/2010/main" val="150290877"/>
-      </p:ext>
-    </p:extLst>
-  </p:cSld>
-  <p:clrMapOvr>
-    <a:masterClrMapping/>
-  </p:clrMapOvr>
-</p:sld>
-</file>
-
-<file path=ppt/slides/slide20.xml><?xml version="1.0" encoding="utf-8"?>
-<p:sld xmlns:a="http://schemas.openxmlformats.org/drawingml/2006/main" xmlns:r="http://schemas.openxmlformats.org/officeDocument/2006/relationships" xmlns:p="http://schemas.openxmlformats.org/presentationml/2006/main">
-  <p:cSld>
-    <p:spTree>
-      <p:nvGrpSpPr>
-        <p:cNvPr id="1" name=""/>
-        <p:cNvGrpSpPr/>
-        <p:nvPr/>
-      </p:nvGrpSpPr>
-      <p:grpSpPr>
-        <a:xfrm>
-          <a:off x="0" y="0"/>
-          <a:ext cx="0" cy="0"/>
-          <a:chOff x="0" y="0"/>
-          <a:chExt cx="0" cy="0"/>
-        </a:xfrm>
-      </p:grpSpPr>
-      <p:sp>
-        <p:nvSpPr>
-          <p:cNvPr id="5" name="Title 4"/>
-          <p:cNvSpPr>
-            <a:spLocks noGrp="1"/>
-          </p:cNvSpPr>
-          <p:nvPr>
-            <p:ph type="title"/>
-          </p:nvPr>
-        </p:nvSpPr>
-        <p:spPr/>
-        <p:txBody>
-          <a:bodyPr/>
-          <a:lstStyle/>
-          <a:p>
-            <a:r>
-              <a:rPr lang="en-US" dirty="0" smtClean="0"/>
-              <a:t>Next lesson</a:t>
-            </a:r>
-            <a:endParaRPr lang="en-US" dirty="0"/>
-          </a:p>
-        </p:txBody>
-      </p:sp>
-      <p:sp>
-        <p:nvSpPr>
-          <p:cNvPr id="6" name="Content Placeholder 5"/>
-          <p:cNvSpPr>
-            <a:spLocks noGrp="1"/>
-          </p:cNvSpPr>
-          <p:nvPr>
-            <p:ph idx="1"/>
-          </p:nvPr>
-        </p:nvSpPr>
-        <p:spPr/>
-        <p:txBody>
-          <a:bodyPr/>
-          <a:lstStyle/>
-          <a:p>
-            <a:r>
-              <a:rPr lang="en-US" dirty="0" smtClean="0"/>
-              <a:t>Bring </a:t>
-            </a:r>
-            <a:r>
-              <a:rPr lang="en-US" dirty="0" err="1" smtClean="0"/>
-              <a:t>Fevaworks</a:t>
-            </a:r>
-            <a:r>
-              <a:rPr lang="en-US" dirty="0" smtClean="0"/>
-              <a:t> notes lesson 24 and 26.</a:t>
-            </a:r>
-            <a:endParaRPr lang="en-US" dirty="0"/>
-          </a:p>
-        </p:txBody>
-      </p:sp>
-    </p:spTree>
-    <p:extLst>
-      <p:ext uri="{BB962C8B-B14F-4D97-AF65-F5344CB8AC3E}">
-        <p14:creationId xmlns:p14="http://schemas.microsoft.com/office/powerpoint/2010/main" val="221133230"/>
-      </p:ext>
-    </p:extLst>
-  </p:cSld>
-  <p:clrMapOvr>
-    <a:masterClrMapping/>
-  </p:clrMapOvr>
-</p:sld>
-</file>
-
-<file path=ppt/slides/slide21.xml><?xml version="1.0" encoding="utf-8"?>
-<p:sld xmlns:a="http://schemas.openxmlformats.org/drawingml/2006/main" xmlns:r="http://schemas.openxmlformats.org/officeDocument/2006/relationships" xmlns:p="http://schemas.openxmlformats.org/presentationml/2006/main">
-  <p:cSld>
-    <p:spTree>
-      <p:nvGrpSpPr>
-        <p:cNvPr id="1" name=""/>
-        <p:cNvGrpSpPr/>
-        <p:nvPr/>
-      </p:nvGrpSpPr>
-      <p:grpSpPr>
-        <a:xfrm>
-          <a:off x="0" y="0"/>
-          <a:ext cx="0" cy="0"/>
-          <a:chOff x="0" y="0"/>
-          <a:chExt cx="0" cy="0"/>
-        </a:xfrm>
-      </p:grpSpPr>
-      <p:sp>
-        <p:nvSpPr>
-          <p:cNvPr id="24578" name="Rectangle 2"/>
-          <p:cNvSpPr>
-            <a:spLocks noGrp="1" noChangeArrowheads="1"/>
-          </p:cNvSpPr>
-          <p:nvPr>
-            <p:ph type="ctrTitle"/>
-          </p:nvPr>
-        </p:nvSpPr>
-        <p:spPr>
-          <a:xfrm>
-            <a:off x="1739900" y="914400"/>
-            <a:ext cx="6946900" cy="3487738"/>
-          </a:xfrm>
-        </p:spPr>
-        <p:txBody>
-          <a:bodyPr/>
-          <a:lstStyle/>
-          <a:p>
-            <a:r>
-              <a:rPr lang="en-US" altLang="zh-TW">
-                <a:ln>
-                  <a:noFill/>
-                </a:ln>
-              </a:rPr>
-              <a:t>QUESTIONS</a:t>
-            </a:r>
-          </a:p>
-        </p:txBody>
-      </p:sp>
-      <p:sp>
-        <p:nvSpPr>
-          <p:cNvPr id="24579" name="Subtitle 2"/>
-          <p:cNvSpPr>
-            <a:spLocks noGrp="1"/>
-          </p:cNvSpPr>
-          <p:nvPr>
-            <p:ph type="subTitle" idx="1"/>
-          </p:nvPr>
-        </p:nvSpPr>
-        <p:spPr>
-          <a:xfrm>
-            <a:off x="2924175" y="4402138"/>
-            <a:ext cx="5762625" cy="1365250"/>
-          </a:xfrm>
-        </p:spPr>
-        <p:txBody>
-          <a:bodyPr/>
-          <a:lstStyle/>
-          <a:p>
-            <a:endParaRPr lang="zh-HK" altLang="en-US"/>
-          </a:p>
-        </p:txBody>
-      </p:sp>
-    </p:spTree>
-  </p:cSld>
-  <p:clrMapOvr>
-    <a:masterClrMapping/>
-  </p:clrMapOvr>
-</p:sld>
-</file>
-
-<file path=ppt/slides/slide3.xml><?xml version="1.0" encoding="utf-8"?>
-<p:sld xmlns:a="http://schemas.openxmlformats.org/drawingml/2006/main" xmlns:r="http://schemas.openxmlformats.org/officeDocument/2006/relationships" xmlns:p="http://schemas.openxmlformats.org/presentationml/2006/main">
-  <p:cSld>
-    <p:spTree>
-      <p:nvGrpSpPr>
-        <p:cNvPr id="1" name=""/>
-        <p:cNvGrpSpPr/>
-        <p:nvPr/>
-      </p:nvGrpSpPr>
-      <p:grpSpPr>
-        <a:xfrm>
-          <a:off x="0" y="0"/>
-          <a:ext cx="0" cy="0"/>
-          <a:chOff x="0" y="0"/>
-          <a:chExt cx="0" cy="0"/>
-        </a:xfrm>
-      </p:grpSpPr>
-      <p:sp>
-        <p:nvSpPr>
-          <p:cNvPr id="2" name="Title 1"/>
-          <p:cNvSpPr>
-            <a:spLocks noGrp="1"/>
-          </p:cNvSpPr>
-          <p:nvPr>
-            <p:ph type="title"/>
-          </p:nvPr>
-        </p:nvSpPr>
-        <p:spPr/>
-        <p:txBody>
-          <a:bodyPr/>
-          <a:lstStyle/>
-          <a:p>
-            <a:r>
-              <a:rPr lang="en-US" dirty="0" smtClean="0"/>
-              <a:t>Database</a:t>
-            </a:r>
-            <a:endParaRPr lang="en-US" dirty="0"/>
-          </a:p>
-        </p:txBody>
-      </p:sp>
-      <p:pic>
-        <p:nvPicPr>
-          <p:cNvPr id="4" name="Content Placeholder 3"/>
-          <p:cNvPicPr>
-            <a:picLocks noGrp="1" noChangeAspect="1"/>
-          </p:cNvPicPr>
-          <p:nvPr>
-            <p:ph sz="half" idx="1"/>
-          </p:nvPr>
-        </p:nvPicPr>
-        <p:blipFill>
-          <a:blip r:embed="rId2"/>
-          <a:stretch>
-            <a:fillRect/>
-          </a:stretch>
-        </p:blipFill>
-        <p:spPr>
-          <a:xfrm>
-            <a:off x="810816" y="2124869"/>
-            <a:ext cx="4337248" cy="3752850"/>
-          </a:xfrm>
-          <a:prstGeom prst="rect">
-            <a:avLst/>
-          </a:prstGeom>
-        </p:spPr>
-      </p:pic>
-      <p:sp>
-        <p:nvSpPr>
-          <p:cNvPr id="5" name="Content Placeholder 4"/>
-          <p:cNvSpPr>
-            <a:spLocks noGrp="1"/>
-          </p:cNvSpPr>
-          <p:nvPr>
-            <p:ph sz="half" idx="2"/>
-          </p:nvPr>
-        </p:nvSpPr>
-        <p:spPr/>
-        <p:txBody>
-          <a:bodyPr/>
-          <a:lstStyle/>
-          <a:p>
-            <a:r>
-              <a:rPr lang="en-US" dirty="0" smtClean="0"/>
-              <a:t>If no “test” database, then create one “test” database first.</a:t>
-            </a:r>
-            <a:endParaRPr lang="en-US" dirty="0"/>
-          </a:p>
-        </p:txBody>
-      </p:sp>
-    </p:spTree>
-    <p:extLst>
-      <p:ext uri="{BB962C8B-B14F-4D97-AF65-F5344CB8AC3E}">
-        <p14:creationId xmlns:p14="http://schemas.microsoft.com/office/powerpoint/2010/main" val="498000867"/>
-      </p:ext>
-    </p:extLst>
-  </p:cSld>
-  <p:clrMapOvr>
-    <a:masterClrMapping/>
-  </p:clrMapOvr>
-</p:sld>
-</file>
-
-<file path=ppt/slides/slide4.xml><?xml version="1.0" encoding="utf-8"?>
-<p:sld xmlns:a="http://schemas.openxmlformats.org/drawingml/2006/main" xmlns:r="http://schemas.openxmlformats.org/officeDocument/2006/relationships" xmlns:p="http://schemas.openxmlformats.org/presentationml/2006/main">
-  <p:cSld>
-    <p:spTree>
-      <p:nvGrpSpPr>
-        <p:cNvPr id="1" name=""/>
-        <p:cNvGrpSpPr/>
-        <p:nvPr/>
-      </p:nvGrpSpPr>
-      <p:grpSpPr>
-        <a:xfrm>
-          <a:off x="0" y="0"/>
-          <a:ext cx="0" cy="0"/>
-          <a:chOff x="0" y="0"/>
-          <a:chExt cx="0" cy="0"/>
-        </a:xfrm>
-      </p:grpSpPr>
-      <p:sp>
-        <p:nvSpPr>
-          <p:cNvPr id="2" name="Title 1"/>
-          <p:cNvSpPr>
-            <a:spLocks noGrp="1"/>
-          </p:cNvSpPr>
-          <p:nvPr>
-            <p:ph type="title"/>
-          </p:nvPr>
-        </p:nvSpPr>
-        <p:spPr/>
-        <p:txBody>
-          <a:bodyPr/>
-          <a:lstStyle/>
-          <a:p>
-            <a:r>
-              <a:rPr lang="en-US" dirty="0" smtClean="0"/>
-              <a:t>Import</a:t>
-            </a:r>
-            <a:endParaRPr lang="en-US" dirty="0"/>
-          </a:p>
-        </p:txBody>
-      </p:sp>
-      <p:pic>
-        <p:nvPicPr>
-          <p:cNvPr id="4" name="Content Placeholder 3"/>
-          <p:cNvPicPr>
-            <a:picLocks noGrp="1" noChangeAspect="1"/>
-          </p:cNvPicPr>
-          <p:nvPr>
-            <p:ph sz="half" idx="1"/>
-          </p:nvPr>
-        </p:nvPicPr>
-        <p:blipFill>
-          <a:blip r:embed="rId2"/>
-          <a:stretch>
-            <a:fillRect/>
-          </a:stretch>
-        </p:blipFill>
-        <p:spPr>
-          <a:xfrm>
-            <a:off x="817960" y="2629694"/>
-            <a:ext cx="3507581" cy="2167458"/>
-          </a:xfrm>
-          <a:prstGeom prst="rect">
-            <a:avLst/>
-          </a:prstGeom>
-        </p:spPr>
-      </p:pic>
-      <p:sp>
-        <p:nvSpPr>
-          <p:cNvPr id="5" name="Content Placeholder 4"/>
-          <p:cNvSpPr>
-            <a:spLocks noGrp="1"/>
-          </p:cNvSpPr>
-          <p:nvPr>
-            <p:ph sz="half" idx="2"/>
-          </p:nvPr>
-        </p:nvSpPr>
-        <p:spPr/>
-        <p:txBody>
-          <a:bodyPr/>
-          <a:lstStyle/>
-          <a:p>
-            <a:r>
-              <a:rPr lang="en-US" dirty="0" smtClean="0"/>
-              <a:t>Then import the </a:t>
-            </a:r>
-            <a:r>
-              <a:rPr lang="en-US" dirty="0" err="1" smtClean="0"/>
-              <a:t>sms</a:t>
-            </a:r>
-            <a:r>
-              <a:rPr lang="en-US" dirty="0" smtClean="0"/>
-              <a:t> table by Choose File “</a:t>
-            </a:r>
-            <a:r>
-              <a:rPr lang="en-US" dirty="0" err="1" smtClean="0"/>
-              <a:t>sms.sql</a:t>
-            </a:r>
-            <a:r>
-              <a:rPr lang="en-US" dirty="0" smtClean="0"/>
-              <a:t>”</a:t>
-            </a:r>
-          </a:p>
-        </p:txBody>
-      </p:sp>
-    </p:spTree>
-    <p:extLst>
-      <p:ext uri="{BB962C8B-B14F-4D97-AF65-F5344CB8AC3E}">
-        <p14:creationId xmlns:p14="http://schemas.microsoft.com/office/powerpoint/2010/main" val="1156799310"/>
-      </p:ext>
-    </p:extLst>
-  </p:cSld>
-  <p:clrMapOvr>
-    <a:masterClrMapping/>
-  </p:clrMapOvr>
-</p:sld>
-</file>
-
-<file path=ppt/slides/slide5.xml><?xml version="1.0" encoding="utf-8"?>
-<p:sld xmlns:a="http://schemas.openxmlformats.org/drawingml/2006/main" xmlns:r="http://schemas.openxmlformats.org/officeDocument/2006/relationships" xmlns:p="http://schemas.openxmlformats.org/presentationml/2006/main">
-  <p:cSld>
-    <p:spTree>
-      <p:nvGrpSpPr>
-        <p:cNvPr id="1" name=""/>
-        <p:cNvGrpSpPr/>
-        <p:nvPr/>
-      </p:nvGrpSpPr>
-      <p:grpSpPr>
-        <a:xfrm>
-          <a:off x="0" y="0"/>
-          <a:ext cx="0" cy="0"/>
-          <a:chOff x="0" y="0"/>
-          <a:chExt cx="0" cy="0"/>
-        </a:xfrm>
-      </p:grpSpPr>
-      <p:sp>
-        <p:nvSpPr>
-          <p:cNvPr id="2" name="Title 1"/>
-          <p:cNvSpPr>
-            <a:spLocks noGrp="1"/>
-          </p:cNvSpPr>
-          <p:nvPr>
-            <p:ph type="title"/>
-          </p:nvPr>
-        </p:nvSpPr>
-        <p:spPr/>
-        <p:txBody>
-          <a:bodyPr/>
-          <a:lstStyle/>
-          <a:p>
-            <a:r>
-              <a:rPr lang="en-US" dirty="0" smtClean="0"/>
-              <a:t>Import successfully</a:t>
-            </a:r>
-            <a:endParaRPr lang="en-US" dirty="0"/>
-          </a:p>
-        </p:txBody>
-      </p:sp>
-      <p:pic>
-        <p:nvPicPr>
-          <p:cNvPr id="4" name="Content Placeholder 3"/>
-          <p:cNvPicPr>
-            <a:picLocks noGrp="1" noChangeAspect="1"/>
-          </p:cNvPicPr>
-          <p:nvPr>
-            <p:ph sz="half" idx="1"/>
-          </p:nvPr>
-        </p:nvPicPr>
-        <p:blipFill>
-          <a:blip r:embed="rId2"/>
-          <a:stretch>
-            <a:fillRect/>
-          </a:stretch>
-        </p:blipFill>
-        <p:spPr>
-          <a:xfrm>
-            <a:off x="1259539" y="1825625"/>
-            <a:ext cx="2624423" cy="4351338"/>
-          </a:xfrm>
-          <a:prstGeom prst="rect">
-            <a:avLst/>
-          </a:prstGeom>
-        </p:spPr>
-      </p:pic>
-      <p:sp>
-        <p:nvSpPr>
-          <p:cNvPr id="5" name="Content Placeholder 4"/>
-          <p:cNvSpPr>
-            <a:spLocks noGrp="1"/>
-          </p:cNvSpPr>
-          <p:nvPr>
-            <p:ph sz="half" idx="2"/>
-          </p:nvPr>
-        </p:nvSpPr>
-        <p:spPr/>
-        <p:txBody>
-          <a:bodyPr/>
-          <a:lstStyle/>
-          <a:p>
-            <a:r>
-              <a:rPr lang="en-US" dirty="0" smtClean="0"/>
-              <a:t>Check means import successfully.</a:t>
-            </a:r>
-            <a:endParaRPr lang="en-US" dirty="0"/>
-          </a:p>
-        </p:txBody>
-      </p:sp>
-    </p:spTree>
-    <p:extLst>
-      <p:ext uri="{BB962C8B-B14F-4D97-AF65-F5344CB8AC3E}">
-        <p14:creationId xmlns:p14="http://schemas.microsoft.com/office/powerpoint/2010/main" val="1156546879"/>
-      </p:ext>
-    </p:extLst>
-  </p:cSld>
-  <p:clrMapOvr>
-    <a:masterClrMapping/>
-  </p:clrMapOvr>
-</p:sld>
-</file>
-
-<file path=ppt/slides/slide6.xml><?xml version="1.0" encoding="utf-8"?>
-<p:sld xmlns:a="http://schemas.openxmlformats.org/drawingml/2006/main" xmlns:r="http://schemas.openxmlformats.org/officeDocument/2006/relationships" xmlns:p="http://schemas.openxmlformats.org/presentationml/2006/main">
-  <p:cSld>
-    <p:spTree>
-      <p:nvGrpSpPr>
-        <p:cNvPr id="1" name=""/>
-        <p:cNvGrpSpPr/>
-        <p:nvPr/>
-      </p:nvGrpSpPr>
-      <p:grpSpPr>
-        <a:xfrm>
-          <a:off x="0" y="0"/>
-          <a:ext cx="0" cy="0"/>
-          <a:chOff x="0" y="0"/>
-          <a:chExt cx="0" cy="0"/>
-        </a:xfrm>
-      </p:grpSpPr>
-      <p:sp>
-        <p:nvSpPr>
-          <p:cNvPr id="5" name="Title 4"/>
-          <p:cNvSpPr>
-            <a:spLocks noGrp="1"/>
-          </p:cNvSpPr>
-          <p:nvPr>
-            <p:ph type="title"/>
-          </p:nvPr>
-        </p:nvSpPr>
-        <p:spPr/>
-        <p:txBody>
-          <a:bodyPr/>
-          <a:lstStyle/>
-          <a:p>
-            <a:r>
-              <a:rPr lang="en-US" altLang="zh-TW" dirty="0" smtClean="0"/>
-              <a:t>Classwork</a:t>
-            </a:r>
-            <a:endParaRPr lang="en-US" dirty="0"/>
-          </a:p>
-        </p:txBody>
-      </p:sp>
-      <p:sp>
-        <p:nvSpPr>
-          <p:cNvPr id="6" name="Content Placeholder 5"/>
-          <p:cNvSpPr>
-            <a:spLocks noGrp="1"/>
-          </p:cNvSpPr>
-          <p:nvPr>
-            <p:ph idx="1"/>
-          </p:nvPr>
-        </p:nvSpPr>
-        <p:spPr/>
-        <p:txBody>
-          <a:bodyPr/>
-          <a:lstStyle/>
-          <a:p>
-            <a:r>
-              <a:rPr lang="en-US" altLang="zh-HK" dirty="0" smtClean="0"/>
-              <a:t>Import </a:t>
-            </a:r>
-            <a:r>
-              <a:rPr lang="en-US" altLang="zh-HK" dirty="0"/>
-              <a:t>the </a:t>
-            </a:r>
-            <a:r>
-              <a:rPr lang="en-US" altLang="zh-HK" dirty="0" smtClean="0"/>
-              <a:t>products table “</a:t>
-            </a:r>
-            <a:r>
-              <a:rPr lang="en-US" altLang="zh-HK" dirty="0" err="1"/>
-              <a:t>products.sql</a:t>
-            </a:r>
-            <a:r>
-              <a:rPr lang="en-US" altLang="zh-HK" dirty="0" smtClean="0"/>
-              <a:t>”</a:t>
-            </a:r>
-            <a:endParaRPr lang="en-US" altLang="zh-HK" dirty="0"/>
-          </a:p>
-        </p:txBody>
-      </p:sp>
-    </p:spTree>
-    <p:extLst>
-      <p:ext uri="{BB962C8B-B14F-4D97-AF65-F5344CB8AC3E}">
-        <p14:creationId xmlns:p14="http://schemas.microsoft.com/office/powerpoint/2010/main" val="1208906356"/>
-      </p:ext>
-    </p:extLst>
-  </p:cSld>
-  <p:clrMapOvr>
-    <a:masterClrMapping/>
-  </p:clrMapOvr>
-</p:sld>
-</file>
-
-<file path=ppt/slides/slide7.xml><?xml version="1.0" encoding="utf-8"?>
-<p:sld xmlns:a="http://schemas.openxmlformats.org/drawingml/2006/main" xmlns:r="http://schemas.openxmlformats.org/officeDocument/2006/relationships" xmlns:p="http://schemas.openxmlformats.org/presentationml/2006/main">
-  <p:cSld>
-    <p:spTree>
-      <p:nvGrpSpPr>
-        <p:cNvPr id="1" name=""/>
-        <p:cNvGrpSpPr/>
-        <p:nvPr/>
-      </p:nvGrpSpPr>
-      <p:grpSpPr>
-        <a:xfrm>
-          <a:off x="0" y="0"/>
-          <a:ext cx="0" cy="0"/>
-          <a:chOff x="0" y="0"/>
-          <a:chExt cx="0" cy="0"/>
-        </a:xfrm>
-      </p:grpSpPr>
-      <p:sp>
-        <p:nvSpPr>
-          <p:cNvPr id="5" name="Title 4"/>
-          <p:cNvSpPr>
-            <a:spLocks noGrp="1"/>
-          </p:cNvSpPr>
-          <p:nvPr>
-            <p:ph type="title"/>
-          </p:nvPr>
-        </p:nvSpPr>
-        <p:spPr/>
-        <p:txBody>
-          <a:bodyPr/>
-          <a:lstStyle/>
-          <a:p>
-            <a:r>
-              <a:rPr lang="en-US" dirty="0" smtClean="0"/>
-              <a:t>CRUD</a:t>
-            </a:r>
-            <a:endParaRPr lang="en-US" dirty="0"/>
-          </a:p>
-        </p:txBody>
-      </p:sp>
-      <p:sp>
-        <p:nvSpPr>
-          <p:cNvPr id="6" name="Content Placeholder 5"/>
-          <p:cNvSpPr>
-            <a:spLocks noGrp="1"/>
-          </p:cNvSpPr>
-          <p:nvPr>
-            <p:ph idx="1"/>
-          </p:nvPr>
-        </p:nvSpPr>
-        <p:spPr/>
-        <p:txBody>
-          <a:bodyPr/>
-          <a:lstStyle/>
-          <a:p>
-            <a:r>
-              <a:rPr lang="en-US" dirty="0" smtClean="0"/>
-              <a:t>Create</a:t>
-            </a:r>
-            <a:r>
-              <a:rPr lang="en-US" dirty="0"/>
-              <a:t>, </a:t>
-            </a:r>
-            <a:r>
-              <a:rPr lang="en-US" dirty="0" smtClean="0"/>
-              <a:t>Read</a:t>
-            </a:r>
-            <a:r>
-              <a:rPr lang="en-US" dirty="0"/>
-              <a:t>, </a:t>
-            </a:r>
-            <a:r>
-              <a:rPr lang="en-US" dirty="0" smtClean="0"/>
-              <a:t>Update </a:t>
-            </a:r>
-            <a:r>
-              <a:rPr lang="en-US" dirty="0"/>
-              <a:t>and </a:t>
-            </a:r>
-            <a:r>
-              <a:rPr lang="en-US" dirty="0" smtClean="0"/>
-              <a:t>Delete</a:t>
-            </a:r>
-          </a:p>
-          <a:p>
-            <a:r>
-              <a:rPr lang="en-US" dirty="0" smtClean="0"/>
-              <a:t>Facebook, </a:t>
-            </a:r>
-            <a:r>
-              <a:rPr lang="en-US" dirty="0" err="1" smtClean="0"/>
-              <a:t>Whatsapp</a:t>
-            </a:r>
-            <a:endParaRPr lang="en-US" dirty="0" smtClean="0"/>
-          </a:p>
-          <a:p>
-            <a:endParaRPr lang="en-US" dirty="0"/>
-          </a:p>
-        </p:txBody>
-      </p:sp>
-    </p:spTree>
-    <p:extLst>
-      <p:ext uri="{BB962C8B-B14F-4D97-AF65-F5344CB8AC3E}">
-        <p14:creationId xmlns:p14="http://schemas.microsoft.com/office/powerpoint/2010/main" val="746341025"/>
-      </p:ext>
-    </p:extLst>
-  </p:cSld>
-  <p:clrMapOvr>
-    <a:masterClrMapping/>
-  </p:clrMapOvr>
-</p:sld>
-</file>
-
-<file path=ppt/slides/slide8.xml><?xml version="1.0" encoding="utf-8"?>
-<p:sld xmlns:a="http://schemas.openxmlformats.org/drawingml/2006/main" xmlns:r="http://schemas.openxmlformats.org/officeDocument/2006/relationships" xmlns:p="http://schemas.openxmlformats.org/presentationml/2006/main">
-  <p:cSld>
-    <p:spTree>
-      <p:nvGrpSpPr>
-        <p:cNvPr id="1" name=""/>
-        <p:cNvGrpSpPr/>
-        <p:nvPr/>
-      </p:nvGrpSpPr>
-      <p:grpSpPr>
-        <a:xfrm>
-          <a:off x="0" y="0"/>
-          <a:ext cx="0" cy="0"/>
-          <a:chOff x="0" y="0"/>
-          <a:chExt cx="0" cy="0"/>
-        </a:xfrm>
-      </p:grpSpPr>
-      <p:sp>
-        <p:nvSpPr>
           <p:cNvPr id="5" name="Title 4"/>
           <p:cNvSpPr>
             <a:spLocks noGrp="1"/>
@@ -11401,7 +9089,11 @@
           </p:cNvGraphicFramePr>
           <p:nvPr>
             <p:ph idx="1"/>
-            <p:extLst/>
+            <p:extLst>
+              <p:ext uri="{D42A27DB-BD31-4B8C-83A1-F6EECF244321}">
+                <p14:modId xmlns:p14="http://schemas.microsoft.com/office/powerpoint/2010/main" val="783115426"/>
+              </p:ext>
+            </p:extLst>
           </p:nvPr>
         </p:nvGraphicFramePr>
         <p:xfrm>
@@ -11646,7 +9338,2456 @@
     </p:spTree>
     <p:extLst>
       <p:ext uri="{BB962C8B-B14F-4D97-AF65-F5344CB8AC3E}">
-        <p14:creationId xmlns:p14="http://schemas.microsoft.com/office/powerpoint/2010/main" val="301625048"/>
+        <p14:creationId xmlns:p14="http://schemas.microsoft.com/office/powerpoint/2010/main" val="392706920"/>
+      </p:ext>
+    </p:extLst>
+  </p:cSld>
+  <p:clrMapOvr>
+    <a:masterClrMapping/>
+  </p:clrMapOvr>
+</p:sld>
+</file>
+
+<file path=ppt/slides/slide16.xml><?xml version="1.0" encoding="utf-8"?>
+<p:sld xmlns:a="http://schemas.openxmlformats.org/drawingml/2006/main" xmlns:r="http://schemas.openxmlformats.org/officeDocument/2006/relationships" xmlns:p="http://schemas.openxmlformats.org/presentationml/2006/main">
+  <p:cSld>
+    <p:spTree>
+      <p:nvGrpSpPr>
+        <p:cNvPr id="1" name=""/>
+        <p:cNvGrpSpPr/>
+        <p:nvPr/>
+      </p:nvGrpSpPr>
+      <p:grpSpPr>
+        <a:xfrm>
+          <a:off x="0" y="0"/>
+          <a:ext cx="0" cy="0"/>
+          <a:chOff x="0" y="0"/>
+          <a:chExt cx="0" cy="0"/>
+        </a:xfrm>
+      </p:grpSpPr>
+      <p:sp>
+        <p:nvSpPr>
+          <p:cNvPr id="2" name="Title 1"/>
+          <p:cNvSpPr>
+            <a:spLocks noGrp="1"/>
+          </p:cNvSpPr>
+          <p:nvPr>
+            <p:ph type="title"/>
+          </p:nvPr>
+        </p:nvSpPr>
+        <p:spPr/>
+        <p:txBody>
+          <a:bodyPr/>
+          <a:lstStyle/>
+          <a:p>
+            <a:r>
+              <a:rPr lang="en-US" altLang="zh-HK" dirty="0" smtClean="0"/>
+              <a:t>Open Excel file</a:t>
+            </a:r>
+            <a:endParaRPr lang="zh-HK" altLang="en-US" dirty="0"/>
+          </a:p>
+        </p:txBody>
+      </p:sp>
+      <p:sp>
+        <p:nvSpPr>
+          <p:cNvPr id="3" name="Content Placeholder 2"/>
+          <p:cNvSpPr>
+            <a:spLocks noGrp="1"/>
+          </p:cNvSpPr>
+          <p:nvPr>
+            <p:ph idx="1"/>
+          </p:nvPr>
+        </p:nvSpPr>
+        <p:spPr/>
+        <p:txBody>
+          <a:bodyPr/>
+          <a:lstStyle/>
+          <a:p>
+            <a:pPr marL="457200" indent="-457200">
+              <a:buFont typeface="+mj-lt"/>
+              <a:buAutoNum type="arabicPeriod"/>
+            </a:pPr>
+            <a:r>
+              <a:rPr lang="en-US" altLang="zh-HK" dirty="0" smtClean="0"/>
+              <a:t>Turn on the computer</a:t>
+            </a:r>
+          </a:p>
+          <a:p>
+            <a:pPr marL="457200" indent="-457200">
+              <a:buFont typeface="+mj-lt"/>
+              <a:buAutoNum type="arabicPeriod"/>
+            </a:pPr>
+            <a:r>
+              <a:rPr lang="en-US" altLang="zh-HK" dirty="0" smtClean="0"/>
+              <a:t>Input username</a:t>
+            </a:r>
+          </a:p>
+          <a:p>
+            <a:pPr marL="457200" indent="-457200">
+              <a:buFont typeface="+mj-lt"/>
+              <a:buAutoNum type="arabicPeriod"/>
+            </a:pPr>
+            <a:r>
+              <a:rPr lang="en-US" altLang="zh-HK" dirty="0" smtClean="0"/>
+              <a:t>Input password</a:t>
+            </a:r>
+          </a:p>
+          <a:p>
+            <a:pPr marL="457200" indent="-457200">
+              <a:buFont typeface="+mj-lt"/>
+              <a:buAutoNum type="arabicPeriod"/>
+            </a:pPr>
+            <a:r>
+              <a:rPr lang="en-US" altLang="zh-HK" dirty="0" smtClean="0"/>
+              <a:t>Open the excel file</a:t>
+            </a:r>
+            <a:endParaRPr lang="zh-HK" altLang="en-US" dirty="0"/>
+          </a:p>
+        </p:txBody>
+      </p:sp>
+    </p:spTree>
+    <p:extLst>
+      <p:ext uri="{BB962C8B-B14F-4D97-AF65-F5344CB8AC3E}">
+        <p14:creationId xmlns:p14="http://schemas.microsoft.com/office/powerpoint/2010/main" val="2052992929"/>
+      </p:ext>
+    </p:extLst>
+  </p:cSld>
+  <p:clrMapOvr>
+    <a:masterClrMapping/>
+  </p:clrMapOvr>
+</p:sld>
+</file>
+
+<file path=ppt/slides/slide17.xml><?xml version="1.0" encoding="utf-8"?>
+<p:sld xmlns:a="http://schemas.openxmlformats.org/drawingml/2006/main" xmlns:r="http://schemas.openxmlformats.org/officeDocument/2006/relationships" xmlns:p="http://schemas.openxmlformats.org/presentationml/2006/main">
+  <p:cSld>
+    <p:spTree>
+      <p:nvGrpSpPr>
+        <p:cNvPr id="1" name=""/>
+        <p:cNvGrpSpPr/>
+        <p:nvPr/>
+      </p:nvGrpSpPr>
+      <p:grpSpPr>
+        <a:xfrm>
+          <a:off x="0" y="0"/>
+          <a:ext cx="0" cy="0"/>
+          <a:chOff x="0" y="0"/>
+          <a:chExt cx="0" cy="0"/>
+        </a:xfrm>
+      </p:grpSpPr>
+      <p:sp>
+        <p:nvSpPr>
+          <p:cNvPr id="2" name="Title 1"/>
+          <p:cNvSpPr>
+            <a:spLocks noGrp="1"/>
+          </p:cNvSpPr>
+          <p:nvPr>
+            <p:ph type="title"/>
+          </p:nvPr>
+        </p:nvSpPr>
+        <p:spPr/>
+        <p:txBody>
+          <a:bodyPr/>
+          <a:lstStyle/>
+          <a:p>
+            <a:r>
+              <a:rPr lang="en-US" dirty="0" err="1" smtClean="0"/>
+              <a:t>db.inc.php</a:t>
+            </a:r>
+            <a:endParaRPr lang="en-US" dirty="0"/>
+          </a:p>
+        </p:txBody>
+      </p:sp>
+      <p:sp>
+        <p:nvSpPr>
+          <p:cNvPr id="5" name="Content Placeholder 4"/>
+          <p:cNvSpPr>
+            <a:spLocks noGrp="1"/>
+          </p:cNvSpPr>
+          <p:nvPr>
+            <p:ph idx="1"/>
+          </p:nvPr>
+        </p:nvSpPr>
+        <p:spPr/>
+        <p:txBody>
+          <a:bodyPr/>
+          <a:lstStyle/>
+          <a:p>
+            <a:r>
+              <a:rPr lang="en-US" dirty="0"/>
+              <a:t>&lt;?</a:t>
+            </a:r>
+            <a:r>
+              <a:rPr lang="en-US" dirty="0" err="1"/>
+              <a:t>php</a:t>
+            </a:r>
+            <a:endParaRPr lang="en-US" dirty="0"/>
+          </a:p>
+          <a:p>
+            <a:r>
+              <a:rPr lang="en-US" dirty="0"/>
+              <a:t>//</a:t>
+            </a:r>
+            <a:r>
+              <a:rPr lang="en-US" dirty="0" err="1"/>
+              <a:t>db.inc.php</a:t>
+            </a:r>
+            <a:endParaRPr lang="en-US" dirty="0"/>
+          </a:p>
+          <a:p>
+            <a:r>
+              <a:rPr lang="en-US" dirty="0"/>
+              <a:t>$</a:t>
+            </a:r>
+            <a:r>
+              <a:rPr lang="en-US" dirty="0" err="1"/>
+              <a:t>db_hostname</a:t>
+            </a:r>
+            <a:r>
+              <a:rPr lang="en-US" dirty="0"/>
+              <a:t>="</a:t>
+            </a:r>
+            <a:r>
+              <a:rPr lang="en-US" dirty="0" err="1"/>
+              <a:t>localhost</a:t>
+            </a:r>
+            <a:r>
+              <a:rPr lang="en-US" dirty="0"/>
+              <a:t>";</a:t>
+            </a:r>
+          </a:p>
+          <a:p>
+            <a:r>
+              <a:rPr lang="en-US" dirty="0"/>
+              <a:t>$</a:t>
+            </a:r>
+            <a:r>
+              <a:rPr lang="en-US" dirty="0" err="1"/>
+              <a:t>db_username</a:t>
+            </a:r>
+            <a:r>
+              <a:rPr lang="en-US" dirty="0"/>
+              <a:t>="root";</a:t>
+            </a:r>
+          </a:p>
+          <a:p>
+            <a:r>
+              <a:rPr lang="en-US" dirty="0"/>
+              <a:t>$</a:t>
+            </a:r>
+            <a:r>
+              <a:rPr lang="en-US" dirty="0" err="1"/>
+              <a:t>db_password</a:t>
+            </a:r>
+            <a:r>
+              <a:rPr lang="en-US" dirty="0"/>
+              <a:t>="password";</a:t>
+            </a:r>
+          </a:p>
+          <a:p>
+            <a:r>
+              <a:rPr lang="en-US" dirty="0"/>
+              <a:t>$</a:t>
+            </a:r>
+            <a:r>
+              <a:rPr lang="en-US" dirty="0" err="1"/>
+              <a:t>db_database</a:t>
+            </a:r>
+            <a:r>
+              <a:rPr lang="en-US" dirty="0"/>
+              <a:t>="test</a:t>
+            </a:r>
+            <a:r>
+              <a:rPr lang="en-US" dirty="0" smtClean="0"/>
+              <a:t>";</a:t>
+            </a:r>
+            <a:endParaRPr lang="en-US" dirty="0"/>
+          </a:p>
+        </p:txBody>
+      </p:sp>
+    </p:spTree>
+    <p:extLst>
+      <p:ext uri="{BB962C8B-B14F-4D97-AF65-F5344CB8AC3E}">
+        <p14:creationId xmlns:p14="http://schemas.microsoft.com/office/powerpoint/2010/main" val="2094227931"/>
+      </p:ext>
+    </p:extLst>
+  </p:cSld>
+  <p:clrMapOvr>
+    <a:masterClrMapping/>
+  </p:clrMapOvr>
+</p:sld>
+</file>
+
+<file path=ppt/slides/slide18.xml><?xml version="1.0" encoding="utf-8"?>
+<p:sld xmlns:a="http://schemas.openxmlformats.org/drawingml/2006/main" xmlns:r="http://schemas.openxmlformats.org/officeDocument/2006/relationships" xmlns:p="http://schemas.openxmlformats.org/presentationml/2006/main">
+  <p:cSld>
+    <p:spTree>
+      <p:nvGrpSpPr>
+        <p:cNvPr id="1" name=""/>
+        <p:cNvGrpSpPr/>
+        <p:nvPr/>
+      </p:nvGrpSpPr>
+      <p:grpSpPr>
+        <a:xfrm>
+          <a:off x="0" y="0"/>
+          <a:ext cx="0" cy="0"/>
+          <a:chOff x="0" y="0"/>
+          <a:chExt cx="0" cy="0"/>
+        </a:xfrm>
+      </p:grpSpPr>
+      <p:sp>
+        <p:nvSpPr>
+          <p:cNvPr id="2" name="Title 1"/>
+          <p:cNvSpPr>
+            <a:spLocks noGrp="1"/>
+          </p:cNvSpPr>
+          <p:nvPr>
+            <p:ph type="title"/>
+          </p:nvPr>
+        </p:nvSpPr>
+        <p:spPr/>
+        <p:txBody>
+          <a:bodyPr/>
+          <a:lstStyle/>
+          <a:p>
+            <a:r>
+              <a:rPr lang="en-US" dirty="0" err="1" smtClean="0"/>
+              <a:t>db.inc.php</a:t>
+            </a:r>
+            <a:endParaRPr lang="en-US" dirty="0"/>
+          </a:p>
+        </p:txBody>
+      </p:sp>
+      <p:sp>
+        <p:nvSpPr>
+          <p:cNvPr id="5" name="Content Placeholder 4"/>
+          <p:cNvSpPr>
+            <a:spLocks noGrp="1"/>
+          </p:cNvSpPr>
+          <p:nvPr>
+            <p:ph idx="1"/>
+          </p:nvPr>
+        </p:nvSpPr>
+        <p:spPr/>
+        <p:txBody>
+          <a:bodyPr/>
+          <a:lstStyle/>
+          <a:p>
+            <a:r>
+              <a:rPr lang="en-US" dirty="0" smtClean="0"/>
+              <a:t>$</a:t>
+            </a:r>
+            <a:r>
+              <a:rPr lang="en-US" dirty="0" err="1"/>
+              <a:t>mysqli</a:t>
+            </a:r>
+            <a:r>
+              <a:rPr lang="en-US" dirty="0"/>
+              <a:t>=new </a:t>
+            </a:r>
+            <a:r>
+              <a:rPr lang="en-US" dirty="0" err="1"/>
+              <a:t>MySQLi</a:t>
+            </a:r>
+            <a:r>
+              <a:rPr lang="en-US" dirty="0"/>
+              <a:t>($</a:t>
+            </a:r>
+            <a:r>
+              <a:rPr lang="en-US" dirty="0" err="1"/>
+              <a:t>db_hostname</a:t>
+            </a:r>
+            <a:r>
+              <a:rPr lang="en-US" dirty="0"/>
+              <a:t>, $</a:t>
+            </a:r>
+            <a:r>
+              <a:rPr lang="en-US" dirty="0" err="1"/>
+              <a:t>db_username</a:t>
+            </a:r>
+            <a:r>
+              <a:rPr lang="en-US" dirty="0"/>
+              <a:t>, $</a:t>
+            </a:r>
+            <a:r>
+              <a:rPr lang="en-US" dirty="0" err="1"/>
+              <a:t>db_password</a:t>
+            </a:r>
+            <a:r>
+              <a:rPr lang="en-US" dirty="0"/>
+              <a:t>, $</a:t>
+            </a:r>
+            <a:r>
+              <a:rPr lang="en-US" dirty="0" err="1"/>
+              <a:t>db_database</a:t>
+            </a:r>
+            <a:r>
+              <a:rPr lang="en-US" dirty="0"/>
+              <a:t>);</a:t>
+            </a:r>
+          </a:p>
+          <a:p>
+            <a:r>
+              <a:rPr lang="en-US" dirty="0"/>
+              <a:t>if ($</a:t>
+            </a:r>
+            <a:r>
+              <a:rPr lang="en-US" dirty="0" err="1"/>
+              <a:t>mysqli</a:t>
+            </a:r>
+            <a:r>
+              <a:rPr lang="en-US" dirty="0"/>
+              <a:t>-&gt;</a:t>
+            </a:r>
+            <a:r>
+              <a:rPr lang="en-US" dirty="0" err="1"/>
+              <a:t>connect_errno</a:t>
+            </a:r>
+            <a:r>
+              <a:rPr lang="en-US" dirty="0"/>
+              <a:t>&gt;0){</a:t>
+            </a:r>
+          </a:p>
+          <a:p>
+            <a:r>
+              <a:rPr lang="en-US" dirty="0"/>
+              <a:t>	die($</a:t>
+            </a:r>
+            <a:r>
+              <a:rPr lang="en-US" dirty="0" err="1"/>
+              <a:t>mysqli</a:t>
+            </a:r>
+            <a:r>
+              <a:rPr lang="en-US" dirty="0"/>
+              <a:t>-&gt;</a:t>
+            </a:r>
+            <a:r>
+              <a:rPr lang="en-US" dirty="0" err="1"/>
+              <a:t>connect_error</a:t>
+            </a:r>
+            <a:r>
+              <a:rPr lang="en-US" dirty="0"/>
+              <a:t>);</a:t>
+            </a:r>
+          </a:p>
+          <a:p>
+            <a:r>
+              <a:rPr lang="en-US" dirty="0"/>
+              <a:t>}</a:t>
+            </a:r>
+          </a:p>
+          <a:p>
+            <a:r>
+              <a:rPr lang="en-US" dirty="0"/>
+              <a:t>//</a:t>
+            </a:r>
+            <a:r>
+              <a:rPr lang="en-US" dirty="0" err="1"/>
+              <a:t>print_r</a:t>
+            </a:r>
+            <a:r>
+              <a:rPr lang="en-US" dirty="0"/>
+              <a:t>($</a:t>
+            </a:r>
+            <a:r>
+              <a:rPr lang="en-US" dirty="0" err="1"/>
+              <a:t>mysqli</a:t>
+            </a:r>
+            <a:r>
+              <a:rPr lang="en-US" dirty="0"/>
+              <a:t>);</a:t>
+            </a:r>
+          </a:p>
+          <a:p>
+            <a:r>
+              <a:rPr lang="en-US" dirty="0"/>
+              <a:t>?&gt;</a:t>
+            </a:r>
+          </a:p>
+        </p:txBody>
+      </p:sp>
+    </p:spTree>
+    <p:extLst>
+      <p:ext uri="{BB962C8B-B14F-4D97-AF65-F5344CB8AC3E}">
+        <p14:creationId xmlns:p14="http://schemas.microsoft.com/office/powerpoint/2010/main" val="1495940223"/>
+      </p:ext>
+    </p:extLst>
+  </p:cSld>
+  <p:clrMapOvr>
+    <a:masterClrMapping/>
+  </p:clrMapOvr>
+</p:sld>
+</file>
+
+<file path=ppt/slides/slide19.xml><?xml version="1.0" encoding="utf-8"?>
+<p:sld xmlns:a="http://schemas.openxmlformats.org/drawingml/2006/main" xmlns:r="http://schemas.openxmlformats.org/officeDocument/2006/relationships" xmlns:p="http://schemas.openxmlformats.org/presentationml/2006/main">
+  <p:cSld>
+    <p:spTree>
+      <p:nvGrpSpPr>
+        <p:cNvPr id="1" name=""/>
+        <p:cNvGrpSpPr/>
+        <p:nvPr/>
+      </p:nvGrpSpPr>
+      <p:grpSpPr>
+        <a:xfrm>
+          <a:off x="0" y="0"/>
+          <a:ext cx="0" cy="0"/>
+          <a:chOff x="0" y="0"/>
+          <a:chExt cx="0" cy="0"/>
+        </a:xfrm>
+      </p:grpSpPr>
+      <p:sp>
+        <p:nvSpPr>
+          <p:cNvPr id="2" name="Title 1"/>
+          <p:cNvSpPr>
+            <a:spLocks noGrp="1"/>
+          </p:cNvSpPr>
+          <p:nvPr>
+            <p:ph type="title"/>
+          </p:nvPr>
+        </p:nvSpPr>
+        <p:spPr/>
+        <p:txBody>
+          <a:bodyPr/>
+          <a:lstStyle/>
+          <a:p>
+            <a:r>
+              <a:rPr lang="en-US" dirty="0" err="1" smtClean="0"/>
+              <a:t>db.php</a:t>
+            </a:r>
+            <a:endParaRPr lang="en-US" dirty="0"/>
+          </a:p>
+        </p:txBody>
+      </p:sp>
+      <p:sp>
+        <p:nvSpPr>
+          <p:cNvPr id="3" name="Content Placeholder 2"/>
+          <p:cNvSpPr>
+            <a:spLocks noGrp="1"/>
+          </p:cNvSpPr>
+          <p:nvPr>
+            <p:ph idx="1"/>
+          </p:nvPr>
+        </p:nvSpPr>
+        <p:spPr/>
+        <p:txBody>
+          <a:bodyPr/>
+          <a:lstStyle/>
+          <a:p>
+            <a:r>
+              <a:rPr lang="en-US" dirty="0"/>
+              <a:t>&lt;?</a:t>
+            </a:r>
+            <a:r>
+              <a:rPr lang="en-US" dirty="0" err="1" smtClean="0"/>
+              <a:t>php</a:t>
+            </a:r>
+            <a:r>
+              <a:rPr lang="en-US" dirty="0" smtClean="0"/>
+              <a:t> </a:t>
+            </a:r>
+            <a:r>
+              <a:rPr lang="en-US" dirty="0" err="1" smtClean="0"/>
+              <a:t>require_once</a:t>
+            </a:r>
+            <a:r>
+              <a:rPr lang="en-US" dirty="0"/>
+              <a:t>(</a:t>
+            </a:r>
+            <a:r>
+              <a:rPr lang="en-US" dirty="0" smtClean="0"/>
+              <a:t>'</a:t>
+            </a:r>
+            <a:r>
+              <a:rPr lang="en-US" dirty="0" err="1" smtClean="0"/>
+              <a:t>db.php</a:t>
+            </a:r>
+            <a:r>
+              <a:rPr lang="en-US" dirty="0" smtClean="0"/>
+              <a:t>'); ?&gt;</a:t>
+            </a:r>
+          </a:p>
+          <a:p>
+            <a:r>
+              <a:rPr lang="en-US" dirty="0" smtClean="0"/>
+              <a:t>[…]</a:t>
+            </a:r>
+            <a:endParaRPr lang="en-US" dirty="0" smtClean="0"/>
+          </a:p>
+          <a:p>
+            <a:r>
+              <a:rPr lang="en-US" dirty="0" smtClean="0"/>
+              <a:t>&lt;?</a:t>
+            </a:r>
+            <a:r>
+              <a:rPr lang="en-US" dirty="0" err="1" smtClean="0"/>
+              <a:t>php</a:t>
+            </a:r>
+            <a:r>
+              <a:rPr lang="en-US" dirty="0"/>
+              <a:t> $</a:t>
+            </a:r>
+            <a:r>
+              <a:rPr lang="en-US" dirty="0" err="1"/>
+              <a:t>mysqli</a:t>
+            </a:r>
+            <a:r>
+              <a:rPr lang="en-US" dirty="0"/>
+              <a:t>-&gt;close</a:t>
+            </a:r>
+            <a:r>
+              <a:rPr lang="en-US" dirty="0" smtClean="0"/>
+              <a:t>(); ?&gt;</a:t>
+            </a:r>
+            <a:endParaRPr lang="en-US" dirty="0"/>
+          </a:p>
+        </p:txBody>
+      </p:sp>
+    </p:spTree>
+    <p:extLst>
+      <p:ext uri="{BB962C8B-B14F-4D97-AF65-F5344CB8AC3E}">
+        <p14:creationId xmlns:p14="http://schemas.microsoft.com/office/powerpoint/2010/main" val="990391374"/>
+      </p:ext>
+    </p:extLst>
+  </p:cSld>
+  <p:clrMapOvr>
+    <a:masterClrMapping/>
+  </p:clrMapOvr>
+</p:sld>
+</file>
+
+<file path=ppt/slides/slide2.xml><?xml version="1.0" encoding="utf-8"?>
+<p:sld xmlns:a="http://schemas.openxmlformats.org/drawingml/2006/main" xmlns:r="http://schemas.openxmlformats.org/officeDocument/2006/relationships" xmlns:p="http://schemas.openxmlformats.org/presentationml/2006/main">
+  <p:cSld>
+    <p:spTree>
+      <p:nvGrpSpPr>
+        <p:cNvPr id="1" name=""/>
+        <p:cNvGrpSpPr/>
+        <p:nvPr/>
+      </p:nvGrpSpPr>
+      <p:grpSpPr>
+        <a:xfrm>
+          <a:off x="0" y="0"/>
+          <a:ext cx="0" cy="0"/>
+          <a:chOff x="0" y="0"/>
+          <a:chExt cx="0" cy="0"/>
+        </a:xfrm>
+      </p:grpSpPr>
+      <p:sp>
+        <p:nvSpPr>
+          <p:cNvPr id="2" name="Title 1"/>
+          <p:cNvSpPr>
+            <a:spLocks noGrp="1"/>
+          </p:cNvSpPr>
+          <p:nvPr>
+            <p:ph type="title"/>
+          </p:nvPr>
+        </p:nvSpPr>
+        <p:spPr/>
+        <p:txBody>
+          <a:bodyPr/>
+          <a:lstStyle/>
+          <a:p>
+            <a:r>
+              <a:rPr lang="en-US" altLang="zh-HK" dirty="0" smtClean="0"/>
+              <a:t>Agenda</a:t>
+            </a:r>
+            <a:endParaRPr lang="zh-HK" altLang="en-US" dirty="0"/>
+          </a:p>
+        </p:txBody>
+      </p:sp>
+      <p:sp>
+        <p:nvSpPr>
+          <p:cNvPr id="3" name="Content Placeholder 2"/>
+          <p:cNvSpPr>
+            <a:spLocks noGrp="1"/>
+          </p:cNvSpPr>
+          <p:nvPr>
+            <p:ph idx="1"/>
+          </p:nvPr>
+        </p:nvSpPr>
+        <p:spPr/>
+        <p:txBody>
+          <a:bodyPr/>
+          <a:lstStyle/>
+          <a:p>
+            <a:r>
+              <a:rPr lang="en-US" altLang="zh-HK" dirty="0" err="1" smtClean="0"/>
+              <a:t>PhpMyAdmin</a:t>
+            </a:r>
+            <a:endParaRPr lang="en-US" altLang="zh-HK" dirty="0" smtClean="0"/>
+          </a:p>
+          <a:p>
+            <a:r>
+              <a:rPr lang="en-US" altLang="zh-HK" dirty="0" smtClean="0"/>
+              <a:t>CRUD</a:t>
+            </a:r>
+          </a:p>
+        </p:txBody>
+      </p:sp>
+    </p:spTree>
+    <p:extLst>
+      <p:ext uri="{BB962C8B-B14F-4D97-AF65-F5344CB8AC3E}">
+        <p14:creationId xmlns:p14="http://schemas.microsoft.com/office/powerpoint/2010/main" val="3143380509"/>
+      </p:ext>
+    </p:extLst>
+  </p:cSld>
+  <p:clrMapOvr>
+    <a:masterClrMapping/>
+  </p:clrMapOvr>
+</p:sld>
+</file>
+
+<file path=ppt/slides/slide20.xml><?xml version="1.0" encoding="utf-8"?>
+<p:sld xmlns:a="http://schemas.openxmlformats.org/drawingml/2006/main" xmlns:r="http://schemas.openxmlformats.org/officeDocument/2006/relationships" xmlns:p="http://schemas.openxmlformats.org/presentationml/2006/main">
+  <p:cSld>
+    <p:spTree>
+      <p:nvGrpSpPr>
+        <p:cNvPr id="1" name=""/>
+        <p:cNvGrpSpPr/>
+        <p:nvPr/>
+      </p:nvGrpSpPr>
+      <p:grpSpPr>
+        <a:xfrm>
+          <a:off x="0" y="0"/>
+          <a:ext cx="0" cy="0"/>
+          <a:chOff x="0" y="0"/>
+          <a:chExt cx="0" cy="0"/>
+        </a:xfrm>
+      </p:grpSpPr>
+      <p:sp>
+        <p:nvSpPr>
+          <p:cNvPr id="2" name="Title 1"/>
+          <p:cNvSpPr>
+            <a:spLocks noGrp="1"/>
+          </p:cNvSpPr>
+          <p:nvPr>
+            <p:ph type="title"/>
+          </p:nvPr>
+        </p:nvSpPr>
+        <p:spPr/>
+        <p:txBody>
+          <a:bodyPr/>
+          <a:lstStyle/>
+          <a:p>
+            <a:r>
+              <a:rPr lang="en-US" altLang="zh-HK" dirty="0" smtClean="0"/>
+              <a:t>Browse</a:t>
+            </a:r>
+            <a:endParaRPr lang="zh-HK" altLang="en-US" dirty="0"/>
+          </a:p>
+        </p:txBody>
+      </p:sp>
+      <p:pic>
+        <p:nvPicPr>
+          <p:cNvPr id="4" name="Content Placeholder 3"/>
+          <p:cNvPicPr>
+            <a:picLocks noGrp="1" noChangeAspect="1"/>
+          </p:cNvPicPr>
+          <p:nvPr>
+            <p:ph idx="1"/>
+          </p:nvPr>
+        </p:nvPicPr>
+        <p:blipFill>
+          <a:blip r:embed="rId2"/>
+          <a:stretch>
+            <a:fillRect/>
+          </a:stretch>
+        </p:blipFill>
+        <p:spPr>
+          <a:xfrm>
+            <a:off x="2806182" y="2667000"/>
+            <a:ext cx="4057099" cy="3332163"/>
+          </a:xfrm>
+          <a:prstGeom prst="rect">
+            <a:avLst/>
+          </a:prstGeom>
+        </p:spPr>
+      </p:pic>
+    </p:spTree>
+    <p:extLst>
+      <p:ext uri="{BB962C8B-B14F-4D97-AF65-F5344CB8AC3E}">
+        <p14:creationId xmlns:p14="http://schemas.microsoft.com/office/powerpoint/2010/main" val="3861749839"/>
+      </p:ext>
+    </p:extLst>
+  </p:cSld>
+  <p:clrMapOvr>
+    <a:masterClrMapping/>
+  </p:clrMapOvr>
+</p:sld>
+</file>
+
+<file path=ppt/slides/slide21.xml><?xml version="1.0" encoding="utf-8"?>
+<p:sld xmlns:a="http://schemas.openxmlformats.org/drawingml/2006/main" xmlns:r="http://schemas.openxmlformats.org/officeDocument/2006/relationships" xmlns:p="http://schemas.openxmlformats.org/presentationml/2006/main">
+  <p:cSld>
+    <p:spTree>
+      <p:nvGrpSpPr>
+        <p:cNvPr id="1" name=""/>
+        <p:cNvGrpSpPr/>
+        <p:nvPr/>
+      </p:nvGrpSpPr>
+      <p:grpSpPr>
+        <a:xfrm>
+          <a:off x="0" y="0"/>
+          <a:ext cx="0" cy="0"/>
+          <a:chOff x="0" y="0"/>
+          <a:chExt cx="0" cy="0"/>
+        </a:xfrm>
+      </p:grpSpPr>
+      <p:sp>
+        <p:nvSpPr>
+          <p:cNvPr id="2" name="Title 1"/>
+          <p:cNvSpPr>
+            <a:spLocks noGrp="1"/>
+          </p:cNvSpPr>
+          <p:nvPr>
+            <p:ph type="title"/>
+          </p:nvPr>
+        </p:nvSpPr>
+        <p:spPr/>
+        <p:txBody>
+          <a:bodyPr/>
+          <a:lstStyle/>
+          <a:p>
+            <a:r>
+              <a:rPr lang="en-US" dirty="0" smtClean="0"/>
+              <a:t>Read all</a:t>
+            </a:r>
+            <a:endParaRPr lang="en-US" dirty="0"/>
+          </a:p>
+        </p:txBody>
+      </p:sp>
+      <p:sp>
+        <p:nvSpPr>
+          <p:cNvPr id="3" name="Content Placeholder 2"/>
+          <p:cNvSpPr>
+            <a:spLocks noGrp="1"/>
+          </p:cNvSpPr>
+          <p:nvPr>
+            <p:ph idx="1"/>
+          </p:nvPr>
+        </p:nvSpPr>
+        <p:spPr/>
+        <p:txBody>
+          <a:bodyPr/>
+          <a:lstStyle/>
+          <a:p>
+            <a:r>
+              <a:rPr lang="en-US" dirty="0" smtClean="0"/>
+              <a:t>Open </a:t>
+            </a:r>
+            <a:r>
+              <a:rPr lang="en-US" dirty="0" err="1" smtClean="0"/>
+              <a:t>db.php</a:t>
+            </a:r>
+            <a:endParaRPr lang="en-US" dirty="0"/>
+          </a:p>
+          <a:p>
+            <a:r>
+              <a:rPr lang="en-US" dirty="0" smtClean="0"/>
+              <a:t>Save as </a:t>
+            </a:r>
+            <a:r>
+              <a:rPr lang="en-US" dirty="0" err="1" smtClean="0"/>
+              <a:t>sms_readall.php</a:t>
+            </a:r>
+            <a:endParaRPr lang="en-US" dirty="0" smtClean="0"/>
+          </a:p>
+          <a:p>
+            <a:endParaRPr lang="en-US" dirty="0"/>
+          </a:p>
+        </p:txBody>
+      </p:sp>
+    </p:spTree>
+    <p:extLst>
+      <p:ext uri="{BB962C8B-B14F-4D97-AF65-F5344CB8AC3E}">
+        <p14:creationId xmlns:p14="http://schemas.microsoft.com/office/powerpoint/2010/main" val="1363349776"/>
+      </p:ext>
+    </p:extLst>
+  </p:cSld>
+  <p:clrMapOvr>
+    <a:masterClrMapping/>
+  </p:clrMapOvr>
+</p:sld>
+</file>
+
+<file path=ppt/slides/slide22.xml><?xml version="1.0" encoding="utf-8"?>
+<p:sld xmlns:a="http://schemas.openxmlformats.org/drawingml/2006/main" xmlns:r="http://schemas.openxmlformats.org/officeDocument/2006/relationships" xmlns:p="http://schemas.openxmlformats.org/presentationml/2006/main">
+  <p:cSld>
+    <p:spTree>
+      <p:nvGrpSpPr>
+        <p:cNvPr id="1" name=""/>
+        <p:cNvGrpSpPr/>
+        <p:nvPr/>
+      </p:nvGrpSpPr>
+      <p:grpSpPr>
+        <a:xfrm>
+          <a:off x="0" y="0"/>
+          <a:ext cx="0" cy="0"/>
+          <a:chOff x="0" y="0"/>
+          <a:chExt cx="0" cy="0"/>
+        </a:xfrm>
+      </p:grpSpPr>
+      <p:sp>
+        <p:nvSpPr>
+          <p:cNvPr id="2" name="Title 1"/>
+          <p:cNvSpPr>
+            <a:spLocks noGrp="1"/>
+          </p:cNvSpPr>
+          <p:nvPr>
+            <p:ph type="title"/>
+          </p:nvPr>
+        </p:nvSpPr>
+        <p:spPr/>
+        <p:txBody>
+          <a:bodyPr/>
+          <a:lstStyle/>
+          <a:p>
+            <a:endParaRPr lang="zh-HK" altLang="en-US"/>
+          </a:p>
+        </p:txBody>
+      </p:sp>
+      <p:pic>
+        <p:nvPicPr>
+          <p:cNvPr id="5" name="Picture 3"/>
+          <p:cNvPicPr>
+            <a:picLocks noGrp="1" noChangeAspect="1" noChangeArrowheads="1"/>
+          </p:cNvPicPr>
+          <p:nvPr>
+            <p:ph idx="1"/>
+          </p:nvPr>
+        </p:nvPicPr>
+        <p:blipFill>
+          <a:blip r:embed="rId2">
+            <a:extLst>
+              <a:ext uri="{28A0092B-C50C-407E-A947-70E740481C1C}">
+                <a14:useLocalDpi xmlns:a14="http://schemas.microsoft.com/office/drawing/2010/main" val="0"/>
+              </a:ext>
+            </a:extLst>
+          </a:blip>
+          <a:srcRect/>
+          <a:stretch>
+            <a:fillRect/>
+          </a:stretch>
+        </p:blipFill>
+        <p:spPr bwMode="auto">
+          <a:xfrm>
+            <a:off x="3212182" y="2667000"/>
+            <a:ext cx="3245099" cy="3332163"/>
+          </a:xfrm>
+          <a:prstGeom prst="rect">
+            <a:avLst/>
+          </a:prstGeom>
+          <a:noFill/>
+          <a:ln>
+            <a:noFill/>
+          </a:ln>
+          <a:effectLst/>
+          <a:extLst>
+            <a:ext uri="{909E8E84-426E-40DD-AFC4-6F175D3DCCD1}">
+              <a14:hiddenFill xmlns:a14="http://schemas.microsoft.com/office/drawing/2010/main">
+                <a:solidFill>
+                  <a:schemeClr val="accent1"/>
+                </a:solidFill>
+              </a14:hiddenFill>
+            </a:ext>
+            <a:ext uri="{91240B29-F687-4F45-9708-019B960494DF}">
+              <a14:hiddenLine xmlns:a14="http://schemas.microsoft.com/office/drawing/2010/main" w="9525">
+                <a:solidFill>
+                  <a:schemeClr val="tx1"/>
+                </a:solidFill>
+                <a:miter lim="800000"/>
+                <a:headEnd/>
+                <a:tailEnd/>
+              </a14:hiddenLine>
+            </a:ext>
+            <a:ext uri="{AF507438-7753-43E0-B8FC-AC1667EBCBE1}">
+              <a14:hiddenEffects xmlns:a14="http://schemas.microsoft.com/office/drawing/2010/main">
+                <a:effectLst>
+                  <a:outerShdw dist="35921" dir="2700000" algn="ctr" rotWithShape="0">
+                    <a:schemeClr val="bg2"/>
+                  </a:outerShdw>
+                </a:effectLst>
+              </a14:hiddenEffects>
+            </a:ext>
+          </a:extLst>
+        </p:spPr>
+      </p:pic>
+    </p:spTree>
+    <p:extLst>
+      <p:ext uri="{BB962C8B-B14F-4D97-AF65-F5344CB8AC3E}">
+        <p14:creationId xmlns:p14="http://schemas.microsoft.com/office/powerpoint/2010/main" val="3682450685"/>
+      </p:ext>
+    </p:extLst>
+  </p:cSld>
+  <p:clrMapOvr>
+    <a:masterClrMapping/>
+  </p:clrMapOvr>
+</p:sld>
+</file>
+
+<file path=ppt/slides/slide23.xml><?xml version="1.0" encoding="utf-8"?>
+<p:sld xmlns:a="http://schemas.openxmlformats.org/drawingml/2006/main" xmlns:r="http://schemas.openxmlformats.org/officeDocument/2006/relationships" xmlns:p="http://schemas.openxmlformats.org/presentationml/2006/main">
+  <p:cSld>
+    <p:spTree>
+      <p:nvGrpSpPr>
+        <p:cNvPr id="1" name=""/>
+        <p:cNvGrpSpPr/>
+        <p:nvPr/>
+      </p:nvGrpSpPr>
+      <p:grpSpPr>
+        <a:xfrm>
+          <a:off x="0" y="0"/>
+          <a:ext cx="0" cy="0"/>
+          <a:chOff x="0" y="0"/>
+          <a:chExt cx="0" cy="0"/>
+        </a:xfrm>
+      </p:grpSpPr>
+      <p:sp>
+        <p:nvSpPr>
+          <p:cNvPr id="5" name="Title 4"/>
+          <p:cNvSpPr>
+            <a:spLocks noGrp="1"/>
+          </p:cNvSpPr>
+          <p:nvPr>
+            <p:ph type="title"/>
+          </p:nvPr>
+        </p:nvSpPr>
+        <p:spPr/>
+        <p:txBody>
+          <a:bodyPr/>
+          <a:lstStyle/>
+          <a:p>
+            <a:r>
+              <a:rPr lang="en-US" dirty="0" smtClean="0"/>
+              <a:t>SQL</a:t>
+            </a:r>
+            <a:endParaRPr lang="en-US" dirty="0"/>
+          </a:p>
+        </p:txBody>
+      </p:sp>
+      <p:sp>
+        <p:nvSpPr>
+          <p:cNvPr id="6" name="Content Placeholder 5"/>
+          <p:cNvSpPr>
+            <a:spLocks noGrp="1"/>
+          </p:cNvSpPr>
+          <p:nvPr>
+            <p:ph idx="1"/>
+          </p:nvPr>
+        </p:nvSpPr>
+        <p:spPr/>
+        <p:txBody>
+          <a:bodyPr/>
+          <a:lstStyle/>
+          <a:p>
+            <a:r>
+              <a:rPr lang="en-US" dirty="0" smtClean="0"/>
+              <a:t>You can copy SQL from </a:t>
+            </a:r>
+            <a:r>
+              <a:rPr lang="en-US" dirty="0" err="1" smtClean="0"/>
+              <a:t>phpmyadmin</a:t>
+            </a:r>
+            <a:endParaRPr lang="en-US" dirty="0" smtClean="0"/>
+          </a:p>
+          <a:p>
+            <a:endParaRPr lang="en-US" dirty="0"/>
+          </a:p>
+        </p:txBody>
+      </p:sp>
+    </p:spTree>
+    <p:extLst>
+      <p:ext uri="{BB962C8B-B14F-4D97-AF65-F5344CB8AC3E}">
+        <p14:creationId xmlns:p14="http://schemas.microsoft.com/office/powerpoint/2010/main" val="578212422"/>
+      </p:ext>
+    </p:extLst>
+  </p:cSld>
+  <p:clrMapOvr>
+    <a:masterClrMapping/>
+  </p:clrMapOvr>
+</p:sld>
+</file>
+
+<file path=ppt/slides/slide24.xml><?xml version="1.0" encoding="utf-8"?>
+<p:sld xmlns:a="http://schemas.openxmlformats.org/drawingml/2006/main" xmlns:r="http://schemas.openxmlformats.org/officeDocument/2006/relationships" xmlns:p="http://schemas.openxmlformats.org/presentationml/2006/main">
+  <p:cSld>
+    <p:spTree>
+      <p:nvGrpSpPr>
+        <p:cNvPr id="1" name=""/>
+        <p:cNvGrpSpPr/>
+        <p:nvPr/>
+      </p:nvGrpSpPr>
+      <p:grpSpPr>
+        <a:xfrm>
+          <a:off x="0" y="0"/>
+          <a:ext cx="0" cy="0"/>
+          <a:chOff x="0" y="0"/>
+          <a:chExt cx="0" cy="0"/>
+        </a:xfrm>
+      </p:grpSpPr>
+      <p:sp>
+        <p:nvSpPr>
+          <p:cNvPr id="2" name="Title 1"/>
+          <p:cNvSpPr>
+            <a:spLocks noGrp="1"/>
+          </p:cNvSpPr>
+          <p:nvPr>
+            <p:ph type="title"/>
+          </p:nvPr>
+        </p:nvSpPr>
+        <p:spPr/>
+        <p:txBody>
+          <a:bodyPr/>
+          <a:lstStyle/>
+          <a:p>
+            <a:r>
+              <a:rPr lang="en-US" altLang="zh-HK" dirty="0" smtClean="0"/>
+              <a:t>Read one</a:t>
+            </a:r>
+            <a:endParaRPr lang="zh-HK" altLang="en-US" dirty="0"/>
+          </a:p>
+        </p:txBody>
+      </p:sp>
+      <p:sp>
+        <p:nvSpPr>
+          <p:cNvPr id="3" name="Content Placeholder 2"/>
+          <p:cNvSpPr>
+            <a:spLocks noGrp="1"/>
+          </p:cNvSpPr>
+          <p:nvPr>
+            <p:ph idx="1"/>
+          </p:nvPr>
+        </p:nvSpPr>
+        <p:spPr/>
+        <p:txBody>
+          <a:bodyPr/>
+          <a:lstStyle/>
+          <a:p>
+            <a:r>
+              <a:rPr lang="en-US" altLang="zh-HK" dirty="0" err="1" smtClean="0"/>
+              <a:t>sms_readone.php</a:t>
+            </a:r>
+            <a:endParaRPr lang="zh-HK" altLang="en-US" dirty="0"/>
+          </a:p>
+        </p:txBody>
+      </p:sp>
+    </p:spTree>
+    <p:extLst>
+      <p:ext uri="{BB962C8B-B14F-4D97-AF65-F5344CB8AC3E}">
+        <p14:creationId xmlns:p14="http://schemas.microsoft.com/office/powerpoint/2010/main" val="1014839924"/>
+      </p:ext>
+    </p:extLst>
+  </p:cSld>
+  <p:clrMapOvr>
+    <a:masterClrMapping/>
+  </p:clrMapOvr>
+</p:sld>
+</file>
+
+<file path=ppt/slides/slide25.xml><?xml version="1.0" encoding="utf-8"?>
+<p:sld xmlns:a="http://schemas.openxmlformats.org/drawingml/2006/main" xmlns:r="http://schemas.openxmlformats.org/officeDocument/2006/relationships" xmlns:p="http://schemas.openxmlformats.org/presentationml/2006/main">
+  <p:cSld>
+    <p:spTree>
+      <p:nvGrpSpPr>
+        <p:cNvPr id="1" name=""/>
+        <p:cNvGrpSpPr/>
+        <p:nvPr/>
+      </p:nvGrpSpPr>
+      <p:grpSpPr>
+        <a:xfrm>
+          <a:off x="0" y="0"/>
+          <a:ext cx="0" cy="0"/>
+          <a:chOff x="0" y="0"/>
+          <a:chExt cx="0" cy="0"/>
+        </a:xfrm>
+      </p:grpSpPr>
+      <p:sp>
+        <p:nvSpPr>
+          <p:cNvPr id="2" name="Title 1"/>
+          <p:cNvSpPr>
+            <a:spLocks noGrp="1"/>
+          </p:cNvSpPr>
+          <p:nvPr>
+            <p:ph type="title"/>
+          </p:nvPr>
+        </p:nvSpPr>
+        <p:spPr/>
+        <p:txBody>
+          <a:bodyPr/>
+          <a:lstStyle/>
+          <a:p>
+            <a:r>
+              <a:rPr lang="en-US" altLang="zh-HK" dirty="0" smtClean="0"/>
+              <a:t>Create</a:t>
+            </a:r>
+            <a:endParaRPr lang="zh-HK" altLang="en-US" dirty="0"/>
+          </a:p>
+        </p:txBody>
+      </p:sp>
+      <p:sp>
+        <p:nvSpPr>
+          <p:cNvPr id="3" name="Content Placeholder 2"/>
+          <p:cNvSpPr>
+            <a:spLocks noGrp="1"/>
+          </p:cNvSpPr>
+          <p:nvPr>
+            <p:ph idx="1"/>
+          </p:nvPr>
+        </p:nvSpPr>
+        <p:spPr/>
+        <p:txBody>
+          <a:bodyPr/>
+          <a:lstStyle/>
+          <a:p>
+            <a:r>
+              <a:rPr lang="en-US" altLang="zh-HK" dirty="0" err="1" smtClean="0"/>
+              <a:t>sms_create.php</a:t>
+            </a:r>
+            <a:endParaRPr lang="en-US" altLang="zh-HK" dirty="0" smtClean="0"/>
+          </a:p>
+          <a:p>
+            <a:r>
+              <a:rPr lang="en-US" altLang="zh-HK" dirty="0" err="1" smtClean="0"/>
+              <a:t>sms_create_sql.php</a:t>
+            </a:r>
+            <a:endParaRPr lang="zh-HK" altLang="en-US" dirty="0"/>
+          </a:p>
+          <a:p>
+            <a:endParaRPr lang="zh-HK" altLang="en-US" dirty="0"/>
+          </a:p>
+        </p:txBody>
+      </p:sp>
+    </p:spTree>
+    <p:extLst>
+      <p:ext uri="{BB962C8B-B14F-4D97-AF65-F5344CB8AC3E}">
+        <p14:creationId xmlns:p14="http://schemas.microsoft.com/office/powerpoint/2010/main" val="2530492792"/>
+      </p:ext>
+    </p:extLst>
+  </p:cSld>
+  <p:clrMapOvr>
+    <a:masterClrMapping/>
+  </p:clrMapOvr>
+</p:sld>
+</file>
+
+<file path=ppt/slides/slide26.xml><?xml version="1.0" encoding="utf-8"?>
+<p:sld xmlns:a="http://schemas.openxmlformats.org/drawingml/2006/main" xmlns:r="http://schemas.openxmlformats.org/officeDocument/2006/relationships" xmlns:p="http://schemas.openxmlformats.org/presentationml/2006/main">
+  <p:cSld>
+    <p:spTree>
+      <p:nvGrpSpPr>
+        <p:cNvPr id="1" name=""/>
+        <p:cNvGrpSpPr/>
+        <p:nvPr/>
+      </p:nvGrpSpPr>
+      <p:grpSpPr>
+        <a:xfrm>
+          <a:off x="0" y="0"/>
+          <a:ext cx="0" cy="0"/>
+          <a:chOff x="0" y="0"/>
+          <a:chExt cx="0" cy="0"/>
+        </a:xfrm>
+      </p:grpSpPr>
+      <p:sp>
+        <p:nvSpPr>
+          <p:cNvPr id="2" name="Title 1"/>
+          <p:cNvSpPr>
+            <a:spLocks noGrp="1"/>
+          </p:cNvSpPr>
+          <p:nvPr>
+            <p:ph type="title"/>
+          </p:nvPr>
+        </p:nvSpPr>
+        <p:spPr/>
+        <p:txBody>
+          <a:bodyPr/>
+          <a:lstStyle/>
+          <a:p>
+            <a:r>
+              <a:rPr lang="en-US" altLang="zh-HK" dirty="0" smtClean="0"/>
+              <a:t>Delete</a:t>
+            </a:r>
+            <a:endParaRPr lang="zh-HK" altLang="en-US" dirty="0"/>
+          </a:p>
+        </p:txBody>
+      </p:sp>
+      <p:sp>
+        <p:nvSpPr>
+          <p:cNvPr id="3" name="Content Placeholder 2"/>
+          <p:cNvSpPr>
+            <a:spLocks noGrp="1"/>
+          </p:cNvSpPr>
+          <p:nvPr>
+            <p:ph idx="1"/>
+          </p:nvPr>
+        </p:nvSpPr>
+        <p:spPr/>
+        <p:txBody>
+          <a:bodyPr/>
+          <a:lstStyle/>
+          <a:p>
+            <a:r>
+              <a:rPr lang="en-US" altLang="zh-HK" dirty="0" err="1" smtClean="0"/>
+              <a:t>sms_delete.php</a:t>
+            </a:r>
+            <a:endParaRPr lang="en-US" altLang="zh-HK" dirty="0" smtClean="0"/>
+          </a:p>
+          <a:p>
+            <a:r>
+              <a:rPr lang="en-US" altLang="zh-HK" dirty="0" err="1" smtClean="0"/>
+              <a:t>sms_</a:t>
+            </a:r>
+            <a:r>
+              <a:rPr lang="en-US" altLang="zh-HK" dirty="0" err="1"/>
+              <a:t>delete</a:t>
+            </a:r>
+            <a:r>
+              <a:rPr lang="en-US" altLang="zh-HK" dirty="0" err="1" smtClean="0"/>
+              <a:t>_sql.php</a:t>
+            </a:r>
+            <a:endParaRPr lang="zh-HK" altLang="en-US" dirty="0"/>
+          </a:p>
+          <a:p>
+            <a:endParaRPr lang="zh-HK" altLang="en-US" dirty="0"/>
+          </a:p>
+        </p:txBody>
+      </p:sp>
+    </p:spTree>
+    <p:extLst>
+      <p:ext uri="{BB962C8B-B14F-4D97-AF65-F5344CB8AC3E}">
+        <p14:creationId xmlns:p14="http://schemas.microsoft.com/office/powerpoint/2010/main" val="3080556106"/>
+      </p:ext>
+    </p:extLst>
+  </p:cSld>
+  <p:clrMapOvr>
+    <a:masterClrMapping/>
+  </p:clrMapOvr>
+</p:sld>
+</file>
+
+<file path=ppt/slides/slide27.xml><?xml version="1.0" encoding="utf-8"?>
+<p:sld xmlns:a="http://schemas.openxmlformats.org/drawingml/2006/main" xmlns:r="http://schemas.openxmlformats.org/officeDocument/2006/relationships" xmlns:p="http://schemas.openxmlformats.org/presentationml/2006/main">
+  <p:cSld>
+    <p:spTree>
+      <p:nvGrpSpPr>
+        <p:cNvPr id="1" name=""/>
+        <p:cNvGrpSpPr/>
+        <p:nvPr/>
+      </p:nvGrpSpPr>
+      <p:grpSpPr>
+        <a:xfrm>
+          <a:off x="0" y="0"/>
+          <a:ext cx="0" cy="0"/>
+          <a:chOff x="0" y="0"/>
+          <a:chExt cx="0" cy="0"/>
+        </a:xfrm>
+      </p:grpSpPr>
+      <p:sp>
+        <p:nvSpPr>
+          <p:cNvPr id="2" name="Title 1"/>
+          <p:cNvSpPr>
+            <a:spLocks noGrp="1"/>
+          </p:cNvSpPr>
+          <p:nvPr>
+            <p:ph type="title"/>
+          </p:nvPr>
+        </p:nvSpPr>
+        <p:spPr/>
+        <p:txBody>
+          <a:bodyPr/>
+          <a:lstStyle/>
+          <a:p>
+            <a:r>
+              <a:rPr lang="en-US" altLang="zh-HK" dirty="0" smtClean="0"/>
+              <a:t>Update</a:t>
+            </a:r>
+            <a:endParaRPr lang="zh-HK" altLang="en-US" dirty="0"/>
+          </a:p>
+        </p:txBody>
+      </p:sp>
+      <p:sp>
+        <p:nvSpPr>
+          <p:cNvPr id="3" name="Content Placeholder 2"/>
+          <p:cNvSpPr>
+            <a:spLocks noGrp="1"/>
+          </p:cNvSpPr>
+          <p:nvPr>
+            <p:ph idx="1"/>
+          </p:nvPr>
+        </p:nvSpPr>
+        <p:spPr/>
+        <p:txBody>
+          <a:bodyPr/>
+          <a:lstStyle/>
+          <a:p>
+            <a:r>
+              <a:rPr lang="en-US" altLang="zh-HK" dirty="0" err="1" smtClean="0"/>
+              <a:t>sms_update.php</a:t>
+            </a:r>
+            <a:endParaRPr lang="en-US" altLang="zh-HK" dirty="0" smtClean="0"/>
+          </a:p>
+          <a:p>
+            <a:r>
+              <a:rPr lang="en-US" altLang="zh-HK" dirty="0" err="1" smtClean="0"/>
+              <a:t>sms_</a:t>
+            </a:r>
+            <a:r>
+              <a:rPr lang="en-US" altLang="zh-HK" dirty="0" err="1"/>
+              <a:t>update</a:t>
+            </a:r>
+            <a:r>
+              <a:rPr lang="en-US" altLang="zh-HK" dirty="0" err="1" smtClean="0"/>
+              <a:t>_sql.php</a:t>
+            </a:r>
+            <a:endParaRPr lang="zh-HK" altLang="en-US" dirty="0"/>
+          </a:p>
+          <a:p>
+            <a:endParaRPr lang="zh-HK" altLang="en-US" dirty="0"/>
+          </a:p>
+        </p:txBody>
+      </p:sp>
+    </p:spTree>
+    <p:extLst>
+      <p:ext uri="{BB962C8B-B14F-4D97-AF65-F5344CB8AC3E}">
+        <p14:creationId xmlns:p14="http://schemas.microsoft.com/office/powerpoint/2010/main" val="3080556106"/>
+      </p:ext>
+    </p:extLst>
+  </p:cSld>
+  <p:clrMapOvr>
+    <a:masterClrMapping/>
+  </p:clrMapOvr>
+</p:sld>
+</file>
+
+<file path=ppt/slides/slide28.xml><?xml version="1.0" encoding="utf-8"?>
+<p:sld xmlns:a="http://schemas.openxmlformats.org/drawingml/2006/main" xmlns:r="http://schemas.openxmlformats.org/officeDocument/2006/relationships" xmlns:p="http://schemas.openxmlformats.org/presentationml/2006/main">
+  <p:cSld>
+    <p:spTree>
+      <p:nvGrpSpPr>
+        <p:cNvPr id="1" name=""/>
+        <p:cNvGrpSpPr/>
+        <p:nvPr/>
+      </p:nvGrpSpPr>
+      <p:grpSpPr>
+        <a:xfrm>
+          <a:off x="0" y="0"/>
+          <a:ext cx="0" cy="0"/>
+          <a:chOff x="0" y="0"/>
+          <a:chExt cx="0" cy="0"/>
+        </a:xfrm>
+      </p:grpSpPr>
+      <p:sp>
+        <p:nvSpPr>
+          <p:cNvPr id="5" name="Title 4"/>
+          <p:cNvSpPr>
+            <a:spLocks noGrp="1"/>
+          </p:cNvSpPr>
+          <p:nvPr>
+            <p:ph type="title"/>
+          </p:nvPr>
+        </p:nvSpPr>
+        <p:spPr/>
+        <p:txBody>
+          <a:bodyPr/>
+          <a:lstStyle/>
+          <a:p>
+            <a:r>
+              <a:rPr lang="en-US" dirty="0" smtClean="0"/>
+              <a:t>Files</a:t>
+            </a:r>
+            <a:endParaRPr lang="en-US" dirty="0"/>
+          </a:p>
+        </p:txBody>
+      </p:sp>
+      <p:sp>
+        <p:nvSpPr>
+          <p:cNvPr id="6" name="Content Placeholder 5"/>
+          <p:cNvSpPr>
+            <a:spLocks noGrp="1"/>
+          </p:cNvSpPr>
+          <p:nvPr>
+            <p:ph idx="1"/>
+          </p:nvPr>
+        </p:nvSpPr>
+        <p:spPr/>
+        <p:txBody>
+          <a:bodyPr numCol="2"/>
+          <a:lstStyle/>
+          <a:p>
+            <a:r>
+              <a:rPr lang="en-US" sz="2800" dirty="0" err="1" smtClean="0"/>
+              <a:t>db.inc.php</a:t>
+            </a:r>
+            <a:endParaRPr lang="en-US" sz="2800" dirty="0" smtClean="0"/>
+          </a:p>
+          <a:p>
+            <a:r>
+              <a:rPr lang="en-US" sz="2800" dirty="0" err="1" smtClean="0"/>
+              <a:t>sms_readall.php</a:t>
+            </a:r>
+            <a:endParaRPr lang="en-US" sz="2800" dirty="0" smtClean="0"/>
+          </a:p>
+          <a:p>
+            <a:r>
+              <a:rPr lang="en-US" sz="2800" dirty="0" err="1" smtClean="0"/>
+              <a:t>sms_readone.php</a:t>
+            </a:r>
+            <a:endParaRPr lang="en-US" sz="2800" dirty="0"/>
+          </a:p>
+          <a:p>
+            <a:r>
+              <a:rPr lang="en-US" sz="2800" dirty="0" err="1" smtClean="0"/>
+              <a:t>sms_create.php</a:t>
+            </a:r>
+            <a:endParaRPr lang="en-US" sz="2800" dirty="0" smtClean="0"/>
+          </a:p>
+          <a:p>
+            <a:r>
+              <a:rPr lang="en-US" sz="2800" dirty="0" err="1" smtClean="0"/>
+              <a:t>sms_create_sql.php</a:t>
+            </a:r>
+            <a:endParaRPr lang="en-US" sz="2800" dirty="0" smtClean="0"/>
+          </a:p>
+          <a:p>
+            <a:r>
+              <a:rPr lang="en-US" sz="2800" dirty="0" err="1"/>
+              <a:t>sms_delete.php</a:t>
+            </a:r>
+            <a:endParaRPr lang="en-US" sz="2800" dirty="0"/>
+          </a:p>
+          <a:p>
+            <a:r>
+              <a:rPr lang="en-US" sz="2800" dirty="0" err="1" smtClean="0"/>
+              <a:t>sms_delete_sql.php</a:t>
+            </a:r>
+            <a:endParaRPr lang="en-US" sz="2800" dirty="0"/>
+          </a:p>
+          <a:p>
+            <a:r>
+              <a:rPr lang="en-US" sz="2800" dirty="0" err="1"/>
+              <a:t>sms_update.php</a:t>
+            </a:r>
+            <a:endParaRPr lang="en-US" sz="2800" dirty="0"/>
+          </a:p>
+          <a:p>
+            <a:r>
+              <a:rPr lang="en-US" sz="2800" dirty="0" err="1" smtClean="0"/>
+              <a:t>sms_update_sql.php</a:t>
+            </a:r>
+            <a:endParaRPr lang="en-US" sz="2800" dirty="0" smtClean="0"/>
+          </a:p>
+          <a:p>
+            <a:r>
+              <a:rPr lang="en-US" sz="2800" dirty="0" err="1" smtClean="0"/>
+              <a:t>sms.sql</a:t>
+            </a:r>
+            <a:endParaRPr lang="en-US" sz="2800" dirty="0"/>
+          </a:p>
+        </p:txBody>
+      </p:sp>
+    </p:spTree>
+    <p:extLst>
+      <p:ext uri="{BB962C8B-B14F-4D97-AF65-F5344CB8AC3E}">
+        <p14:creationId xmlns:p14="http://schemas.microsoft.com/office/powerpoint/2010/main" val="2041175966"/>
+      </p:ext>
+    </p:extLst>
+  </p:cSld>
+  <p:clrMapOvr>
+    <a:masterClrMapping/>
+  </p:clrMapOvr>
+</p:sld>
+</file>
+
+<file path=ppt/slides/slide29.xml><?xml version="1.0" encoding="utf-8"?>
+<p:sld xmlns:a="http://schemas.openxmlformats.org/drawingml/2006/main" xmlns:r="http://schemas.openxmlformats.org/officeDocument/2006/relationships" xmlns:p="http://schemas.openxmlformats.org/presentationml/2006/main">
+  <p:cSld>
+    <p:spTree>
+      <p:nvGrpSpPr>
+        <p:cNvPr id="1" name=""/>
+        <p:cNvGrpSpPr/>
+        <p:nvPr/>
+      </p:nvGrpSpPr>
+      <p:grpSpPr>
+        <a:xfrm>
+          <a:off x="0" y="0"/>
+          <a:ext cx="0" cy="0"/>
+          <a:chOff x="0" y="0"/>
+          <a:chExt cx="0" cy="0"/>
+        </a:xfrm>
+      </p:grpSpPr>
+      <p:sp>
+        <p:nvSpPr>
+          <p:cNvPr id="5" name="Title 4"/>
+          <p:cNvSpPr>
+            <a:spLocks noGrp="1"/>
+          </p:cNvSpPr>
+          <p:nvPr>
+            <p:ph type="title"/>
+          </p:nvPr>
+        </p:nvSpPr>
+        <p:spPr/>
+        <p:txBody>
+          <a:bodyPr/>
+          <a:lstStyle/>
+          <a:p>
+            <a:r>
+              <a:rPr lang="en-US" dirty="0" smtClean="0"/>
+              <a:t>Next lesson</a:t>
+            </a:r>
+            <a:endParaRPr lang="en-US" dirty="0"/>
+          </a:p>
+        </p:txBody>
+      </p:sp>
+      <p:sp>
+        <p:nvSpPr>
+          <p:cNvPr id="6" name="Content Placeholder 5"/>
+          <p:cNvSpPr>
+            <a:spLocks noGrp="1"/>
+          </p:cNvSpPr>
+          <p:nvPr>
+            <p:ph idx="1"/>
+          </p:nvPr>
+        </p:nvSpPr>
+        <p:spPr/>
+        <p:txBody>
+          <a:bodyPr/>
+          <a:lstStyle/>
+          <a:p>
+            <a:r>
+              <a:rPr lang="en-US" dirty="0" smtClean="0"/>
+              <a:t>Bring </a:t>
+            </a:r>
+            <a:r>
+              <a:rPr lang="en-US" dirty="0" err="1" smtClean="0"/>
+              <a:t>Fevaworks</a:t>
+            </a:r>
+            <a:r>
+              <a:rPr lang="en-US" dirty="0" smtClean="0"/>
+              <a:t> notes lesson 24 and 26.</a:t>
+            </a:r>
+            <a:endParaRPr lang="en-US" dirty="0"/>
+          </a:p>
+        </p:txBody>
+      </p:sp>
+    </p:spTree>
+    <p:extLst>
+      <p:ext uri="{BB962C8B-B14F-4D97-AF65-F5344CB8AC3E}">
+        <p14:creationId xmlns:p14="http://schemas.microsoft.com/office/powerpoint/2010/main" val="221133230"/>
+      </p:ext>
+    </p:extLst>
+  </p:cSld>
+  <p:clrMapOvr>
+    <a:masterClrMapping/>
+  </p:clrMapOvr>
+</p:sld>
+</file>
+
+<file path=ppt/slides/slide3.xml><?xml version="1.0" encoding="utf-8"?>
+<p:sld xmlns:a="http://schemas.openxmlformats.org/drawingml/2006/main" xmlns:r="http://schemas.openxmlformats.org/officeDocument/2006/relationships" xmlns:p="http://schemas.openxmlformats.org/presentationml/2006/main">
+  <p:cSld>
+    <p:spTree>
+      <p:nvGrpSpPr>
+        <p:cNvPr id="1" name=""/>
+        <p:cNvGrpSpPr/>
+        <p:nvPr/>
+      </p:nvGrpSpPr>
+      <p:grpSpPr>
+        <a:xfrm>
+          <a:off x="0" y="0"/>
+          <a:ext cx="0" cy="0"/>
+          <a:chOff x="0" y="0"/>
+          <a:chExt cx="0" cy="0"/>
+        </a:xfrm>
+      </p:grpSpPr>
+      <p:sp>
+        <p:nvSpPr>
+          <p:cNvPr id="2" name="Title 1"/>
+          <p:cNvSpPr>
+            <a:spLocks noGrp="1"/>
+          </p:cNvSpPr>
+          <p:nvPr>
+            <p:ph type="title"/>
+          </p:nvPr>
+        </p:nvSpPr>
+        <p:spPr/>
+        <p:txBody>
+          <a:bodyPr/>
+          <a:lstStyle/>
+          <a:p>
+            <a:r>
+              <a:rPr lang="en-US" altLang="zh-HK" dirty="0" smtClean="0"/>
+              <a:t>Console</a:t>
+            </a:r>
+            <a:endParaRPr lang="zh-HK" altLang="en-US" dirty="0"/>
+          </a:p>
+        </p:txBody>
+      </p:sp>
+      <p:pic>
+        <p:nvPicPr>
+          <p:cNvPr id="1026" name="Picture 2" descr="mysql console的圖片搜尋結果"/>
+          <p:cNvPicPr>
+            <a:picLocks noGrp="1" noChangeAspect="1" noChangeArrowheads="1"/>
+          </p:cNvPicPr>
+          <p:nvPr>
+            <p:ph idx="1"/>
+          </p:nvPr>
+        </p:nvPicPr>
+        <p:blipFill>
+          <a:blip r:embed="rId2">
+            <a:extLst>
+              <a:ext uri="{28A0092B-C50C-407E-A947-70E740481C1C}">
+                <a14:useLocalDpi xmlns:a14="http://schemas.microsoft.com/office/drawing/2010/main" val="0"/>
+              </a:ext>
+            </a:extLst>
+          </a:blip>
+          <a:srcRect/>
+          <a:stretch>
+            <a:fillRect/>
+          </a:stretch>
+        </p:blipFill>
+        <p:spPr bwMode="auto">
+          <a:xfrm>
+            <a:off x="2169001" y="2667000"/>
+            <a:ext cx="5331460" cy="3332163"/>
+          </a:xfrm>
+          <a:prstGeom prst="rect">
+            <a:avLst/>
+          </a:prstGeom>
+          <a:noFill/>
+          <a:extLst>
+            <a:ext uri="{909E8E84-426E-40DD-AFC4-6F175D3DCCD1}">
+              <a14:hiddenFill xmlns:a14="http://schemas.microsoft.com/office/drawing/2010/main">
+                <a:solidFill>
+                  <a:srgbClr val="FFFFFF"/>
+                </a:solidFill>
+              </a14:hiddenFill>
+            </a:ext>
+          </a:extLst>
+        </p:spPr>
+      </p:pic>
+    </p:spTree>
+    <p:extLst>
+      <p:ext uri="{BB962C8B-B14F-4D97-AF65-F5344CB8AC3E}">
+        <p14:creationId xmlns:p14="http://schemas.microsoft.com/office/powerpoint/2010/main" val="2298617710"/>
+      </p:ext>
+    </p:extLst>
+  </p:cSld>
+  <p:clrMapOvr>
+    <a:masterClrMapping/>
+  </p:clrMapOvr>
+</p:sld>
+</file>
+
+<file path=ppt/slides/slide30.xml><?xml version="1.0" encoding="utf-8"?>
+<p:sld xmlns:a="http://schemas.openxmlformats.org/drawingml/2006/main" xmlns:r="http://schemas.openxmlformats.org/officeDocument/2006/relationships" xmlns:p="http://schemas.openxmlformats.org/presentationml/2006/main">
+  <p:cSld>
+    <p:spTree>
+      <p:nvGrpSpPr>
+        <p:cNvPr id="1" name=""/>
+        <p:cNvGrpSpPr/>
+        <p:nvPr/>
+      </p:nvGrpSpPr>
+      <p:grpSpPr>
+        <a:xfrm>
+          <a:off x="0" y="0"/>
+          <a:ext cx="0" cy="0"/>
+          <a:chOff x="0" y="0"/>
+          <a:chExt cx="0" cy="0"/>
+        </a:xfrm>
+      </p:grpSpPr>
+      <p:sp>
+        <p:nvSpPr>
+          <p:cNvPr id="2" name="Title 1"/>
+          <p:cNvSpPr>
+            <a:spLocks noGrp="1"/>
+          </p:cNvSpPr>
+          <p:nvPr>
+            <p:ph type="title"/>
+          </p:nvPr>
+        </p:nvSpPr>
+        <p:spPr/>
+        <p:txBody>
+          <a:bodyPr/>
+          <a:lstStyle/>
+          <a:p>
+            <a:r>
+              <a:rPr lang="en-US" altLang="zh-HK" dirty="0" smtClean="0"/>
+              <a:t>Homework</a:t>
+            </a:r>
+            <a:endParaRPr lang="zh-HK" altLang="en-US" dirty="0"/>
+          </a:p>
+        </p:txBody>
+      </p:sp>
+      <p:sp>
+        <p:nvSpPr>
+          <p:cNvPr id="3" name="Content Placeholder 2"/>
+          <p:cNvSpPr>
+            <a:spLocks noGrp="1"/>
+          </p:cNvSpPr>
+          <p:nvPr>
+            <p:ph idx="1"/>
+          </p:nvPr>
+        </p:nvSpPr>
+        <p:spPr/>
+        <p:txBody>
+          <a:bodyPr/>
+          <a:lstStyle/>
+          <a:p>
+            <a:r>
+              <a:rPr lang="en-US" altLang="zh-HK" dirty="0" smtClean="0">
+                <a:hlinkClick r:id="rId2"/>
+              </a:rPr>
+              <a:t>www.zaturday.com/homework/news/</a:t>
+            </a:r>
+            <a:endParaRPr lang="en-US" altLang="zh-HK" dirty="0" smtClean="0"/>
+          </a:p>
+          <a:p>
+            <a:endParaRPr lang="zh-HK" altLang="en-US" dirty="0"/>
+          </a:p>
+        </p:txBody>
+      </p:sp>
+    </p:spTree>
+    <p:extLst>
+      <p:ext uri="{BB962C8B-B14F-4D97-AF65-F5344CB8AC3E}">
+        <p14:creationId xmlns:p14="http://schemas.microsoft.com/office/powerpoint/2010/main" val="4035896107"/>
+      </p:ext>
+    </p:extLst>
+  </p:cSld>
+  <p:clrMapOvr>
+    <a:masterClrMapping/>
+  </p:clrMapOvr>
+</p:sld>
+</file>
+
+<file path=ppt/slides/slide31.xml><?xml version="1.0" encoding="utf-8"?>
+<p:sld xmlns:a="http://schemas.openxmlformats.org/drawingml/2006/main" xmlns:r="http://schemas.openxmlformats.org/officeDocument/2006/relationships" xmlns:p="http://schemas.openxmlformats.org/presentationml/2006/main">
+  <p:cSld>
+    <p:spTree>
+      <p:nvGrpSpPr>
+        <p:cNvPr id="1" name=""/>
+        <p:cNvGrpSpPr/>
+        <p:nvPr/>
+      </p:nvGrpSpPr>
+      <p:grpSpPr>
+        <a:xfrm>
+          <a:off x="0" y="0"/>
+          <a:ext cx="0" cy="0"/>
+          <a:chOff x="0" y="0"/>
+          <a:chExt cx="0" cy="0"/>
+        </a:xfrm>
+      </p:grpSpPr>
+      <p:sp>
+        <p:nvSpPr>
+          <p:cNvPr id="24578" name="Rectangle 2"/>
+          <p:cNvSpPr>
+            <a:spLocks noGrp="1" noChangeArrowheads="1"/>
+          </p:cNvSpPr>
+          <p:nvPr>
+            <p:ph type="ctrTitle"/>
+          </p:nvPr>
+        </p:nvSpPr>
+        <p:spPr>
+          <a:xfrm>
+            <a:off x="1739900" y="914400"/>
+            <a:ext cx="6946900" cy="3487738"/>
+          </a:xfrm>
+        </p:spPr>
+        <p:txBody>
+          <a:bodyPr/>
+          <a:lstStyle/>
+          <a:p>
+            <a:r>
+              <a:rPr lang="en-US" altLang="zh-TW">
+                <a:ln>
+                  <a:noFill/>
+                </a:ln>
+              </a:rPr>
+              <a:t>QUESTIONS</a:t>
+            </a:r>
+          </a:p>
+        </p:txBody>
+      </p:sp>
+      <p:sp>
+        <p:nvSpPr>
+          <p:cNvPr id="24579" name="Subtitle 2"/>
+          <p:cNvSpPr>
+            <a:spLocks noGrp="1"/>
+          </p:cNvSpPr>
+          <p:nvPr>
+            <p:ph type="subTitle" idx="1"/>
+          </p:nvPr>
+        </p:nvSpPr>
+        <p:spPr>
+          <a:xfrm>
+            <a:off x="2924175" y="4402138"/>
+            <a:ext cx="5762625" cy="1365250"/>
+          </a:xfrm>
+        </p:spPr>
+        <p:txBody>
+          <a:bodyPr/>
+          <a:lstStyle/>
+          <a:p>
+            <a:endParaRPr lang="zh-HK" altLang="en-US"/>
+          </a:p>
+        </p:txBody>
+      </p:sp>
+    </p:spTree>
+  </p:cSld>
+  <p:clrMapOvr>
+    <a:masterClrMapping/>
+  </p:clrMapOvr>
+</p:sld>
+</file>
+
+<file path=ppt/slides/slide4.xml><?xml version="1.0" encoding="utf-8"?>
+<p:sld xmlns:a="http://schemas.openxmlformats.org/drawingml/2006/main" xmlns:r="http://schemas.openxmlformats.org/officeDocument/2006/relationships" xmlns:p="http://schemas.openxmlformats.org/presentationml/2006/main">
+  <p:cSld>
+    <p:spTree>
+      <p:nvGrpSpPr>
+        <p:cNvPr id="1" name=""/>
+        <p:cNvGrpSpPr/>
+        <p:nvPr/>
+      </p:nvGrpSpPr>
+      <p:grpSpPr>
+        <a:xfrm>
+          <a:off x="0" y="0"/>
+          <a:ext cx="0" cy="0"/>
+          <a:chOff x="0" y="0"/>
+          <a:chExt cx="0" cy="0"/>
+        </a:xfrm>
+      </p:grpSpPr>
+      <p:sp>
+        <p:nvSpPr>
+          <p:cNvPr id="2" name="Title 1"/>
+          <p:cNvSpPr>
+            <a:spLocks noGrp="1"/>
+          </p:cNvSpPr>
+          <p:nvPr>
+            <p:ph type="title"/>
+          </p:nvPr>
+        </p:nvSpPr>
+        <p:spPr/>
+        <p:txBody>
+          <a:bodyPr/>
+          <a:lstStyle/>
+          <a:p>
+            <a:r>
+              <a:rPr lang="en-US" altLang="zh-HK" dirty="0" smtClean="0"/>
+              <a:t>No more console</a:t>
+            </a:r>
+            <a:endParaRPr lang="zh-HK" altLang="en-US" dirty="0"/>
+          </a:p>
+        </p:txBody>
+      </p:sp>
+      <p:sp>
+        <p:nvSpPr>
+          <p:cNvPr id="3" name="Content Placeholder 2"/>
+          <p:cNvSpPr>
+            <a:spLocks noGrp="1"/>
+          </p:cNvSpPr>
+          <p:nvPr>
+            <p:ph idx="1"/>
+          </p:nvPr>
+        </p:nvSpPr>
+        <p:spPr/>
+        <p:txBody>
+          <a:bodyPr/>
+          <a:lstStyle/>
+          <a:p>
+            <a:r>
+              <a:rPr lang="en-US" altLang="zh-HK" dirty="0" smtClean="0"/>
+              <a:t>Hard to learn all syntax</a:t>
+            </a:r>
+          </a:p>
+          <a:p>
+            <a:r>
+              <a:rPr lang="en-US" altLang="zh-HK" dirty="0" smtClean="0"/>
+              <a:t>Typing error</a:t>
+            </a:r>
+          </a:p>
+          <a:p>
+            <a:r>
+              <a:rPr lang="en-US" altLang="zh-HK" dirty="0" smtClean="0"/>
+              <a:t>Hard to edit</a:t>
+            </a:r>
+          </a:p>
+          <a:p>
+            <a:r>
+              <a:rPr lang="en-US" altLang="zh-HK" dirty="0" smtClean="0"/>
+              <a:t>Screen size limit</a:t>
+            </a:r>
+          </a:p>
+          <a:p>
+            <a:r>
+              <a:rPr lang="en-US" altLang="zh-HK" dirty="0" smtClean="0"/>
+              <a:t>Not a real life usage</a:t>
+            </a:r>
+            <a:endParaRPr lang="zh-HK" altLang="en-US" dirty="0"/>
+          </a:p>
+        </p:txBody>
+      </p:sp>
+    </p:spTree>
+    <p:extLst>
+      <p:ext uri="{BB962C8B-B14F-4D97-AF65-F5344CB8AC3E}">
+        <p14:creationId xmlns:p14="http://schemas.microsoft.com/office/powerpoint/2010/main" val="1202580726"/>
+      </p:ext>
+    </p:extLst>
+  </p:cSld>
+  <p:clrMapOvr>
+    <a:masterClrMapping/>
+  </p:clrMapOvr>
+</p:sld>
+</file>
+
+<file path=ppt/slides/slide5.xml><?xml version="1.0" encoding="utf-8"?>
+<p:sld xmlns:a="http://schemas.openxmlformats.org/drawingml/2006/main" xmlns:r="http://schemas.openxmlformats.org/officeDocument/2006/relationships" xmlns:p="http://schemas.openxmlformats.org/presentationml/2006/main">
+  <p:cSld>
+    <p:spTree>
+      <p:nvGrpSpPr>
+        <p:cNvPr id="1" name=""/>
+        <p:cNvGrpSpPr/>
+        <p:nvPr/>
+      </p:nvGrpSpPr>
+      <p:grpSpPr>
+        <a:xfrm>
+          <a:off x="0" y="0"/>
+          <a:ext cx="0" cy="0"/>
+          <a:chOff x="0" y="0"/>
+          <a:chExt cx="0" cy="0"/>
+        </a:xfrm>
+      </p:grpSpPr>
+      <p:sp>
+        <p:nvSpPr>
+          <p:cNvPr id="2" name="Title 1"/>
+          <p:cNvSpPr>
+            <a:spLocks noGrp="1"/>
+          </p:cNvSpPr>
+          <p:nvPr>
+            <p:ph type="title"/>
+          </p:nvPr>
+        </p:nvSpPr>
+        <p:spPr/>
+        <p:txBody>
+          <a:bodyPr/>
+          <a:lstStyle/>
+          <a:p>
+            <a:r>
+              <a:rPr lang="en-US" altLang="zh-HK" dirty="0" err="1"/>
+              <a:t>PhpMyAdmin</a:t>
+            </a:r>
+            <a:endParaRPr lang="zh-HK" altLang="en-US" dirty="0"/>
+          </a:p>
+        </p:txBody>
+      </p:sp>
+      <p:sp>
+        <p:nvSpPr>
+          <p:cNvPr id="3" name="Content Placeholder 2"/>
+          <p:cNvSpPr>
+            <a:spLocks noGrp="1"/>
+          </p:cNvSpPr>
+          <p:nvPr>
+            <p:ph idx="1"/>
+          </p:nvPr>
+        </p:nvSpPr>
+        <p:spPr/>
+        <p:txBody>
+          <a:bodyPr/>
+          <a:lstStyle/>
+          <a:p>
+            <a:r>
+              <a:rPr lang="en-US" altLang="zh-HK" dirty="0" err="1"/>
+              <a:t>phpMyAdmin</a:t>
+            </a:r>
+            <a:r>
+              <a:rPr lang="en-US" altLang="zh-HK" dirty="0"/>
+              <a:t> is a free software tool written in </a:t>
+            </a:r>
+            <a:r>
+              <a:rPr lang="en-US" altLang="zh-HK" dirty="0">
+                <a:hlinkClick r:id="rId2"/>
+              </a:rPr>
+              <a:t>PHP</a:t>
+            </a:r>
+            <a:r>
+              <a:rPr lang="en-US" altLang="zh-HK" dirty="0"/>
+              <a:t>, intended to handle the administration of </a:t>
+            </a:r>
+            <a:r>
+              <a:rPr lang="en-US" altLang="zh-HK" dirty="0">
+                <a:hlinkClick r:id="rId3"/>
+              </a:rPr>
+              <a:t>MySQL</a:t>
+            </a:r>
+            <a:r>
+              <a:rPr lang="en-US" altLang="zh-HK" dirty="0"/>
+              <a:t> over the Web</a:t>
+            </a:r>
+            <a:r>
+              <a:rPr lang="en-US" altLang="zh-HK" dirty="0" smtClean="0"/>
+              <a:t>.</a:t>
+            </a:r>
+          </a:p>
+          <a:p>
+            <a:r>
+              <a:rPr lang="en-US" altLang="zh-HK" dirty="0" err="1" smtClean="0"/>
+              <a:t>phpMyAdmin</a:t>
+            </a:r>
+            <a:r>
+              <a:rPr lang="en-US" altLang="zh-HK" dirty="0" smtClean="0"/>
+              <a:t> </a:t>
+            </a:r>
+            <a:r>
+              <a:rPr lang="en-US" altLang="zh-HK" dirty="0"/>
+              <a:t>supports a wide range of operations on MySQL and </a:t>
+            </a:r>
+            <a:r>
+              <a:rPr lang="en-US" altLang="zh-HK" dirty="0" err="1"/>
+              <a:t>MariaDB</a:t>
+            </a:r>
+            <a:r>
+              <a:rPr lang="en-US" altLang="zh-HK" dirty="0"/>
+              <a:t>. </a:t>
+            </a:r>
+            <a:endParaRPr lang="en-US" altLang="zh-HK" dirty="0" smtClean="0"/>
+          </a:p>
+          <a:p>
+            <a:r>
+              <a:rPr lang="en-US" altLang="zh-HK" dirty="0" smtClean="0"/>
+              <a:t>Frequently </a:t>
+            </a:r>
+            <a:r>
+              <a:rPr lang="en-US" altLang="zh-HK" dirty="0"/>
+              <a:t>used operations (managing databases, tables, columns, relations, indexes, users, permissions, </a:t>
+            </a:r>
+            <a:r>
+              <a:rPr lang="en-US" altLang="zh-HK" dirty="0" err="1"/>
+              <a:t>etc</a:t>
+            </a:r>
+            <a:r>
+              <a:rPr lang="en-US" altLang="zh-HK" dirty="0"/>
+              <a:t>) can be performed via the user interface, while you still have the ability to directly execute any SQL statement.</a:t>
+            </a:r>
+            <a:endParaRPr lang="zh-HK" altLang="en-US" dirty="0"/>
+          </a:p>
+        </p:txBody>
+      </p:sp>
+    </p:spTree>
+    <p:extLst>
+      <p:ext uri="{BB962C8B-B14F-4D97-AF65-F5344CB8AC3E}">
+        <p14:creationId xmlns:p14="http://schemas.microsoft.com/office/powerpoint/2010/main" val="2906271551"/>
+      </p:ext>
+    </p:extLst>
+  </p:cSld>
+  <p:clrMapOvr>
+    <a:masterClrMapping/>
+  </p:clrMapOvr>
+</p:sld>
+</file>
+
+<file path=ppt/slides/slide6.xml><?xml version="1.0" encoding="utf-8"?>
+<p:sld xmlns:a="http://schemas.openxmlformats.org/drawingml/2006/main" xmlns:r="http://schemas.openxmlformats.org/officeDocument/2006/relationships" xmlns:p="http://schemas.openxmlformats.org/presentationml/2006/main">
+  <p:cSld>
+    <p:spTree>
+      <p:nvGrpSpPr>
+        <p:cNvPr id="1" name=""/>
+        <p:cNvGrpSpPr/>
+        <p:nvPr/>
+      </p:nvGrpSpPr>
+      <p:grpSpPr>
+        <a:xfrm>
+          <a:off x="0" y="0"/>
+          <a:ext cx="0" cy="0"/>
+          <a:chOff x="0" y="0"/>
+          <a:chExt cx="0" cy="0"/>
+        </a:xfrm>
+      </p:grpSpPr>
+      <p:sp>
+        <p:nvSpPr>
+          <p:cNvPr id="2" name="Title 1"/>
+          <p:cNvSpPr>
+            <a:spLocks noGrp="1"/>
+          </p:cNvSpPr>
+          <p:nvPr>
+            <p:ph type="title"/>
+          </p:nvPr>
+        </p:nvSpPr>
+        <p:spPr/>
+        <p:txBody>
+          <a:bodyPr/>
+          <a:lstStyle/>
+          <a:p>
+            <a:r>
+              <a:rPr lang="en-US" altLang="zh-HK" dirty="0" err="1" smtClean="0"/>
+              <a:t>PhpMyAdmin</a:t>
+            </a:r>
+            <a:r>
+              <a:rPr lang="en-US" altLang="zh-HK" dirty="0" smtClean="0"/>
+              <a:t> login</a:t>
+            </a:r>
+            <a:endParaRPr lang="zh-HK" altLang="en-US" dirty="0"/>
+          </a:p>
+        </p:txBody>
+      </p:sp>
+      <p:sp>
+        <p:nvSpPr>
+          <p:cNvPr id="3" name="Content Placeholder 2"/>
+          <p:cNvSpPr>
+            <a:spLocks noGrp="1"/>
+          </p:cNvSpPr>
+          <p:nvPr>
+            <p:ph idx="1"/>
+          </p:nvPr>
+        </p:nvSpPr>
+        <p:spPr/>
+        <p:txBody>
+          <a:bodyPr/>
+          <a:lstStyle/>
+          <a:p>
+            <a:r>
+              <a:rPr lang="en-US" altLang="zh-HK" dirty="0" err="1" smtClean="0"/>
+              <a:t>AppServe</a:t>
+            </a:r>
+            <a:r>
+              <a:rPr lang="en-US" altLang="zh-HK" dirty="0" smtClean="0"/>
+              <a:t>: </a:t>
+            </a:r>
+            <a:r>
+              <a:rPr lang="en-US" altLang="zh-HK" dirty="0" smtClean="0"/>
+              <a:t>localhost:8080/</a:t>
+            </a:r>
+            <a:r>
+              <a:rPr lang="en-US" altLang="zh-HK" dirty="0" err="1" smtClean="0"/>
+              <a:t>phpmyadmin</a:t>
+            </a:r>
+            <a:endParaRPr lang="en-US" altLang="zh-HK" dirty="0" smtClean="0"/>
+          </a:p>
+          <a:p>
+            <a:r>
+              <a:rPr lang="en-US" altLang="zh-HK" dirty="0" err="1"/>
+              <a:t>AppServe</a:t>
+            </a:r>
+            <a:r>
+              <a:rPr lang="en-US" altLang="zh-HK" dirty="0"/>
+              <a:t>: </a:t>
+            </a:r>
+            <a:r>
+              <a:rPr lang="en-US" altLang="zh-HK" dirty="0" smtClean="0"/>
+              <a:t>root / password</a:t>
+            </a:r>
+          </a:p>
+          <a:p>
+            <a:endParaRPr lang="en-US" altLang="zh-HK" dirty="0"/>
+          </a:p>
+          <a:p>
+            <a:r>
+              <a:rPr lang="en-US" altLang="zh-HK" dirty="0"/>
+              <a:t>XAMPP: </a:t>
+            </a:r>
+            <a:r>
+              <a:rPr lang="en-US" altLang="zh-HK" dirty="0" err="1" smtClean="0"/>
+              <a:t>localhost</a:t>
+            </a:r>
+            <a:r>
+              <a:rPr lang="en-US" altLang="zh-HK" dirty="0" smtClean="0"/>
+              <a:t>/</a:t>
+            </a:r>
+            <a:r>
+              <a:rPr lang="en-US" altLang="zh-HK" dirty="0" err="1" smtClean="0"/>
+              <a:t>phpmyadmin</a:t>
+            </a:r>
+            <a:endParaRPr lang="en-US" altLang="zh-HK" dirty="0" smtClean="0"/>
+          </a:p>
+          <a:p>
+            <a:r>
+              <a:rPr lang="en-US" altLang="zh-HK" dirty="0" smtClean="0"/>
+              <a:t>XAMPP: root / </a:t>
+            </a:r>
+            <a:r>
+              <a:rPr lang="en-US" altLang="zh-HK" dirty="0" smtClean="0"/>
+              <a:t>(no password)</a:t>
+            </a:r>
+            <a:endParaRPr lang="en-US" altLang="zh-HK" dirty="0"/>
+          </a:p>
+        </p:txBody>
+      </p:sp>
+    </p:spTree>
+    <p:extLst>
+      <p:ext uri="{BB962C8B-B14F-4D97-AF65-F5344CB8AC3E}">
+        <p14:creationId xmlns:p14="http://schemas.microsoft.com/office/powerpoint/2010/main" val="2455026348"/>
+      </p:ext>
+    </p:extLst>
+  </p:cSld>
+  <p:clrMapOvr>
+    <a:masterClrMapping/>
+  </p:clrMapOvr>
+</p:sld>
+</file>
+
+<file path=ppt/slides/slide7.xml><?xml version="1.0" encoding="utf-8"?>
+<p:sld xmlns:a="http://schemas.openxmlformats.org/drawingml/2006/main" xmlns:r="http://schemas.openxmlformats.org/officeDocument/2006/relationships" xmlns:p="http://schemas.openxmlformats.org/presentationml/2006/main">
+  <p:cSld>
+    <p:spTree>
+      <p:nvGrpSpPr>
+        <p:cNvPr id="1" name=""/>
+        <p:cNvGrpSpPr/>
+        <p:nvPr/>
+      </p:nvGrpSpPr>
+      <p:grpSpPr>
+        <a:xfrm>
+          <a:off x="0" y="0"/>
+          <a:ext cx="0" cy="0"/>
+          <a:chOff x="0" y="0"/>
+          <a:chExt cx="0" cy="0"/>
+        </a:xfrm>
+      </p:grpSpPr>
+      <p:sp>
+        <p:nvSpPr>
+          <p:cNvPr id="2" name="Title 1"/>
+          <p:cNvSpPr>
+            <a:spLocks noGrp="1"/>
+          </p:cNvSpPr>
+          <p:nvPr>
+            <p:ph type="title"/>
+          </p:nvPr>
+        </p:nvSpPr>
+        <p:spPr/>
+        <p:txBody>
+          <a:bodyPr/>
+          <a:lstStyle/>
+          <a:p>
+            <a:endParaRPr lang="zh-HK" altLang="en-US"/>
+          </a:p>
+        </p:txBody>
+      </p:sp>
+      <p:pic>
+        <p:nvPicPr>
+          <p:cNvPr id="4" name="Content Placeholder 3"/>
+          <p:cNvPicPr>
+            <a:picLocks noGrp="1" noChangeAspect="1"/>
+          </p:cNvPicPr>
+          <p:nvPr>
+            <p:ph idx="1"/>
+          </p:nvPr>
+        </p:nvPicPr>
+        <p:blipFill>
+          <a:blip r:embed="rId2"/>
+          <a:stretch>
+            <a:fillRect/>
+          </a:stretch>
+        </p:blipFill>
+        <p:spPr>
+          <a:xfrm>
+            <a:off x="323527" y="284815"/>
+            <a:ext cx="7325647" cy="2856153"/>
+          </a:xfrm>
+          <a:prstGeom prst="rect">
+            <a:avLst/>
+          </a:prstGeom>
+        </p:spPr>
+      </p:pic>
+      <p:pic>
+        <p:nvPicPr>
+          <p:cNvPr id="5" name="Picture 4"/>
+          <p:cNvPicPr>
+            <a:picLocks noChangeAspect="1"/>
+          </p:cNvPicPr>
+          <p:nvPr/>
+        </p:nvPicPr>
+        <p:blipFill>
+          <a:blip r:embed="rId3"/>
+          <a:stretch>
+            <a:fillRect/>
+          </a:stretch>
+        </p:blipFill>
+        <p:spPr>
+          <a:xfrm>
+            <a:off x="5478721" y="2204864"/>
+            <a:ext cx="3569260" cy="4467994"/>
+          </a:xfrm>
+          <a:prstGeom prst="rect">
+            <a:avLst/>
+          </a:prstGeom>
+        </p:spPr>
+      </p:pic>
+    </p:spTree>
+    <p:extLst>
+      <p:ext uri="{BB962C8B-B14F-4D97-AF65-F5344CB8AC3E}">
+        <p14:creationId xmlns:p14="http://schemas.microsoft.com/office/powerpoint/2010/main" val="995376848"/>
+      </p:ext>
+    </p:extLst>
+  </p:cSld>
+  <p:clrMapOvr>
+    <a:masterClrMapping/>
+  </p:clrMapOvr>
+</p:sld>
+</file>
+
+<file path=ppt/slides/slide8.xml><?xml version="1.0" encoding="utf-8"?>
+<p:sld xmlns:a="http://schemas.openxmlformats.org/drawingml/2006/main" xmlns:r="http://schemas.openxmlformats.org/officeDocument/2006/relationships" xmlns:p="http://schemas.openxmlformats.org/presentationml/2006/main">
+  <p:cSld>
+    <p:spTree>
+      <p:nvGrpSpPr>
+        <p:cNvPr id="1" name=""/>
+        <p:cNvGrpSpPr/>
+        <p:nvPr/>
+      </p:nvGrpSpPr>
+      <p:grpSpPr>
+        <a:xfrm>
+          <a:off x="0" y="0"/>
+          <a:ext cx="0" cy="0"/>
+          <a:chOff x="0" y="0"/>
+          <a:chExt cx="0" cy="0"/>
+        </a:xfrm>
+      </p:grpSpPr>
+      <p:sp>
+        <p:nvSpPr>
+          <p:cNvPr id="2" name="Title 1"/>
+          <p:cNvSpPr>
+            <a:spLocks noGrp="1"/>
+          </p:cNvSpPr>
+          <p:nvPr>
+            <p:ph type="title"/>
+          </p:nvPr>
+        </p:nvSpPr>
+        <p:spPr/>
+        <p:txBody>
+          <a:bodyPr/>
+          <a:lstStyle/>
+          <a:p>
+            <a:endParaRPr lang="zh-HK" altLang="en-US"/>
+          </a:p>
+        </p:txBody>
+      </p:sp>
+      <p:pic>
+        <p:nvPicPr>
+          <p:cNvPr id="4" name="Content Placeholder 3"/>
+          <p:cNvPicPr>
+            <a:picLocks noGrp="1" noChangeAspect="1"/>
+          </p:cNvPicPr>
+          <p:nvPr>
+            <p:ph idx="1"/>
+          </p:nvPr>
+        </p:nvPicPr>
+        <p:blipFill>
+          <a:blip r:embed="rId2"/>
+          <a:stretch>
+            <a:fillRect/>
+          </a:stretch>
+        </p:blipFill>
+        <p:spPr>
+          <a:xfrm>
+            <a:off x="1735330" y="2667000"/>
+            <a:ext cx="6198803" cy="3332163"/>
+          </a:xfrm>
+          <a:prstGeom prst="rect">
+            <a:avLst/>
+          </a:prstGeom>
+        </p:spPr>
+      </p:pic>
+    </p:spTree>
+    <p:extLst>
+      <p:ext uri="{BB962C8B-B14F-4D97-AF65-F5344CB8AC3E}">
+        <p14:creationId xmlns:p14="http://schemas.microsoft.com/office/powerpoint/2010/main" val="882646070"/>
       </p:ext>
     </p:extLst>
   </p:cSld>
@@ -11689,13 +11830,39 @@
           <a:lstStyle/>
           <a:p>
             <a:r>
-              <a:rPr lang="en-US" dirty="0" err="1" smtClean="0"/>
-              <a:t>db.php</a:t>
+              <a:rPr lang="en-US" dirty="0" smtClean="0"/>
+              <a:t>Database</a:t>
             </a:r>
             <a:endParaRPr lang="en-US" dirty="0"/>
           </a:p>
         </p:txBody>
       </p:sp>
+      <p:pic>
+        <p:nvPicPr>
+          <p:cNvPr id="4" name="Content Placeholder 3"/>
+          <p:cNvPicPr>
+            <a:picLocks noGrp="1" noChangeAspect="1"/>
+          </p:cNvPicPr>
+          <p:nvPr>
+            <p:ph sz="half" idx="1"/>
+          </p:nvPr>
+        </p:nvPicPr>
+        <p:blipFill>
+          <a:blip r:embed="rId2"/>
+          <a:stretch>
+            <a:fillRect/>
+          </a:stretch>
+        </p:blipFill>
+        <p:spPr>
+          <a:xfrm>
+            <a:off x="810816" y="2124869"/>
+            <a:ext cx="4337248" cy="3752850"/>
+          </a:xfrm>
+          <a:prstGeom prst="rect">
+            <a:avLst/>
+          </a:prstGeom>
+        </p:spPr>
+      </p:pic>
       <p:sp>
         <p:nvSpPr>
           <p:cNvPr id="5" name="Content Placeholder 4"/>
@@ -11703,7 +11870,7 @@
             <a:spLocks noGrp="1"/>
           </p:cNvSpPr>
           <p:nvPr>
-            <p:ph idx="1"/>
+            <p:ph sz="half" idx="2"/>
           </p:nvPr>
         </p:nvSpPr>
         <p:spPr/>
@@ -11712,92 +11879,8 @@
           <a:lstStyle/>
           <a:p>
             <a:r>
-              <a:rPr lang="en-US" dirty="0"/>
-              <a:t>&lt;?</a:t>
-            </a:r>
-            <a:r>
-              <a:rPr lang="en-US" dirty="0" err="1"/>
-              <a:t>php</a:t>
-            </a:r>
-            <a:endParaRPr lang="en-US" dirty="0"/>
-          </a:p>
-          <a:p>
-            <a:r>
-              <a:rPr lang="en-US" dirty="0"/>
-              <a:t>//</a:t>
-            </a:r>
-            <a:r>
-              <a:rPr lang="en-US" dirty="0" err="1"/>
-              <a:t>db.inc.php</a:t>
-            </a:r>
-            <a:endParaRPr lang="en-US" dirty="0"/>
-          </a:p>
-          <a:p>
-            <a:r>
-              <a:rPr lang="en-US" dirty="0"/>
-              <a:t>$</a:t>
-            </a:r>
-            <a:r>
-              <a:rPr lang="en-US" dirty="0" err="1"/>
-              <a:t>db_hostname</a:t>
-            </a:r>
-            <a:r>
-              <a:rPr lang="en-US" dirty="0"/>
-              <a:t>="</a:t>
-            </a:r>
-            <a:r>
-              <a:rPr lang="en-US" dirty="0" err="1"/>
-              <a:t>localhost</a:t>
-            </a:r>
-            <a:r>
-              <a:rPr lang="en-US" dirty="0"/>
-              <a:t>";</a:t>
-            </a:r>
-          </a:p>
-          <a:p>
-            <a:r>
-              <a:rPr lang="en-US" dirty="0"/>
-              <a:t>$</a:t>
-            </a:r>
-            <a:r>
-              <a:rPr lang="en-US" dirty="0" err="1"/>
-              <a:t>db_username</a:t>
-            </a:r>
-            <a:r>
-              <a:rPr lang="en-US" dirty="0"/>
-              <a:t>="root";</a:t>
-            </a:r>
-          </a:p>
-          <a:p>
-            <a:r>
-              <a:rPr lang="en-US" dirty="0"/>
-              <a:t>$</a:t>
-            </a:r>
-            <a:r>
-              <a:rPr lang="en-US" dirty="0" err="1"/>
-              <a:t>db_password</a:t>
-            </a:r>
-            <a:r>
-              <a:rPr lang="en-US" dirty="0"/>
-              <a:t>="password";</a:t>
-            </a:r>
-          </a:p>
-          <a:p>
-            <a:r>
-              <a:rPr lang="en-US" dirty="0"/>
-              <a:t>$</a:t>
-            </a:r>
-            <a:r>
-              <a:rPr lang="en-US" dirty="0" err="1"/>
-              <a:t>db_database</a:t>
-            </a:r>
-            <a:r>
-              <a:rPr lang="en-US" dirty="0"/>
-              <a:t>="test</a:t>
-            </a:r>
-            <a:r>
               <a:rPr lang="en-US" dirty="0" smtClean="0"/>
-              <a:t>";</a:t>
+              <a:t>If no “test” database, then create one “test” database first.</a:t>
             </a:r>
             <a:endParaRPr lang="en-US" dirty="0"/>
           </a:p>
@@ -11806,7 +11889,7 @@
     </p:spTree>
     <p:extLst>
       <p:ext uri="{BB962C8B-B14F-4D97-AF65-F5344CB8AC3E}">
-        <p14:creationId xmlns:p14="http://schemas.microsoft.com/office/powerpoint/2010/main" val="1350774816"/>
+        <p14:creationId xmlns:p14="http://schemas.microsoft.com/office/powerpoint/2010/main" val="1050654858"/>
       </p:ext>
     </p:extLst>
   </p:cSld>

--- a/php-fw9/SMS.pptx
+++ b/php-fw9/SMS.pptx
@@ -646,7 +646,7 @@
               </a14:hiddenFill>
             </a:ext>
             <a:ext uri="{FAA26D3D-D897-4be2-8F04-BA451C77F1D7}">
-              <ma14:placeholderFlag xmlns="" xmlns:ma14="http://schemas.microsoft.com/office/mac/drawingml/2011/main" val="1"/>
+              <ma14:placeholderFlag xmlns:ma14="http://schemas.microsoft.com/office/mac/drawingml/2011/main" val="1"/>
             </a:ext>
           </a:extLst>
         </p:spPr>
@@ -1188,7 +1188,7 @@
               </a14:hiddenLine>
             </a:ext>
             <a:ext uri="{FAA26D3D-D897-4be2-8F04-BA451C77F1D7}">
-              <ma14:placeholderFlag xmlns="" xmlns:ma14="http://schemas.microsoft.com/office/mac/drawingml/2011/main" val="1"/>
+              <ma14:placeholderFlag xmlns:ma14="http://schemas.microsoft.com/office/mac/drawingml/2011/main" val="1"/>
             </a:ext>
           </a:extLst>
         </p:spPr>
@@ -1443,7 +1443,7 @@
               </a14:hiddenLine>
             </a:ext>
             <a:ext uri="{FAA26D3D-D897-4be2-8F04-BA451C77F1D7}">
-              <ma14:placeholderFlag xmlns="" xmlns:ma14="http://schemas.microsoft.com/office/mac/drawingml/2011/main" val="1"/>
+              <ma14:placeholderFlag xmlns:ma14="http://schemas.microsoft.com/office/mac/drawingml/2011/main" val="1"/>
             </a:ext>
           </a:extLst>
         </p:spPr>
@@ -7526,7 +7526,7 @@
               </a14:hiddenLine>
             </a:ext>
             <a:ext uri="{FAA26D3D-D897-4be2-8F04-BA451C77F1D7}">
-              <ma14:placeholderFlag xmlns="" xmlns:ma14="http://schemas.microsoft.com/office/mac/drawingml/2011/main" val="1"/>
+              <ma14:placeholderFlag xmlns:ma14="http://schemas.microsoft.com/office/mac/drawingml/2011/main" val="1"/>
             </a:ext>
           </a:extLst>
         </p:spPr>
@@ -7587,7 +7587,7 @@
               </a14:hiddenLine>
             </a:ext>
             <a:ext uri="{FAA26D3D-D897-4be2-8F04-BA451C77F1D7}">
-              <ma14:placeholderFlag xmlns="" xmlns:ma14="http://schemas.microsoft.com/office/mac/drawingml/2011/main" val="1"/>
+              <ma14:placeholderFlag xmlns:ma14="http://schemas.microsoft.com/office/mac/drawingml/2011/main" val="1"/>
             </a:ext>
           </a:extLst>
         </p:spPr>
@@ -9912,7 +9912,6 @@
               <a:rPr lang="en-US" dirty="0" smtClean="0"/>
               <a:t>[…]</a:t>
             </a:r>
-            <a:endParaRPr lang="en-US" dirty="0" smtClean="0"/>
           </a:p>
           <a:p>
             <a:r>
@@ -10180,12 +10179,13 @@
               <a:rPr lang="en-US" dirty="0" err="1" smtClean="0"/>
               <a:t>db.php</a:t>
             </a:r>
-            <a:endParaRPr lang="en-US" dirty="0"/>
-          </a:p>
-          <a:p>
             <a:r>
               <a:rPr lang="en-US" dirty="0" smtClean="0"/>
-              <a:t>Save as </a:t>
+              <a:t>.  Save </a:t>
+            </a:r>
+            <a:r>
+              <a:rPr lang="en-US" dirty="0" smtClean="0"/>
+              <a:t>as </a:t>
             </a:r>
             <a:r>
               <a:rPr lang="en-US" dirty="0" err="1" smtClean="0"/>
@@ -10194,7 +10194,11 @@
             <a:endParaRPr lang="en-US" dirty="0" smtClean="0"/>
           </a:p>
           <a:p>
-            <a:endParaRPr lang="en-US" dirty="0"/>
+            <a:r>
+              <a:rPr lang="en-US" smtClean="0"/>
+              <a:t>sms_readall.php</a:t>
+            </a:r>
+            <a:endParaRPr lang="en-US"/>
           </a:p>
         </p:txBody>
       </p:sp>
@@ -10627,6 +10631,25 @@
           <a:lstStyle/>
           <a:p>
             <a:r>
+              <a:rPr lang="en-US" altLang="zh-HK" dirty="0" smtClean="0"/>
+              <a:t>Open </a:t>
+            </a:r>
+            <a:r>
+              <a:rPr lang="en-US" altLang="zh-HK" dirty="0" err="1" smtClean="0"/>
+              <a:t>sms_readone.php</a:t>
+            </a:r>
+            <a:r>
+              <a:rPr lang="en-US" altLang="zh-HK" dirty="0" smtClean="0"/>
+              <a:t>, save as </a:t>
+            </a:r>
+            <a:r>
+              <a:rPr lang="en-US" altLang="zh-HK" dirty="0" err="1" smtClean="0"/>
+              <a:t>sms_delete.php</a:t>
+            </a:r>
+            <a:endParaRPr lang="en-US" altLang="zh-HK" dirty="0" smtClean="0"/>
+          </a:p>
+          <a:p>
+            <a:r>
               <a:rPr lang="en-US" altLang="zh-HK" dirty="0" err="1" smtClean="0"/>
               <a:t>sms_delete.php</a:t>
             </a:r>
@@ -10719,6 +10742,31 @@
         <p:txBody>
           <a:bodyPr/>
           <a:lstStyle/>
+          <a:p>
+            <a:r>
+              <a:rPr lang="en-US" altLang="zh-HK" dirty="0"/>
+              <a:t>Open </a:t>
+            </a:r>
+            <a:r>
+              <a:rPr lang="en-US" altLang="zh-HK" dirty="0" err="1" smtClean="0"/>
+              <a:t>sms_create.php</a:t>
+            </a:r>
+            <a:r>
+              <a:rPr lang="en-US" altLang="zh-HK" dirty="0"/>
+              <a:t>, save as </a:t>
+            </a:r>
+            <a:r>
+              <a:rPr lang="en-US" altLang="zh-HK" dirty="0" err="1" smtClean="0"/>
+              <a:t>sms_update.php</a:t>
+            </a:r>
+            <a:endParaRPr lang="en-US" altLang="zh-HK" dirty="0" smtClean="0"/>
+          </a:p>
+          <a:p>
+            <a:r>
+              <a:rPr lang="en-US" altLang="zh-HK" dirty="0" smtClean="0"/>
+              <a:t>Add hidden field</a:t>
+            </a:r>
+          </a:p>
           <a:p>
             <a:r>
               <a:rPr lang="en-US" altLang="zh-HK" dirty="0" err="1" smtClean="0"/>
@@ -11549,11 +11597,7 @@
             </a:r>
             <a:r>
               <a:rPr lang="en-US" altLang="zh-HK" dirty="0" smtClean="0"/>
-              <a:t>: </a:t>
-            </a:r>
-            <a:r>
-              <a:rPr lang="en-US" altLang="zh-HK" dirty="0" smtClean="0"/>
-              <a:t>localhost:8080/</a:t>
+              <a:t>: localhost:8080/</a:t>
             </a:r>
             <a:r>
               <a:rPr lang="en-US" altLang="zh-HK" dirty="0" err="1" smtClean="0"/>
@@ -11600,11 +11644,7 @@
           <a:p>
             <a:r>
               <a:rPr lang="en-US" altLang="zh-HK" dirty="0" smtClean="0"/>
-              <a:t>XAMPP: root / </a:t>
-            </a:r>
-            <a:r>
-              <a:rPr lang="en-US" altLang="zh-HK" dirty="0" smtClean="0"/>
-              <a:t>(no password)</a:t>
+              <a:t>XAMPP: root / (no password)</a:t>
             </a:r>
             <a:endParaRPr lang="en-US" altLang="zh-HK" dirty="0"/>
           </a:p>
